--- a/발표자료_중안2.pptx
+++ b/발표자료_중안2.pptx
@@ -5,10 +5,10 @@
     <p:sldMasterId id="2147483648" r:id="rId1"/>
   </p:sldMasterIdLst>
   <p:notesMasterIdLst>
-    <p:notesMasterId r:id="rId37"/>
+    <p:notesMasterId r:id="rId38"/>
   </p:notesMasterIdLst>
   <p:handoutMasterIdLst>
-    <p:handoutMasterId r:id="rId38"/>
+    <p:handoutMasterId r:id="rId39"/>
   </p:handoutMasterIdLst>
   <p:sldIdLst>
     <p:sldId id="256" r:id="rId2"/>
@@ -43,9 +43,10 @@
     <p:sldId id="791" r:id="rId31"/>
     <p:sldId id="792" r:id="rId32"/>
     <p:sldId id="788" r:id="rId33"/>
-    <p:sldId id="773" r:id="rId34"/>
-    <p:sldId id="774" r:id="rId35"/>
-    <p:sldId id="756" r:id="rId36"/>
+    <p:sldId id="793" r:id="rId34"/>
+    <p:sldId id="773" r:id="rId35"/>
+    <p:sldId id="774" r:id="rId36"/>
+    <p:sldId id="756" r:id="rId37"/>
   </p:sldIdLst>
   <p:sldSz cx="12192000" cy="6858000"/>
   <p:notesSz cx="9926638" cy="6797675"/>
@@ -260,7 +261,7 @@
           <a:p>
             <a:fld id="{3B901715-3D7B-428B-8384-4092A176B88E}" type="datetimeFigureOut">
               <a:rPr lang="ko-KR" altLang="en-US" smtClean="0"/>
-              <a:t>2020-08-15</a:t>
+              <a:t>2020-08-16</a:t>
             </a:fld>
             <a:endParaRPr lang="ko-KR" altLang="en-US"/>
           </a:p>
@@ -425,7 +426,7 @@
           <a:p>
             <a:fld id="{60BA251A-FC6C-4AD2-B979-CF895E41FE4D}" type="datetimeFigureOut">
               <a:rPr lang="ko-KR" altLang="en-US" smtClean="0"/>
-              <a:t>2020-08-15</a:t>
+              <a:t>2020-08-16</a:t>
             </a:fld>
             <a:endParaRPr lang="ko-KR" altLang="en-US"/>
           </a:p>
@@ -1232,7 +1233,7 @@
           <a:p>
             <a:fld id="{F0DADE21-F735-44C3-8A56-A2F19925A42D}" type="datetimeFigureOut">
               <a:rPr lang="ko-KR" altLang="en-US" smtClean="0"/>
-              <a:t>2020-08-15</a:t>
+              <a:t>2020-08-16</a:t>
             </a:fld>
             <a:endParaRPr lang="ko-KR" altLang="en-US"/>
           </a:p>
@@ -4401,8 +4402,8 @@
           </a:p>
         </p:txBody>
       </p:sp>
-      <mc:AlternateContent xmlns:mc="http://schemas.openxmlformats.org/markup-compatibility/2006" xmlns:a14="http://schemas.microsoft.com/office/drawing/2010/main">
-        <mc:Choice Requires="a14">
+      <mc:AlternateContent xmlns:mc="http://schemas.openxmlformats.org/markup-compatibility/2006">
+        <mc:Choice xmlns:a14="http://schemas.microsoft.com/office/drawing/2010/main" Requires="a14">
           <p:sp>
             <p:nvSpPr>
               <p:cNvPr id="2" name="TextBox 1"/>
@@ -4490,7 +4491,7 @@
                             </a:solidFill>
                             <a:latin typeface="Cambria Math" panose="02040503050406030204" pitchFamily="18" charset="0"/>
                           </a:rPr>
-                          <m:t>𝒌𝑾</m:t>
+                          <m:t>𝑾</m:t>
                         </m:r>
                       </m:e>
                     </m:d>
@@ -4619,7 +4620,7 @@
             </p:txBody>
           </p:sp>
         </mc:Choice>
-        <mc:Fallback xmlns="">
+        <mc:Fallback>
           <p:sp>
             <p:nvSpPr>
               <p:cNvPr id="2" name="TextBox 1"/>
@@ -4637,7 +4638,7 @@
                 <a:avLst/>
               </a:prstGeom>
               <a:blipFill>
-                <a:blip r:embed="rId3"/>
+                <a:blip r:embed="rId2"/>
                 <a:stretch>
                   <a:fillRect l="-1008" t="-8197" b="-24590"/>
                 </a:stretch>
@@ -4658,8 +4659,8 @@
           </p:sp>
         </mc:Fallback>
       </mc:AlternateContent>
-      <mc:AlternateContent xmlns:mc="http://schemas.openxmlformats.org/markup-compatibility/2006" xmlns:a14="http://schemas.microsoft.com/office/drawing/2010/main">
-        <mc:Choice Requires="a14">
+      <mc:AlternateContent xmlns:mc="http://schemas.openxmlformats.org/markup-compatibility/2006">
+        <mc:Choice xmlns:a14="http://schemas.microsoft.com/office/drawing/2010/main" Requires="a14">
           <p:sp>
             <p:nvSpPr>
               <p:cNvPr id="10" name="TextBox 9"/>
@@ -4669,7 +4670,7 @@
             <p:spPr>
               <a:xfrm>
                 <a:off x="1554480" y="2856652"/>
-                <a:ext cx="5902037" cy="369332"/>
+                <a:ext cx="5902037" cy="372410"/>
               </a:xfrm>
               <a:prstGeom prst="rect">
                 <a:avLst/>
@@ -4734,7 +4735,7 @@
                         </a:solidFill>
                         <a:latin typeface="Cambria Math" panose="02040503050406030204" pitchFamily="18" charset="0"/>
                       </a:rPr>
-                      <m:t>𝑘𝑊</m:t>
+                      <m:t>𝑊</m:t>
                     </m:r>
                     <m:r>
                       <a:rPr lang="en-US" altLang="ko-KR" b="0" i="1" smtClean="0">
@@ -4787,7 +4788,7 @@
                             </a:solidFill>
                             <a:latin typeface="Cambria Math" panose="02040503050406030204" pitchFamily="18" charset="0"/>
                           </a:rPr>
-                          <m:t>2</m:t>
+                          <m:t>5</m:t>
                         </m:r>
                       </m:sup>
                     </m:sSup>
@@ -4810,7 +4811,7 @@
             </p:txBody>
           </p:sp>
         </mc:Choice>
-        <mc:Fallback xmlns="">
+        <mc:Fallback>
           <p:sp>
             <p:nvSpPr>
               <p:cNvPr id="10" name="TextBox 9"/>
@@ -4822,15 +4823,15 @@
             <p:spPr>
               <a:xfrm>
                 <a:off x="1554480" y="2856652"/>
-                <a:ext cx="5902037" cy="369332"/>
+                <a:ext cx="5902037" cy="372410"/>
               </a:xfrm>
               <a:prstGeom prst="rect">
                 <a:avLst/>
               </a:prstGeom>
               <a:blipFill>
-                <a:blip r:embed="rId4"/>
+                <a:blip r:embed="rId3"/>
                 <a:stretch>
-                  <a:fillRect t="-10000" b="-26667"/>
+                  <a:fillRect t="-9836" b="-24590"/>
                 </a:stretch>
               </a:blipFill>
             </p:spPr>
@@ -5214,8 +5215,8 @@
           </p:sp>
         </mc:Fallback>
       </mc:AlternateContent>
-      <mc:AlternateContent xmlns:mc="http://schemas.openxmlformats.org/markup-compatibility/2006" xmlns:a14="http://schemas.microsoft.com/office/drawing/2010/main">
-        <mc:Choice Requires="a14">
+      <mc:AlternateContent xmlns:mc="http://schemas.openxmlformats.org/markup-compatibility/2006">
+        <mc:Choice xmlns:a14="http://schemas.microsoft.com/office/drawing/2010/main" Requires="a14">
           <p:sp>
             <p:nvSpPr>
               <p:cNvPr id="13" name="TextBox 12"/>
@@ -5296,6 +5297,15 @@
                         </m:ctrlPr>
                       </m:dPr>
                       <m:e>
+                        <m:r>
+                          <a:rPr lang="en-US" altLang="ko-KR" b="1" i="1" smtClean="0">
+                            <a:solidFill>
+                              <a:schemeClr val="accent2"/>
+                            </a:solidFill>
+                            <a:latin typeface="Cambria Math" panose="02040503050406030204" pitchFamily="18" charset="0"/>
+                          </a:rPr>
+                          <m:t>𝒌</m:t>
+                        </m:r>
                         <m:r>
                           <a:rPr lang="en-US" altLang="ko-KR" b="1" i="1" smtClean="0">
                             <a:solidFill>
@@ -5432,7 +5442,7 @@
             </p:txBody>
           </p:sp>
         </mc:Choice>
-        <mc:Fallback xmlns="">
+        <mc:Fallback>
           <p:sp>
             <p:nvSpPr>
               <p:cNvPr id="13" name="TextBox 12"/>
@@ -5471,8 +5481,8 @@
           </p:sp>
         </mc:Fallback>
       </mc:AlternateContent>
-      <mc:AlternateContent xmlns:mc="http://schemas.openxmlformats.org/markup-compatibility/2006" xmlns:a14="http://schemas.microsoft.com/office/drawing/2010/main">
-        <mc:Choice Requires="a14">
+      <mc:AlternateContent xmlns:mc="http://schemas.openxmlformats.org/markup-compatibility/2006">
+        <mc:Choice xmlns:a14="http://schemas.microsoft.com/office/drawing/2010/main" Requires="a14">
           <p:sp>
             <p:nvSpPr>
               <p:cNvPr id="18" name="TextBox 17"/>
@@ -5482,7 +5492,7 @@
             <p:spPr>
               <a:xfrm>
                 <a:off x="1554480" y="4566397"/>
-                <a:ext cx="5902037" cy="372410"/>
+                <a:ext cx="5902037" cy="369332"/>
               </a:xfrm>
               <a:prstGeom prst="rect">
                 <a:avLst/>
@@ -5547,6 +5557,15 @@
                         </a:solidFill>
                         <a:latin typeface="Cambria Math" panose="02040503050406030204" pitchFamily="18" charset="0"/>
                       </a:rPr>
+                      <m:t>𝑘</m:t>
+                    </m:r>
+                    <m:r>
+                      <a:rPr lang="en-US" altLang="ko-KR" b="0" i="1" smtClean="0">
+                        <a:solidFill>
+                          <a:schemeClr val="accent2"/>
+                        </a:solidFill>
+                        <a:latin typeface="Cambria Math" panose="02040503050406030204" pitchFamily="18" charset="0"/>
+                      </a:rPr>
                       <m:t>𝑊</m:t>
                     </m:r>
                     <m:r>
@@ -5600,7 +5619,7 @@
                             </a:solidFill>
                             <a:latin typeface="Cambria Math" panose="02040503050406030204" pitchFamily="18" charset="0"/>
                           </a:rPr>
-                          <m:t>5</m:t>
+                          <m:t>2</m:t>
                         </m:r>
                       </m:sup>
                     </m:sSup>
@@ -5623,7 +5642,7 @@
             </p:txBody>
           </p:sp>
         </mc:Choice>
-        <mc:Fallback xmlns="">
+        <mc:Fallback>
           <p:sp>
             <p:nvSpPr>
               <p:cNvPr id="18" name="TextBox 17"/>
@@ -5635,7 +5654,7 @@
             <p:spPr>
               <a:xfrm>
                 <a:off x="1554480" y="4566397"/>
-                <a:ext cx="5902037" cy="372410"/>
+                <a:ext cx="5902037" cy="369332"/>
               </a:xfrm>
               <a:prstGeom prst="rect">
                 <a:avLst/>
@@ -6019,8 +6038,8 @@
         </p:nvSpPr>
         <p:spPr>
           <a:xfrm>
-            <a:off x="6966372" y="1156803"/>
-            <a:ext cx="4887267" cy="1200329"/>
+            <a:off x="6906509" y="230822"/>
+            <a:ext cx="4887267" cy="1477328"/>
           </a:xfrm>
           <a:prstGeom prst="rect">
             <a:avLst/>
@@ -6114,71 +6133,41 @@
               </a:rPr>
               <a:t>200  </a:t>
             </a:r>
+            <a:endParaRPr lang="en-US" altLang="ko-KR" b="1" dirty="0" smtClean="0">
+              <a:solidFill>
+                <a:srgbClr val="00B050"/>
+              </a:solidFill>
+            </a:endParaRPr>
           </a:p>
           <a:p>
             <a:pPr algn="ctr"/>
-            <a:r>
-              <a:rPr lang="ko-KR" altLang="en-US" b="1" dirty="0" err="1" smtClean="0">
+            <a:endParaRPr lang="en-US" altLang="ko-KR" b="1" dirty="0">
+              <a:solidFill>
+                <a:srgbClr val="00B050"/>
+              </a:solidFill>
+            </a:endParaRPr>
+          </a:p>
+          <a:p>
+            <a:pPr algn="ctr"/>
+            <a:r>
+              <a:rPr lang="ko-KR" altLang="en-US" b="1" dirty="0" smtClean="0">
                 <a:solidFill>
                   <a:srgbClr val="00B050"/>
                 </a:solidFill>
               </a:rPr>
-              <a:t>차중</a:t>
-            </a:r>
-            <a:r>
-              <a:rPr lang="ko-KR" altLang="en-US" b="1" dirty="0" smtClean="0">
-                <a:solidFill>
-                  <a:srgbClr val="00B050"/>
-                </a:solidFill>
-              </a:rPr>
-              <a:t> </a:t>
-            </a:r>
-            <a:r>
-              <a:rPr lang="en-US" altLang="ko-KR" b="1" dirty="0" smtClean="0">
-                <a:solidFill>
-                  <a:srgbClr val="00B050"/>
-                </a:solidFill>
-              </a:rPr>
-              <a:t>1200  (</a:t>
-            </a:r>
-            <a:r>
-              <a:rPr lang="ko-KR" altLang="en-US" b="1" dirty="0" smtClean="0">
-                <a:solidFill>
-                  <a:srgbClr val="00B050"/>
-                </a:solidFill>
-              </a:rPr>
-              <a:t>실행 완료</a:t>
-            </a:r>
-            <a:r>
-              <a:rPr lang="en-US" altLang="ko-KR" b="1" dirty="0">
-                <a:solidFill>
-                  <a:srgbClr val="00B050"/>
-                </a:solidFill>
-              </a:rPr>
-              <a:t>, </a:t>
-            </a:r>
-            <a:r>
-              <a:rPr lang="ko-KR" altLang="en-US" b="1" dirty="0" err="1" smtClean="0">
-                <a:solidFill>
-                  <a:srgbClr val="00B050"/>
-                </a:solidFill>
-              </a:rPr>
-              <a:t>데스크탑</a:t>
-            </a:r>
-            <a:r>
-              <a:rPr lang="en-US" altLang="ko-KR" b="1" dirty="0" smtClean="0">
-                <a:solidFill>
-                  <a:srgbClr val="00B050"/>
-                </a:solidFill>
-              </a:rPr>
-              <a:t>) </a:t>
-            </a:r>
+              <a:t>완료 </a:t>
+            </a:r>
+            <a:endParaRPr lang="en-US" altLang="ko-KR" b="1" dirty="0" smtClean="0">
+              <a:solidFill>
+                <a:srgbClr val="00B050"/>
+              </a:solidFill>
+            </a:endParaRPr>
           </a:p>
         </p:txBody>
       </p:sp>
       <p:pic>
         <p:nvPicPr>
-          <p:cNvPr id="6" name="그림 5"/>
+          <p:cNvPr id="3" name="그림 2"/>
           <p:cNvPicPr>
             <a:picLocks noChangeAspect="1"/>
           </p:cNvPicPr>
@@ -6198,8 +6187,8 @@
         </p:blipFill>
         <p:spPr>
           <a:xfrm>
-            <a:off x="5892800" y="2475111"/>
-            <a:ext cx="5156200" cy="3683000"/>
+            <a:off x="5571029" y="2390864"/>
+            <a:ext cx="6282610" cy="3664856"/>
           </a:xfrm>
           <a:prstGeom prst="rect">
             <a:avLst/>
@@ -9598,7 +9587,7 @@
                   <a:srgbClr val="00B050"/>
                 </a:solidFill>
               </a:rPr>
-              <a:t>다시 돌리기</a:t>
+              <a:t>완료</a:t>
             </a:r>
             <a:r>
               <a:rPr lang="en-US" altLang="ko-KR" b="1" dirty="0" smtClean="0">
@@ -9606,31 +9595,7 @@
                   <a:srgbClr val="00B050"/>
                 </a:solidFill>
               </a:rPr>
-              <a:t>,</a:t>
-            </a:r>
-            <a:r>
-              <a:rPr lang="ko-KR" altLang="en-US" b="1" dirty="0" smtClean="0">
-                <a:solidFill>
-                  <a:srgbClr val="00B050"/>
-                </a:solidFill>
-              </a:rPr>
               <a:t> </a:t>
-            </a:r>
-            <a:r>
-              <a:rPr lang="ko-KR" altLang="en-US" b="1" dirty="0" err="1" smtClean="0">
-                <a:solidFill>
-                  <a:srgbClr val="00B050"/>
-                </a:solidFill>
-              </a:rPr>
-              <a:t>데스크탑</a:t>
-            </a:r>
-            <a:r>
-              <a:rPr lang="en-US" altLang="ko-KR" b="1" dirty="0" smtClean="0">
-                <a:solidFill>
-                  <a:srgbClr val="00B050"/>
-                </a:solidFill>
-              </a:rPr>
-              <a:t>  </a:t>
             </a:r>
             <a:endParaRPr lang="en-US" altLang="ko-KR" b="1" dirty="0">
               <a:solidFill>
@@ -9642,7 +9607,7 @@
       </p:sp>
       <p:pic>
         <p:nvPicPr>
-          <p:cNvPr id="6" name="그림 5"/>
+          <p:cNvPr id="3" name="그림 2"/>
           <p:cNvPicPr>
             <a:picLocks noChangeAspect="1"/>
           </p:cNvPicPr>
@@ -9662,8 +9627,8 @@
         </p:blipFill>
         <p:spPr>
           <a:xfrm>
-            <a:off x="4996952" y="2296816"/>
-            <a:ext cx="6750392" cy="3937729"/>
+            <a:off x="4833668" y="2258845"/>
+            <a:ext cx="6815485" cy="3975700"/>
           </a:xfrm>
           <a:prstGeom prst="rect">
             <a:avLst/>
@@ -11361,7 +11326,7 @@
       </p:sp>
       <p:pic>
         <p:nvPicPr>
-          <p:cNvPr id="6" name="그림 5"/>
+          <p:cNvPr id="3" name="그림 2"/>
           <p:cNvPicPr>
             <a:picLocks noChangeAspect="1"/>
           </p:cNvPicPr>
@@ -11381,8 +11346,8 @@
         </p:blipFill>
         <p:spPr>
           <a:xfrm>
-            <a:off x="602882" y="1828800"/>
-            <a:ext cx="5789605" cy="4052724"/>
+            <a:off x="508000" y="1803402"/>
+            <a:ext cx="5986356" cy="4190450"/>
           </a:xfrm>
           <a:prstGeom prst="rect">
             <a:avLst/>
@@ -13750,7 +13715,15 @@
                   <a:srgbClr val="00B050"/>
                 </a:solidFill>
               </a:rPr>
-              <a:t> 실행 중</a:t>
+              <a:t> </a:t>
+            </a:r>
+            <a:r>
+              <a:rPr lang="ko-KR" altLang="en-US" b="1" dirty="0" smtClean="0">
+                <a:solidFill>
+                  <a:srgbClr val="00B050"/>
+                </a:solidFill>
+              </a:rPr>
+              <a:t>완료</a:t>
             </a:r>
             <a:r>
               <a:rPr lang="en-US" altLang="ko-KR" b="1" dirty="0" smtClean="0">
@@ -13786,7 +13759,7 @@
       </p:sp>
       <p:pic>
         <p:nvPicPr>
-          <p:cNvPr id="3" name="그림 2"/>
+          <p:cNvPr id="6" name="그림 5"/>
           <p:cNvPicPr>
             <a:picLocks noChangeAspect="1"/>
           </p:cNvPicPr>
@@ -13806,8 +13779,8 @@
         </p:blipFill>
         <p:spPr>
           <a:xfrm>
-            <a:off x="6128249" y="2028884"/>
-            <a:ext cx="5537956" cy="3876570"/>
+            <a:off x="5850832" y="2028884"/>
+            <a:ext cx="5703286" cy="3992300"/>
           </a:xfrm>
           <a:prstGeom prst="rect">
             <a:avLst/>
@@ -18326,8 +18299,8 @@
         </p:nvSpPr>
         <p:spPr>
           <a:xfrm>
-            <a:off x="1284916" y="6367961"/>
-            <a:ext cx="5342832" cy="646331"/>
+            <a:off x="768642" y="5354640"/>
+            <a:ext cx="5342832" cy="1477328"/>
           </a:xfrm>
           <a:prstGeom prst="rect">
             <a:avLst/>
@@ -18352,7 +18325,15 @@
                   <a:srgbClr val="00B050"/>
                 </a:solidFill>
               </a:rPr>
-              <a:t>일반화에 대한 중요성 및 개념 설명</a:t>
+              <a:t>일반화에 대한 중요성 및 개념 </a:t>
+            </a:r>
+            <a:r>
+              <a:rPr lang="ko-KR" altLang="en-US" b="1" dirty="0" smtClean="0">
+                <a:solidFill>
+                  <a:srgbClr val="00B050"/>
+                </a:solidFill>
+              </a:rPr>
+              <a:t>설명</a:t>
             </a:r>
             <a:endParaRPr lang="en-US" altLang="ko-KR" b="1" dirty="0" smtClean="0">
               <a:solidFill>
@@ -18362,13 +18343,37 @@
           </a:p>
           <a:p>
             <a:pPr algn="ctr"/>
+            <a:endParaRPr lang="en-US" altLang="ko-KR" b="1" dirty="0" smtClean="0">
+              <a:solidFill>
+                <a:srgbClr val="00B050"/>
+              </a:solidFill>
+            </a:endParaRPr>
+          </a:p>
+          <a:p>
+            <a:pPr algn="ctr"/>
+            <a:r>
+              <a:rPr lang="ko-KR" altLang="en-US" b="1" dirty="0" err="1" smtClean="0">
+                <a:solidFill>
+                  <a:srgbClr val="00B050"/>
+                </a:solidFill>
+              </a:rPr>
+              <a:t>차중</a:t>
+            </a:r>
+            <a:r>
+              <a:rPr lang="ko-KR" altLang="en-US" b="1" dirty="0" smtClean="0">
+                <a:solidFill>
+                  <a:srgbClr val="00B050"/>
+                </a:solidFill>
+              </a:rPr>
+              <a:t> </a:t>
+            </a:r>
             <a:r>
               <a:rPr lang="en-US" altLang="ko-KR" b="1" dirty="0" smtClean="0">
                 <a:solidFill>
                   <a:srgbClr val="00B050"/>
                 </a:solidFill>
               </a:rPr>
-              <a:t>generalization</a:t>
+              <a:t>1200</a:t>
             </a:r>
             <a:r>
               <a:rPr lang="ko-KR" altLang="en-US" b="1" dirty="0" smtClean="0">
@@ -18376,7 +18381,95 @@
                   <a:srgbClr val="00B050"/>
                 </a:solidFill>
               </a:rPr>
-              <a:t> </a:t>
+              <a:t>에 대한 </a:t>
+            </a:r>
+            <a:r>
+              <a:rPr lang="ko-KR" altLang="en-US" b="1" dirty="0" err="1" smtClean="0">
+                <a:solidFill>
+                  <a:srgbClr val="00B050"/>
+                </a:solidFill>
+              </a:rPr>
+              <a:t>재실험</a:t>
+            </a:r>
+            <a:r>
+              <a:rPr lang="ko-KR" altLang="en-US" b="1" dirty="0" smtClean="0">
+                <a:solidFill>
+                  <a:srgbClr val="00B050"/>
+                </a:solidFill>
+              </a:rPr>
+              <a:t> 필요함 </a:t>
+            </a:r>
+            <a:endParaRPr lang="en-US" altLang="ko-KR" b="1" dirty="0">
+              <a:solidFill>
+                <a:srgbClr val="00B050"/>
+              </a:solidFill>
+            </a:endParaRPr>
+          </a:p>
+          <a:p>
+            <a:pPr algn="ctr"/>
+            <a:r>
+              <a:rPr lang="ko-KR" altLang="en-US" b="1" dirty="0" smtClean="0">
+                <a:solidFill>
+                  <a:srgbClr val="00B050"/>
+                </a:solidFill>
+              </a:rPr>
+              <a:t>실험 중 </a:t>
+            </a:r>
+            <a:endParaRPr lang="en-US" altLang="ko-KR" b="1" dirty="0" smtClean="0">
+              <a:solidFill>
+                <a:srgbClr val="00B050"/>
+              </a:solidFill>
+            </a:endParaRPr>
+          </a:p>
+          <a:p>
+            <a:pPr algn="ctr"/>
+            <a:r>
+              <a:rPr lang="en-US" altLang="ko-KR" b="1" dirty="0" err="1" smtClean="0">
+                <a:solidFill>
+                  <a:srgbClr val="00B050"/>
+                </a:solidFill>
+              </a:rPr>
+              <a:t>Generalization_final</a:t>
+            </a:r>
+            <a:r>
+              <a:rPr lang="en-US" altLang="ko-KR" b="1" dirty="0" smtClean="0">
+                <a:solidFill>
+                  <a:srgbClr val="00B050"/>
+                </a:solidFill>
+              </a:rPr>
+              <a:t>/</a:t>
+            </a:r>
+            <a:r>
+              <a:rPr lang="ko-KR" altLang="en-US" b="1" dirty="0" smtClean="0">
+                <a:solidFill>
+                  <a:srgbClr val="00B050"/>
+                </a:solidFill>
+              </a:rPr>
+              <a:t>  </a:t>
+            </a:r>
+            <a:r>
+              <a:rPr lang="en-US" altLang="ko-KR" b="1" dirty="0" smtClean="0">
+                <a:solidFill>
+                  <a:srgbClr val="00B050"/>
+                </a:solidFill>
+              </a:rPr>
+              <a:t>(</a:t>
+            </a:r>
+            <a:r>
+              <a:rPr lang="ko-KR" altLang="en-US" b="1" dirty="0" err="1" smtClean="0">
+                <a:solidFill>
+                  <a:srgbClr val="00B050"/>
+                </a:solidFill>
+              </a:rPr>
+              <a:t>데스크탑</a:t>
+            </a:r>
+            <a:r>
+              <a:rPr lang="en-US" altLang="ko-KR" b="1" dirty="0" smtClean="0">
+                <a:solidFill>
+                  <a:srgbClr val="00B050"/>
+                </a:solidFill>
+              </a:rPr>
+              <a:t>)</a:t>
             </a:r>
             <a:endParaRPr lang="en-US" altLang="ko-KR" b="1" dirty="0" smtClean="0">
               <a:solidFill>
@@ -20747,7 +20840,7 @@
         <p:spPr>
           <a:xfrm>
             <a:off x="3424584" y="5802869"/>
-            <a:ext cx="5342832" cy="369332"/>
+            <a:ext cx="5342832" cy="923330"/>
           </a:xfrm>
           <a:prstGeom prst="rect">
             <a:avLst/>
@@ -20767,12 +20860,31 @@
           <a:p>
             <a:pPr algn="ctr"/>
             <a:r>
+              <a:rPr lang="en-US" altLang="ko-KR" b="1" dirty="0" err="1" smtClean="0">
+                <a:solidFill>
+                  <a:srgbClr val="00B050"/>
+                </a:solidFill>
+              </a:rPr>
+              <a:t>Generalization_final</a:t>
+            </a:r>
+            <a:r>
               <a:rPr lang="en-US" altLang="ko-KR" b="1" dirty="0" smtClean="0">
                 <a:solidFill>
                   <a:srgbClr val="00B050"/>
                 </a:solidFill>
               </a:rPr>
-              <a:t>(visualization training)</a:t>
+              <a:t> </a:t>
+            </a:r>
+          </a:p>
+          <a:p>
+            <a:pPr algn="ctr"/>
+            <a:r>
+              <a:rPr lang="ko-KR" altLang="en-US" b="1" dirty="0" err="1" smtClean="0">
+                <a:solidFill>
+                  <a:srgbClr val="00B050"/>
+                </a:solidFill>
+              </a:rPr>
+              <a:t>차중</a:t>
             </a:r>
             <a:r>
               <a:rPr lang="ko-KR" altLang="en-US" b="1" dirty="0" smtClean="0">
@@ -20780,7 +20892,39 @@
                   <a:srgbClr val="00B050"/>
                 </a:solidFill>
               </a:rPr>
-              <a:t> </a:t>
+              <a:t> 올려서 다시 하기 </a:t>
+            </a:r>
+            <a:endParaRPr lang="en-US" altLang="ko-KR" b="1" dirty="0">
+              <a:solidFill>
+                <a:srgbClr val="00B050"/>
+              </a:solidFill>
+            </a:endParaRPr>
+          </a:p>
+          <a:p>
+            <a:pPr algn="ctr"/>
+            <a:r>
+              <a:rPr lang="en-US" altLang="ko-KR" b="1" dirty="0" smtClean="0">
+                <a:solidFill>
+                  <a:srgbClr val="00B050"/>
+                </a:solidFill>
+              </a:rPr>
+              <a:t>(</a:t>
+            </a:r>
+            <a:r>
+              <a:rPr lang="ko-KR" altLang="en-US" b="1" dirty="0" err="1" smtClean="0">
+                <a:solidFill>
+                  <a:srgbClr val="00B050"/>
+                </a:solidFill>
+              </a:rPr>
+              <a:t>데스크탑</a:t>
+            </a:r>
+            <a:r>
+              <a:rPr lang="en-US" altLang="ko-KR" b="1" dirty="0" smtClean="0">
+                <a:solidFill>
+                  <a:srgbClr val="00B050"/>
+                </a:solidFill>
+              </a:rPr>
+              <a:t>)</a:t>
             </a:r>
             <a:endParaRPr lang="en-US" altLang="ko-KR" b="1" dirty="0" smtClean="0">
               <a:solidFill>
@@ -21650,14 +21794,38 @@
           <a:p>
             <a:pPr algn="ctr"/>
             <a:r>
+              <a:rPr lang="ko-KR" altLang="en-US" b="1" dirty="0" err="1" smtClean="0">
+                <a:solidFill>
+                  <a:srgbClr val="00B050"/>
+                </a:solidFill>
+              </a:rPr>
+              <a:t>차중</a:t>
+            </a:r>
+            <a:r>
+              <a:rPr lang="ko-KR" altLang="en-US" b="1" dirty="0">
+                <a:solidFill>
+                  <a:srgbClr val="00B050"/>
+                </a:solidFill>
+              </a:rPr>
+              <a:t> </a:t>
+            </a:r>
+            <a:r>
+              <a:rPr lang="en-US" altLang="ko-KR" b="1" dirty="0" smtClean="0">
+                <a:solidFill>
+                  <a:srgbClr val="00B050"/>
+                </a:solidFill>
+              </a:rPr>
+              <a:t>1200 </a:t>
+            </a:r>
+            <a:r>
               <a:rPr lang="ko-KR" altLang="en-US" b="1" dirty="0" smtClean="0">
                 <a:solidFill>
                   <a:srgbClr val="00B050"/>
                 </a:solidFill>
               </a:rPr>
-              <a:t>실행 중 </a:t>
-            </a:r>
-            <a:endParaRPr lang="en-US" altLang="ko-KR" b="1" dirty="0" smtClean="0">
+              <a:t>다시 해야함 </a:t>
+            </a:r>
+            <a:endParaRPr lang="en-US" altLang="ko-KR" b="1" dirty="0">
               <a:solidFill>
                 <a:srgbClr val="00B050"/>
               </a:solidFill>
@@ -22958,7 +23126,7 @@
         <p:spPr>
           <a:xfrm>
             <a:off x="155505" y="4877762"/>
-            <a:ext cx="5342832" cy="1200329"/>
+            <a:ext cx="5342832" cy="1477328"/>
           </a:xfrm>
           <a:prstGeom prst="rect">
             <a:avLst/>
@@ -23081,6 +23249,46 @@
           </a:p>
           <a:p>
             <a:pPr algn="ctr"/>
+            <a:endParaRPr lang="en-US" altLang="ko-KR" b="1" dirty="0" smtClean="0">
+              <a:solidFill>
+                <a:srgbClr val="00B050"/>
+              </a:solidFill>
+            </a:endParaRPr>
+          </a:p>
+          <a:p>
+            <a:pPr algn="ctr"/>
+            <a:r>
+              <a:rPr lang="ko-KR" altLang="en-US" b="1" dirty="0" err="1">
+                <a:solidFill>
+                  <a:srgbClr val="00B050"/>
+                </a:solidFill>
+              </a:rPr>
+              <a:t>차중</a:t>
+            </a:r>
+            <a:r>
+              <a:rPr lang="ko-KR" altLang="en-US" b="1" dirty="0">
+                <a:solidFill>
+                  <a:srgbClr val="00B050"/>
+                </a:solidFill>
+              </a:rPr>
+              <a:t> </a:t>
+            </a:r>
+            <a:r>
+              <a:rPr lang="en-US" altLang="ko-KR" b="1" dirty="0">
+                <a:solidFill>
+                  <a:srgbClr val="00B050"/>
+                </a:solidFill>
+              </a:rPr>
+              <a:t>1200 </a:t>
+            </a:r>
+            <a:r>
+              <a:rPr lang="ko-KR" altLang="en-US" b="1" dirty="0">
+                <a:solidFill>
+                  <a:srgbClr val="00B050"/>
+                </a:solidFill>
+              </a:rPr>
+              <a:t>다시 해야함</a:t>
+            </a:r>
             <a:endParaRPr lang="en-US" altLang="ko-KR" b="1" dirty="0">
               <a:solidFill>
                 <a:srgbClr val="00B050"/>
@@ -24866,7 +25074,7 @@
         <p:spPr>
           <a:xfrm>
             <a:off x="155505" y="4877762"/>
-            <a:ext cx="5342832" cy="1200329"/>
+            <a:ext cx="5342832" cy="1477328"/>
           </a:xfrm>
           <a:prstGeom prst="rect">
             <a:avLst/>
@@ -24989,6 +25197,46 @@
           </a:p>
           <a:p>
             <a:pPr algn="ctr"/>
+            <a:endParaRPr lang="en-US" altLang="ko-KR" b="1" dirty="0" smtClean="0">
+              <a:solidFill>
+                <a:srgbClr val="00B050"/>
+              </a:solidFill>
+            </a:endParaRPr>
+          </a:p>
+          <a:p>
+            <a:pPr algn="ctr"/>
+            <a:r>
+              <a:rPr lang="ko-KR" altLang="en-US" b="1" dirty="0" err="1">
+                <a:solidFill>
+                  <a:srgbClr val="00B050"/>
+                </a:solidFill>
+              </a:rPr>
+              <a:t>차중</a:t>
+            </a:r>
+            <a:r>
+              <a:rPr lang="ko-KR" altLang="en-US" b="1" dirty="0">
+                <a:solidFill>
+                  <a:srgbClr val="00B050"/>
+                </a:solidFill>
+              </a:rPr>
+              <a:t> </a:t>
+            </a:r>
+            <a:r>
+              <a:rPr lang="en-US" altLang="ko-KR" b="1" dirty="0">
+                <a:solidFill>
+                  <a:srgbClr val="00B050"/>
+                </a:solidFill>
+              </a:rPr>
+              <a:t>1200 </a:t>
+            </a:r>
+            <a:r>
+              <a:rPr lang="ko-KR" altLang="en-US" b="1" dirty="0">
+                <a:solidFill>
+                  <a:srgbClr val="00B050"/>
+                </a:solidFill>
+              </a:rPr>
+              <a:t>다시 해야함</a:t>
+            </a:r>
             <a:endParaRPr lang="en-US" altLang="ko-KR" b="1" dirty="0">
               <a:solidFill>
                 <a:srgbClr val="00B050"/>
@@ -26465,7 +26713,7 @@
         <p:spPr>
           <a:xfrm>
             <a:off x="6738590" y="300263"/>
-            <a:ext cx="5342832" cy="1200329"/>
+            <a:ext cx="5342832" cy="1477328"/>
           </a:xfrm>
           <a:prstGeom prst="rect">
             <a:avLst/>
@@ -26580,6 +26828,46 @@
           </a:p>
           <a:p>
             <a:pPr algn="ctr"/>
+            <a:endParaRPr lang="en-US" altLang="ko-KR" b="1" dirty="0" smtClean="0">
+              <a:solidFill>
+                <a:srgbClr val="00B050"/>
+              </a:solidFill>
+            </a:endParaRPr>
+          </a:p>
+          <a:p>
+            <a:pPr algn="ctr"/>
+            <a:r>
+              <a:rPr lang="ko-KR" altLang="en-US" b="1" dirty="0" err="1">
+                <a:solidFill>
+                  <a:srgbClr val="00B050"/>
+                </a:solidFill>
+              </a:rPr>
+              <a:t>차중</a:t>
+            </a:r>
+            <a:r>
+              <a:rPr lang="ko-KR" altLang="en-US" b="1" dirty="0">
+                <a:solidFill>
+                  <a:srgbClr val="00B050"/>
+                </a:solidFill>
+              </a:rPr>
+              <a:t> </a:t>
+            </a:r>
+            <a:r>
+              <a:rPr lang="en-US" altLang="ko-KR" b="1" dirty="0">
+                <a:solidFill>
+                  <a:srgbClr val="00B050"/>
+                </a:solidFill>
+              </a:rPr>
+              <a:t>1200 </a:t>
+            </a:r>
+            <a:r>
+              <a:rPr lang="ko-KR" altLang="en-US" b="1" dirty="0">
+                <a:solidFill>
+                  <a:srgbClr val="00B050"/>
+                </a:solidFill>
+              </a:rPr>
+              <a:t>다시 해야함</a:t>
+            </a:r>
             <a:endParaRPr lang="en-US" altLang="ko-KR" b="1" dirty="0">
               <a:solidFill>
                 <a:srgbClr val="00B050"/>
@@ -30518,7 +30806,7 @@
         <p:spPr>
           <a:xfrm>
             <a:off x="6738590" y="4220016"/>
-            <a:ext cx="5342832" cy="1200329"/>
+            <a:ext cx="5342832" cy="2031325"/>
           </a:xfrm>
           <a:prstGeom prst="rect">
             <a:avLst/>
@@ -30538,20 +30826,12 @@
           <a:p>
             <a:pPr algn="ctr"/>
             <a:r>
-              <a:rPr lang="en-US" altLang="ko-KR" b="1" dirty="0" err="1" smtClean="0">
+              <a:rPr lang="en-US" altLang="ko-KR" b="1" dirty="0" smtClean="0">
                 <a:solidFill>
                   <a:srgbClr val="00B050"/>
                 </a:solidFill>
               </a:rPr>
-              <a:t>DDPG_rewardfactor_comparison</a:t>
-            </a:r>
-            <a:r>
-              <a:rPr lang="en-US" altLang="ko-KR" b="1" dirty="0" smtClean="0">
-                <a:solidFill>
-                  <a:srgbClr val="00B050"/>
-                </a:solidFill>
-              </a:rPr>
-              <a:t>/</a:t>
+              <a:t>DDPG_rewardfactor_comparison2/</a:t>
             </a:r>
             <a:r>
               <a:rPr lang="en-US" altLang="ko-KR" b="1" dirty="0" err="1" smtClean="0">
@@ -30646,7 +30926,122 @@
                   <a:srgbClr val="00B050"/>
                 </a:solidFill>
               </a:rPr>
-              <a:t>2)</a:t>
+              <a:t>2</a:t>
+            </a:r>
+            <a:r>
+              <a:rPr lang="en-US" altLang="ko-KR" b="1" dirty="0" smtClean="0">
+                <a:solidFill>
+                  <a:srgbClr val="00B050"/>
+                </a:solidFill>
+              </a:rPr>
+              <a:t>)</a:t>
+            </a:r>
+          </a:p>
+          <a:p>
+            <a:pPr algn="ctr"/>
+            <a:endParaRPr lang="en-US" altLang="ko-KR" b="1" dirty="0">
+              <a:solidFill>
+                <a:srgbClr val="00B050"/>
+              </a:solidFill>
+            </a:endParaRPr>
+          </a:p>
+          <a:p>
+            <a:pPr algn="ctr"/>
+            <a:r>
+              <a:rPr lang="ko-KR" altLang="en-US" b="1" dirty="0" err="1">
+                <a:solidFill>
+                  <a:srgbClr val="00B050"/>
+                </a:solidFill>
+              </a:rPr>
+              <a:t>차중</a:t>
+            </a:r>
+            <a:r>
+              <a:rPr lang="ko-KR" altLang="en-US" b="1" dirty="0">
+                <a:solidFill>
+                  <a:srgbClr val="00B050"/>
+                </a:solidFill>
+              </a:rPr>
+              <a:t> </a:t>
+            </a:r>
+            <a:r>
+              <a:rPr lang="en-US" altLang="ko-KR" b="1" dirty="0">
+                <a:solidFill>
+                  <a:srgbClr val="00B050"/>
+                </a:solidFill>
+              </a:rPr>
+              <a:t>1200 </a:t>
+            </a:r>
+            <a:r>
+              <a:rPr lang="ko-KR" altLang="en-US" b="1" dirty="0">
+                <a:solidFill>
+                  <a:srgbClr val="00B050"/>
+                </a:solidFill>
+              </a:rPr>
+              <a:t>다시 </a:t>
+            </a:r>
+            <a:r>
+              <a:rPr lang="ko-KR" altLang="en-US" b="1" dirty="0" smtClean="0">
+                <a:solidFill>
+                  <a:srgbClr val="00B050"/>
+                </a:solidFill>
+              </a:rPr>
+              <a:t>해야함</a:t>
+            </a:r>
+            <a:endParaRPr lang="en-US" altLang="ko-KR" b="1" dirty="0" smtClean="0">
+              <a:solidFill>
+                <a:srgbClr val="00B050"/>
+              </a:solidFill>
+            </a:endParaRPr>
+          </a:p>
+          <a:p>
+            <a:pPr algn="ctr"/>
+            <a:r>
+              <a:rPr lang="en-US" altLang="ko-KR" b="1" dirty="0" smtClean="0">
+                <a:solidFill>
+                  <a:srgbClr val="00B050"/>
+                </a:solidFill>
+              </a:rPr>
+              <a:t>(</a:t>
+            </a:r>
+            <a:r>
+              <a:rPr lang="ko-KR" altLang="en-US" b="1" dirty="0" smtClean="0">
+                <a:solidFill>
+                  <a:srgbClr val="00B050"/>
+                </a:solidFill>
+              </a:rPr>
+              <a:t>노트북 </a:t>
+            </a:r>
+            <a:r>
+              <a:rPr lang="en-US" altLang="ko-KR" b="1" dirty="0" smtClean="0">
+                <a:solidFill>
+                  <a:srgbClr val="00B050"/>
+                </a:solidFill>
+              </a:rPr>
+              <a:t>1, </a:t>
+            </a:r>
+            <a:r>
+              <a:rPr lang="ko-KR" altLang="en-US" b="1" dirty="0" smtClean="0">
+                <a:solidFill>
+                  <a:srgbClr val="00B050"/>
+                </a:solidFill>
+              </a:rPr>
+              <a:t>실행 중</a:t>
+            </a:r>
+            <a:r>
+              <a:rPr lang="en-US" altLang="ko-KR" b="1" dirty="0" smtClean="0">
+                <a:solidFill>
+                  <a:srgbClr val="00B050"/>
+                </a:solidFill>
+              </a:rPr>
+              <a:t>) </a:t>
+            </a:r>
+            <a:r>
+              <a:rPr lang="en-US" altLang="ko-KR" b="1" dirty="0" smtClean="0">
+                <a:solidFill>
+                  <a:srgbClr val="00B050"/>
+                </a:solidFill>
+              </a:rPr>
+              <a:t> </a:t>
             </a:r>
             <a:endParaRPr lang="en-US" altLang="ko-KR" b="1" dirty="0">
               <a:solidFill>
@@ -31432,8 +31827,8 @@
         </p:nvSpPr>
         <p:spPr>
           <a:xfrm>
-            <a:off x="6849168" y="2054122"/>
-            <a:ext cx="5342832" cy="923330"/>
+            <a:off x="7138610" y="3577826"/>
+            <a:ext cx="5342832" cy="1754326"/>
           </a:xfrm>
           <a:prstGeom prst="rect">
             <a:avLst/>
@@ -31453,13 +31848,37 @@
           <a:p>
             <a:pPr algn="ctr"/>
             <a:r>
-              <a:rPr lang="ko-KR" altLang="en-US" b="1" dirty="0" smtClean="0">
+              <a:rPr lang="en-US" altLang="ko-KR" b="1" dirty="0" err="1" smtClean="0">
                 <a:solidFill>
                   <a:srgbClr val="00B050"/>
                 </a:solidFill>
               </a:rPr>
-              <a:t>이론과 그림 설명 </a:t>
-            </a:r>
+              <a:t>DDPG_adaptive_rewardfactor</a:t>
+            </a:r>
+            <a:r>
+              <a:rPr lang="en-US" altLang="ko-KR" b="1" dirty="0" smtClean="0">
+                <a:solidFill>
+                  <a:srgbClr val="00B050"/>
+                </a:solidFill>
+              </a:rPr>
+              <a:t>/</a:t>
+            </a:r>
+            <a:r>
+              <a:rPr lang="en-US" altLang="ko-KR" b="1" dirty="0" err="1" smtClean="0">
+                <a:solidFill>
+                  <a:srgbClr val="00B050"/>
+                </a:solidFill>
+              </a:rPr>
+              <a:t>post_process</a:t>
+            </a:r>
+            <a:endParaRPr lang="en-US" altLang="ko-KR" b="1" dirty="0">
+              <a:solidFill>
+                <a:srgbClr val="00B050"/>
+              </a:solidFill>
+            </a:endParaRPr>
+          </a:p>
+          <a:p>
+            <a:pPr algn="ctr"/>
             <a:r>
               <a:rPr lang="en-US" altLang="ko-KR" b="1" dirty="0" smtClean="0">
                 <a:solidFill>
@@ -31481,46 +31900,23 @@
                   <a:srgbClr val="00B050"/>
                 </a:solidFill>
               </a:rPr>
-              <a:t/>
-            </a:r>
-            <a:br>
+              <a:t>(</a:t>
+            </a:r>
+            <a:r>
+              <a:rPr lang="ko-KR" altLang="en-US" b="1" dirty="0" smtClean="0">
+                <a:solidFill>
+                  <a:srgbClr val="00B050"/>
+                </a:solidFill>
+              </a:rPr>
+              <a:t>린스타트업과 같은 피드백 루프로 설명</a:t>
+            </a:r>
+            <a:r>
               <a:rPr lang="en-US" altLang="ko-KR" b="1" dirty="0" smtClean="0">
                 <a:solidFill>
                   <a:srgbClr val="00B050"/>
                 </a:solidFill>
               </a:rPr>
-            </a:br>
-            <a:r>
-              <a:rPr lang="en-US" altLang="ko-KR" b="1" dirty="0" smtClean="0">
-                <a:solidFill>
-                  <a:srgbClr val="00B050"/>
-                </a:solidFill>
-              </a:rPr>
-              <a:t>(</a:t>
-            </a:r>
-            <a:r>
-              <a:rPr lang="ko-KR" altLang="en-US" b="1" dirty="0" smtClean="0">
-                <a:solidFill>
-                  <a:srgbClr val="00B050"/>
-                </a:solidFill>
-              </a:rPr>
-              <a:t>린스타트업과 같은 피드백 루프로 설명</a:t>
-            </a:r>
-            <a:r>
-              <a:rPr lang="en-US" altLang="ko-KR" b="1" dirty="0" smtClean="0">
-                <a:solidFill>
-                  <a:srgbClr val="00B050"/>
-                </a:solidFill>
-              </a:rPr>
               <a:t>) </a:t>
-            </a:r>
-            <a:r>
-              <a:rPr lang="ko-KR" altLang="en-US" b="1" dirty="0" smtClean="0">
-                <a:solidFill>
-                  <a:srgbClr val="00B050"/>
-                </a:solidFill>
-              </a:rPr>
-              <a:t>  </a:t>
             </a:r>
             <a:endParaRPr lang="en-US" altLang="ko-KR" b="1" dirty="0" smtClean="0">
               <a:solidFill>
@@ -31528,56 +31924,696 @@
               </a:solidFill>
             </a:endParaRPr>
           </a:p>
+          <a:p>
+            <a:pPr algn="ctr"/>
+            <a:endParaRPr lang="en-US" altLang="ko-KR" b="1" dirty="0" smtClean="0">
+              <a:solidFill>
+                <a:srgbClr val="00B050"/>
+              </a:solidFill>
+            </a:endParaRPr>
+          </a:p>
+          <a:p>
+            <a:pPr algn="ctr"/>
+            <a:r>
+              <a:rPr lang="ko-KR" altLang="en-US" b="1" dirty="0" err="1">
+                <a:solidFill>
+                  <a:srgbClr val="00B050"/>
+                </a:solidFill>
+              </a:rPr>
+              <a:t>차중</a:t>
+            </a:r>
+            <a:r>
+              <a:rPr lang="ko-KR" altLang="en-US" b="1" dirty="0">
+                <a:solidFill>
+                  <a:srgbClr val="00B050"/>
+                </a:solidFill>
+              </a:rPr>
+              <a:t> </a:t>
+            </a:r>
+            <a:r>
+              <a:rPr lang="en-US" altLang="ko-KR" b="1" dirty="0">
+                <a:solidFill>
+                  <a:srgbClr val="00B050"/>
+                </a:solidFill>
+              </a:rPr>
+              <a:t>1200 </a:t>
+            </a:r>
+            <a:r>
+              <a:rPr lang="ko-KR" altLang="en-US" b="1" dirty="0">
+                <a:solidFill>
+                  <a:srgbClr val="00B050"/>
+                </a:solidFill>
+              </a:rPr>
+              <a:t>다시 해야함</a:t>
+            </a:r>
+            <a:endParaRPr lang="en-US" altLang="ko-KR" b="1" dirty="0">
+              <a:solidFill>
+                <a:srgbClr val="00B050"/>
+              </a:solidFill>
+            </a:endParaRPr>
+          </a:p>
+          <a:p>
+            <a:pPr algn="ctr"/>
+            <a:r>
+              <a:rPr lang="en-US" altLang="ko-KR" b="1" dirty="0">
+                <a:solidFill>
+                  <a:srgbClr val="00B050"/>
+                </a:solidFill>
+              </a:rPr>
+              <a:t>(</a:t>
+            </a:r>
+            <a:r>
+              <a:rPr lang="ko-KR" altLang="en-US" b="1" dirty="0">
+                <a:solidFill>
+                  <a:srgbClr val="00B050"/>
+                </a:solidFill>
+              </a:rPr>
+              <a:t>노트북 </a:t>
+            </a:r>
+            <a:r>
+              <a:rPr lang="en-US" altLang="ko-KR" b="1" dirty="0">
+                <a:solidFill>
+                  <a:srgbClr val="00B050"/>
+                </a:solidFill>
+              </a:rPr>
+              <a:t>1, </a:t>
+            </a:r>
+            <a:r>
+              <a:rPr lang="ko-KR" altLang="en-US" b="1" dirty="0" smtClean="0">
+                <a:solidFill>
+                  <a:srgbClr val="00B050"/>
+                </a:solidFill>
+              </a:rPr>
+              <a:t>실행 </a:t>
+            </a:r>
+            <a:r>
+              <a:rPr lang="ko-KR" altLang="en-US" b="1" dirty="0">
+                <a:solidFill>
+                  <a:srgbClr val="00B050"/>
+                </a:solidFill>
+              </a:rPr>
+              <a:t>중</a:t>
+            </a:r>
+            <a:r>
+              <a:rPr lang="en-US" altLang="ko-KR" b="1" dirty="0" smtClean="0">
+                <a:solidFill>
+                  <a:srgbClr val="00B050"/>
+                </a:solidFill>
+              </a:rPr>
+              <a:t>) </a:t>
+            </a:r>
+            <a:r>
+              <a:rPr lang="ko-KR" altLang="en-US" b="1" dirty="0" smtClean="0">
+                <a:solidFill>
+                  <a:srgbClr val="00B050"/>
+                </a:solidFill>
+              </a:rPr>
+              <a:t>  </a:t>
+            </a:r>
+            <a:endParaRPr lang="en-US" altLang="ko-KR" b="1" dirty="0" smtClean="0">
+              <a:solidFill>
+                <a:srgbClr val="00B050"/>
+              </a:solidFill>
+            </a:endParaRPr>
+          </a:p>
         </p:txBody>
       </p:sp>
-      <p:cxnSp>
-        <p:nvCxnSpPr>
-          <p:cNvPr id="3" name="직선 화살표 연결선 2"/>
-          <p:cNvCxnSpPr/>
+      <p:sp>
+        <p:nvSpPr>
+          <p:cNvPr id="2" name="아래로 구부러진 화살표 1"/>
+          <p:cNvSpPr/>
           <p:nvPr/>
-        </p:nvCxnSpPr>
+        </p:nvSpPr>
         <p:spPr>
           <a:xfrm>
-            <a:off x="1115616" y="4341975"/>
-            <a:ext cx="2225461" cy="0"/>
+            <a:off x="2836256" y="2715945"/>
+            <a:ext cx="1812174" cy="687724"/>
           </a:xfrm>
-          <a:prstGeom prst="straightConnector1">
+          <a:prstGeom prst="curvedDownArrow">
             <a:avLst/>
           </a:prstGeom>
-          <a:ln>
-            <a:tailEnd type="triangle"/>
-          </a:ln>
         </p:spPr>
         <p:style>
-          <a:lnRef idx="1">
-            <a:schemeClr val="accent1"/>
+          <a:lnRef idx="2">
+            <a:schemeClr val="accent1">
+              <a:shade val="50000"/>
+            </a:schemeClr>
           </a:lnRef>
-          <a:fillRef idx="0">
+          <a:fillRef idx="1">
             <a:schemeClr val="accent1"/>
           </a:fillRef>
           <a:effectRef idx="0">
             <a:schemeClr val="accent1"/>
           </a:effectRef>
           <a:fontRef idx="minor">
-            <a:schemeClr val="tx1"/>
+            <a:schemeClr val="lt1"/>
           </a:fontRef>
         </p:style>
-      </p:cxnSp>
+        <p:txBody>
+          <a:bodyPr rtlCol="0" anchor="ctr"/>
+          <a:lstStyle/>
+          <a:p>
+            <a:pPr algn="ctr"/>
+            <a:endParaRPr lang="ko-KR" altLang="en-US">
+              <a:solidFill>
+                <a:schemeClr val="tx1"/>
+              </a:solidFill>
+            </a:endParaRPr>
+          </a:p>
+        </p:txBody>
+      </p:sp>
+      <p:sp>
+        <p:nvSpPr>
+          <p:cNvPr id="12" name="아래로 구부러진 화살표 11"/>
+          <p:cNvSpPr/>
+          <p:nvPr/>
+        </p:nvSpPr>
+        <p:spPr>
+          <a:xfrm rot="7525627">
+            <a:off x="4609281" y="5259240"/>
+            <a:ext cx="1812174" cy="687724"/>
+          </a:xfrm>
+          <a:prstGeom prst="curvedDownArrow">
+            <a:avLst/>
+          </a:prstGeom>
+        </p:spPr>
+        <p:style>
+          <a:lnRef idx="2">
+            <a:schemeClr val="accent1">
+              <a:shade val="50000"/>
+            </a:schemeClr>
+          </a:lnRef>
+          <a:fillRef idx="1">
+            <a:schemeClr val="accent1"/>
+          </a:fillRef>
+          <a:effectRef idx="0">
+            <a:schemeClr val="accent1"/>
+          </a:effectRef>
+          <a:fontRef idx="minor">
+            <a:schemeClr val="lt1"/>
+          </a:fontRef>
+        </p:style>
+        <p:txBody>
+          <a:bodyPr rtlCol="0" anchor="ctr"/>
+          <a:lstStyle/>
+          <a:p>
+            <a:pPr algn="ctr"/>
+            <a:endParaRPr lang="ko-KR" altLang="en-US">
+              <a:solidFill>
+                <a:schemeClr val="tx1"/>
+              </a:solidFill>
+            </a:endParaRPr>
+          </a:p>
+        </p:txBody>
+      </p:sp>
+      <p:sp>
+        <p:nvSpPr>
+          <p:cNvPr id="13" name="아래로 구부러진 화살표 12"/>
+          <p:cNvSpPr/>
+          <p:nvPr/>
+        </p:nvSpPr>
+        <p:spPr>
+          <a:xfrm rot="13548299">
+            <a:off x="1072249" y="5221941"/>
+            <a:ext cx="1812174" cy="687724"/>
+          </a:xfrm>
+          <a:prstGeom prst="curvedDownArrow">
+            <a:avLst/>
+          </a:prstGeom>
+        </p:spPr>
+        <p:style>
+          <a:lnRef idx="2">
+            <a:schemeClr val="accent1">
+              <a:shade val="50000"/>
+            </a:schemeClr>
+          </a:lnRef>
+          <a:fillRef idx="1">
+            <a:schemeClr val="accent1"/>
+          </a:fillRef>
+          <a:effectRef idx="0">
+            <a:schemeClr val="accent1"/>
+          </a:effectRef>
+          <a:fontRef idx="minor">
+            <a:schemeClr val="lt1"/>
+          </a:fontRef>
+        </p:style>
+        <p:txBody>
+          <a:bodyPr rtlCol="0" anchor="ctr"/>
+          <a:lstStyle/>
+          <a:p>
+            <a:pPr algn="ctr"/>
+            <a:endParaRPr lang="ko-KR" altLang="en-US">
+              <a:solidFill>
+                <a:schemeClr val="tx1"/>
+              </a:solidFill>
+            </a:endParaRPr>
+          </a:p>
+        </p:txBody>
+      </p:sp>
+      <p:grpSp>
+        <p:nvGrpSpPr>
+          <p:cNvPr id="39" name="그룹 38"/>
+          <p:cNvGrpSpPr/>
+          <p:nvPr/>
+        </p:nvGrpSpPr>
+        <p:grpSpPr>
+          <a:xfrm>
+            <a:off x="415925" y="3319158"/>
+            <a:ext cx="3190699" cy="1509612"/>
+            <a:chOff x="551644" y="3306593"/>
+            <a:chExt cx="3190699" cy="1509612"/>
+          </a:xfrm>
+        </p:grpSpPr>
+        <p:cxnSp>
+          <p:nvCxnSpPr>
+            <p:cNvPr id="8" name="직선 화살표 연결선 7"/>
+            <p:cNvCxnSpPr/>
+            <p:nvPr/>
+          </p:nvCxnSpPr>
+          <p:spPr>
+            <a:xfrm>
+              <a:off x="1246909" y="4497188"/>
+              <a:ext cx="1562793" cy="0"/>
+            </a:xfrm>
+            <a:prstGeom prst="straightConnector1">
+              <a:avLst/>
+            </a:prstGeom>
+            <a:ln w="28575">
+              <a:solidFill>
+                <a:schemeClr val="tx1"/>
+              </a:solidFill>
+              <a:tailEnd type="triangle"/>
+            </a:ln>
+          </p:spPr>
+          <p:style>
+            <a:lnRef idx="1">
+              <a:schemeClr val="accent1"/>
+            </a:lnRef>
+            <a:fillRef idx="0">
+              <a:schemeClr val="accent1"/>
+            </a:fillRef>
+            <a:effectRef idx="0">
+              <a:schemeClr val="accent1"/>
+            </a:effectRef>
+            <a:fontRef idx="minor">
+              <a:schemeClr val="tx1"/>
+            </a:fontRef>
+          </p:style>
+        </p:cxnSp>
+        <p:cxnSp>
+          <p:nvCxnSpPr>
+            <p:cNvPr id="18" name="직선 화살표 연결선 17"/>
+            <p:cNvCxnSpPr/>
+            <p:nvPr/>
+          </p:nvCxnSpPr>
+          <p:spPr>
+            <a:xfrm flipV="1">
+              <a:off x="1246909" y="3565261"/>
+              <a:ext cx="0" cy="931928"/>
+            </a:xfrm>
+            <a:prstGeom prst="straightConnector1">
+              <a:avLst/>
+            </a:prstGeom>
+            <a:ln w="28575">
+              <a:solidFill>
+                <a:schemeClr val="tx1"/>
+              </a:solidFill>
+              <a:tailEnd type="triangle"/>
+            </a:ln>
+          </p:spPr>
+          <p:style>
+            <a:lnRef idx="1">
+              <a:schemeClr val="accent1"/>
+            </a:lnRef>
+            <a:fillRef idx="0">
+              <a:schemeClr val="accent1"/>
+            </a:fillRef>
+            <a:effectRef idx="0">
+              <a:schemeClr val="accent1"/>
+            </a:effectRef>
+            <a:fontRef idx="minor">
+              <a:schemeClr val="tx1"/>
+            </a:fontRef>
+          </p:style>
+        </p:cxnSp>
+        <p:sp>
+          <p:nvSpPr>
+            <p:cNvPr id="22" name="자유형 21"/>
+            <p:cNvSpPr/>
+            <p:nvPr/>
+          </p:nvSpPr>
+          <p:spPr>
+            <a:xfrm>
+              <a:off x="1255222" y="3829618"/>
+              <a:ext cx="1429789" cy="650945"/>
+            </a:xfrm>
+            <a:custGeom>
+              <a:avLst/>
+              <a:gdLst>
+                <a:gd name="connsiteX0" fmla="*/ 0 w 1454727"/>
+                <a:gd name="connsiteY0" fmla="*/ 725221 h 725221"/>
+                <a:gd name="connsiteX1" fmla="*/ 141316 w 1454727"/>
+                <a:gd name="connsiteY1" fmla="*/ 218144 h 725221"/>
+                <a:gd name="connsiteX2" fmla="*/ 482138 w 1454727"/>
+                <a:gd name="connsiteY2" fmla="*/ 43577 h 725221"/>
+                <a:gd name="connsiteX3" fmla="*/ 1180407 w 1454727"/>
+                <a:gd name="connsiteY3" fmla="*/ 2013 h 725221"/>
+                <a:gd name="connsiteX4" fmla="*/ 1454727 w 1454727"/>
+                <a:gd name="connsiteY4" fmla="*/ 10326 h 725221"/>
+              </a:gdLst>
+              <a:ahLst/>
+              <a:cxnLst>
+                <a:cxn ang="0">
+                  <a:pos x="connsiteX0" y="connsiteY0"/>
+                </a:cxn>
+                <a:cxn ang="0">
+                  <a:pos x="connsiteX1" y="connsiteY1"/>
+                </a:cxn>
+                <a:cxn ang="0">
+                  <a:pos x="connsiteX2" y="connsiteY2"/>
+                </a:cxn>
+                <a:cxn ang="0">
+                  <a:pos x="connsiteX3" y="connsiteY3"/>
+                </a:cxn>
+                <a:cxn ang="0">
+                  <a:pos x="connsiteX4" y="connsiteY4"/>
+                </a:cxn>
+              </a:cxnLst>
+              <a:rect l="l" t="t" r="r" b="b"/>
+              <a:pathLst>
+                <a:path w="1454727" h="725221">
+                  <a:moveTo>
+                    <a:pt x="0" y="725221"/>
+                  </a:moveTo>
+                  <a:cubicBezTo>
+                    <a:pt x="30480" y="528486"/>
+                    <a:pt x="60960" y="331751"/>
+                    <a:pt x="141316" y="218144"/>
+                  </a:cubicBezTo>
+                  <a:cubicBezTo>
+                    <a:pt x="221672" y="104537"/>
+                    <a:pt x="308956" y="79599"/>
+                    <a:pt x="482138" y="43577"/>
+                  </a:cubicBezTo>
+                  <a:cubicBezTo>
+                    <a:pt x="655320" y="7555"/>
+                    <a:pt x="1018309" y="7555"/>
+                    <a:pt x="1180407" y="2013"/>
+                  </a:cubicBezTo>
+                  <a:cubicBezTo>
+                    <a:pt x="1342505" y="-3529"/>
+                    <a:pt x="1398616" y="3398"/>
+                    <a:pt x="1454727" y="10326"/>
+                  </a:cubicBezTo>
+                </a:path>
+              </a:pathLst>
+            </a:custGeom>
+            <a:noFill/>
+            <a:ln w="28575"/>
+          </p:spPr>
+          <p:style>
+            <a:lnRef idx="2">
+              <a:schemeClr val="accent1">
+                <a:shade val="50000"/>
+              </a:schemeClr>
+            </a:lnRef>
+            <a:fillRef idx="1">
+              <a:schemeClr val="accent1"/>
+            </a:fillRef>
+            <a:effectRef idx="0">
+              <a:schemeClr val="accent1"/>
+            </a:effectRef>
+            <a:fontRef idx="minor">
+              <a:schemeClr val="lt1"/>
+            </a:fontRef>
+          </p:style>
+          <p:txBody>
+            <a:bodyPr rtlCol="0" anchor="ctr"/>
+            <a:lstStyle/>
+            <a:p>
+              <a:pPr algn="ctr"/>
+              <a:endParaRPr lang="ko-KR" altLang="en-US">
+                <a:solidFill>
+                  <a:schemeClr val="accent5"/>
+                </a:solidFill>
+              </a:endParaRPr>
+            </a:p>
+          </p:txBody>
+        </p:sp>
+        <p:sp>
+          <p:nvSpPr>
+            <p:cNvPr id="24" name="타원 23"/>
+            <p:cNvSpPr/>
+            <p:nvPr/>
+          </p:nvSpPr>
+          <p:spPr>
+            <a:xfrm>
+              <a:off x="1921162" y="3646287"/>
+              <a:ext cx="755536" cy="366662"/>
+            </a:xfrm>
+            <a:prstGeom prst="ellipse">
+              <a:avLst/>
+            </a:prstGeom>
+            <a:noFill/>
+            <a:ln>
+              <a:solidFill>
+                <a:srgbClr val="FF0000"/>
+              </a:solidFill>
+            </a:ln>
+          </p:spPr>
+          <p:style>
+            <a:lnRef idx="2">
+              <a:schemeClr val="accent1">
+                <a:shade val="50000"/>
+              </a:schemeClr>
+            </a:lnRef>
+            <a:fillRef idx="1">
+              <a:schemeClr val="accent1"/>
+            </a:fillRef>
+            <a:effectRef idx="0">
+              <a:schemeClr val="accent1"/>
+            </a:effectRef>
+            <a:fontRef idx="minor">
+              <a:schemeClr val="lt1"/>
+            </a:fontRef>
+          </p:style>
+          <p:txBody>
+            <a:bodyPr rtlCol="0" anchor="ctr"/>
+            <a:lstStyle/>
+            <a:p>
+              <a:pPr algn="ctr"/>
+              <a:endParaRPr lang="ko-KR" altLang="en-US"/>
+            </a:p>
+          </p:txBody>
+        </p:sp>
+        <p:sp>
+          <p:nvSpPr>
+            <p:cNvPr id="25" name="TextBox 24"/>
+            <p:cNvSpPr txBox="1"/>
+            <p:nvPr/>
+          </p:nvSpPr>
+          <p:spPr>
+            <a:xfrm>
+              <a:off x="2240280" y="4539206"/>
+              <a:ext cx="1138844" cy="276999"/>
+            </a:xfrm>
+            <a:prstGeom prst="rect">
+              <a:avLst/>
+            </a:prstGeom>
+            <a:noFill/>
+          </p:spPr>
+          <p:txBody>
+            <a:bodyPr wrap="square" rtlCol="0">
+              <a:spAutoFit/>
+            </a:bodyPr>
+            <a:lstStyle/>
+            <a:p>
+              <a:r>
+                <a:rPr lang="en-US" altLang="ko-KR" sz="1200" dirty="0" smtClean="0"/>
+                <a:t>episode</a:t>
+              </a:r>
+              <a:endParaRPr lang="ko-KR" altLang="en-US" sz="1200" dirty="0"/>
+            </a:p>
+          </p:txBody>
+        </p:sp>
+        <p:sp>
+          <p:nvSpPr>
+            <p:cNvPr id="26" name="TextBox 25"/>
+            <p:cNvSpPr txBox="1"/>
+            <p:nvPr/>
+          </p:nvSpPr>
+          <p:spPr>
+            <a:xfrm>
+              <a:off x="551644" y="3306593"/>
+              <a:ext cx="1138844" cy="461665"/>
+            </a:xfrm>
+            <a:prstGeom prst="rect">
+              <a:avLst/>
+            </a:prstGeom>
+            <a:noFill/>
+          </p:spPr>
+          <p:txBody>
+            <a:bodyPr wrap="square" rtlCol="0">
+              <a:spAutoFit/>
+            </a:bodyPr>
+            <a:lstStyle/>
+            <a:p>
+              <a:r>
+                <a:rPr lang="en-US" altLang="ko-KR" sz="1200" dirty="0" smtClean="0"/>
+                <a:t>Episodic</a:t>
+              </a:r>
+            </a:p>
+            <a:p>
+              <a:r>
+                <a:rPr lang="en-US" altLang="ko-KR" sz="1200" dirty="0" smtClean="0"/>
+                <a:t>reward</a:t>
+              </a:r>
+              <a:endParaRPr lang="ko-KR" altLang="en-US" sz="1200" dirty="0"/>
+            </a:p>
+          </p:txBody>
+        </p:sp>
+        <p:cxnSp>
+          <p:nvCxnSpPr>
+            <p:cNvPr id="28" name="직선 연결선 27"/>
+            <p:cNvCxnSpPr>
+              <a:stCxn id="24" idx="0"/>
+              <a:endCxn id="24" idx="3"/>
+            </p:cNvCxnSpPr>
+            <p:nvPr/>
+          </p:nvCxnSpPr>
+          <p:spPr>
+            <a:xfrm flipH="1">
+              <a:off x="2031808" y="3646287"/>
+              <a:ext cx="267122" cy="312966"/>
+            </a:xfrm>
+            <a:prstGeom prst="line">
+              <a:avLst/>
+            </a:prstGeom>
+            <a:ln>
+              <a:solidFill>
+                <a:srgbClr val="FF0000"/>
+              </a:solidFill>
+            </a:ln>
+          </p:spPr>
+          <p:style>
+            <a:lnRef idx="1">
+              <a:schemeClr val="accent1"/>
+            </a:lnRef>
+            <a:fillRef idx="0">
+              <a:schemeClr val="accent1"/>
+            </a:fillRef>
+            <a:effectRef idx="0">
+              <a:schemeClr val="accent1"/>
+            </a:effectRef>
+            <a:fontRef idx="minor">
+              <a:schemeClr val="tx1"/>
+            </a:fontRef>
+          </p:style>
+        </p:cxnSp>
+        <p:cxnSp>
+          <p:nvCxnSpPr>
+            <p:cNvPr id="29" name="직선 연결선 28"/>
+            <p:cNvCxnSpPr>
+              <a:endCxn id="24" idx="4"/>
+            </p:cNvCxnSpPr>
+            <p:nvPr/>
+          </p:nvCxnSpPr>
+          <p:spPr>
+            <a:xfrm flipH="1">
+              <a:off x="2298930" y="3707133"/>
+              <a:ext cx="290813" cy="305816"/>
+            </a:xfrm>
+            <a:prstGeom prst="line">
+              <a:avLst/>
+            </a:prstGeom>
+            <a:ln>
+              <a:solidFill>
+                <a:srgbClr val="FF0000"/>
+              </a:solidFill>
+            </a:ln>
+          </p:spPr>
+          <p:style>
+            <a:lnRef idx="1">
+              <a:schemeClr val="accent1"/>
+            </a:lnRef>
+            <a:fillRef idx="0">
+              <a:schemeClr val="accent1"/>
+            </a:fillRef>
+            <a:effectRef idx="0">
+              <a:schemeClr val="accent1"/>
+            </a:effectRef>
+            <a:fontRef idx="minor">
+              <a:schemeClr val="tx1"/>
+            </a:fontRef>
+          </p:style>
+        </p:cxnSp>
+        <p:sp>
+          <p:nvSpPr>
+            <p:cNvPr id="32" name="TextBox 31"/>
+            <p:cNvSpPr txBox="1"/>
+            <p:nvPr/>
+          </p:nvSpPr>
+          <p:spPr>
+            <a:xfrm>
+              <a:off x="1611052" y="3980836"/>
+              <a:ext cx="2131291" cy="430887"/>
+            </a:xfrm>
+            <a:prstGeom prst="rect">
+              <a:avLst/>
+            </a:prstGeom>
+            <a:noFill/>
+          </p:spPr>
+          <p:txBody>
+            <a:bodyPr wrap="square" rtlCol="0">
+              <a:spAutoFit/>
+            </a:bodyPr>
+            <a:lstStyle/>
+            <a:p>
+              <a:r>
+                <a:rPr lang="en-US" altLang="ko-KR" sz="1100" b="1" dirty="0" smtClean="0">
+                  <a:solidFill>
+                    <a:srgbClr val="FF0000"/>
+                  </a:solidFill>
+                </a:rPr>
+                <a:t>Training </a:t>
+              </a:r>
+            </a:p>
+            <a:p>
+              <a:r>
+                <a:rPr lang="en-US" altLang="ko-KR" sz="1100" b="1" dirty="0" smtClean="0">
+                  <a:solidFill>
+                    <a:srgbClr val="FF0000"/>
+                  </a:solidFill>
+                </a:rPr>
+                <a:t>Convergence region </a:t>
+              </a:r>
+              <a:endParaRPr lang="ko-KR" altLang="en-US" sz="1100" b="1" dirty="0">
+                <a:solidFill>
+                  <a:srgbClr val="FF0000"/>
+                </a:solidFill>
+              </a:endParaRPr>
+            </a:p>
+          </p:txBody>
+        </p:sp>
+      </p:grpSp>
       <p:cxnSp>
         <p:nvCxnSpPr>
-          <p:cNvPr id="6" name="직선 화살표 연결선 5"/>
+          <p:cNvPr id="33" name="직선 화살표 연결선 32"/>
           <p:cNvCxnSpPr/>
           <p:nvPr/>
         </p:nvCxnSpPr>
         <p:spPr>
-          <a:xfrm flipV="1">
-            <a:off x="1115616" y="3191608"/>
-            <a:ext cx="0" cy="1150367"/>
+          <a:xfrm>
+            <a:off x="4648429" y="4382723"/>
+            <a:ext cx="2533767" cy="14712"/>
           </a:xfrm>
           <a:prstGeom prst="straightConnector1">
             <a:avLst/>
           </a:prstGeom>
-          <a:ln>
+          <a:ln w="28575">
+            <a:solidFill>
+              <a:schemeClr val="tx1"/>
+            </a:solidFill>
             <a:tailEnd type="triangle"/>
           </a:ln>
         </p:spPr>
@@ -31598,26 +32634,252 @@
       </p:cxnSp>
       <p:sp>
         <p:nvSpPr>
-          <p:cNvPr id="9" name="자유형 8"/>
+          <p:cNvPr id="40" name="TextBox 39"/>
+          <p:cNvSpPr txBox="1"/>
+          <p:nvPr/>
+        </p:nvSpPr>
+        <p:spPr>
+          <a:xfrm>
+            <a:off x="323850" y="2734383"/>
+            <a:ext cx="2791635" cy="584775"/>
+          </a:xfrm>
+          <a:prstGeom prst="rect">
+            <a:avLst/>
+          </a:prstGeom>
+          <a:noFill/>
+        </p:spPr>
+        <p:txBody>
+          <a:bodyPr wrap="square" rtlCol="0">
+            <a:spAutoFit/>
+          </a:bodyPr>
+          <a:lstStyle/>
+          <a:p>
+            <a:pPr algn="ctr"/>
+            <a:r>
+              <a:rPr lang="en-US" altLang="ko-KR" sz="1600" b="1" dirty="0" smtClean="0">
+                <a:solidFill>
+                  <a:srgbClr val="0070C0"/>
+                </a:solidFill>
+              </a:rPr>
+              <a:t>Finding </a:t>
+            </a:r>
+          </a:p>
+          <a:p>
+            <a:pPr algn="ctr"/>
+            <a:r>
+              <a:rPr lang="en-US" altLang="ko-KR" sz="1600" b="1" dirty="0" smtClean="0">
+                <a:solidFill>
+                  <a:srgbClr val="0070C0"/>
+                </a:solidFill>
+              </a:rPr>
+              <a:t>Convergence region </a:t>
+            </a:r>
+            <a:endParaRPr lang="ko-KR" altLang="en-US" sz="1600" b="1" dirty="0">
+              <a:solidFill>
+                <a:srgbClr val="0070C0"/>
+              </a:solidFill>
+            </a:endParaRPr>
+          </a:p>
+        </p:txBody>
+      </p:sp>
+      <mc:AlternateContent xmlns:mc="http://schemas.openxmlformats.org/markup-compatibility/2006">
+        <mc:Choice xmlns:a14="http://schemas.microsoft.com/office/drawing/2010/main" Requires="a14">
+          <p:sp>
+            <p:nvSpPr>
+              <p:cNvPr id="42" name="TextBox 41"/>
+              <p:cNvSpPr txBox="1"/>
+              <p:nvPr/>
+            </p:nvSpPr>
+            <p:spPr>
+              <a:xfrm>
+                <a:off x="4083869" y="2734397"/>
+                <a:ext cx="3692095" cy="608115"/>
+              </a:xfrm>
+              <a:prstGeom prst="rect">
+                <a:avLst/>
+              </a:prstGeom>
+              <a:noFill/>
+            </p:spPr>
+            <p:txBody>
+              <a:bodyPr wrap="square" rtlCol="0">
+                <a:spAutoFit/>
+              </a:bodyPr>
+              <a:lstStyle/>
+              <a:p>
+                <a:pPr algn="ctr"/>
+                <a:r>
+                  <a:rPr lang="en-US" altLang="ko-KR" sz="1600" b="1" dirty="0" smtClean="0">
+                    <a:solidFill>
+                      <a:srgbClr val="0070C0"/>
+                    </a:solidFill>
+                  </a:rPr>
+                  <a:t>Checking distribution of </a:t>
+                </a:r>
+                <a:br>
+                  <a:rPr lang="en-US" altLang="ko-KR" sz="1600" b="1" dirty="0" smtClean="0">
+                    <a:solidFill>
+                      <a:srgbClr val="0070C0"/>
+                    </a:solidFill>
+                  </a:rPr>
+                </a:br>
+                <a14:m>
+                  <m:oMathPara xmlns:m="http://schemas.openxmlformats.org/officeDocument/2006/math">
+                    <m:oMathParaPr>
+                      <m:jc m:val="centerGroup"/>
+                    </m:oMathParaPr>
+                    <m:oMath xmlns:m="http://schemas.openxmlformats.org/officeDocument/2006/math">
+                      <m:r>
+                        <a:rPr lang="en-US" altLang="ko-KR" sz="1600" b="1" i="1" smtClean="0">
+                          <a:solidFill>
+                            <a:srgbClr val="0070C0"/>
+                          </a:solidFill>
+                          <a:latin typeface="Cambria Math" panose="02040503050406030204" pitchFamily="18" charset="0"/>
+                        </a:rPr>
+                        <m:t>𝑺𝑶</m:t>
+                      </m:r>
+                      <m:sSub>
+                        <m:sSubPr>
+                          <m:ctrlPr>
+                            <a:rPr lang="en-US" altLang="ko-KR" sz="1600" b="1" i="1" smtClean="0">
+                              <a:solidFill>
+                                <a:srgbClr val="0070C0"/>
+                              </a:solidFill>
+                              <a:latin typeface="Cambria Math" panose="02040503050406030204" pitchFamily="18" charset="0"/>
+                            </a:rPr>
+                          </m:ctrlPr>
+                        </m:sSubPr>
+                        <m:e>
+                          <m:r>
+                            <a:rPr lang="en-US" altLang="ko-KR" sz="1600" b="1" i="1" smtClean="0">
+                              <a:solidFill>
+                                <a:srgbClr val="0070C0"/>
+                              </a:solidFill>
+                              <a:latin typeface="Cambria Math" panose="02040503050406030204" pitchFamily="18" charset="0"/>
+                            </a:rPr>
+                            <m:t>𝑪</m:t>
+                          </m:r>
+                        </m:e>
+                        <m:sub>
+                          <m:r>
+                            <a:rPr lang="en-US" altLang="ko-KR" sz="1600" b="1" i="1" smtClean="0">
+                              <a:solidFill>
+                                <a:srgbClr val="0070C0"/>
+                              </a:solidFill>
+                              <a:latin typeface="Cambria Math" panose="02040503050406030204" pitchFamily="18" charset="0"/>
+                            </a:rPr>
+                            <m:t>𝒇</m:t>
+                          </m:r>
+                          <m:r>
+                            <a:rPr lang="en-US" altLang="ko-KR" sz="1600" b="1" i="1" smtClean="0">
+                              <a:solidFill>
+                                <a:srgbClr val="0070C0"/>
+                              </a:solidFill>
+                              <a:latin typeface="Cambria Math" panose="02040503050406030204" pitchFamily="18" charset="0"/>
+                            </a:rPr>
+                            <m:t>@</m:t>
+                          </m:r>
+                          <m:r>
+                            <a:rPr lang="en-US" altLang="ko-KR" sz="1600" b="1" i="1" smtClean="0">
+                              <a:solidFill>
+                                <a:srgbClr val="0070C0"/>
+                              </a:solidFill>
+                              <a:latin typeface="Cambria Math" panose="02040503050406030204" pitchFamily="18" charset="0"/>
+                            </a:rPr>
+                            <m:t>𝒄𝒐𝒏𝒗</m:t>
+                          </m:r>
+                          <m:r>
+                            <a:rPr lang="en-US" altLang="ko-KR" sz="1600" b="1" i="1" smtClean="0">
+                              <a:solidFill>
+                                <a:srgbClr val="0070C0"/>
+                              </a:solidFill>
+                              <a:latin typeface="Cambria Math" panose="02040503050406030204" pitchFamily="18" charset="0"/>
+                            </a:rPr>
+                            <m:t>_</m:t>
+                          </m:r>
+                          <m:r>
+                            <a:rPr lang="en-US" altLang="ko-KR" sz="1600" b="1" i="1" smtClean="0">
+                              <a:solidFill>
+                                <a:srgbClr val="0070C0"/>
+                              </a:solidFill>
+                              <a:latin typeface="Cambria Math" panose="02040503050406030204" pitchFamily="18" charset="0"/>
+                            </a:rPr>
+                            <m:t>𝒓𝒆𝒈𝒊𝒐𝒏</m:t>
+                          </m:r>
+                        </m:sub>
+                      </m:sSub>
+                    </m:oMath>
+                  </m:oMathPara>
+                </a14:m>
+                <a:endParaRPr lang="ko-KR" altLang="en-US" sz="1600" b="1" dirty="0">
+                  <a:solidFill>
+                    <a:srgbClr val="0070C0"/>
+                  </a:solidFill>
+                </a:endParaRPr>
+              </a:p>
+            </p:txBody>
+          </p:sp>
+        </mc:Choice>
+        <mc:Fallback>
+          <p:sp>
+            <p:nvSpPr>
+              <p:cNvPr id="42" name="TextBox 41"/>
+              <p:cNvSpPr txBox="1">
+                <a:spLocks noRot="1" noChangeAspect="1" noMove="1" noResize="1" noEditPoints="1" noAdjustHandles="1" noChangeArrowheads="1" noChangeShapeType="1" noTextEdit="1"/>
+              </p:cNvSpPr>
+              <p:nvPr/>
+            </p:nvSpPr>
+            <p:spPr>
+              <a:xfrm>
+                <a:off x="4083869" y="2734397"/>
+                <a:ext cx="3692095" cy="608115"/>
+              </a:xfrm>
+              <a:prstGeom prst="rect">
+                <a:avLst/>
+              </a:prstGeom>
+              <a:blipFill>
+                <a:blip r:embed="rId2"/>
+                <a:stretch>
+                  <a:fillRect t="-3030" b="-4040"/>
+                </a:stretch>
+              </a:blipFill>
+            </p:spPr>
+            <p:txBody>
+              <a:bodyPr/>
+              <a:lstStyle/>
+              <a:p>
+                <a:r>
+                  <a:rPr lang="ko-KR" altLang="en-US">
+                    <a:noFill/>
+                  </a:rPr>
+                  <a:t> </a:t>
+                </a:r>
+              </a:p>
+            </p:txBody>
+          </p:sp>
+        </mc:Fallback>
+      </mc:AlternateContent>
+      <p:sp>
+        <p:nvSpPr>
+          <p:cNvPr id="52" name="자유형 51"/>
           <p:cNvSpPr/>
           <p:nvPr/>
         </p:nvSpPr>
         <p:spPr>
           <a:xfrm>
-            <a:off x="1115615" y="3545339"/>
-            <a:ext cx="1441938" cy="838867"/>
+            <a:off x="4648429" y="3603265"/>
+            <a:ext cx="1281487" cy="748523"/>
           </a:xfrm>
           <a:custGeom>
             <a:avLst/>
             <a:gdLst>
-              <a:gd name="connsiteX0" fmla="*/ 0 w 1441938"/>
-              <a:gd name="connsiteY0" fmla="*/ 838867 h 838867"/>
-              <a:gd name="connsiteX1" fmla="*/ 334107 w 1441938"/>
-              <a:gd name="connsiteY1" fmla="*/ 91520 h 838867"/>
-              <a:gd name="connsiteX2" fmla="*/ 1441938 w 1441938"/>
-              <a:gd name="connsiteY2" fmla="*/ 12390 h 838867"/>
-              <a:gd name="connsiteX3" fmla="*/ 1441938 w 1441938"/>
-              <a:gd name="connsiteY3" fmla="*/ 12390 h 838867"/>
+              <a:gd name="connsiteX0" fmla="*/ 0 w 1246909"/>
+              <a:gd name="connsiteY0" fmla="*/ 681644 h 694685"/>
+              <a:gd name="connsiteX1" fmla="*/ 556953 w 1246909"/>
+              <a:gd name="connsiteY1" fmla="*/ 623455 h 694685"/>
+              <a:gd name="connsiteX2" fmla="*/ 939338 w 1246909"/>
+              <a:gd name="connsiteY2" fmla="*/ 133004 h 694685"/>
+              <a:gd name="connsiteX3" fmla="*/ 1246909 w 1246909"/>
+              <a:gd name="connsiteY3" fmla="*/ 0 h 694685"/>
             </a:gdLst>
             <a:ahLst/>
             <a:cxnLst>
@@ -31636,23 +32898,25 @@
             </a:cxnLst>
             <a:rect l="l" t="t" r="r" b="b"/>
             <a:pathLst>
-              <a:path w="1441938" h="838867">
+              <a:path w="1246909" h="694685">
                 <a:moveTo>
-                  <a:pt x="0" y="838867"/>
+                  <a:pt x="0" y="681644"/>
                 </a:moveTo>
                 <a:cubicBezTo>
-                  <a:pt x="46892" y="534066"/>
-                  <a:pt x="93784" y="229266"/>
-                  <a:pt x="334107" y="91520"/>
+                  <a:pt x="200198" y="698269"/>
+                  <a:pt x="400397" y="714895"/>
+                  <a:pt x="556953" y="623455"/>
                 </a:cubicBezTo>
                 <a:cubicBezTo>
-                  <a:pt x="574430" y="-46226"/>
-                  <a:pt x="1441938" y="12390"/>
-                  <a:pt x="1441938" y="12390"/>
+                  <a:pt x="713509" y="532015"/>
+                  <a:pt x="824345" y="236913"/>
+                  <a:pt x="939338" y="133004"/>
                 </a:cubicBezTo>
-                <a:lnTo>
-                  <a:pt x="1441938" y="12390"/>
-                </a:lnTo>
+                <a:cubicBezTo>
+                  <a:pt x="1054331" y="29095"/>
+                  <a:pt x="1150620" y="14547"/>
+                  <a:pt x="1246909" y="0"/>
+                </a:cubicBezTo>
               </a:path>
             </a:pathLst>
           </a:custGeom>
@@ -31679,10 +32943,989 @@
           <a:lstStyle/>
           <a:p>
             <a:pPr algn="ctr"/>
-            <a:endParaRPr lang="ko-KR" altLang="en-US"/>
+            <a:endParaRPr lang="ko-KR" altLang="en-US" dirty="0"/>
           </a:p>
         </p:txBody>
       </p:sp>
+      <p:sp>
+        <p:nvSpPr>
+          <p:cNvPr id="53" name="자유형 52"/>
+          <p:cNvSpPr/>
+          <p:nvPr/>
+        </p:nvSpPr>
+        <p:spPr>
+          <a:xfrm flipH="1">
+            <a:off x="5929915" y="3603265"/>
+            <a:ext cx="1194092" cy="748523"/>
+          </a:xfrm>
+          <a:custGeom>
+            <a:avLst/>
+            <a:gdLst>
+              <a:gd name="connsiteX0" fmla="*/ 0 w 1246909"/>
+              <a:gd name="connsiteY0" fmla="*/ 681644 h 694685"/>
+              <a:gd name="connsiteX1" fmla="*/ 556953 w 1246909"/>
+              <a:gd name="connsiteY1" fmla="*/ 623455 h 694685"/>
+              <a:gd name="connsiteX2" fmla="*/ 939338 w 1246909"/>
+              <a:gd name="connsiteY2" fmla="*/ 133004 h 694685"/>
+              <a:gd name="connsiteX3" fmla="*/ 1246909 w 1246909"/>
+              <a:gd name="connsiteY3" fmla="*/ 0 h 694685"/>
+            </a:gdLst>
+            <a:ahLst/>
+            <a:cxnLst>
+              <a:cxn ang="0">
+                <a:pos x="connsiteX0" y="connsiteY0"/>
+              </a:cxn>
+              <a:cxn ang="0">
+                <a:pos x="connsiteX1" y="connsiteY1"/>
+              </a:cxn>
+              <a:cxn ang="0">
+                <a:pos x="connsiteX2" y="connsiteY2"/>
+              </a:cxn>
+              <a:cxn ang="0">
+                <a:pos x="connsiteX3" y="connsiteY3"/>
+              </a:cxn>
+            </a:cxnLst>
+            <a:rect l="l" t="t" r="r" b="b"/>
+            <a:pathLst>
+              <a:path w="1246909" h="694685">
+                <a:moveTo>
+                  <a:pt x="0" y="681644"/>
+                </a:moveTo>
+                <a:cubicBezTo>
+                  <a:pt x="200198" y="698269"/>
+                  <a:pt x="400397" y="714895"/>
+                  <a:pt x="556953" y="623455"/>
+                </a:cubicBezTo>
+                <a:cubicBezTo>
+                  <a:pt x="713509" y="532015"/>
+                  <a:pt x="824345" y="236913"/>
+                  <a:pt x="939338" y="133004"/>
+                </a:cubicBezTo>
+                <a:cubicBezTo>
+                  <a:pt x="1054331" y="29095"/>
+                  <a:pt x="1150620" y="14547"/>
+                  <a:pt x="1246909" y="0"/>
+                </a:cubicBezTo>
+              </a:path>
+            </a:pathLst>
+          </a:custGeom>
+          <a:noFill/>
+        </p:spPr>
+        <p:style>
+          <a:lnRef idx="2">
+            <a:schemeClr val="accent1">
+              <a:shade val="50000"/>
+            </a:schemeClr>
+          </a:lnRef>
+          <a:fillRef idx="1">
+            <a:schemeClr val="accent1"/>
+          </a:fillRef>
+          <a:effectRef idx="0">
+            <a:schemeClr val="accent1"/>
+          </a:effectRef>
+          <a:fontRef idx="minor">
+            <a:schemeClr val="lt1"/>
+          </a:fontRef>
+        </p:style>
+        <p:txBody>
+          <a:bodyPr rtlCol="0" anchor="ctr"/>
+          <a:lstStyle/>
+          <a:p>
+            <a:pPr algn="ctr"/>
+            <a:endParaRPr lang="ko-KR" altLang="en-US" dirty="0"/>
+          </a:p>
+        </p:txBody>
+      </p:sp>
+      <p:cxnSp>
+        <p:nvCxnSpPr>
+          <p:cNvPr id="56" name="직선 연결선 55"/>
+          <p:cNvCxnSpPr/>
+          <p:nvPr/>
+        </p:nvCxnSpPr>
+        <p:spPr>
+          <a:xfrm>
+            <a:off x="5929915" y="3362104"/>
+            <a:ext cx="0" cy="1020618"/>
+          </a:xfrm>
+          <a:prstGeom prst="line">
+            <a:avLst/>
+          </a:prstGeom>
+          <a:ln w="28575">
+            <a:solidFill>
+              <a:srgbClr val="0070C0"/>
+            </a:solidFill>
+            <a:prstDash val="sysDash"/>
+          </a:ln>
+        </p:spPr>
+        <p:style>
+          <a:lnRef idx="1">
+            <a:schemeClr val="accent1"/>
+          </a:lnRef>
+          <a:fillRef idx="0">
+            <a:schemeClr val="accent1"/>
+          </a:fillRef>
+          <a:effectRef idx="0">
+            <a:schemeClr val="accent1"/>
+          </a:effectRef>
+          <a:fontRef idx="minor">
+            <a:schemeClr val="tx1"/>
+          </a:fontRef>
+        </p:style>
+      </p:cxnSp>
+      <p:cxnSp>
+        <p:nvCxnSpPr>
+          <p:cNvPr id="59" name="직선 연결선 58"/>
+          <p:cNvCxnSpPr/>
+          <p:nvPr/>
+        </p:nvCxnSpPr>
+        <p:spPr>
+          <a:xfrm>
+            <a:off x="6383976" y="3362104"/>
+            <a:ext cx="0" cy="1020618"/>
+          </a:xfrm>
+          <a:prstGeom prst="line">
+            <a:avLst/>
+          </a:prstGeom>
+          <a:ln w="28575">
+            <a:solidFill>
+              <a:srgbClr val="FF0000"/>
+            </a:solidFill>
+            <a:prstDash val="sysDash"/>
+          </a:ln>
+        </p:spPr>
+        <p:style>
+          <a:lnRef idx="1">
+            <a:schemeClr val="accent1"/>
+          </a:lnRef>
+          <a:fillRef idx="0">
+            <a:schemeClr val="accent1"/>
+          </a:fillRef>
+          <a:effectRef idx="0">
+            <a:schemeClr val="accent1"/>
+          </a:effectRef>
+          <a:fontRef idx="minor">
+            <a:schemeClr val="tx1"/>
+          </a:fontRef>
+        </p:style>
+      </p:cxnSp>
+      <mc:AlternateContent xmlns:mc="http://schemas.openxmlformats.org/markup-compatibility/2006">
+        <mc:Choice xmlns:a14="http://schemas.microsoft.com/office/drawing/2010/main" Requires="a14">
+          <p:sp>
+            <p:nvSpPr>
+              <p:cNvPr id="60" name="TextBox 59"/>
+              <p:cNvSpPr txBox="1"/>
+              <p:nvPr/>
+            </p:nvSpPr>
+            <p:spPr>
+              <a:xfrm>
+                <a:off x="5484612" y="4366793"/>
+                <a:ext cx="922915" cy="350096"/>
+              </a:xfrm>
+              <a:prstGeom prst="rect">
+                <a:avLst/>
+              </a:prstGeom>
+              <a:noFill/>
+            </p:spPr>
+            <p:txBody>
+              <a:bodyPr wrap="square" rtlCol="0">
+                <a:spAutoFit/>
+              </a:bodyPr>
+              <a:lstStyle/>
+              <a:p>
+                <a14:m>
+                  <m:oMathPara xmlns:m="http://schemas.openxmlformats.org/officeDocument/2006/math">
+                    <m:oMathParaPr>
+                      <m:jc m:val="centerGroup"/>
+                    </m:oMathParaPr>
+                    <m:oMath xmlns:m="http://schemas.openxmlformats.org/officeDocument/2006/math">
+                      <m:sSub>
+                        <m:sSubPr>
+                          <m:ctrlPr>
+                            <a:rPr lang="en-US" altLang="ko-KR" sz="1400" b="1" i="1" smtClean="0">
+                              <a:solidFill>
+                                <a:srgbClr val="0070C0"/>
+                              </a:solidFill>
+                              <a:latin typeface="Cambria Math" panose="02040503050406030204" pitchFamily="18" charset="0"/>
+                            </a:rPr>
+                          </m:ctrlPr>
+                        </m:sSubPr>
+                        <m:e>
+                          <m:r>
+                            <a:rPr lang="ko-KR" altLang="en-US" sz="1400" b="1" i="1" smtClean="0">
+                              <a:solidFill>
+                                <a:srgbClr val="0070C0"/>
+                              </a:solidFill>
+                              <a:latin typeface="Cambria Math" panose="02040503050406030204" pitchFamily="18" charset="0"/>
+                            </a:rPr>
+                            <m:t>𝝁</m:t>
+                          </m:r>
+                        </m:e>
+                        <m:sub>
+                          <m:r>
+                            <a:rPr lang="en-US" altLang="ko-KR" sz="1400" b="1" i="1">
+                              <a:solidFill>
+                                <a:srgbClr val="0070C0"/>
+                              </a:solidFill>
+                              <a:latin typeface="Cambria Math" panose="02040503050406030204" pitchFamily="18" charset="0"/>
+                            </a:rPr>
+                            <m:t>𝑺𝑶</m:t>
+                          </m:r>
+                          <m:sSub>
+                            <m:sSubPr>
+                              <m:ctrlPr>
+                                <a:rPr lang="en-US" altLang="ko-KR" sz="1400" b="1" i="1">
+                                  <a:solidFill>
+                                    <a:srgbClr val="0070C0"/>
+                                  </a:solidFill>
+                                  <a:latin typeface="Cambria Math" panose="02040503050406030204" pitchFamily="18" charset="0"/>
+                                </a:rPr>
+                              </m:ctrlPr>
+                            </m:sSubPr>
+                            <m:e>
+                              <m:r>
+                                <a:rPr lang="en-US" altLang="ko-KR" sz="1400" b="1" i="1">
+                                  <a:solidFill>
+                                    <a:srgbClr val="0070C0"/>
+                                  </a:solidFill>
+                                  <a:latin typeface="Cambria Math" panose="02040503050406030204" pitchFamily="18" charset="0"/>
+                                </a:rPr>
+                                <m:t>𝑪</m:t>
+                              </m:r>
+                            </m:e>
+                            <m:sub>
+                              <m:r>
+                                <a:rPr lang="en-US" altLang="ko-KR" sz="1400" b="1" i="1">
+                                  <a:solidFill>
+                                    <a:srgbClr val="0070C0"/>
+                                  </a:solidFill>
+                                  <a:latin typeface="Cambria Math" panose="02040503050406030204" pitchFamily="18" charset="0"/>
+                                </a:rPr>
+                                <m:t>𝒇</m:t>
+                              </m:r>
+                            </m:sub>
+                          </m:sSub>
+                          <m:r>
+                            <m:rPr>
+                              <m:nor/>
+                            </m:rPr>
+                            <a:rPr lang="ko-KR" altLang="en-US" sz="1400" b="1" dirty="0">
+                              <a:solidFill>
+                                <a:srgbClr val="0070C0"/>
+                              </a:solidFill>
+                            </a:rPr>
+                            <m:t> </m:t>
+                          </m:r>
+                        </m:sub>
+                      </m:sSub>
+                    </m:oMath>
+                  </m:oMathPara>
+                </a14:m>
+                <a:endParaRPr lang="ko-KR" altLang="en-US" b="1" dirty="0"/>
+              </a:p>
+            </p:txBody>
+          </p:sp>
+        </mc:Choice>
+        <mc:Fallback>
+          <p:sp>
+            <p:nvSpPr>
+              <p:cNvPr id="60" name="TextBox 59"/>
+              <p:cNvSpPr txBox="1">
+                <a:spLocks noRot="1" noChangeAspect="1" noMove="1" noResize="1" noEditPoints="1" noAdjustHandles="1" noChangeArrowheads="1" noChangeShapeType="1" noTextEdit="1"/>
+              </p:cNvSpPr>
+              <p:nvPr/>
+            </p:nvSpPr>
+            <p:spPr>
+              <a:xfrm>
+                <a:off x="5484612" y="4366793"/>
+                <a:ext cx="922915" cy="350096"/>
+              </a:xfrm>
+              <a:prstGeom prst="rect">
+                <a:avLst/>
+              </a:prstGeom>
+              <a:blipFill>
+                <a:blip r:embed="rId3"/>
+                <a:stretch>
+                  <a:fillRect/>
+                </a:stretch>
+              </a:blipFill>
+            </p:spPr>
+            <p:txBody>
+              <a:bodyPr/>
+              <a:lstStyle/>
+              <a:p>
+                <a:r>
+                  <a:rPr lang="ko-KR" altLang="en-US">
+                    <a:noFill/>
+                  </a:rPr>
+                  <a:t> </a:t>
+                </a:r>
+              </a:p>
+            </p:txBody>
+          </p:sp>
+        </mc:Fallback>
+      </mc:AlternateContent>
+      <mc:AlternateContent xmlns:mc="http://schemas.openxmlformats.org/markup-compatibility/2006">
+        <mc:Choice xmlns:a14="http://schemas.microsoft.com/office/drawing/2010/main" Requires="a14">
+          <p:sp>
+            <p:nvSpPr>
+              <p:cNvPr id="61" name="TextBox 60"/>
+              <p:cNvSpPr txBox="1"/>
+              <p:nvPr/>
+            </p:nvSpPr>
+            <p:spPr>
+              <a:xfrm>
+                <a:off x="6096000" y="4390379"/>
+                <a:ext cx="922915" cy="328167"/>
+              </a:xfrm>
+              <a:prstGeom prst="rect">
+                <a:avLst/>
+              </a:prstGeom>
+              <a:noFill/>
+            </p:spPr>
+            <p:txBody>
+              <a:bodyPr wrap="square" rtlCol="0">
+                <a:spAutoFit/>
+              </a:bodyPr>
+              <a:lstStyle/>
+              <a:p>
+                <a14:m>
+                  <m:oMathPara xmlns:m="http://schemas.openxmlformats.org/officeDocument/2006/math">
+                    <m:oMathParaPr>
+                      <m:jc m:val="centerGroup"/>
+                    </m:oMathParaPr>
+                    <m:oMath xmlns:m="http://schemas.openxmlformats.org/officeDocument/2006/math">
+                      <m:r>
+                        <a:rPr lang="en-US" altLang="ko-KR" sz="1400" b="1" i="1" smtClean="0">
+                          <a:solidFill>
+                            <a:srgbClr val="FF0000"/>
+                          </a:solidFill>
+                          <a:latin typeface="Cambria Math" panose="02040503050406030204" pitchFamily="18" charset="0"/>
+                        </a:rPr>
+                        <m:t>𝑺𝑶</m:t>
+                      </m:r>
+                      <m:sSub>
+                        <m:sSubPr>
+                          <m:ctrlPr>
+                            <a:rPr lang="en-US" altLang="ko-KR" sz="1400" b="1" i="1" smtClean="0">
+                              <a:solidFill>
+                                <a:srgbClr val="FF0000"/>
+                              </a:solidFill>
+                              <a:latin typeface="Cambria Math" panose="02040503050406030204" pitchFamily="18" charset="0"/>
+                            </a:rPr>
+                          </m:ctrlPr>
+                        </m:sSubPr>
+                        <m:e>
+                          <m:r>
+                            <a:rPr lang="en-US" altLang="ko-KR" sz="1400" b="1" i="1" smtClean="0">
+                              <a:solidFill>
+                                <a:srgbClr val="FF0000"/>
+                              </a:solidFill>
+                              <a:latin typeface="Cambria Math" panose="02040503050406030204" pitchFamily="18" charset="0"/>
+                            </a:rPr>
+                            <m:t>𝑪</m:t>
+                          </m:r>
+                        </m:e>
+                        <m:sub>
+                          <m:r>
+                            <a:rPr lang="en-US" altLang="ko-KR" sz="1400" b="1" i="1" smtClean="0">
+                              <a:solidFill>
+                                <a:srgbClr val="FF0000"/>
+                              </a:solidFill>
+                              <a:latin typeface="Cambria Math" panose="02040503050406030204" pitchFamily="18" charset="0"/>
+                            </a:rPr>
+                            <m:t>𝒓𝒆𝒇</m:t>
+                          </m:r>
+                        </m:sub>
+                      </m:sSub>
+                    </m:oMath>
+                  </m:oMathPara>
+                </a14:m>
+                <a:endParaRPr lang="en-US" altLang="ko-KR" sz="1400" b="1" dirty="0" smtClean="0">
+                  <a:solidFill>
+                    <a:srgbClr val="0070C0"/>
+                  </a:solidFill>
+                </a:endParaRPr>
+              </a:p>
+            </p:txBody>
+          </p:sp>
+        </mc:Choice>
+        <mc:Fallback>
+          <p:sp>
+            <p:nvSpPr>
+              <p:cNvPr id="61" name="TextBox 60"/>
+              <p:cNvSpPr txBox="1">
+                <a:spLocks noRot="1" noChangeAspect="1" noMove="1" noResize="1" noEditPoints="1" noAdjustHandles="1" noChangeArrowheads="1" noChangeShapeType="1" noTextEdit="1"/>
+              </p:cNvSpPr>
+              <p:nvPr/>
+            </p:nvSpPr>
+            <p:spPr>
+              <a:xfrm>
+                <a:off x="6096000" y="4390379"/>
+                <a:ext cx="922915" cy="328167"/>
+              </a:xfrm>
+              <a:prstGeom prst="rect">
+                <a:avLst/>
+              </a:prstGeom>
+              <a:blipFill>
+                <a:blip r:embed="rId4"/>
+                <a:stretch>
+                  <a:fillRect b="-3704"/>
+                </a:stretch>
+              </a:blipFill>
+            </p:spPr>
+            <p:txBody>
+              <a:bodyPr/>
+              <a:lstStyle/>
+              <a:p>
+                <a:r>
+                  <a:rPr lang="ko-KR" altLang="en-US">
+                    <a:noFill/>
+                  </a:rPr>
+                  <a:t> </a:t>
+                </a:r>
+              </a:p>
+            </p:txBody>
+          </p:sp>
+        </mc:Fallback>
+      </mc:AlternateContent>
+      <p:cxnSp>
+        <p:nvCxnSpPr>
+          <p:cNvPr id="63" name="직선 화살표 연결선 62"/>
+          <p:cNvCxnSpPr/>
+          <p:nvPr/>
+        </p:nvCxnSpPr>
+        <p:spPr>
+          <a:xfrm>
+            <a:off x="5915312" y="3993401"/>
+            <a:ext cx="454061" cy="0"/>
+          </a:xfrm>
+          <a:prstGeom prst="straightConnector1">
+            <a:avLst/>
+          </a:prstGeom>
+          <a:ln w="19050">
+            <a:solidFill>
+              <a:schemeClr val="tx1"/>
+            </a:solidFill>
+            <a:headEnd type="triangle"/>
+            <a:tailEnd type="triangle"/>
+          </a:ln>
+        </p:spPr>
+        <p:style>
+          <a:lnRef idx="1">
+            <a:schemeClr val="accent1"/>
+          </a:lnRef>
+          <a:fillRef idx="0">
+            <a:schemeClr val="accent1"/>
+          </a:fillRef>
+          <a:effectRef idx="0">
+            <a:schemeClr val="accent1"/>
+          </a:effectRef>
+          <a:fontRef idx="minor">
+            <a:schemeClr val="tx1"/>
+          </a:fontRef>
+        </p:style>
+      </p:cxnSp>
+      <mc:AlternateContent xmlns:mc="http://schemas.openxmlformats.org/markup-compatibility/2006">
+        <mc:Choice xmlns:a14="http://schemas.microsoft.com/office/drawing/2010/main" Requires="a14">
+          <p:sp>
+            <p:nvSpPr>
+              <p:cNvPr id="64" name="TextBox 63"/>
+              <p:cNvSpPr txBox="1"/>
+              <p:nvPr/>
+            </p:nvSpPr>
+            <p:spPr>
+              <a:xfrm>
+                <a:off x="5034510" y="3686395"/>
+                <a:ext cx="2173758" cy="276999"/>
+              </a:xfrm>
+              <a:prstGeom prst="rect">
+                <a:avLst/>
+              </a:prstGeom>
+              <a:noFill/>
+            </p:spPr>
+            <p:txBody>
+              <a:bodyPr wrap="square" lIns="0" tIns="0" rIns="0" bIns="0" rtlCol="0">
+                <a:spAutoFit/>
+              </a:bodyPr>
+              <a:lstStyle/>
+              <a:p>
+                <a14:m>
+                  <m:oMathPara xmlns:m="http://schemas.openxmlformats.org/officeDocument/2006/math">
+                    <m:oMathParaPr>
+                      <m:jc m:val="centerGroup"/>
+                    </m:oMathParaPr>
+                    <m:oMath xmlns:m="http://schemas.openxmlformats.org/officeDocument/2006/math">
+                      <m:r>
+                        <a:rPr lang="ko-KR" altLang="en-US" i="1" smtClean="0">
+                          <a:latin typeface="Cambria Math" panose="02040503050406030204" pitchFamily="18" charset="0"/>
+                        </a:rPr>
+                        <m:t>𝛿</m:t>
+                      </m:r>
+                    </m:oMath>
+                  </m:oMathPara>
+                </a14:m>
+                <a:endParaRPr lang="ko-KR" altLang="en-US" dirty="0"/>
+              </a:p>
+            </p:txBody>
+          </p:sp>
+        </mc:Choice>
+        <mc:Fallback>
+          <p:sp>
+            <p:nvSpPr>
+              <p:cNvPr id="64" name="TextBox 63"/>
+              <p:cNvSpPr txBox="1">
+                <a:spLocks noRot="1" noChangeAspect="1" noMove="1" noResize="1" noEditPoints="1" noAdjustHandles="1" noChangeArrowheads="1" noChangeShapeType="1" noTextEdit="1"/>
+              </p:cNvSpPr>
+              <p:nvPr/>
+            </p:nvSpPr>
+            <p:spPr>
+              <a:xfrm>
+                <a:off x="5034510" y="3686395"/>
+                <a:ext cx="2173758" cy="276999"/>
+              </a:xfrm>
+              <a:prstGeom prst="rect">
+                <a:avLst/>
+              </a:prstGeom>
+              <a:blipFill>
+                <a:blip r:embed="rId5"/>
+                <a:stretch>
+                  <a:fillRect b="-13333"/>
+                </a:stretch>
+              </a:blipFill>
+            </p:spPr>
+            <p:txBody>
+              <a:bodyPr/>
+              <a:lstStyle/>
+              <a:p>
+                <a:r>
+                  <a:rPr lang="ko-KR" altLang="en-US">
+                    <a:noFill/>
+                  </a:rPr>
+                  <a:t> </a:t>
+                </a:r>
+              </a:p>
+            </p:txBody>
+          </p:sp>
+        </mc:Fallback>
+      </mc:AlternateContent>
+      <p:sp>
+        <p:nvSpPr>
+          <p:cNvPr id="65" name="TextBox 64"/>
+          <p:cNvSpPr txBox="1"/>
+          <p:nvPr/>
+        </p:nvSpPr>
+        <p:spPr>
+          <a:xfrm>
+            <a:off x="2029650" y="5191524"/>
+            <a:ext cx="3692095" cy="338554"/>
+          </a:xfrm>
+          <a:prstGeom prst="rect">
+            <a:avLst/>
+          </a:prstGeom>
+          <a:noFill/>
+        </p:spPr>
+        <p:txBody>
+          <a:bodyPr wrap="square" rtlCol="0">
+            <a:spAutoFit/>
+          </a:bodyPr>
+          <a:lstStyle/>
+          <a:p>
+            <a:pPr algn="ctr"/>
+            <a:r>
+              <a:rPr lang="en-US" altLang="ko-KR" sz="1600" b="1" dirty="0" smtClean="0">
+                <a:solidFill>
+                  <a:srgbClr val="0070C0"/>
+                </a:solidFill>
+              </a:rPr>
+              <a:t>Update reward factor</a:t>
+            </a:r>
+            <a:endParaRPr lang="ko-KR" altLang="en-US" sz="1600" b="1" dirty="0">
+              <a:solidFill>
+                <a:srgbClr val="0070C0"/>
+              </a:solidFill>
+            </a:endParaRPr>
+          </a:p>
+        </p:txBody>
+      </p:sp>
+      <mc:AlternateContent xmlns:mc="http://schemas.openxmlformats.org/markup-compatibility/2006">
+        <mc:Choice xmlns:a14="http://schemas.microsoft.com/office/drawing/2010/main" Requires="a14">
+          <p:sp>
+            <p:nvSpPr>
+              <p:cNvPr id="66" name="TextBox 65"/>
+              <p:cNvSpPr txBox="1"/>
+              <p:nvPr/>
+            </p:nvSpPr>
+            <p:spPr>
+              <a:xfrm>
+                <a:off x="2050270" y="5438656"/>
+                <a:ext cx="3692095" cy="338554"/>
+              </a:xfrm>
+              <a:prstGeom prst="rect">
+                <a:avLst/>
+              </a:prstGeom>
+              <a:noFill/>
+            </p:spPr>
+            <p:txBody>
+              <a:bodyPr wrap="square" rtlCol="0">
+                <a:spAutoFit/>
+              </a:bodyPr>
+              <a:lstStyle/>
+              <a:p>
+                <a:pPr algn="ctr"/>
+                <a14:m>
+                  <m:oMathPara xmlns:m="http://schemas.openxmlformats.org/officeDocument/2006/math">
+                    <m:oMathParaPr>
+                      <m:jc m:val="centerGroup"/>
+                    </m:oMathParaPr>
+                    <m:oMath xmlns:m="http://schemas.openxmlformats.org/officeDocument/2006/math">
+                      <m:r>
+                        <a:rPr lang="ko-KR" altLang="en-US" sz="1600" b="1" i="1" dirty="0" smtClean="0">
+                          <a:solidFill>
+                            <a:schemeClr val="accent2"/>
+                          </a:solidFill>
+                          <a:latin typeface="Cambria Math" panose="02040503050406030204" pitchFamily="18" charset="0"/>
+                        </a:rPr>
+                        <m:t>𝜸</m:t>
+                      </m:r>
+                      <m:r>
+                        <a:rPr lang="ko-KR" altLang="en-US" sz="1600" b="1" i="1" dirty="0" smtClean="0">
+                          <a:solidFill>
+                            <a:schemeClr val="accent2"/>
+                          </a:solidFill>
+                          <a:latin typeface="Cambria Math" panose="02040503050406030204" pitchFamily="18" charset="0"/>
+                        </a:rPr>
+                        <m:t>←</m:t>
+                      </m:r>
+                      <m:r>
+                        <a:rPr lang="ko-KR" altLang="en-US" sz="1600" b="1" i="1" dirty="0" smtClean="0">
+                          <a:solidFill>
+                            <a:schemeClr val="accent2"/>
+                          </a:solidFill>
+                          <a:latin typeface="Cambria Math" panose="02040503050406030204" pitchFamily="18" charset="0"/>
+                        </a:rPr>
+                        <m:t>𝜸</m:t>
+                      </m:r>
+                      <m:r>
+                        <a:rPr lang="en-US" altLang="ko-KR" sz="1600" b="1" i="1" dirty="0" smtClean="0">
+                          <a:solidFill>
+                            <a:schemeClr val="accent2"/>
+                          </a:solidFill>
+                          <a:latin typeface="Cambria Math" panose="02040503050406030204" pitchFamily="18" charset="0"/>
+                        </a:rPr>
+                        <m:t>+</m:t>
+                      </m:r>
+                      <m:r>
+                        <a:rPr lang="en-US" altLang="ko-KR" sz="1600" b="1" i="1" dirty="0" smtClean="0">
+                          <a:solidFill>
+                            <a:schemeClr val="accent2"/>
+                          </a:solidFill>
+                          <a:latin typeface="Cambria Math" panose="02040503050406030204" pitchFamily="18" charset="0"/>
+                        </a:rPr>
+                        <m:t>𝑲</m:t>
+                      </m:r>
+                      <m:r>
+                        <a:rPr lang="ko-KR" altLang="en-US" sz="1600" b="1" i="1" dirty="0" smtClean="0">
+                          <a:solidFill>
+                            <a:schemeClr val="accent2"/>
+                          </a:solidFill>
+                          <a:latin typeface="Cambria Math" panose="02040503050406030204" pitchFamily="18" charset="0"/>
+                        </a:rPr>
+                        <m:t>𝜹</m:t>
+                      </m:r>
+                    </m:oMath>
+                  </m:oMathPara>
+                </a14:m>
+                <a:endParaRPr lang="ko-KR" altLang="en-US" sz="1600" b="1" dirty="0">
+                  <a:solidFill>
+                    <a:schemeClr val="accent2"/>
+                  </a:solidFill>
+                </a:endParaRPr>
+              </a:p>
+            </p:txBody>
+          </p:sp>
+        </mc:Choice>
+        <mc:Fallback>
+          <p:sp>
+            <p:nvSpPr>
+              <p:cNvPr id="66" name="TextBox 65"/>
+              <p:cNvSpPr txBox="1">
+                <a:spLocks noRot="1" noChangeAspect="1" noMove="1" noResize="1" noEditPoints="1" noAdjustHandles="1" noChangeArrowheads="1" noChangeShapeType="1" noTextEdit="1"/>
+              </p:cNvSpPr>
+              <p:nvPr/>
+            </p:nvSpPr>
+            <p:spPr>
+              <a:xfrm>
+                <a:off x="2050270" y="5438656"/>
+                <a:ext cx="3692095" cy="338554"/>
+              </a:xfrm>
+              <a:prstGeom prst="rect">
+                <a:avLst/>
+              </a:prstGeom>
+              <a:blipFill>
+                <a:blip r:embed="rId6"/>
+                <a:stretch>
+                  <a:fillRect b="-3571"/>
+                </a:stretch>
+              </a:blipFill>
+            </p:spPr>
+            <p:txBody>
+              <a:bodyPr/>
+              <a:lstStyle/>
+              <a:p>
+                <a:r>
+                  <a:rPr lang="ko-KR" altLang="en-US">
+                    <a:noFill/>
+                  </a:rPr>
+                  <a:t> </a:t>
+                </a:r>
+              </a:p>
+            </p:txBody>
+          </p:sp>
+        </mc:Fallback>
+      </mc:AlternateContent>
+      <mc:AlternateContent xmlns:mc="http://schemas.openxmlformats.org/markup-compatibility/2006">
+        <mc:Choice xmlns:a14="http://schemas.microsoft.com/office/drawing/2010/main" Requires="a14">
+          <p:sp>
+            <p:nvSpPr>
+              <p:cNvPr id="67" name="TextBox 66"/>
+              <p:cNvSpPr txBox="1"/>
+              <p:nvPr/>
+            </p:nvSpPr>
+            <p:spPr>
+              <a:xfrm>
+                <a:off x="2026997" y="5683317"/>
+                <a:ext cx="3692095" cy="338554"/>
+              </a:xfrm>
+              <a:prstGeom prst="rect">
+                <a:avLst/>
+              </a:prstGeom>
+              <a:noFill/>
+            </p:spPr>
+            <p:txBody>
+              <a:bodyPr wrap="square" rtlCol="0">
+                <a:spAutoFit/>
+              </a:bodyPr>
+              <a:lstStyle/>
+              <a:p>
+                <a:pPr algn="ctr"/>
+                <a14:m>
+                  <m:oMathPara xmlns:m="http://schemas.openxmlformats.org/officeDocument/2006/math">
+                    <m:oMathParaPr>
+                      <m:jc m:val="centerGroup"/>
+                    </m:oMathParaPr>
+                    <m:oMath xmlns:m="http://schemas.openxmlformats.org/officeDocument/2006/math">
+                      <m:r>
+                        <a:rPr lang="en-US" altLang="ko-KR" sz="1600" b="1" i="1" dirty="0" smtClean="0">
+                          <a:solidFill>
+                            <a:schemeClr val="tx1"/>
+                          </a:solidFill>
+                          <a:latin typeface="Cambria Math" panose="02040503050406030204" pitchFamily="18" charset="0"/>
+                        </a:rPr>
+                        <m:t>𝒐𝒓</m:t>
+                      </m:r>
+                      <m:r>
+                        <a:rPr lang="en-US" altLang="ko-KR" sz="1600" b="1" i="1" dirty="0" smtClean="0">
+                          <a:solidFill>
+                            <a:schemeClr val="accent2"/>
+                          </a:solidFill>
+                          <a:latin typeface="Cambria Math" panose="02040503050406030204" pitchFamily="18" charset="0"/>
+                        </a:rPr>
+                        <m:t> </m:t>
+                      </m:r>
+                    </m:oMath>
+                  </m:oMathPara>
+                </a14:m>
+                <a:endParaRPr lang="ko-KR" altLang="en-US" sz="1600" b="1" dirty="0">
+                  <a:solidFill>
+                    <a:schemeClr val="accent2"/>
+                  </a:solidFill>
+                </a:endParaRPr>
+              </a:p>
+            </p:txBody>
+          </p:sp>
+        </mc:Choice>
+        <mc:Fallback>
+          <p:sp>
+            <p:nvSpPr>
+              <p:cNvPr id="67" name="TextBox 66"/>
+              <p:cNvSpPr txBox="1">
+                <a:spLocks noRot="1" noChangeAspect="1" noMove="1" noResize="1" noEditPoints="1" noAdjustHandles="1" noChangeArrowheads="1" noChangeShapeType="1" noTextEdit="1"/>
+              </p:cNvSpPr>
+              <p:nvPr/>
+            </p:nvSpPr>
+            <p:spPr>
+              <a:xfrm>
+                <a:off x="2026997" y="5683317"/>
+                <a:ext cx="3692095" cy="338554"/>
+              </a:xfrm>
+              <a:prstGeom prst="rect">
+                <a:avLst/>
+              </a:prstGeom>
+              <a:blipFill>
+                <a:blip r:embed="rId7"/>
+                <a:stretch>
+                  <a:fillRect/>
+                </a:stretch>
+              </a:blipFill>
+            </p:spPr>
+            <p:txBody>
+              <a:bodyPr/>
+              <a:lstStyle/>
+              <a:p>
+                <a:r>
+                  <a:rPr lang="ko-KR" altLang="en-US">
+                    <a:noFill/>
+                  </a:rPr>
+                  <a:t> </a:t>
+                </a:r>
+              </a:p>
+            </p:txBody>
+          </p:sp>
+        </mc:Fallback>
+      </mc:AlternateContent>
+      <mc:AlternateContent xmlns:mc="http://schemas.openxmlformats.org/markup-compatibility/2006">
+        <mc:Choice xmlns:a14="http://schemas.microsoft.com/office/drawing/2010/main" Requires="a14">
+          <p:sp>
+            <p:nvSpPr>
+              <p:cNvPr id="68" name="TextBox 67"/>
+              <p:cNvSpPr txBox="1"/>
+              <p:nvPr/>
+            </p:nvSpPr>
+            <p:spPr>
+              <a:xfrm>
+                <a:off x="2039853" y="5914937"/>
+                <a:ext cx="3692095" cy="338554"/>
+              </a:xfrm>
+              <a:prstGeom prst="rect">
+                <a:avLst/>
+              </a:prstGeom>
+              <a:noFill/>
+            </p:spPr>
+            <p:txBody>
+              <a:bodyPr wrap="square" rtlCol="0">
+                <a:spAutoFit/>
+              </a:bodyPr>
+              <a:lstStyle/>
+              <a:p>
+                <a:pPr algn="ctr"/>
+                <a14:m>
+                  <m:oMathPara xmlns:m="http://schemas.openxmlformats.org/officeDocument/2006/math">
+                    <m:oMathParaPr>
+                      <m:jc m:val="centerGroup"/>
+                    </m:oMathParaPr>
+                    <m:oMath xmlns:m="http://schemas.openxmlformats.org/officeDocument/2006/math">
+                      <m:r>
+                        <a:rPr lang="en-US" altLang="ko-KR" sz="1600" b="1" i="1" dirty="0" smtClean="0">
+                          <a:solidFill>
+                            <a:schemeClr val="accent2"/>
+                          </a:solidFill>
+                          <a:latin typeface="Cambria Math" panose="02040503050406030204" pitchFamily="18" charset="0"/>
+                        </a:rPr>
+                        <m:t>𝒔𝒆𝒍𝒆𝒄𝒕</m:t>
+                      </m:r>
+                      <m:r>
+                        <a:rPr lang="en-US" altLang="ko-KR" sz="1600" b="1" i="1" dirty="0" smtClean="0">
+                          <a:solidFill>
+                            <a:schemeClr val="accent2"/>
+                          </a:solidFill>
+                          <a:latin typeface="Cambria Math" panose="02040503050406030204" pitchFamily="18" charset="0"/>
+                        </a:rPr>
+                        <m:t>   </m:t>
+                      </m:r>
+                      <m:sSup>
+                        <m:sSupPr>
+                          <m:ctrlPr>
+                            <a:rPr lang="en-US" altLang="ko-KR" sz="1600" b="1" i="1" dirty="0" smtClean="0">
+                              <a:solidFill>
+                                <a:schemeClr val="accent2"/>
+                              </a:solidFill>
+                              <a:latin typeface="Cambria Math" panose="02040503050406030204" pitchFamily="18" charset="0"/>
+                            </a:rPr>
+                          </m:ctrlPr>
+                        </m:sSupPr>
+                        <m:e>
+                          <m:r>
+                            <a:rPr lang="ko-KR" altLang="en-US" sz="1600" b="1" i="1" dirty="0" smtClean="0">
+                              <a:solidFill>
+                                <a:schemeClr val="accent2"/>
+                              </a:solidFill>
+                              <a:latin typeface="Cambria Math" panose="02040503050406030204" pitchFamily="18" charset="0"/>
+                            </a:rPr>
+                            <m:t>𝜸</m:t>
+                          </m:r>
+                        </m:e>
+                        <m:sup>
+                          <m:r>
+                            <a:rPr lang="en-US" altLang="ko-KR" sz="1600" b="1" i="1" dirty="0" smtClean="0">
+                              <a:solidFill>
+                                <a:schemeClr val="accent2"/>
+                              </a:solidFill>
+                              <a:latin typeface="Cambria Math" panose="02040503050406030204" pitchFamily="18" charset="0"/>
+                            </a:rPr>
+                            <m:t>∗</m:t>
+                          </m:r>
+                        </m:sup>
+                      </m:sSup>
+                      <m:r>
+                        <a:rPr lang="en-US" altLang="ko-KR" sz="1600" b="1" i="1" dirty="0" smtClean="0">
+                          <a:solidFill>
+                            <a:schemeClr val="accent2"/>
+                          </a:solidFill>
+                          <a:latin typeface="Cambria Math" panose="02040503050406030204" pitchFamily="18" charset="0"/>
+                        </a:rPr>
+                        <m:t> </m:t>
+                      </m:r>
+                    </m:oMath>
+                  </m:oMathPara>
+                </a14:m>
+                <a:endParaRPr lang="ko-KR" altLang="en-US" sz="1600" b="1" dirty="0">
+                  <a:solidFill>
+                    <a:schemeClr val="accent2"/>
+                  </a:solidFill>
+                </a:endParaRPr>
+              </a:p>
+            </p:txBody>
+          </p:sp>
+        </mc:Choice>
+        <mc:Fallback>
+          <p:sp>
+            <p:nvSpPr>
+              <p:cNvPr id="68" name="TextBox 67"/>
+              <p:cNvSpPr txBox="1">
+                <a:spLocks noRot="1" noChangeAspect="1" noMove="1" noResize="1" noEditPoints="1" noAdjustHandles="1" noChangeArrowheads="1" noChangeShapeType="1" noTextEdit="1"/>
+              </p:cNvSpPr>
+              <p:nvPr/>
+            </p:nvSpPr>
+            <p:spPr>
+              <a:xfrm>
+                <a:off x="2039853" y="5914937"/>
+                <a:ext cx="3692095" cy="338554"/>
+              </a:xfrm>
+              <a:prstGeom prst="rect">
+                <a:avLst/>
+              </a:prstGeom>
+              <a:blipFill>
+                <a:blip r:embed="rId8"/>
+                <a:stretch>
+                  <a:fillRect b="-3571"/>
+                </a:stretch>
+              </a:blipFill>
+            </p:spPr>
+            <p:txBody>
+              <a:bodyPr/>
+              <a:lstStyle/>
+              <a:p>
+                <a:r>
+                  <a:rPr lang="ko-KR" altLang="en-US">
+                    <a:noFill/>
+                  </a:rPr>
+                  <a:t> </a:t>
+                </a:r>
+              </a:p>
+            </p:txBody>
+          </p:sp>
+        </mc:Fallback>
+      </mc:AlternateContent>
     </p:spTree>
     <p:extLst>
       <p:ext uri="{BB962C8B-B14F-4D97-AF65-F5344CB8AC3E}">
@@ -33050,7 +35293,7 @@
               <a:rPr lang="en-US" altLang="ko-KR" sz="2000" b="1" dirty="0" smtClean="0">
                 <a:ea typeface="굴림" panose="020B0600000101010101" pitchFamily="50" charset="-127"/>
               </a:rPr>
-              <a:t>Scalable Power management </a:t>
+              <a:t>DRL on FCHEV </a:t>
             </a:r>
             <a:endParaRPr lang="ko-KR" altLang="en-US" sz="2000" b="1" dirty="0">
               <a:ea typeface="굴림" panose="020B0600000101010101" pitchFamily="50" charset="-127"/>
@@ -33069,7 +35312,7 @@
         <p:spPr bwMode="auto">
           <a:xfrm>
             <a:off x="1115616" y="1556853"/>
-            <a:ext cx="10070544" cy="1323439"/>
+            <a:ext cx="10070544" cy="2062103"/>
           </a:xfrm>
           <a:prstGeom prst="rect">
             <a:avLst/>
@@ -33217,13 +35460,57 @@
               <a:defRPr/>
             </a:pPr>
             <a:r>
+              <a:rPr lang="ko-KR" altLang="en-US" sz="1600" dirty="0" smtClean="0">
+                <a:solidFill>
+                  <a:srgbClr val="FF0000"/>
+                </a:solidFill>
+                <a:ea typeface="굴림" panose="020B0600000101010101" pitchFamily="50" charset="-127"/>
+              </a:rPr>
+              <a:t>연료전지 차량에서 연료전지는 열화에 매우 민감한 요소이므로 열화를 고려한 </a:t>
+            </a:r>
+            <a:r>
+              <a:rPr lang="ko-KR" altLang="en-US" sz="1600" dirty="0" err="1" smtClean="0">
+                <a:solidFill>
+                  <a:srgbClr val="FF0000"/>
+                </a:solidFill>
+                <a:ea typeface="굴림" panose="020B0600000101010101" pitchFamily="50" charset="-127"/>
+              </a:rPr>
+              <a:t>차량모델의</a:t>
+            </a:r>
+            <a:r>
+              <a:rPr lang="ko-KR" altLang="en-US" sz="1600" dirty="0" smtClean="0">
+                <a:solidFill>
+                  <a:srgbClr val="FF0000"/>
+                </a:solidFill>
+                <a:ea typeface="굴림" panose="020B0600000101010101" pitchFamily="50" charset="-127"/>
+              </a:rPr>
+              <a:t> 개발뿐 아니라 </a:t>
+            </a:r>
+            <a:r>
               <a:rPr lang="en-US" altLang="ko-KR" sz="1600" dirty="0" smtClean="0">
                 <a:solidFill>
                   <a:srgbClr val="FF0000"/>
                 </a:solidFill>
                 <a:ea typeface="굴림" panose="020B0600000101010101" pitchFamily="50" charset="-127"/>
               </a:rPr>
-              <a:t>Scalable</a:t>
+              <a:t/>
+            </a:r>
+            <a:br>
+              <a:rPr lang="en-US" altLang="ko-KR" sz="1600" dirty="0" smtClean="0">
+                <a:solidFill>
+                  <a:srgbClr val="FF0000"/>
+                </a:solidFill>
+                <a:ea typeface="굴림" panose="020B0600000101010101" pitchFamily="50" charset="-127"/>
+              </a:rPr>
+            </a:br>
+            <a:r>
+              <a:rPr lang="ko-KR" altLang="en-US" sz="1600" dirty="0" err="1" smtClean="0">
+                <a:solidFill>
+                  <a:srgbClr val="FF0000"/>
+                </a:solidFill>
+                <a:ea typeface="굴림" panose="020B0600000101010101" pitchFamily="50" charset="-127"/>
+              </a:rPr>
+              <a:t>비용함수에</a:t>
             </a:r>
             <a:r>
               <a:rPr lang="ko-KR" altLang="en-US" sz="1600" dirty="0" smtClean="0">
@@ -33232,27 +35519,9 @@
                 </a:solidFill>
                 <a:ea typeface="굴림" panose="020B0600000101010101" pitchFamily="50" charset="-127"/>
               </a:rPr>
-              <a:t>한 동력분배전략 개발을 위해서는 다양한 </a:t>
-            </a:r>
-            <a:r>
-              <a:rPr lang="ko-KR" altLang="en-US" sz="1600" dirty="0" err="1" smtClean="0">
-                <a:solidFill>
-                  <a:srgbClr val="FF0000"/>
-                </a:solidFill>
-                <a:ea typeface="굴림" panose="020B0600000101010101" pitchFamily="50" charset="-127"/>
-              </a:rPr>
-              <a:t>단품의</a:t>
-            </a:r>
-            <a:r>
-              <a:rPr lang="ko-KR" altLang="en-US" sz="1600" dirty="0" smtClean="0">
-                <a:solidFill>
-                  <a:srgbClr val="FF0000"/>
-                </a:solidFill>
-                <a:ea typeface="굴림" panose="020B0600000101010101" pitchFamily="50" charset="-127"/>
-              </a:rPr>
-              <a:t> 크기와 구조에서도 동일한 학습프레임워크상에서 유효한 동력분배전략을 개발해야 함   </a:t>
-            </a:r>
-            <a:endParaRPr lang="en-US" altLang="ko-KR" sz="1600" dirty="0" smtClean="0">
+              <a:t> 열화 관련 비용을 추가하여 열화를 고려한 전략을 개발할 필요가 있음</a:t>
+            </a:r>
+            <a:endParaRPr lang="en-US" altLang="ko-KR" sz="1600" dirty="0">
               <a:solidFill>
                 <a:srgbClr val="FF0000"/>
               </a:solidFill>
@@ -33279,40 +35548,13 @@
               <a:defRPr/>
             </a:pPr>
             <a:r>
-              <a:rPr lang="ko-KR" altLang="en-US" sz="1600" dirty="0" err="1" smtClean="0">
+              <a:rPr lang="ko-KR" altLang="en-US" sz="1600" dirty="0" smtClean="0">
                 <a:solidFill>
                   <a:srgbClr val="FF0000"/>
                 </a:solidFill>
                 <a:ea typeface="굴림" panose="020B0600000101010101" pitchFamily="50" charset="-127"/>
               </a:rPr>
-              <a:t>단품의</a:t>
-            </a:r>
-            <a:r>
-              <a:rPr lang="ko-KR" altLang="en-US" sz="1600" dirty="0" smtClean="0">
-                <a:solidFill>
-                  <a:srgbClr val="FF0000"/>
-                </a:solidFill>
-                <a:ea typeface="굴림" panose="020B0600000101010101" pitchFamily="50" charset="-127"/>
-              </a:rPr>
-              <a:t> 크기를 변경하고 동일한 학습프레임워크상에서 </a:t>
-            </a:r>
-            <a:r>
-              <a:rPr lang="en-US" altLang="ko-KR" sz="1600" dirty="0" smtClean="0">
-                <a:solidFill>
-                  <a:srgbClr val="FF0000"/>
-                </a:solidFill>
-                <a:ea typeface="굴림" panose="020B0600000101010101" pitchFamily="50" charset="-127"/>
-              </a:rPr>
-              <a:t>agent</a:t>
-            </a:r>
-            <a:r>
-              <a:rPr lang="ko-KR" altLang="en-US" sz="1600" dirty="0" smtClean="0">
-                <a:solidFill>
-                  <a:srgbClr val="FF0000"/>
-                </a:solidFill>
-                <a:ea typeface="굴림" panose="020B0600000101010101" pitchFamily="50" charset="-127"/>
-              </a:rPr>
-              <a:t>를 학습시킴 </a:t>
+              <a:t>연료전지 열화 모델 개발에 대한 소개 </a:t>
             </a:r>
             <a:endParaRPr lang="en-US" altLang="ko-KR" sz="1600" dirty="0" smtClean="0">
               <a:solidFill>
@@ -33334,6 +35576,117 @@
               <a:ea typeface="굴림" panose="020B0600000101010101" pitchFamily="50" charset="-127"/>
             </a:endParaRPr>
           </a:p>
+          <a:p>
+            <a:pPr marL="342900" indent="-342900">
+              <a:buFont typeface="Arial" panose="020B0604020202020204" pitchFamily="34" charset="0"/>
+              <a:buChar char="•"/>
+              <a:defRPr/>
+            </a:pPr>
+            <a:r>
+              <a:rPr lang="ko-KR" altLang="en-US" sz="1600" dirty="0" err="1" smtClean="0">
+                <a:solidFill>
+                  <a:srgbClr val="FF0000"/>
+                </a:solidFill>
+                <a:ea typeface="굴림" panose="020B0600000101010101" pitchFamily="50" charset="-127"/>
+              </a:rPr>
+              <a:t>열화요인을</a:t>
+            </a:r>
+            <a:r>
+              <a:rPr lang="ko-KR" altLang="en-US" sz="1600" dirty="0" smtClean="0">
+                <a:solidFill>
+                  <a:srgbClr val="FF0000"/>
+                </a:solidFill>
+                <a:ea typeface="굴림" panose="020B0600000101010101" pitchFamily="50" charset="-127"/>
+              </a:rPr>
+              <a:t> 고려한 </a:t>
+            </a:r>
+            <a:r>
+              <a:rPr lang="ko-KR" altLang="en-US" sz="1600" dirty="0" err="1" smtClean="0">
+                <a:solidFill>
+                  <a:srgbClr val="FF0000"/>
+                </a:solidFill>
+                <a:ea typeface="굴림" panose="020B0600000101010101" pitchFamily="50" charset="-127"/>
+              </a:rPr>
+              <a:t>비용함수의</a:t>
+            </a:r>
+            <a:r>
+              <a:rPr lang="ko-KR" altLang="en-US" sz="1600" dirty="0" smtClean="0">
+                <a:solidFill>
+                  <a:srgbClr val="FF0000"/>
+                </a:solidFill>
+                <a:ea typeface="굴림" panose="020B0600000101010101" pitchFamily="50" charset="-127"/>
+              </a:rPr>
+              <a:t> 재정의 </a:t>
+            </a:r>
+            <a:endParaRPr lang="en-US" altLang="ko-KR" sz="1600" dirty="0" smtClean="0">
+              <a:solidFill>
+                <a:srgbClr val="FF0000"/>
+              </a:solidFill>
+              <a:ea typeface="굴림" panose="020B0600000101010101" pitchFamily="50" charset="-127"/>
+            </a:endParaRPr>
+          </a:p>
+          <a:p>
+            <a:pPr marL="342900" indent="-342900">
+              <a:buFont typeface="Arial" panose="020B0604020202020204" pitchFamily="34" charset="0"/>
+              <a:buChar char="•"/>
+              <a:defRPr/>
+            </a:pPr>
+            <a:endParaRPr lang="en-US" altLang="ko-KR" sz="1600" dirty="0">
+              <a:solidFill>
+                <a:srgbClr val="FF0000"/>
+              </a:solidFill>
+              <a:ea typeface="굴림" panose="020B0600000101010101" pitchFamily="50" charset="-127"/>
+            </a:endParaRPr>
+          </a:p>
+          <a:p>
+            <a:pPr marL="342900" indent="-342900">
+              <a:buFont typeface="Arial" panose="020B0604020202020204" pitchFamily="34" charset="0"/>
+              <a:buChar char="•"/>
+              <a:defRPr/>
+            </a:pPr>
+            <a:r>
+              <a:rPr lang="ko-KR" altLang="en-US" sz="1600" dirty="0" err="1" smtClean="0">
+                <a:solidFill>
+                  <a:srgbClr val="FF0000"/>
+                </a:solidFill>
+                <a:ea typeface="굴림" panose="020B0600000101010101" pitchFamily="50" charset="-127"/>
+              </a:rPr>
+              <a:t>열화요인을</a:t>
+            </a:r>
+            <a:r>
+              <a:rPr lang="ko-KR" altLang="en-US" sz="1600" dirty="0" smtClean="0">
+                <a:solidFill>
+                  <a:srgbClr val="FF0000"/>
+                </a:solidFill>
+                <a:ea typeface="굴림" panose="020B0600000101010101" pitchFamily="50" charset="-127"/>
+              </a:rPr>
+              <a:t> 고려한 </a:t>
+            </a:r>
+            <a:r>
+              <a:rPr lang="ko-KR" altLang="en-US" sz="1600" dirty="0" err="1" smtClean="0">
+                <a:solidFill>
+                  <a:srgbClr val="FF0000"/>
+                </a:solidFill>
+                <a:ea typeface="굴림" panose="020B0600000101010101" pitchFamily="50" charset="-127"/>
+              </a:rPr>
+              <a:t>동력분배와</a:t>
+            </a:r>
+            <a:r>
+              <a:rPr lang="ko-KR" altLang="en-US" sz="1600" dirty="0" smtClean="0">
+                <a:solidFill>
+                  <a:srgbClr val="FF0000"/>
+                </a:solidFill>
+                <a:ea typeface="굴림" panose="020B0600000101010101" pitchFamily="50" charset="-127"/>
+              </a:rPr>
+              <a:t> 그렇지 않은 모델의 결과 분석</a:t>
+            </a:r>
+            <a:endParaRPr lang="en-US" altLang="ko-KR" sz="1600" dirty="0">
+              <a:solidFill>
+                <a:srgbClr val="FF0000"/>
+              </a:solidFill>
+              <a:ea typeface="굴림" panose="020B0600000101010101" pitchFamily="50" charset="-127"/>
+            </a:endParaRPr>
+          </a:p>
         </p:txBody>
       </p:sp>
       <p:sp>
@@ -33344,13 +35697,18 @@
         </p:nvSpPr>
         <p:spPr>
           <a:xfrm>
-            <a:off x="3317123" y="3635798"/>
-            <a:ext cx="6967987" cy="2031325"/>
+            <a:off x="2751856" y="4549581"/>
+            <a:ext cx="7082099" cy="923330"/>
           </a:xfrm>
           <a:prstGeom prst="rect">
             <a:avLst/>
           </a:prstGeom>
           <a:noFill/>
+          <a:ln w="28575">
+            <a:solidFill>
+              <a:srgbClr val="92D050"/>
+            </a:solidFill>
+          </a:ln>
         </p:spPr>
         <p:txBody>
           <a:bodyPr wrap="square" rtlCol="0">
@@ -33358,43 +35716,67 @@
           </a:bodyPr>
           <a:lstStyle/>
           <a:p>
+            <a:pPr algn="ctr"/>
             <a:r>
               <a:rPr lang="ko-KR" altLang="en-US" b="1" dirty="0" smtClean="0">
                 <a:solidFill>
-                  <a:srgbClr val="FF0000"/>
-                </a:solidFill>
-              </a:rPr>
-              <a:t>변경된 스펙 소개 </a:t>
+                  <a:srgbClr val="00B050"/>
+                </a:solidFill>
+              </a:rPr>
+              <a:t>바로 열화 모델로 나아가도 </a:t>
             </a:r>
             <a:r>
               <a:rPr lang="en-US" altLang="ko-KR" b="1" dirty="0" smtClean="0">
                 <a:solidFill>
-                  <a:srgbClr val="FF0000"/>
-                </a:solidFill>
-              </a:rPr>
-              <a:t>.. </a:t>
-            </a:r>
-          </a:p>
-          <a:p>
+                  <a:srgbClr val="00B050"/>
+                </a:solidFill>
+              </a:rPr>
+              <a:t>scalability</a:t>
+            </a:r>
+            <a:r>
+              <a:rPr lang="ko-KR" altLang="en-US" b="1" dirty="0" smtClean="0">
+                <a:solidFill>
+                  <a:srgbClr val="00B050"/>
+                </a:solidFill>
+              </a:rPr>
+              <a:t>를 보여줄 수 있음</a:t>
+            </a:r>
             <a:endParaRPr lang="en-US" altLang="ko-KR" b="1" dirty="0" smtClean="0">
               <a:solidFill>
-                <a:srgbClr val="FF0000"/>
+                <a:srgbClr val="00B050"/>
               </a:solidFill>
             </a:endParaRPr>
           </a:p>
           <a:p>
+            <a:pPr algn="ctr"/>
+            <a:r>
+              <a:rPr lang="en-US" altLang="ko-KR" b="1" dirty="0">
+                <a:solidFill>
+                  <a:srgbClr val="00B050"/>
+                </a:solidFill>
+              </a:rPr>
+              <a:t>Multi-objective </a:t>
+            </a:r>
             <a:r>
               <a:rPr lang="ko-KR" altLang="en-US" b="1" dirty="0" smtClean="0">
                 <a:solidFill>
-                  <a:srgbClr val="FF0000"/>
-                </a:solidFill>
-              </a:rPr>
-              <a:t>큰</a:t>
+                  <a:srgbClr val="00B050"/>
+                </a:solidFill>
+              </a:rPr>
+              <a:t>문제</a:t>
+            </a:r>
+            <a:r>
+              <a:rPr lang="ko-KR" altLang="en-US" b="1" dirty="0" smtClean="0">
+                <a:solidFill>
+                  <a:srgbClr val="00B050"/>
+                </a:solidFill>
+              </a:rPr>
+              <a:t>로 문제</a:t>
             </a:r>
             <a:r>
               <a:rPr lang="en-US" altLang="ko-KR" b="1" dirty="0" smtClean="0">
                 <a:solidFill>
-                  <a:srgbClr val="FF0000"/>
+                  <a:srgbClr val="00B050"/>
                 </a:solidFill>
               </a:rPr>
               <a:t> </a:t>
@@ -33402,110 +35784,14 @@
             <a:r>
               <a:rPr lang="ko-KR" altLang="en-US" b="1" dirty="0" smtClean="0">
                 <a:solidFill>
-                  <a:srgbClr val="FF0000"/>
-                </a:solidFill>
-              </a:rPr>
-              <a:t>용량의 연료전지 차량 모델을 도입하여 </a:t>
-            </a:r>
-            <a:r>
-              <a:rPr lang="en-US" altLang="ko-KR" b="1" dirty="0" err="1" smtClean="0">
-                <a:solidFill>
-                  <a:srgbClr val="FF0000"/>
-                </a:solidFill>
-              </a:rPr>
-              <a:t>batchnormalization</a:t>
-            </a:r>
-            <a:r>
-              <a:rPr lang="ko-KR" altLang="en-US" b="1" dirty="0" smtClean="0">
-                <a:solidFill>
-                  <a:srgbClr val="FF0000"/>
-                </a:solidFill>
-              </a:rPr>
-              <a:t>을 통해서 </a:t>
-            </a:r>
-            <a:r>
-              <a:rPr lang="en-US" altLang="ko-KR" b="1" dirty="0" smtClean="0">
-                <a:solidFill>
-                  <a:srgbClr val="FF0000"/>
-                </a:solidFill>
-              </a:rPr>
-              <a:t>scalable</a:t>
-            </a:r>
-            <a:r>
-              <a:rPr lang="ko-KR" altLang="en-US" b="1" dirty="0" smtClean="0">
-                <a:solidFill>
-                  <a:srgbClr val="FF0000"/>
-                </a:solidFill>
-              </a:rPr>
-              <a:t>한 제어가 가능함을 강조 </a:t>
+                  <a:srgbClr val="00B050"/>
+                </a:solidFill>
+              </a:rPr>
+              <a:t>상황을 확장하여도 유효한 결과를 얻을 수 있음을 강조 </a:t>
             </a:r>
             <a:endParaRPr lang="en-US" altLang="ko-KR" b="1" dirty="0" smtClean="0">
               <a:solidFill>
-                <a:srgbClr val="FF0000"/>
-              </a:solidFill>
-            </a:endParaRPr>
-          </a:p>
-          <a:p>
-            <a:endParaRPr lang="en-US" altLang="ko-KR" b="1" dirty="0">
-              <a:solidFill>
-                <a:srgbClr val="FF0000"/>
-              </a:solidFill>
-            </a:endParaRPr>
-          </a:p>
-          <a:p>
-            <a:r>
-              <a:rPr lang="en-US" altLang="ko-KR" b="1" dirty="0" smtClean="0">
-                <a:solidFill>
-                  <a:srgbClr val="FF0000"/>
-                </a:solidFill>
-              </a:rPr>
-              <a:t>(</a:t>
-            </a:r>
-            <a:r>
-              <a:rPr lang="ko-KR" altLang="en-US" b="1" dirty="0" smtClean="0">
-                <a:solidFill>
-                  <a:srgbClr val="FF0000"/>
-                </a:solidFill>
-              </a:rPr>
-              <a:t>연료전지 차량 구조 변경</a:t>
-            </a:r>
-            <a:r>
-              <a:rPr lang="en-US" altLang="ko-KR" b="1" dirty="0" smtClean="0">
-                <a:solidFill>
-                  <a:srgbClr val="FF0000"/>
-                </a:solidFill>
-              </a:rPr>
-              <a:t>, </a:t>
-            </a:r>
-            <a:r>
-              <a:rPr lang="ko-KR" altLang="en-US" b="1" dirty="0" err="1" smtClean="0">
-                <a:solidFill>
-                  <a:srgbClr val="FF0000"/>
-                </a:solidFill>
-              </a:rPr>
-              <a:t>직렬형</a:t>
-            </a:r>
-            <a:r>
-              <a:rPr lang="ko-KR" altLang="en-US" b="1" dirty="0" smtClean="0">
-                <a:solidFill>
-                  <a:srgbClr val="FF0000"/>
-                </a:solidFill>
-              </a:rPr>
-              <a:t> 구조</a:t>
-            </a:r>
-            <a:r>
-              <a:rPr lang="en-US" altLang="ko-KR" b="1" dirty="0" smtClean="0">
-                <a:solidFill>
-                  <a:srgbClr val="FF0000"/>
-                </a:solidFill>
-              </a:rPr>
-              <a:t>)</a:t>
-            </a:r>
-          </a:p>
-          <a:p>
-            <a:endParaRPr lang="ko-KR" altLang="en-US" b="1" dirty="0">
-              <a:solidFill>
-                <a:srgbClr val="FF0000"/>
+                <a:srgbClr val="00B050"/>
               </a:solidFill>
             </a:endParaRPr>
           </a:p>
@@ -33514,7 +35800,7 @@
     </p:spTree>
     <p:extLst>
       <p:ext uri="{BB962C8B-B14F-4D97-AF65-F5344CB8AC3E}">
-        <p14:creationId xmlns:p14="http://schemas.microsoft.com/office/powerpoint/2010/main" val="4232396237"/>
+        <p14:creationId xmlns:p14="http://schemas.microsoft.com/office/powerpoint/2010/main" val="3699631356"/>
       </p:ext>
     </p:extLst>
   </p:cSld>
@@ -33938,6 +36224,981 @@
         <p:spPr bwMode="auto">
           <a:xfrm>
             <a:off x="1115616" y="1556853"/>
+            <a:ext cx="10070544" cy="1815882"/>
+          </a:xfrm>
+          <a:prstGeom prst="rect">
+            <a:avLst/>
+          </a:prstGeom>
+          <a:noFill/>
+          <a:ln>
+            <a:noFill/>
+          </a:ln>
+          <a:effectLst/>
+          <a:extLst>
+            <a:ext uri="{909E8E84-426E-40DD-AFC4-6F175D3DCCD1}">
+              <a14:hiddenFill xmlns:a14="http://schemas.microsoft.com/office/drawing/2010/main">
+                <a:solidFill>
+                  <a:schemeClr val="accent1"/>
+                </a:solidFill>
+              </a14:hiddenFill>
+            </a:ext>
+            <a:ext uri="{91240B29-F687-4F45-9708-019B960494DF}">
+              <a14:hiddenLine xmlns:a14="http://schemas.microsoft.com/office/drawing/2010/main" w="9525">
+                <a:solidFill>
+                  <a:schemeClr val="tx1"/>
+                </a:solidFill>
+                <a:miter lim="800000"/>
+                <a:headEnd/>
+                <a:tailEnd/>
+              </a14:hiddenLine>
+            </a:ext>
+            <a:ext uri="{AF507438-7753-43E0-B8FC-AC1667EBCBE1}">
+              <a14:hiddenEffects xmlns:a14="http://schemas.microsoft.com/office/drawing/2010/main">
+                <a:effectLst>
+                  <a:outerShdw dist="35921" dir="2700000" algn="ctr" rotWithShape="0">
+                    <a:schemeClr val="bg2"/>
+                  </a:outerShdw>
+                </a:effectLst>
+              </a14:hiddenEffects>
+            </a:ext>
+          </a:extLst>
+        </p:spPr>
+        <p:txBody>
+          <a:bodyPr wrap="square">
+            <a:spAutoFit/>
+          </a:bodyPr>
+          <a:lstStyle>
+            <a:lvl1pPr>
+              <a:defRPr>
+                <a:solidFill>
+                  <a:schemeClr val="tx1"/>
+                </a:solidFill>
+                <a:latin typeface="Arial" panose="020B0604020202020204" pitchFamily="34" charset="0"/>
+              </a:defRPr>
+            </a:lvl1pPr>
+            <a:lvl2pPr marL="742950" indent="-285750">
+              <a:defRPr>
+                <a:solidFill>
+                  <a:schemeClr val="tx1"/>
+                </a:solidFill>
+                <a:latin typeface="Arial" panose="020B0604020202020204" pitchFamily="34" charset="0"/>
+              </a:defRPr>
+            </a:lvl2pPr>
+            <a:lvl3pPr marL="1143000" indent="-228600">
+              <a:defRPr>
+                <a:solidFill>
+                  <a:schemeClr val="tx1"/>
+                </a:solidFill>
+                <a:latin typeface="Arial" panose="020B0604020202020204" pitchFamily="34" charset="0"/>
+              </a:defRPr>
+            </a:lvl3pPr>
+            <a:lvl4pPr marL="1600200" indent="-228600">
+              <a:defRPr>
+                <a:solidFill>
+                  <a:schemeClr val="tx1"/>
+                </a:solidFill>
+                <a:latin typeface="Arial" panose="020B0604020202020204" pitchFamily="34" charset="0"/>
+              </a:defRPr>
+            </a:lvl4pPr>
+            <a:lvl5pPr marL="2057400" indent="-228600">
+              <a:defRPr>
+                <a:solidFill>
+                  <a:schemeClr val="tx1"/>
+                </a:solidFill>
+                <a:latin typeface="Arial" panose="020B0604020202020204" pitchFamily="34" charset="0"/>
+              </a:defRPr>
+            </a:lvl5pPr>
+            <a:lvl6pPr marL="2514600" indent="-228600" eaLnBrk="0" fontAlgn="base" hangingPunct="0">
+              <a:spcBef>
+                <a:spcPct val="0"/>
+              </a:spcBef>
+              <a:spcAft>
+                <a:spcPct val="0"/>
+              </a:spcAft>
+              <a:defRPr>
+                <a:solidFill>
+                  <a:schemeClr val="tx1"/>
+                </a:solidFill>
+                <a:latin typeface="Arial" panose="020B0604020202020204" pitchFamily="34" charset="0"/>
+              </a:defRPr>
+            </a:lvl6pPr>
+            <a:lvl7pPr marL="2971800" indent="-228600" eaLnBrk="0" fontAlgn="base" hangingPunct="0">
+              <a:spcBef>
+                <a:spcPct val="0"/>
+              </a:spcBef>
+              <a:spcAft>
+                <a:spcPct val="0"/>
+              </a:spcAft>
+              <a:defRPr>
+                <a:solidFill>
+                  <a:schemeClr val="tx1"/>
+                </a:solidFill>
+                <a:latin typeface="Arial" panose="020B0604020202020204" pitchFamily="34" charset="0"/>
+              </a:defRPr>
+            </a:lvl7pPr>
+            <a:lvl8pPr marL="3429000" indent="-228600" eaLnBrk="0" fontAlgn="base" hangingPunct="0">
+              <a:spcBef>
+                <a:spcPct val="0"/>
+              </a:spcBef>
+              <a:spcAft>
+                <a:spcPct val="0"/>
+              </a:spcAft>
+              <a:defRPr>
+                <a:solidFill>
+                  <a:schemeClr val="tx1"/>
+                </a:solidFill>
+                <a:latin typeface="Arial" panose="020B0604020202020204" pitchFamily="34" charset="0"/>
+              </a:defRPr>
+            </a:lvl8pPr>
+            <a:lvl9pPr marL="3886200" indent="-228600" eaLnBrk="0" fontAlgn="base" hangingPunct="0">
+              <a:spcBef>
+                <a:spcPct val="0"/>
+              </a:spcBef>
+              <a:spcAft>
+                <a:spcPct val="0"/>
+              </a:spcAft>
+              <a:defRPr>
+                <a:solidFill>
+                  <a:schemeClr val="tx1"/>
+                </a:solidFill>
+                <a:latin typeface="Arial" panose="020B0604020202020204" pitchFamily="34" charset="0"/>
+              </a:defRPr>
+            </a:lvl9pPr>
+          </a:lstStyle>
+          <a:p>
+            <a:pPr marL="342900" indent="-342900">
+              <a:buFont typeface="Arial" panose="020B0604020202020204" pitchFamily="34" charset="0"/>
+              <a:buChar char="•"/>
+              <a:defRPr/>
+            </a:pPr>
+            <a:r>
+              <a:rPr lang="en-US" altLang="ko-KR" sz="1600" dirty="0" smtClean="0">
+                <a:solidFill>
+                  <a:srgbClr val="FF0000"/>
+                </a:solidFill>
+                <a:ea typeface="굴림" panose="020B0600000101010101" pitchFamily="50" charset="-127"/>
+              </a:rPr>
+              <a:t>Scalable</a:t>
+            </a:r>
+            <a:r>
+              <a:rPr lang="ko-KR" altLang="en-US" sz="1600" dirty="0" smtClean="0">
+                <a:solidFill>
+                  <a:srgbClr val="FF0000"/>
+                </a:solidFill>
+                <a:ea typeface="굴림" panose="020B0600000101010101" pitchFamily="50" charset="-127"/>
+              </a:rPr>
+              <a:t>한 동력분배전략 개발을 위해서는 다양한 </a:t>
+            </a:r>
+            <a:r>
+              <a:rPr lang="ko-KR" altLang="en-US" sz="1600" dirty="0" err="1" smtClean="0">
+                <a:solidFill>
+                  <a:srgbClr val="FF0000"/>
+                </a:solidFill>
+                <a:ea typeface="굴림" panose="020B0600000101010101" pitchFamily="50" charset="-127"/>
+              </a:rPr>
+              <a:t>단품의</a:t>
+            </a:r>
+            <a:r>
+              <a:rPr lang="ko-KR" altLang="en-US" sz="1600" dirty="0" smtClean="0">
+                <a:solidFill>
+                  <a:srgbClr val="FF0000"/>
+                </a:solidFill>
+                <a:ea typeface="굴림" panose="020B0600000101010101" pitchFamily="50" charset="-127"/>
+              </a:rPr>
+              <a:t> 크기와 구조에서도 동일한 학습프레임워크상에서 유효한 동력분배전략을 개발해야 함   </a:t>
+            </a:r>
+            <a:endParaRPr lang="en-US" altLang="ko-KR" sz="1600" dirty="0" smtClean="0">
+              <a:solidFill>
+                <a:srgbClr val="FF0000"/>
+              </a:solidFill>
+              <a:ea typeface="굴림" panose="020B0600000101010101" pitchFamily="50" charset="-127"/>
+            </a:endParaRPr>
+          </a:p>
+          <a:p>
+            <a:pPr marL="342900" indent="-342900">
+              <a:buFont typeface="Arial" panose="020B0604020202020204" pitchFamily="34" charset="0"/>
+              <a:buChar char="•"/>
+              <a:defRPr/>
+            </a:pPr>
+            <a:endParaRPr lang="en-US" altLang="ko-KR" sz="1600" dirty="0">
+              <a:solidFill>
+                <a:srgbClr val="FF0000"/>
+              </a:solidFill>
+              <a:ea typeface="굴림" panose="020B0600000101010101" pitchFamily="50" charset="-127"/>
+            </a:endParaRPr>
+          </a:p>
+          <a:p>
+            <a:pPr marL="342900" indent="-342900">
+              <a:buFont typeface="Arial" panose="020B0604020202020204" pitchFamily="34" charset="0"/>
+              <a:buChar char="•"/>
+              <a:defRPr/>
+            </a:pPr>
+            <a:r>
+              <a:rPr lang="ko-KR" altLang="en-US" sz="1600" dirty="0" err="1" smtClean="0">
+                <a:solidFill>
+                  <a:srgbClr val="FF0000"/>
+                </a:solidFill>
+                <a:ea typeface="굴림" panose="020B0600000101010101" pitchFamily="50" charset="-127"/>
+              </a:rPr>
+              <a:t>단품의</a:t>
+            </a:r>
+            <a:r>
+              <a:rPr lang="ko-KR" altLang="en-US" sz="1600" dirty="0" smtClean="0">
+                <a:solidFill>
+                  <a:srgbClr val="FF0000"/>
+                </a:solidFill>
+                <a:ea typeface="굴림" panose="020B0600000101010101" pitchFamily="50" charset="-127"/>
+              </a:rPr>
+              <a:t> </a:t>
+            </a:r>
+            <a:r>
+              <a:rPr lang="ko-KR" altLang="en-US" sz="1600" dirty="0" smtClean="0">
+                <a:solidFill>
+                  <a:srgbClr val="FF0000"/>
+                </a:solidFill>
+                <a:ea typeface="굴림" panose="020B0600000101010101" pitchFamily="50" charset="-127"/>
+              </a:rPr>
+              <a:t>크기와</a:t>
+            </a:r>
+            <a:r>
+              <a:rPr lang="en-US" altLang="ko-KR" sz="1600" dirty="0" smtClean="0">
+                <a:solidFill>
+                  <a:srgbClr val="FF0000"/>
+                </a:solidFill>
+                <a:ea typeface="굴림" panose="020B0600000101010101" pitchFamily="50" charset="-127"/>
+              </a:rPr>
+              <a:t> </a:t>
+            </a:r>
+            <a:r>
+              <a:rPr lang="ko-KR" altLang="en-US" sz="1600" dirty="0" smtClean="0">
+                <a:solidFill>
+                  <a:srgbClr val="FF0000"/>
+                </a:solidFill>
+                <a:ea typeface="굴림" panose="020B0600000101010101" pitchFamily="50" charset="-127"/>
+              </a:rPr>
+              <a:t>구조를 직렬로 변경하고 </a:t>
+            </a:r>
+            <a:r>
+              <a:rPr lang="ko-KR" altLang="en-US" sz="1600" dirty="0" smtClean="0">
+                <a:solidFill>
+                  <a:srgbClr val="FF0000"/>
+                </a:solidFill>
+                <a:ea typeface="굴림" panose="020B0600000101010101" pitchFamily="50" charset="-127"/>
+              </a:rPr>
+              <a:t>동일한 학습프레임워크상에서 </a:t>
+            </a:r>
+            <a:r>
+              <a:rPr lang="en-US" altLang="ko-KR" sz="1600" dirty="0" smtClean="0">
+                <a:solidFill>
+                  <a:srgbClr val="FF0000"/>
+                </a:solidFill>
+                <a:ea typeface="굴림" panose="020B0600000101010101" pitchFamily="50" charset="-127"/>
+              </a:rPr>
+              <a:t>agent</a:t>
+            </a:r>
+            <a:r>
+              <a:rPr lang="ko-KR" altLang="en-US" sz="1600" dirty="0" smtClean="0">
+                <a:solidFill>
+                  <a:srgbClr val="FF0000"/>
+                </a:solidFill>
+                <a:ea typeface="굴림" panose="020B0600000101010101" pitchFamily="50" charset="-127"/>
+              </a:rPr>
+              <a:t>를 학습시킴 </a:t>
+            </a:r>
+            <a:endParaRPr lang="en-US" altLang="ko-KR" sz="1600" dirty="0" smtClean="0">
+              <a:solidFill>
+                <a:srgbClr val="FF0000"/>
+              </a:solidFill>
+              <a:ea typeface="굴림" panose="020B0600000101010101" pitchFamily="50" charset="-127"/>
+            </a:endParaRPr>
+          </a:p>
+          <a:p>
+            <a:pPr marL="342900" indent="-342900">
+              <a:buFont typeface="Arial" panose="020B0604020202020204" pitchFamily="34" charset="0"/>
+              <a:buChar char="•"/>
+              <a:defRPr/>
+            </a:pPr>
+            <a:endParaRPr lang="en-US" altLang="ko-KR" sz="1600" dirty="0">
+              <a:solidFill>
+                <a:srgbClr val="FF0000"/>
+              </a:solidFill>
+              <a:ea typeface="굴림" panose="020B0600000101010101" pitchFamily="50" charset="-127"/>
+            </a:endParaRPr>
+          </a:p>
+          <a:p>
+            <a:pPr marL="342900" indent="-342900">
+              <a:buFont typeface="Arial" panose="020B0604020202020204" pitchFamily="34" charset="0"/>
+              <a:buChar char="•"/>
+              <a:defRPr/>
+            </a:pPr>
+            <a:endParaRPr lang="en-US" altLang="ko-KR" sz="1600" dirty="0" smtClean="0">
+              <a:solidFill>
+                <a:srgbClr val="FF0000"/>
+              </a:solidFill>
+              <a:ea typeface="굴림" panose="020B0600000101010101" pitchFamily="50" charset="-127"/>
+            </a:endParaRPr>
+          </a:p>
+          <a:p>
+            <a:pPr marL="342900" indent="-342900">
+              <a:buFont typeface="Arial" panose="020B0604020202020204" pitchFamily="34" charset="0"/>
+              <a:buChar char="•"/>
+              <a:defRPr/>
+            </a:pPr>
+            <a:endParaRPr lang="en-US" altLang="ko-KR" sz="1600" dirty="0">
+              <a:solidFill>
+                <a:srgbClr val="FF0000"/>
+              </a:solidFill>
+              <a:ea typeface="굴림" panose="020B0600000101010101" pitchFamily="50" charset="-127"/>
+            </a:endParaRPr>
+          </a:p>
+        </p:txBody>
+      </p:sp>
+      <p:sp>
+        <p:nvSpPr>
+          <p:cNvPr id="7" name="TextBox 6"/>
+          <p:cNvSpPr txBox="1"/>
+          <p:nvPr/>
+        </p:nvSpPr>
+        <p:spPr>
+          <a:xfrm>
+            <a:off x="3134243" y="3935056"/>
+            <a:ext cx="6967987" cy="2031325"/>
+          </a:xfrm>
+          <a:prstGeom prst="rect">
+            <a:avLst/>
+          </a:prstGeom>
+          <a:noFill/>
+        </p:spPr>
+        <p:txBody>
+          <a:bodyPr wrap="square" rtlCol="0">
+            <a:spAutoFit/>
+          </a:bodyPr>
+          <a:lstStyle/>
+          <a:p>
+            <a:r>
+              <a:rPr lang="ko-KR" altLang="en-US" b="1" dirty="0" smtClean="0">
+                <a:solidFill>
+                  <a:srgbClr val="FF0000"/>
+                </a:solidFill>
+              </a:rPr>
+              <a:t>변경된 스펙 소개 </a:t>
+            </a:r>
+            <a:r>
+              <a:rPr lang="en-US" altLang="ko-KR" b="1" dirty="0" smtClean="0">
+                <a:solidFill>
+                  <a:srgbClr val="FF0000"/>
+                </a:solidFill>
+              </a:rPr>
+              <a:t>.. </a:t>
+            </a:r>
+          </a:p>
+          <a:p>
+            <a:endParaRPr lang="en-US" altLang="ko-KR" b="1" dirty="0" smtClean="0">
+              <a:solidFill>
+                <a:srgbClr val="FF0000"/>
+              </a:solidFill>
+            </a:endParaRPr>
+          </a:p>
+          <a:p>
+            <a:r>
+              <a:rPr lang="ko-KR" altLang="en-US" b="1" dirty="0" smtClean="0">
+                <a:solidFill>
+                  <a:srgbClr val="FF0000"/>
+                </a:solidFill>
+              </a:rPr>
+              <a:t>큰</a:t>
+            </a:r>
+            <a:r>
+              <a:rPr lang="en-US" altLang="ko-KR" b="1" dirty="0" smtClean="0">
+                <a:solidFill>
+                  <a:srgbClr val="FF0000"/>
+                </a:solidFill>
+              </a:rPr>
+              <a:t> </a:t>
+            </a:r>
+            <a:r>
+              <a:rPr lang="ko-KR" altLang="en-US" b="1" dirty="0" smtClean="0">
+                <a:solidFill>
+                  <a:srgbClr val="FF0000"/>
+                </a:solidFill>
+              </a:rPr>
+              <a:t>용량의 연료전지 차량 모델을 도입하여 </a:t>
+            </a:r>
+            <a:r>
+              <a:rPr lang="en-US" altLang="ko-KR" b="1" dirty="0" err="1" smtClean="0">
+                <a:solidFill>
+                  <a:srgbClr val="FF0000"/>
+                </a:solidFill>
+              </a:rPr>
+              <a:t>batchnormalization</a:t>
+            </a:r>
+            <a:r>
+              <a:rPr lang="ko-KR" altLang="en-US" b="1" dirty="0" smtClean="0">
+                <a:solidFill>
+                  <a:srgbClr val="FF0000"/>
+                </a:solidFill>
+              </a:rPr>
+              <a:t>을 통해서 </a:t>
+            </a:r>
+            <a:r>
+              <a:rPr lang="en-US" altLang="ko-KR" b="1" dirty="0" smtClean="0">
+                <a:solidFill>
+                  <a:srgbClr val="FF0000"/>
+                </a:solidFill>
+              </a:rPr>
+              <a:t>scalable</a:t>
+            </a:r>
+            <a:r>
+              <a:rPr lang="ko-KR" altLang="en-US" b="1" dirty="0" smtClean="0">
+                <a:solidFill>
+                  <a:srgbClr val="FF0000"/>
+                </a:solidFill>
+              </a:rPr>
+              <a:t>한 제어가 가능함을 강조 </a:t>
+            </a:r>
+            <a:endParaRPr lang="en-US" altLang="ko-KR" b="1" dirty="0" smtClean="0">
+              <a:solidFill>
+                <a:srgbClr val="FF0000"/>
+              </a:solidFill>
+            </a:endParaRPr>
+          </a:p>
+          <a:p>
+            <a:endParaRPr lang="en-US" altLang="ko-KR" b="1" dirty="0">
+              <a:solidFill>
+                <a:srgbClr val="FF0000"/>
+              </a:solidFill>
+            </a:endParaRPr>
+          </a:p>
+          <a:p>
+            <a:r>
+              <a:rPr lang="en-US" altLang="ko-KR" b="1" dirty="0" smtClean="0">
+                <a:solidFill>
+                  <a:srgbClr val="FF0000"/>
+                </a:solidFill>
+              </a:rPr>
+              <a:t>(</a:t>
+            </a:r>
+            <a:r>
+              <a:rPr lang="ko-KR" altLang="en-US" b="1" dirty="0" smtClean="0">
+                <a:solidFill>
+                  <a:srgbClr val="FF0000"/>
+                </a:solidFill>
+              </a:rPr>
+              <a:t>연료전지 차량 구조 변경</a:t>
+            </a:r>
+            <a:r>
+              <a:rPr lang="en-US" altLang="ko-KR" b="1" dirty="0" smtClean="0">
+                <a:solidFill>
+                  <a:srgbClr val="FF0000"/>
+                </a:solidFill>
+              </a:rPr>
+              <a:t>, </a:t>
+            </a:r>
+            <a:r>
+              <a:rPr lang="ko-KR" altLang="en-US" b="1" dirty="0" err="1" smtClean="0">
+                <a:solidFill>
+                  <a:srgbClr val="FF0000"/>
+                </a:solidFill>
+              </a:rPr>
+              <a:t>직렬형</a:t>
+            </a:r>
+            <a:r>
+              <a:rPr lang="ko-KR" altLang="en-US" b="1" dirty="0" smtClean="0">
+                <a:solidFill>
+                  <a:srgbClr val="FF0000"/>
+                </a:solidFill>
+              </a:rPr>
+              <a:t> 구조</a:t>
+            </a:r>
+            <a:r>
+              <a:rPr lang="en-US" altLang="ko-KR" b="1" dirty="0" smtClean="0">
+                <a:solidFill>
+                  <a:srgbClr val="FF0000"/>
+                </a:solidFill>
+              </a:rPr>
+              <a:t>)</a:t>
+            </a:r>
+          </a:p>
+          <a:p>
+            <a:endParaRPr lang="en-US" altLang="ko-KR" b="1" dirty="0">
+              <a:solidFill>
+                <a:srgbClr val="FF0000"/>
+              </a:solidFill>
+            </a:endParaRPr>
+          </a:p>
+        </p:txBody>
+      </p:sp>
+      <p:sp>
+        <p:nvSpPr>
+          <p:cNvPr id="8" name="TextBox 7"/>
+          <p:cNvSpPr txBox="1"/>
+          <p:nvPr/>
+        </p:nvSpPr>
+        <p:spPr>
+          <a:xfrm>
+            <a:off x="2834984" y="3403453"/>
+            <a:ext cx="7082099" cy="369332"/>
+          </a:xfrm>
+          <a:prstGeom prst="rect">
+            <a:avLst/>
+          </a:prstGeom>
+          <a:noFill/>
+          <a:ln w="28575">
+            <a:solidFill>
+              <a:srgbClr val="92D050"/>
+            </a:solidFill>
+          </a:ln>
+        </p:spPr>
+        <p:txBody>
+          <a:bodyPr wrap="square" rtlCol="0">
+            <a:spAutoFit/>
+          </a:bodyPr>
+          <a:lstStyle/>
+          <a:p>
+            <a:pPr algn="ctr"/>
+            <a:r>
+              <a:rPr lang="ko-KR" altLang="en-US" b="1" dirty="0" smtClean="0">
+                <a:solidFill>
+                  <a:srgbClr val="00B050"/>
+                </a:solidFill>
+              </a:rPr>
+              <a:t>시리즈 구조는 향후 시간이 되면 다시 진행함 </a:t>
+            </a:r>
+            <a:endParaRPr lang="en-US" altLang="ko-KR" b="1" dirty="0" smtClean="0">
+              <a:solidFill>
+                <a:srgbClr val="00B050"/>
+              </a:solidFill>
+            </a:endParaRPr>
+          </a:p>
+        </p:txBody>
+      </p:sp>
+    </p:spTree>
+    <p:extLst>
+      <p:ext uri="{BB962C8B-B14F-4D97-AF65-F5344CB8AC3E}">
+        <p14:creationId xmlns:p14="http://schemas.microsoft.com/office/powerpoint/2010/main" val="4232396237"/>
+      </p:ext>
+    </p:extLst>
+  </p:cSld>
+  <p:clrMapOvr>
+    <a:masterClrMapping/>
+  </p:clrMapOvr>
+  <p:timing>
+    <p:tnLst>
+      <p:par>
+        <p:cTn id="1" dur="indefinite" restart="never" nodeType="tmRoot"/>
+      </p:par>
+    </p:tnLst>
+  </p:timing>
+</p:sld>
+</file>
+
+<file path=ppt/slides/slide35.xml><?xml version="1.0" encoding="utf-8"?>
+<p:sld xmlns:a="http://schemas.openxmlformats.org/drawingml/2006/main" xmlns:r="http://schemas.openxmlformats.org/officeDocument/2006/relationships" xmlns:p="http://schemas.openxmlformats.org/presentationml/2006/main">
+  <p:cSld>
+    <p:spTree>
+      <p:nvGrpSpPr>
+        <p:cNvPr id="1" name=""/>
+        <p:cNvGrpSpPr/>
+        <p:nvPr/>
+      </p:nvGrpSpPr>
+      <p:grpSpPr>
+        <a:xfrm>
+          <a:off x="0" y="0"/>
+          <a:ext cx="0" cy="0"/>
+          <a:chOff x="0" y="0"/>
+          <a:chExt cx="0" cy="0"/>
+        </a:xfrm>
+      </p:grpSpPr>
+      <p:sp>
+        <p:nvSpPr>
+          <p:cNvPr id="4" name="제목 3"/>
+          <p:cNvSpPr>
+            <a:spLocks noGrp="1"/>
+          </p:cNvSpPr>
+          <p:nvPr>
+            <p:ph type="title"/>
+          </p:nvPr>
+        </p:nvSpPr>
+        <p:spPr/>
+        <p:txBody>
+          <a:bodyPr>
+            <a:normAutofit/>
+          </a:bodyPr>
+          <a:lstStyle/>
+          <a:p>
+            <a:r>
+              <a:rPr lang="en-US" altLang="ko-KR" sz="2800" dirty="0" smtClean="0"/>
+              <a:t>Research</a:t>
+            </a:r>
+            <a:endParaRPr lang="ko-KR" altLang="en-US" sz="2800" dirty="0"/>
+          </a:p>
+        </p:txBody>
+      </p:sp>
+      <p:sp>
+        <p:nvSpPr>
+          <p:cNvPr id="15" name="TextBox 14"/>
+          <p:cNvSpPr txBox="1"/>
+          <p:nvPr/>
+        </p:nvSpPr>
+        <p:spPr>
+          <a:xfrm>
+            <a:off x="10285110" y="6234545"/>
+            <a:ext cx="2728086" cy="523220"/>
+          </a:xfrm>
+          <a:prstGeom prst="rect">
+            <a:avLst/>
+          </a:prstGeom>
+          <a:noFill/>
+        </p:spPr>
+        <p:txBody>
+          <a:bodyPr wrap="square" rtlCol="0">
+            <a:spAutoFit/>
+          </a:bodyPr>
+          <a:lstStyle/>
+          <a:p>
+            <a:r>
+              <a:rPr lang="en-US" altLang="ko-KR" sz="2800" b="1" i="1" dirty="0">
+                <a:solidFill>
+                  <a:srgbClr val="002060"/>
+                </a:solidFill>
+                <a:latin typeface="Cambria Math" panose="02040503050406030204" pitchFamily="18" charset="0"/>
+                <a:ea typeface="Cambria Math" panose="02040503050406030204" pitchFamily="18" charset="0"/>
+              </a:rPr>
+              <a:t>RECL</a:t>
+            </a:r>
+            <a:endParaRPr lang="ko-KR" altLang="en-US" sz="2800" b="1" i="1" dirty="0">
+              <a:solidFill>
+                <a:srgbClr val="002060"/>
+              </a:solidFill>
+              <a:latin typeface="Cambria Math" panose="02040503050406030204" pitchFamily="18" charset="0"/>
+            </a:endParaRPr>
+          </a:p>
+        </p:txBody>
+      </p:sp>
+      <p:sp>
+        <p:nvSpPr>
+          <p:cNvPr id="14" name="Text Box 339"/>
+          <p:cNvSpPr txBox="1">
+            <a:spLocks noChangeArrowheads="1"/>
+          </p:cNvSpPr>
+          <p:nvPr/>
+        </p:nvSpPr>
+        <p:spPr bwMode="auto">
+          <a:xfrm>
+            <a:off x="323850" y="1341438"/>
+            <a:ext cx="184150" cy="366712"/>
+          </a:xfrm>
+          <a:prstGeom prst="rect">
+            <a:avLst/>
+          </a:prstGeom>
+          <a:noFill/>
+          <a:ln>
+            <a:noFill/>
+          </a:ln>
+          <a:effectLst/>
+          <a:extLst>
+            <a:ext uri="{909E8E84-426E-40DD-AFC4-6F175D3DCCD1}">
+              <a14:hiddenFill xmlns:a14="http://schemas.microsoft.com/office/drawing/2010/main">
+                <a:solidFill>
+                  <a:schemeClr val="accent1"/>
+                </a:solidFill>
+              </a14:hiddenFill>
+            </a:ext>
+            <a:ext uri="{91240B29-F687-4F45-9708-019B960494DF}">
+              <a14:hiddenLine xmlns:a14="http://schemas.microsoft.com/office/drawing/2010/main" w="9525">
+                <a:solidFill>
+                  <a:schemeClr val="tx1"/>
+                </a:solidFill>
+                <a:miter lim="800000"/>
+                <a:headEnd/>
+                <a:tailEnd/>
+              </a14:hiddenLine>
+            </a:ext>
+            <a:ext uri="{AF507438-7753-43E0-B8FC-AC1667EBCBE1}">
+              <a14:hiddenEffects xmlns:a14="http://schemas.microsoft.com/office/drawing/2010/main">
+                <a:effectLst>
+                  <a:outerShdw dist="35921" dir="2700000" algn="ctr" rotWithShape="0">
+                    <a:schemeClr val="bg2"/>
+                  </a:outerShdw>
+                </a:effectLst>
+              </a14:hiddenEffects>
+            </a:ext>
+          </a:extLst>
+        </p:spPr>
+        <p:txBody>
+          <a:bodyPr wrap="none">
+            <a:spAutoFit/>
+          </a:bodyPr>
+          <a:lstStyle>
+            <a:lvl1pPr>
+              <a:defRPr>
+                <a:solidFill>
+                  <a:schemeClr val="tx1"/>
+                </a:solidFill>
+                <a:latin typeface="Arial" panose="020B0604020202020204" pitchFamily="34" charset="0"/>
+              </a:defRPr>
+            </a:lvl1pPr>
+            <a:lvl2pPr marL="742950" indent="-285750">
+              <a:defRPr>
+                <a:solidFill>
+                  <a:schemeClr val="tx1"/>
+                </a:solidFill>
+                <a:latin typeface="Arial" panose="020B0604020202020204" pitchFamily="34" charset="0"/>
+              </a:defRPr>
+            </a:lvl2pPr>
+            <a:lvl3pPr marL="1143000" indent="-228600">
+              <a:defRPr>
+                <a:solidFill>
+                  <a:schemeClr val="tx1"/>
+                </a:solidFill>
+                <a:latin typeface="Arial" panose="020B0604020202020204" pitchFamily="34" charset="0"/>
+              </a:defRPr>
+            </a:lvl3pPr>
+            <a:lvl4pPr marL="1600200" indent="-228600">
+              <a:defRPr>
+                <a:solidFill>
+                  <a:schemeClr val="tx1"/>
+                </a:solidFill>
+                <a:latin typeface="Arial" panose="020B0604020202020204" pitchFamily="34" charset="0"/>
+              </a:defRPr>
+            </a:lvl4pPr>
+            <a:lvl5pPr marL="2057400" indent="-228600">
+              <a:defRPr>
+                <a:solidFill>
+                  <a:schemeClr val="tx1"/>
+                </a:solidFill>
+                <a:latin typeface="Arial" panose="020B0604020202020204" pitchFamily="34" charset="0"/>
+              </a:defRPr>
+            </a:lvl5pPr>
+            <a:lvl6pPr marL="2514600" indent="-228600" eaLnBrk="0" fontAlgn="base" hangingPunct="0">
+              <a:spcBef>
+                <a:spcPct val="0"/>
+              </a:spcBef>
+              <a:spcAft>
+                <a:spcPct val="0"/>
+              </a:spcAft>
+              <a:defRPr>
+                <a:solidFill>
+                  <a:schemeClr val="tx1"/>
+                </a:solidFill>
+                <a:latin typeface="Arial" panose="020B0604020202020204" pitchFamily="34" charset="0"/>
+              </a:defRPr>
+            </a:lvl6pPr>
+            <a:lvl7pPr marL="2971800" indent="-228600" eaLnBrk="0" fontAlgn="base" hangingPunct="0">
+              <a:spcBef>
+                <a:spcPct val="0"/>
+              </a:spcBef>
+              <a:spcAft>
+                <a:spcPct val="0"/>
+              </a:spcAft>
+              <a:defRPr>
+                <a:solidFill>
+                  <a:schemeClr val="tx1"/>
+                </a:solidFill>
+                <a:latin typeface="Arial" panose="020B0604020202020204" pitchFamily="34" charset="0"/>
+              </a:defRPr>
+            </a:lvl7pPr>
+            <a:lvl8pPr marL="3429000" indent="-228600" eaLnBrk="0" fontAlgn="base" hangingPunct="0">
+              <a:spcBef>
+                <a:spcPct val="0"/>
+              </a:spcBef>
+              <a:spcAft>
+                <a:spcPct val="0"/>
+              </a:spcAft>
+              <a:defRPr>
+                <a:solidFill>
+                  <a:schemeClr val="tx1"/>
+                </a:solidFill>
+                <a:latin typeface="Arial" panose="020B0604020202020204" pitchFamily="34" charset="0"/>
+              </a:defRPr>
+            </a:lvl8pPr>
+            <a:lvl9pPr marL="3886200" indent="-228600" eaLnBrk="0" fontAlgn="base" hangingPunct="0">
+              <a:spcBef>
+                <a:spcPct val="0"/>
+              </a:spcBef>
+              <a:spcAft>
+                <a:spcPct val="0"/>
+              </a:spcAft>
+              <a:defRPr>
+                <a:solidFill>
+                  <a:schemeClr val="tx1"/>
+                </a:solidFill>
+                <a:latin typeface="Arial" panose="020B0604020202020204" pitchFamily="34" charset="0"/>
+              </a:defRPr>
+            </a:lvl9pPr>
+          </a:lstStyle>
+          <a:p>
+            <a:pPr eaLnBrk="1" hangingPunct="1"/>
+            <a:endParaRPr lang="pt-PT" altLang="pt-PT"/>
+          </a:p>
+        </p:txBody>
+      </p:sp>
+      <p:sp>
+        <p:nvSpPr>
+          <p:cNvPr id="16" name="TextBox 54"/>
+          <p:cNvSpPr txBox="1">
+            <a:spLocks noChangeArrowheads="1"/>
+          </p:cNvSpPr>
+          <p:nvPr/>
+        </p:nvSpPr>
+        <p:spPr bwMode="auto">
+          <a:xfrm>
+            <a:off x="838199" y="1156803"/>
+            <a:ext cx="8571807" cy="400110"/>
+          </a:xfrm>
+          <a:prstGeom prst="rect">
+            <a:avLst/>
+          </a:prstGeom>
+          <a:noFill/>
+          <a:ln>
+            <a:noFill/>
+          </a:ln>
+          <a:extLst>
+            <a:ext uri="{909E8E84-426E-40DD-AFC4-6F175D3DCCD1}">
+              <a14:hiddenFill xmlns:a14="http://schemas.microsoft.com/office/drawing/2010/main">
+                <a:solidFill>
+                  <a:srgbClr val="FFFFFF"/>
+                </a:solidFill>
+              </a14:hiddenFill>
+            </a:ext>
+            <a:ext uri="{91240B29-F687-4F45-9708-019B960494DF}">
+              <a14:hiddenLine xmlns:a14="http://schemas.microsoft.com/office/drawing/2010/main" w="9525">
+                <a:solidFill>
+                  <a:srgbClr val="000000"/>
+                </a:solidFill>
+                <a:miter lim="800000"/>
+                <a:headEnd/>
+                <a:tailEnd/>
+              </a14:hiddenLine>
+            </a:ext>
+          </a:extLst>
+        </p:spPr>
+        <p:txBody>
+          <a:bodyPr wrap="square">
+            <a:spAutoFit/>
+          </a:bodyPr>
+          <a:lstStyle>
+            <a:lvl1pPr>
+              <a:defRPr>
+                <a:solidFill>
+                  <a:schemeClr val="tx1"/>
+                </a:solidFill>
+                <a:latin typeface="Arial" panose="020B0604020202020204" pitchFamily="34" charset="0"/>
+              </a:defRPr>
+            </a:lvl1pPr>
+            <a:lvl2pPr marL="742950" indent="-285750">
+              <a:defRPr>
+                <a:solidFill>
+                  <a:schemeClr val="tx1"/>
+                </a:solidFill>
+                <a:latin typeface="Arial" panose="020B0604020202020204" pitchFamily="34" charset="0"/>
+              </a:defRPr>
+            </a:lvl2pPr>
+            <a:lvl3pPr marL="1143000" indent="-228600">
+              <a:defRPr>
+                <a:solidFill>
+                  <a:schemeClr val="tx1"/>
+                </a:solidFill>
+                <a:latin typeface="Arial" panose="020B0604020202020204" pitchFamily="34" charset="0"/>
+              </a:defRPr>
+            </a:lvl3pPr>
+            <a:lvl4pPr marL="1600200" indent="-228600">
+              <a:defRPr>
+                <a:solidFill>
+                  <a:schemeClr val="tx1"/>
+                </a:solidFill>
+                <a:latin typeface="Arial" panose="020B0604020202020204" pitchFamily="34" charset="0"/>
+              </a:defRPr>
+            </a:lvl4pPr>
+            <a:lvl5pPr marL="2057400" indent="-228600">
+              <a:defRPr>
+                <a:solidFill>
+                  <a:schemeClr val="tx1"/>
+                </a:solidFill>
+                <a:latin typeface="Arial" panose="020B0604020202020204" pitchFamily="34" charset="0"/>
+              </a:defRPr>
+            </a:lvl5pPr>
+            <a:lvl6pPr marL="2514600" indent="-228600" eaLnBrk="0" fontAlgn="base" hangingPunct="0">
+              <a:spcBef>
+                <a:spcPct val="0"/>
+              </a:spcBef>
+              <a:spcAft>
+                <a:spcPct val="0"/>
+              </a:spcAft>
+              <a:defRPr>
+                <a:solidFill>
+                  <a:schemeClr val="tx1"/>
+                </a:solidFill>
+                <a:latin typeface="Arial" panose="020B0604020202020204" pitchFamily="34" charset="0"/>
+              </a:defRPr>
+            </a:lvl6pPr>
+            <a:lvl7pPr marL="2971800" indent="-228600" eaLnBrk="0" fontAlgn="base" hangingPunct="0">
+              <a:spcBef>
+                <a:spcPct val="0"/>
+              </a:spcBef>
+              <a:spcAft>
+                <a:spcPct val="0"/>
+              </a:spcAft>
+              <a:defRPr>
+                <a:solidFill>
+                  <a:schemeClr val="tx1"/>
+                </a:solidFill>
+                <a:latin typeface="Arial" panose="020B0604020202020204" pitchFamily="34" charset="0"/>
+              </a:defRPr>
+            </a:lvl7pPr>
+            <a:lvl8pPr marL="3429000" indent="-228600" eaLnBrk="0" fontAlgn="base" hangingPunct="0">
+              <a:spcBef>
+                <a:spcPct val="0"/>
+              </a:spcBef>
+              <a:spcAft>
+                <a:spcPct val="0"/>
+              </a:spcAft>
+              <a:defRPr>
+                <a:solidFill>
+                  <a:schemeClr val="tx1"/>
+                </a:solidFill>
+                <a:latin typeface="Arial" panose="020B0604020202020204" pitchFamily="34" charset="0"/>
+              </a:defRPr>
+            </a:lvl8pPr>
+            <a:lvl9pPr marL="3886200" indent="-228600" eaLnBrk="0" fontAlgn="base" hangingPunct="0">
+              <a:spcBef>
+                <a:spcPct val="0"/>
+              </a:spcBef>
+              <a:spcAft>
+                <a:spcPct val="0"/>
+              </a:spcAft>
+              <a:defRPr>
+                <a:solidFill>
+                  <a:schemeClr val="tx1"/>
+                </a:solidFill>
+                <a:latin typeface="Arial" panose="020B0604020202020204" pitchFamily="34" charset="0"/>
+              </a:defRPr>
+            </a:lvl9pPr>
+          </a:lstStyle>
+          <a:p>
+            <a:r>
+              <a:rPr lang="en-US" altLang="ko-KR" sz="2000" b="1" dirty="0" smtClean="0">
+                <a:ea typeface="굴림" panose="020B0600000101010101" pitchFamily="50" charset="-127"/>
+              </a:rPr>
+              <a:t>Scalable Power management </a:t>
+            </a:r>
+            <a:endParaRPr lang="ko-KR" altLang="en-US" sz="2000" b="1" dirty="0">
+              <a:ea typeface="굴림" panose="020B0600000101010101" pitchFamily="50" charset="-127"/>
+            </a:endParaRPr>
+          </a:p>
+        </p:txBody>
+      </p:sp>
+      <p:sp>
+        <p:nvSpPr>
+          <p:cNvPr id="17" name="Text Box 340"/>
+          <p:cNvSpPr txBox="1">
+            <a:spLocks noChangeArrowheads="1"/>
+          </p:cNvSpPr>
+          <p:nvPr/>
+        </p:nvSpPr>
+        <p:spPr bwMode="auto">
+          <a:xfrm>
+            <a:off x="1115616" y="1556853"/>
             <a:ext cx="10070544" cy="584775"/>
           </a:xfrm>
           <a:prstGeom prst="rect">
@@ -34220,7 +37481,7 @@
 </p:sld>
 </file>
 
-<file path=ppt/slides/slide35.xml><?xml version="1.0" encoding="utf-8"?>
+<file path=ppt/slides/slide36.xml><?xml version="1.0" encoding="utf-8"?>
 <p:sld xmlns:a="http://schemas.openxmlformats.org/drawingml/2006/main" xmlns:r="http://schemas.openxmlformats.org/officeDocument/2006/relationships" xmlns:p="http://schemas.openxmlformats.org/presentationml/2006/main">
   <p:cSld>
     <p:spTree>

--- a/발표자료_중안2.pptx
+++ b/발표자료_중안2.pptx
@@ -37,9 +37,9 @@
     <p:sldId id="776" r:id="rId25"/>
     <p:sldId id="786" r:id="rId26"/>
     <p:sldId id="787" r:id="rId27"/>
-    <p:sldId id="783" r:id="rId28"/>
-    <p:sldId id="790" r:id="rId29"/>
-    <p:sldId id="784" r:id="rId30"/>
+    <p:sldId id="795" r:id="rId28"/>
+    <p:sldId id="796" r:id="rId29"/>
+    <p:sldId id="797" r:id="rId30"/>
     <p:sldId id="791" r:id="rId31"/>
     <p:sldId id="792" r:id="rId32"/>
     <p:sldId id="788" r:id="rId33"/>
@@ -4402,8 +4402,8 @@
           </a:p>
         </p:txBody>
       </p:sp>
-      <mc:AlternateContent xmlns:mc="http://schemas.openxmlformats.org/markup-compatibility/2006">
-        <mc:Choice xmlns:a14="http://schemas.microsoft.com/office/drawing/2010/main" Requires="a14">
+      <mc:AlternateContent xmlns:mc="http://schemas.openxmlformats.org/markup-compatibility/2006" xmlns:a14="http://schemas.microsoft.com/office/drawing/2010/main">
+        <mc:Choice Requires="a14">
           <p:sp>
             <p:nvSpPr>
               <p:cNvPr id="2" name="TextBox 1"/>
@@ -4620,7 +4620,7 @@
             </p:txBody>
           </p:sp>
         </mc:Choice>
-        <mc:Fallback>
+        <mc:Fallback xmlns="">
           <p:sp>
             <p:nvSpPr>
               <p:cNvPr id="2" name="TextBox 1"/>
@@ -4659,8 +4659,8 @@
           </p:sp>
         </mc:Fallback>
       </mc:AlternateContent>
-      <mc:AlternateContent xmlns:mc="http://schemas.openxmlformats.org/markup-compatibility/2006">
-        <mc:Choice xmlns:a14="http://schemas.microsoft.com/office/drawing/2010/main" Requires="a14">
+      <mc:AlternateContent xmlns:mc="http://schemas.openxmlformats.org/markup-compatibility/2006" xmlns:a14="http://schemas.microsoft.com/office/drawing/2010/main">
+        <mc:Choice Requires="a14">
           <p:sp>
             <p:nvSpPr>
               <p:cNvPr id="10" name="TextBox 9"/>
@@ -4811,7 +4811,7 @@
             </p:txBody>
           </p:sp>
         </mc:Choice>
-        <mc:Fallback>
+        <mc:Fallback xmlns="">
           <p:sp>
             <p:nvSpPr>
               <p:cNvPr id="10" name="TextBox 9"/>
@@ -5215,8 +5215,8 @@
           </p:sp>
         </mc:Fallback>
       </mc:AlternateContent>
-      <mc:AlternateContent xmlns:mc="http://schemas.openxmlformats.org/markup-compatibility/2006">
-        <mc:Choice xmlns:a14="http://schemas.microsoft.com/office/drawing/2010/main" Requires="a14">
+      <mc:AlternateContent xmlns:mc="http://schemas.openxmlformats.org/markup-compatibility/2006" xmlns:a14="http://schemas.microsoft.com/office/drawing/2010/main">
+        <mc:Choice Requires="a14">
           <p:sp>
             <p:nvSpPr>
               <p:cNvPr id="13" name="TextBox 12"/>
@@ -5304,16 +5304,7 @@
                             </a:solidFill>
                             <a:latin typeface="Cambria Math" panose="02040503050406030204" pitchFamily="18" charset="0"/>
                           </a:rPr>
-                          <m:t>𝒌</m:t>
-                        </m:r>
-                        <m:r>
-                          <a:rPr lang="en-US" altLang="ko-KR" b="1" i="1" smtClean="0">
-                            <a:solidFill>
-                              <a:schemeClr val="accent2"/>
-                            </a:solidFill>
-                            <a:latin typeface="Cambria Math" panose="02040503050406030204" pitchFamily="18" charset="0"/>
-                          </a:rPr>
-                          <m:t>𝑾</m:t>
+                          <m:t>𝒌𝑾</m:t>
                         </m:r>
                       </m:e>
                     </m:d>
@@ -5442,7 +5433,7 @@
             </p:txBody>
           </p:sp>
         </mc:Choice>
-        <mc:Fallback>
+        <mc:Fallback xmlns="">
           <p:sp>
             <p:nvSpPr>
               <p:cNvPr id="13" name="TextBox 12"/>
@@ -5481,8 +5472,8 @@
           </p:sp>
         </mc:Fallback>
       </mc:AlternateContent>
-      <mc:AlternateContent xmlns:mc="http://schemas.openxmlformats.org/markup-compatibility/2006">
-        <mc:Choice xmlns:a14="http://schemas.microsoft.com/office/drawing/2010/main" Requires="a14">
+      <mc:AlternateContent xmlns:mc="http://schemas.openxmlformats.org/markup-compatibility/2006" xmlns:a14="http://schemas.microsoft.com/office/drawing/2010/main">
+        <mc:Choice Requires="a14">
           <p:sp>
             <p:nvSpPr>
               <p:cNvPr id="18" name="TextBox 17"/>
@@ -5557,16 +5548,7 @@
                         </a:solidFill>
                         <a:latin typeface="Cambria Math" panose="02040503050406030204" pitchFamily="18" charset="0"/>
                       </a:rPr>
-                      <m:t>𝑘</m:t>
-                    </m:r>
-                    <m:r>
-                      <a:rPr lang="en-US" altLang="ko-KR" b="0" i="1" smtClean="0">
-                        <a:solidFill>
-                          <a:schemeClr val="accent2"/>
-                        </a:solidFill>
-                        <a:latin typeface="Cambria Math" panose="02040503050406030204" pitchFamily="18" charset="0"/>
-                      </a:rPr>
-                      <m:t>𝑊</m:t>
+                      <m:t>𝑘𝑊</m:t>
                     </m:r>
                     <m:r>
                       <a:rPr lang="en-US" altLang="ko-KR" b="0" i="1" smtClean="0">
@@ -5642,7 +5624,7 @@
             </p:txBody>
           </p:sp>
         </mc:Choice>
-        <mc:Fallback>
+        <mc:Fallback xmlns="">
           <p:sp>
             <p:nvSpPr>
               <p:cNvPr id="18" name="TextBox 17"/>
@@ -6133,11 +6115,6 @@
               </a:rPr>
               <a:t>200  </a:t>
             </a:r>
-            <a:endParaRPr lang="en-US" altLang="ko-KR" b="1" dirty="0" smtClean="0">
-              <a:solidFill>
-                <a:srgbClr val="00B050"/>
-              </a:solidFill>
-            </a:endParaRPr>
           </a:p>
           <a:p>
             <a:pPr algn="ctr"/>
@@ -11282,7 +11259,7 @@
                   <a:srgbClr val="00B050"/>
                 </a:solidFill>
               </a:rPr>
-              <a:t>실행 중</a:t>
+              <a:t>완료</a:t>
             </a:r>
             <a:r>
               <a:rPr lang="en-US" altLang="ko-KR" b="1" dirty="0" smtClean="0">
@@ -13715,15 +13692,7 @@
                   <a:srgbClr val="00B050"/>
                 </a:solidFill>
               </a:rPr>
-              <a:t> </a:t>
-            </a:r>
-            <a:r>
-              <a:rPr lang="ko-KR" altLang="en-US" b="1" dirty="0" smtClean="0">
-                <a:solidFill>
-                  <a:srgbClr val="00B050"/>
-                </a:solidFill>
-              </a:rPr>
-              <a:t>완료</a:t>
+              <a:t> 완료</a:t>
             </a:r>
             <a:r>
               <a:rPr lang="en-US" altLang="ko-KR" b="1" dirty="0" smtClean="0">
@@ -18299,7 +18268,7 @@
         </p:nvSpPr>
         <p:spPr>
           <a:xfrm>
-            <a:off x="768642" y="5354640"/>
+            <a:off x="3426670" y="5341011"/>
             <a:ext cx="5342832" cy="1477328"/>
           </a:xfrm>
           <a:prstGeom prst="rect">
@@ -18325,15 +18294,7 @@
                   <a:srgbClr val="00B050"/>
                 </a:solidFill>
               </a:rPr>
-              <a:t>일반화에 대한 중요성 및 개념 </a:t>
-            </a:r>
-            <a:r>
-              <a:rPr lang="ko-KR" altLang="en-US" b="1" dirty="0" smtClean="0">
-                <a:solidFill>
-                  <a:srgbClr val="00B050"/>
-                </a:solidFill>
-              </a:rPr>
-              <a:t>설명</a:t>
+              <a:t>일반화에 대한 중요성 및 개념 설명</a:t>
             </a:r>
             <a:endParaRPr lang="en-US" altLang="ko-KR" b="1" dirty="0" smtClean="0">
               <a:solidFill>
@@ -18410,14 +18371,30 @@
             <a:r>
               <a:rPr lang="ko-KR" altLang="en-US" b="1" dirty="0" smtClean="0">
                 <a:solidFill>
-                  <a:srgbClr val="00B050"/>
-                </a:solidFill>
-              </a:rPr>
-              <a:t>실험 중 </a:t>
+                  <a:schemeClr val="accent2"/>
+                </a:solidFill>
+              </a:rPr>
+              <a:t>스토리상 </a:t>
+            </a:r>
+            <a:r>
+              <a:rPr lang="ko-KR" altLang="en-US" b="1" dirty="0" err="1" smtClean="0">
+                <a:solidFill>
+                  <a:schemeClr val="accent2"/>
+                </a:solidFill>
+              </a:rPr>
+              <a:t>재실험</a:t>
+            </a:r>
+            <a:r>
+              <a:rPr lang="ko-KR" altLang="en-US" b="1" dirty="0" smtClean="0">
+                <a:solidFill>
+                  <a:schemeClr val="accent2"/>
+                </a:solidFill>
+              </a:rPr>
+              <a:t> 필요  </a:t>
             </a:r>
             <a:endParaRPr lang="en-US" altLang="ko-KR" b="1" dirty="0" smtClean="0">
               <a:solidFill>
-                <a:srgbClr val="00B050"/>
+                <a:schemeClr val="accent2"/>
               </a:solidFill>
             </a:endParaRPr>
           </a:p>
@@ -18462,6 +18439,22 @@
                 </a:solidFill>
               </a:rPr>
               <a:t>데스크탑</a:t>
+            </a:r>
+            <a:r>
+              <a:rPr lang="en-US" altLang="ko-KR" b="1" dirty="0" smtClean="0">
+                <a:solidFill>
+                  <a:srgbClr val="00B050"/>
+                </a:solidFill>
+              </a:rPr>
+              <a:t>, </a:t>
+            </a:r>
+            <a:r>
+              <a:rPr lang="ko-KR" altLang="en-US" b="1" dirty="0" smtClean="0">
+                <a:solidFill>
+                  <a:srgbClr val="00B050"/>
+                </a:solidFill>
+              </a:rPr>
+              <a:t>완료</a:t>
             </a:r>
             <a:r>
               <a:rPr lang="en-US" altLang="ko-KR" b="1" dirty="0" smtClean="0">
@@ -20085,36 +20078,6 @@
           <a:chExt cx="0" cy="0"/>
         </a:xfrm>
       </p:grpSpPr>
-      <p:pic>
-        <p:nvPicPr>
-          <p:cNvPr id="3" name="그림 2"/>
-          <p:cNvPicPr>
-            <a:picLocks noChangeAspect="1"/>
-          </p:cNvPicPr>
-          <p:nvPr/>
-        </p:nvPicPr>
-        <p:blipFill>
-          <a:blip r:embed="rId2">
-            <a:extLst>
-              <a:ext uri="{28A0092B-C50C-407E-A947-70E740481C1C}">
-                <a14:useLocalDpi xmlns:a14="http://schemas.microsoft.com/office/drawing/2010/main" val="0"/>
-              </a:ext>
-            </a:extLst>
-          </a:blip>
-          <a:stretch>
-            <a:fillRect/>
-          </a:stretch>
-        </p:blipFill>
-        <p:spPr>
-          <a:xfrm>
-            <a:off x="4453544" y="2389477"/>
-            <a:ext cx="7552267" cy="3236686"/>
-          </a:xfrm>
-          <a:prstGeom prst="rect">
-            <a:avLst/>
-          </a:prstGeom>
-        </p:spPr>
-      </p:pic>
       <p:sp>
         <p:nvSpPr>
           <p:cNvPr id="4" name="제목 3"/>
@@ -20505,7 +20468,7 @@
         <p:spPr bwMode="auto">
           <a:xfrm>
             <a:off x="1115616" y="1556853"/>
-            <a:ext cx="10306072" cy="830997"/>
+            <a:ext cx="10306072" cy="1077218"/>
           </a:xfrm>
           <a:prstGeom prst="rect">
             <a:avLst/>
@@ -20659,7 +20622,7 @@
                 </a:solidFill>
                 <a:ea typeface="굴림" panose="020B0600000101010101" pitchFamily="50" charset="-127"/>
               </a:rPr>
-              <a:t>학습에 따른 </a:t>
+              <a:t>학습은 </a:t>
             </a:r>
             <a:r>
               <a:rPr lang="en-US" altLang="ko-KR" sz="1600" dirty="0" smtClean="0">
@@ -20668,7 +20631,7 @@
                 </a:solidFill>
                 <a:ea typeface="굴림" panose="020B0600000101010101" pitchFamily="50" charset="-127"/>
               </a:rPr>
-              <a:t>test cycle</a:t>
+              <a:t>MDP</a:t>
             </a:r>
             <a:r>
               <a:rPr lang="ko-KR" altLang="en-US" sz="1600" dirty="0" smtClean="0">
@@ -20677,7 +20640,7 @@
                 </a:solidFill>
                 <a:ea typeface="굴림" panose="020B0600000101010101" pitchFamily="50" charset="-127"/>
               </a:rPr>
-              <a:t>에 대한 </a:t>
+              <a:t>로 시키고 테스트는 </a:t>
             </a:r>
             <a:r>
               <a:rPr lang="en-US" altLang="ko-KR" sz="1600" dirty="0" smtClean="0">
@@ -20686,7 +20649,7 @@
                 </a:solidFill>
                 <a:ea typeface="굴림" panose="020B0600000101010101" pitchFamily="50" charset="-127"/>
               </a:rPr>
-              <a:t>reward</a:t>
+              <a:t>FTP-72 </a:t>
             </a:r>
             <a:r>
               <a:rPr lang="ko-KR" altLang="en-US" sz="1600" dirty="0" smtClean="0">
@@ -20695,44 +20658,21 @@
                 </a:solidFill>
                 <a:ea typeface="굴림" panose="020B0600000101010101" pitchFamily="50" charset="-127"/>
               </a:rPr>
-              <a:t>와 </a:t>
-            </a:r>
-            <a:r>
-              <a:rPr lang="en-US" altLang="ko-KR" sz="1600" dirty="0" smtClean="0">
-                <a:solidFill>
-                  <a:srgbClr val="FF0000"/>
-                </a:solidFill>
-                <a:ea typeface="굴림" panose="020B0600000101010101" pitchFamily="50" charset="-127"/>
-              </a:rPr>
-              <a:t>SOC trajectory</a:t>
-            </a:r>
-            <a:r>
-              <a:rPr lang="ko-KR" altLang="en-US" sz="1600" dirty="0" smtClean="0">
-                <a:solidFill>
-                  <a:srgbClr val="FF0000"/>
-                </a:solidFill>
-                <a:ea typeface="굴림" panose="020B0600000101010101" pitchFamily="50" charset="-127"/>
-              </a:rPr>
-              <a:t>와 </a:t>
-            </a:r>
-            <a:r>
-              <a:rPr lang="en-US" altLang="ko-KR" sz="1600" dirty="0" smtClean="0">
-                <a:solidFill>
-                  <a:srgbClr val="FF0000"/>
-                </a:solidFill>
-                <a:ea typeface="굴림" panose="020B0600000101010101" pitchFamily="50" charset="-127"/>
-              </a:rPr>
-              <a:t>fuel consumption</a:t>
-            </a:r>
-            <a:r>
-              <a:rPr lang="ko-KR" altLang="en-US" sz="1600" dirty="0" smtClean="0">
-                <a:solidFill>
-                  <a:srgbClr val="FF0000"/>
-                </a:solidFill>
-                <a:ea typeface="굴림" panose="020B0600000101010101" pitchFamily="50" charset="-127"/>
-              </a:rPr>
-              <a:t>에 대해 확인해 봄 </a:t>
-            </a:r>
+              <a:t>사이클로 하는 경우에 학습 결과를 가시화함</a:t>
+            </a:r>
+            <a:endParaRPr lang="en-US" altLang="ko-KR" sz="1600" dirty="0" smtClean="0">
+              <a:solidFill>
+                <a:srgbClr val="FF0000"/>
+              </a:solidFill>
+              <a:ea typeface="굴림" panose="020B0600000101010101" pitchFamily="50" charset="-127"/>
+            </a:endParaRPr>
+          </a:p>
+          <a:p>
+            <a:pPr marL="342900" indent="-342900">
+              <a:buFont typeface="Arial" panose="020B0604020202020204" pitchFamily="34" charset="0"/>
+              <a:buChar char="•"/>
+              <a:defRPr/>
+            </a:pPr>
             <a:endParaRPr lang="en-US" altLang="ko-KR" sz="1600" dirty="0" smtClean="0">
               <a:solidFill>
                 <a:srgbClr val="FF0000"/>
@@ -20831,6 +20771,36 @@
           </a:p>
         </p:txBody>
       </p:sp>
+      <p:pic>
+        <p:nvPicPr>
+          <p:cNvPr id="5" name="그림 4"/>
+          <p:cNvPicPr>
+            <a:picLocks noChangeAspect="1"/>
+          </p:cNvPicPr>
+          <p:nvPr/>
+        </p:nvPicPr>
+        <p:blipFill>
+          <a:blip r:embed="rId2">
+            <a:extLst>
+              <a:ext uri="{28A0092B-C50C-407E-A947-70E740481C1C}">
+                <a14:useLocalDpi xmlns:a14="http://schemas.microsoft.com/office/drawing/2010/main" val="0"/>
+              </a:ext>
+            </a:extLst>
+          </a:blip>
+          <a:stretch>
+            <a:fillRect/>
+          </a:stretch>
+        </p:blipFill>
+        <p:spPr>
+          <a:xfrm>
+            <a:off x="838199" y="2709417"/>
+            <a:ext cx="8049489" cy="3449781"/>
+          </a:xfrm>
+          <a:prstGeom prst="rect">
+            <a:avLst/>
+          </a:prstGeom>
+        </p:spPr>
+      </p:pic>
       <p:sp>
         <p:nvSpPr>
           <p:cNvPr id="9" name="TextBox 8"/>
@@ -20839,7 +20809,7 @@
         </p:nvSpPr>
         <p:spPr>
           <a:xfrm>
-            <a:off x="3424584" y="5802869"/>
+            <a:off x="5918403" y="2423454"/>
             <a:ext cx="5342832" cy="923330"/>
           </a:xfrm>
           <a:prstGeom prst="rect">
@@ -20892,7 +20862,31 @@
                   <a:srgbClr val="00B050"/>
                 </a:solidFill>
               </a:rPr>
-              <a:t> 올려서 다시 하기 </a:t>
+              <a:t> 올려서 다시 </a:t>
+            </a:r>
+            <a:r>
+              <a:rPr lang="ko-KR" altLang="en-US" b="1" dirty="0" smtClean="0">
+                <a:solidFill>
+                  <a:srgbClr val="00B050"/>
+                </a:solidFill>
+              </a:rPr>
+              <a:t>하기</a:t>
+            </a:r>
+            <a:r>
+              <a:rPr lang="en-US" altLang="ko-KR" b="1" dirty="0" smtClean="0">
+                <a:solidFill>
+                  <a:srgbClr val="00B050"/>
+                </a:solidFill>
+              </a:rPr>
+              <a:t>, </a:t>
+            </a:r>
+            <a:r>
+              <a:rPr lang="ko-KR" altLang="en-US" b="1" dirty="0" smtClean="0">
+                <a:solidFill>
+                  <a:srgbClr val="00B050"/>
+                </a:solidFill>
+              </a:rPr>
+              <a:t>테스트 사이클은 하나로  </a:t>
             </a:r>
             <a:endParaRPr lang="en-US" altLang="ko-KR" b="1" dirty="0">
               <a:solidFill>
@@ -20926,44 +20920,9 @@
               </a:rPr>
               <a:t>)</a:t>
             </a:r>
-            <a:endParaRPr lang="en-US" altLang="ko-KR" b="1" dirty="0" smtClean="0">
-              <a:solidFill>
-                <a:srgbClr val="00B050"/>
-              </a:solidFill>
-            </a:endParaRPr>
           </a:p>
         </p:txBody>
       </p:sp>
-      <p:pic>
-        <p:nvPicPr>
-          <p:cNvPr id="2" name="그림 1"/>
-          <p:cNvPicPr>
-            <a:picLocks noChangeAspect="1"/>
-          </p:cNvPicPr>
-          <p:nvPr/>
-        </p:nvPicPr>
-        <p:blipFill>
-          <a:blip r:embed="rId3">
-            <a:extLst>
-              <a:ext uri="{28A0092B-C50C-407E-A947-70E740481C1C}">
-                <a14:useLocalDpi xmlns:a14="http://schemas.microsoft.com/office/drawing/2010/main" val="0"/>
-              </a:ext>
-            </a:extLst>
-          </a:blip>
-          <a:stretch>
-            <a:fillRect/>
-          </a:stretch>
-        </p:blipFill>
-        <p:spPr>
-          <a:xfrm>
-            <a:off x="609599" y="2347295"/>
-            <a:ext cx="4428068" cy="3321050"/>
-          </a:xfrm>
-          <a:prstGeom prst="rect">
-            <a:avLst/>
-          </a:prstGeom>
-        </p:spPr>
-      </p:pic>
     </p:spTree>
     <p:extLst>
       <p:ext uri="{BB962C8B-B14F-4D97-AF65-F5344CB8AC3E}">
@@ -21003,7 +20962,7 @@
       </p:grpSpPr>
       <p:pic>
         <p:nvPicPr>
-          <p:cNvPr id="2" name="그림 1"/>
+          <p:cNvPr id="7" name="그림 6"/>
           <p:cNvPicPr>
             <a:picLocks noChangeAspect="1"/>
           </p:cNvPicPr>
@@ -21023,8 +20982,8 @@
         </p:blipFill>
         <p:spPr>
           <a:xfrm>
-            <a:off x="215785" y="2028884"/>
-            <a:ext cx="6919981" cy="2075995"/>
+            <a:off x="182534" y="4128444"/>
+            <a:ext cx="6919981" cy="2075993"/>
           </a:xfrm>
           <a:prstGeom prst="rect">
             <a:avLst/>
@@ -21033,7 +20992,7 @@
       </p:pic>
       <p:pic>
         <p:nvPicPr>
-          <p:cNvPr id="3" name="그림 2"/>
+          <p:cNvPr id="6" name="그림 5"/>
           <p:cNvPicPr>
             <a:picLocks noChangeAspect="1"/>
           </p:cNvPicPr>
@@ -21053,8 +21012,38 @@
         </p:blipFill>
         <p:spPr>
           <a:xfrm>
-            <a:off x="215785" y="4056096"/>
-            <a:ext cx="6919981" cy="2075995"/>
+            <a:off x="182534" y="2052450"/>
+            <a:ext cx="6919981" cy="2075994"/>
+          </a:xfrm>
+          <a:prstGeom prst="rect">
+            <a:avLst/>
+          </a:prstGeom>
+        </p:spPr>
+      </p:pic>
+      <p:pic>
+        <p:nvPicPr>
+          <p:cNvPr id="8" name="그림 7"/>
+          <p:cNvPicPr>
+            <a:picLocks noChangeAspect="1"/>
+          </p:cNvPicPr>
+          <p:nvPr/>
+        </p:nvPicPr>
+        <p:blipFill>
+          <a:blip r:embed="rId4">
+            <a:extLst>
+              <a:ext uri="{28A0092B-C50C-407E-A947-70E740481C1C}">
+                <a14:useLocalDpi xmlns:a14="http://schemas.microsoft.com/office/drawing/2010/main" val="0"/>
+              </a:ext>
+            </a:extLst>
+          </a:blip>
+          <a:stretch>
+            <a:fillRect/>
+          </a:stretch>
+        </p:blipFill>
+        <p:spPr>
+          <a:xfrm>
+            <a:off x="6741622" y="1785574"/>
+            <a:ext cx="3707476" cy="4448971"/>
           </a:xfrm>
           <a:prstGeom prst="rect">
             <a:avLst/>
@@ -21823,7 +21812,47 @@
                   <a:srgbClr val="00B050"/>
                 </a:solidFill>
               </a:rPr>
-              <a:t>다시 해야함 </a:t>
+              <a:t>다시 </a:t>
+            </a:r>
+            <a:r>
+              <a:rPr lang="ko-KR" altLang="en-US" b="1" dirty="0" smtClean="0">
+                <a:solidFill>
+                  <a:srgbClr val="00B050"/>
+                </a:solidFill>
+              </a:rPr>
+              <a:t>해야함 </a:t>
+            </a:r>
+            <a:r>
+              <a:rPr lang="en-US" altLang="ko-KR" b="1" dirty="0" smtClean="0">
+                <a:solidFill>
+                  <a:srgbClr val="00B050"/>
+                </a:solidFill>
+              </a:rPr>
+              <a:t>(</a:t>
+            </a:r>
+            <a:r>
+              <a:rPr lang="ko-KR" altLang="en-US" b="1" dirty="0" smtClean="0">
+                <a:solidFill>
+                  <a:srgbClr val="00B050"/>
+                </a:solidFill>
+              </a:rPr>
+              <a:t>완료</a:t>
+            </a:r>
+            <a:r>
+              <a:rPr lang="en-US" altLang="ko-KR" b="1" dirty="0" smtClean="0">
+                <a:solidFill>
+                  <a:srgbClr val="00B050"/>
+                </a:solidFill>
+              </a:rPr>
+              <a:t>)</a:t>
+            </a:r>
+            <a:r>
+              <a:rPr lang="ko-KR" altLang="en-US" b="1" dirty="0" smtClean="0">
+                <a:solidFill>
+                  <a:srgbClr val="00B050"/>
+                </a:solidFill>
+              </a:rPr>
+              <a:t> </a:t>
             </a:r>
             <a:endParaRPr lang="en-US" altLang="ko-KR" b="1" dirty="0">
               <a:solidFill>
@@ -21833,180 +21862,6 @@
           </a:p>
         </p:txBody>
       </p:sp>
-      <p:pic>
-        <p:nvPicPr>
-          <p:cNvPr id="5" name="그림 4"/>
-          <p:cNvPicPr>
-            <a:picLocks noChangeAspect="1"/>
-          </p:cNvPicPr>
-          <p:nvPr/>
-        </p:nvPicPr>
-        <p:blipFill>
-          <a:blip r:embed="rId4">
-            <a:extLst>
-              <a:ext uri="{28A0092B-C50C-407E-A947-70E740481C1C}">
-                <a14:useLocalDpi xmlns:a14="http://schemas.microsoft.com/office/drawing/2010/main" val="0"/>
-              </a:ext>
-            </a:extLst>
-          </a:blip>
-          <a:stretch>
-            <a:fillRect/>
-          </a:stretch>
-        </p:blipFill>
-        <p:spPr>
-          <a:xfrm>
-            <a:off x="6656714" y="1900497"/>
-            <a:ext cx="3628396" cy="4354075"/>
-          </a:xfrm>
-          <a:prstGeom prst="rect">
-            <a:avLst/>
-          </a:prstGeom>
-        </p:spPr>
-      </p:pic>
-      <mc:AlternateContent xmlns:mc="http://schemas.openxmlformats.org/markup-compatibility/2006" xmlns:a14="http://schemas.microsoft.com/office/drawing/2010/main">
-        <mc:Choice Requires="a14">
-          <p:sp>
-            <p:nvSpPr>
-              <p:cNvPr id="10" name="TextBox 9"/>
-              <p:cNvSpPr txBox="1"/>
-              <p:nvPr/>
-            </p:nvSpPr>
-            <p:spPr>
-              <a:xfrm>
-                <a:off x="10027415" y="4621303"/>
-                <a:ext cx="2009414" cy="945580"/>
-              </a:xfrm>
-              <a:prstGeom prst="rect">
-                <a:avLst/>
-              </a:prstGeom>
-              <a:noFill/>
-            </p:spPr>
-            <p:txBody>
-              <a:bodyPr wrap="square" rtlCol="0">
-                <a:spAutoFit/>
-              </a:bodyPr>
-              <a:lstStyle/>
-              <a:p>
-                <a:pPr algn="ctr"/>
-                <a14:m>
-                  <m:oMathPara xmlns:m="http://schemas.openxmlformats.org/officeDocument/2006/math">
-                    <m:oMathParaPr>
-                      <m:jc m:val="centerGroup"/>
-                    </m:oMathParaPr>
-                    <m:oMath xmlns:m="http://schemas.openxmlformats.org/officeDocument/2006/math">
-                      <m:r>
-                        <a:rPr lang="en-US" altLang="ko-KR" b="1" i="1" smtClean="0">
-                          <a:latin typeface="Cambria Math" panose="02040503050406030204" pitchFamily="18" charset="0"/>
-                        </a:rPr>
-                        <m:t>𝑨𝒗𝒆𝒓𝒂𝒈𝒆</m:t>
-                      </m:r>
-                      <m:r>
-                        <a:rPr lang="en-US" altLang="ko-KR" b="1" i="1" smtClean="0">
-                          <a:latin typeface="Cambria Math" panose="02040503050406030204" pitchFamily="18" charset="0"/>
-                        </a:rPr>
-                        <m:t> </m:t>
-                      </m:r>
-                      <m:r>
-                        <a:rPr lang="en-US" altLang="ko-KR" b="1" i="1" smtClean="0">
-                          <a:latin typeface="Cambria Math" panose="02040503050406030204" pitchFamily="18" charset="0"/>
-                        </a:rPr>
-                        <m:t>𝒐𝒇</m:t>
-                      </m:r>
-                      <m:r>
-                        <a:rPr lang="en-US" altLang="ko-KR" b="1" i="1" smtClean="0">
-                          <a:latin typeface="Cambria Math" panose="02040503050406030204" pitchFamily="18" charset="0"/>
-                        </a:rPr>
-                        <m:t> </m:t>
-                      </m:r>
-                      <m:r>
-                        <a:rPr lang="en-US" altLang="ko-KR" b="1" i="1" smtClean="0">
-                          <a:latin typeface="Cambria Math" panose="02040503050406030204" pitchFamily="18" charset="0"/>
-                        </a:rPr>
-                        <m:t>𝑺𝑶</m:t>
-                      </m:r>
-                      <m:sSub>
-                        <m:sSubPr>
-                          <m:ctrlPr>
-                            <a:rPr lang="en-US" altLang="ko-KR" b="1" i="1" smtClean="0">
-                              <a:latin typeface="Cambria Math" panose="02040503050406030204" pitchFamily="18" charset="0"/>
-                            </a:rPr>
-                          </m:ctrlPr>
-                        </m:sSubPr>
-                        <m:e>
-                          <m:r>
-                            <a:rPr lang="en-US" altLang="ko-KR" b="1" i="1" smtClean="0">
-                              <a:latin typeface="Cambria Math" panose="02040503050406030204" pitchFamily="18" charset="0"/>
-                            </a:rPr>
-                            <m:t>𝑪</m:t>
-                          </m:r>
-                        </m:e>
-                        <m:sub>
-                          <m:r>
-                            <a:rPr lang="en-US" altLang="ko-KR" b="1" i="1" smtClean="0">
-                              <a:latin typeface="Cambria Math" panose="02040503050406030204" pitchFamily="18" charset="0"/>
-                            </a:rPr>
-                            <m:t>𝒇</m:t>
-                          </m:r>
-                        </m:sub>
-                      </m:sSub>
-                    </m:oMath>
-                  </m:oMathPara>
-                </a14:m>
-                <a:endParaRPr lang="en-US" altLang="ko-KR" b="1" i="1" dirty="0" smtClean="0"/>
-              </a:p>
-              <a:p>
-                <a:pPr algn="ctr"/>
-                <a:endParaRPr lang="en-US" altLang="ko-KR" b="0" dirty="0" smtClean="0"/>
-              </a:p>
-              <a:p>
-                <a:pPr algn="ctr"/>
-                <a:r>
-                  <a:rPr lang="en-US" altLang="ko-KR" b="1" i="1" dirty="0" smtClean="0"/>
-                  <a:t>0.597</a:t>
-                </a:r>
-              </a:p>
-            </p:txBody>
-          </p:sp>
-        </mc:Choice>
-        <mc:Fallback xmlns="">
-          <p:sp>
-            <p:nvSpPr>
-              <p:cNvPr id="10" name="TextBox 9"/>
-              <p:cNvSpPr txBox="1">
-                <a:spLocks noRot="1" noChangeAspect="1" noMove="1" noResize="1" noEditPoints="1" noAdjustHandles="1" noChangeArrowheads="1" noChangeShapeType="1" noTextEdit="1"/>
-              </p:cNvSpPr>
-              <p:nvPr/>
-            </p:nvSpPr>
-            <p:spPr>
-              <a:xfrm>
-                <a:off x="10027415" y="4621303"/>
-                <a:ext cx="2009414" cy="945580"/>
-              </a:xfrm>
-              <a:prstGeom prst="rect">
-                <a:avLst/>
-              </a:prstGeom>
-              <a:blipFill>
-                <a:blip r:embed="rId9"/>
-                <a:stretch>
-                  <a:fillRect l="-3636" b="-9677"/>
-                </a:stretch>
-              </a:blipFill>
-            </p:spPr>
-            <p:txBody>
-              <a:bodyPr/>
-              <a:lstStyle/>
-              <a:p>
-                <a:r>
-                  <a:rPr lang="ko-KR" altLang="en-US">
-                    <a:noFill/>
-                  </a:rPr>
-                  <a:t> </a:t>
-                </a:r>
-              </a:p>
-            </p:txBody>
-          </p:sp>
-        </mc:Fallback>
-      </mc:AlternateContent>
     </p:spTree>
     <p:extLst>
       <p:ext uri="{BB962C8B-B14F-4D97-AF65-F5344CB8AC3E}">
@@ -22044,66 +21899,6 @@
           <a:chExt cx="0" cy="0"/>
         </a:xfrm>
       </p:grpSpPr>
-      <p:pic>
-        <p:nvPicPr>
-          <p:cNvPr id="12" name="그림 11"/>
-          <p:cNvPicPr>
-            <a:picLocks noChangeAspect="1"/>
-          </p:cNvPicPr>
-          <p:nvPr/>
-        </p:nvPicPr>
-        <p:blipFill>
-          <a:blip r:embed="rId2">
-            <a:extLst>
-              <a:ext uri="{28A0092B-C50C-407E-A947-70E740481C1C}">
-                <a14:useLocalDpi xmlns:a14="http://schemas.microsoft.com/office/drawing/2010/main" val="0"/>
-              </a:ext>
-            </a:extLst>
-          </a:blip>
-          <a:stretch>
-            <a:fillRect/>
-          </a:stretch>
-        </p:blipFill>
-        <p:spPr>
-          <a:xfrm>
-            <a:off x="5357223" y="3747998"/>
-            <a:ext cx="4144246" cy="2486547"/>
-          </a:xfrm>
-          <a:prstGeom prst="rect">
-            <a:avLst/>
-          </a:prstGeom>
-        </p:spPr>
-      </p:pic>
-      <p:pic>
-        <p:nvPicPr>
-          <p:cNvPr id="5" name="그림 4"/>
-          <p:cNvPicPr>
-            <a:picLocks noChangeAspect="1"/>
-          </p:cNvPicPr>
-          <p:nvPr/>
-        </p:nvPicPr>
-        <p:blipFill>
-          <a:blip r:embed="rId3">
-            <a:extLst>
-              <a:ext uri="{28A0092B-C50C-407E-A947-70E740481C1C}">
-                <a14:useLocalDpi xmlns:a14="http://schemas.microsoft.com/office/drawing/2010/main" val="0"/>
-              </a:ext>
-            </a:extLst>
-          </a:blip>
-          <a:stretch>
-            <a:fillRect/>
-          </a:stretch>
-        </p:blipFill>
-        <p:spPr>
-          <a:xfrm>
-            <a:off x="5366993" y="1484932"/>
-            <a:ext cx="6358503" cy="2384439"/>
-          </a:xfrm>
-          <a:prstGeom prst="rect">
-            <a:avLst/>
-          </a:prstGeom>
-        </p:spPr>
-      </p:pic>
       <p:sp>
         <p:nvSpPr>
           <p:cNvPr id="4" name="제목 3"/>
@@ -22818,7 +22613,16 @@
                 </a:solidFill>
                 <a:ea typeface="굴림" panose="020B0600000101010101" pitchFamily="50" charset="-127"/>
               </a:rPr>
-              <a:t>Shooting method</a:t>
+              <a:t>(Shooting </a:t>
+            </a:r>
+            <a:r>
+              <a:rPr lang="en-US" altLang="ko-KR" sz="1600" dirty="0" smtClean="0">
+                <a:solidFill>
+                  <a:srgbClr val="FF0000"/>
+                </a:solidFill>
+                <a:ea typeface="굴림" panose="020B0600000101010101" pitchFamily="50" charset="-127"/>
+              </a:rPr>
+              <a:t>method</a:t>
             </a:r>
             <a:r>
               <a:rPr lang="ko-KR" altLang="en-US" sz="1600" dirty="0" smtClean="0">
@@ -22995,7 +22799,34 @@
                 </a:solidFill>
                 <a:ea typeface="굴림" panose="020B0600000101010101" pitchFamily="50" charset="-127"/>
               </a:rPr>
-              <a:t>최적에 가까운 결과를 도출할 수 있음 </a:t>
+              <a:t>최적에 가까운 결과를 도출할 수 </a:t>
+            </a:r>
+            <a:r>
+              <a:rPr lang="ko-KR" altLang="en-US" sz="1600" dirty="0" smtClean="0">
+                <a:solidFill>
+                  <a:srgbClr val="FF0000"/>
+                </a:solidFill>
+                <a:ea typeface="굴림" panose="020B0600000101010101" pitchFamily="50" charset="-127"/>
+              </a:rPr>
+              <a:t>있음</a:t>
+            </a:r>
+            <a:r>
+              <a:rPr lang="en-US" altLang="ko-KR" sz="1600" dirty="0" smtClean="0">
+                <a:solidFill>
+                  <a:srgbClr val="FF0000"/>
+                </a:solidFill>
+                <a:ea typeface="굴림" panose="020B0600000101010101" pitchFamily="50" charset="-127"/>
+              </a:rPr>
+              <a:t>)</a:t>
+            </a:r>
+            <a:r>
+              <a:rPr lang="ko-KR" altLang="en-US" sz="1600" dirty="0" smtClean="0">
+                <a:solidFill>
+                  <a:srgbClr val="FF0000"/>
+                </a:solidFill>
+                <a:ea typeface="굴림" panose="020B0600000101010101" pitchFamily="50" charset="-127"/>
+              </a:rPr>
+              <a:t> </a:t>
             </a:r>
             <a:endParaRPr lang="en-US" altLang="ko-KR" sz="1600" dirty="0" smtClean="0">
               <a:solidFill>
@@ -23024,13 +22855,22 @@
               <a:defRPr/>
             </a:pPr>
             <a:r>
+              <a:rPr lang="ko-KR" altLang="en-US" sz="1600" dirty="0" smtClean="0">
+                <a:solidFill>
+                  <a:srgbClr val="FF0000"/>
+                </a:solidFill>
+                <a:ea typeface="굴림" panose="020B0600000101010101" pitchFamily="50" charset="-127"/>
+              </a:rPr>
+              <a:t>여전히 </a:t>
+            </a:r>
+            <a:r>
               <a:rPr lang="en-US" altLang="ko-KR" sz="1600" dirty="0" smtClean="0">
                 <a:solidFill>
                   <a:srgbClr val="FF0000"/>
                 </a:solidFill>
                 <a:ea typeface="굴림" panose="020B0600000101010101" pitchFamily="50" charset="-127"/>
               </a:rPr>
-              <a:t>DDPG</a:t>
+              <a:t>ECMS</a:t>
             </a:r>
             <a:r>
               <a:rPr lang="ko-KR" altLang="en-US" sz="1600" dirty="0" smtClean="0">
@@ -23042,13 +22882,13 @@
               <a:t>는 </a:t>
             </a:r>
             <a:r>
-              <a:rPr lang="en-US" altLang="ko-KR" sz="1600" dirty="0" smtClean="0">
+              <a:rPr lang="ko-KR" altLang="en-US" sz="1600" dirty="0" err="1" smtClean="0">
                 <a:solidFill>
                   <a:srgbClr val="FF0000"/>
                 </a:solidFill>
                 <a:ea typeface="굴림" panose="020B0600000101010101" pitchFamily="50" charset="-127"/>
               </a:rPr>
-              <a:t>PMP</a:t>
+              <a:t>하이브리드</a:t>
             </a:r>
             <a:r>
               <a:rPr lang="ko-KR" altLang="en-US" sz="1600" dirty="0" smtClean="0">
@@ -23057,7 +22897,7 @@
                 </a:solidFill>
                 <a:ea typeface="굴림" panose="020B0600000101010101" pitchFamily="50" charset="-127"/>
               </a:rPr>
-              <a:t>에 대해 결코 떨어지는 성능을 </a:t>
+              <a:t> 동력원의 에너지 </a:t>
             </a:r>
             <a:r>
               <a:rPr lang="en-US" altLang="ko-KR" sz="1600" dirty="0" smtClean="0">
@@ -23083,21 +22923,88 @@
                 </a:solidFill>
                 <a:ea typeface="굴림" panose="020B0600000101010101" pitchFamily="50" charset="-127"/>
               </a:rPr>
-              <a:t>보이지 않음 </a:t>
-            </a:r>
-            <a:endParaRPr lang="en-US" altLang="ko-KR" sz="1600" dirty="0">
-              <a:solidFill>
-                <a:srgbClr val="FF0000"/>
-              </a:solidFill>
-              <a:ea typeface="굴림" panose="020B0600000101010101" pitchFamily="50" charset="-127"/>
-            </a:endParaRPr>
-          </a:p>
-          <a:p>
-            <a:pPr marL="342900" indent="-342900">
-              <a:buFont typeface="Arial" panose="020B0604020202020204" pitchFamily="34" charset="0"/>
-              <a:buChar char="•"/>
-              <a:defRPr/>
-            </a:pPr>
+              <a:t>관리 관련 분야에서 가장 많이 사용되는 </a:t>
+            </a:r>
+            <a:r>
+              <a:rPr lang="en-US" altLang="ko-KR" sz="1600" dirty="0" smtClean="0">
+                <a:solidFill>
+                  <a:srgbClr val="FF0000"/>
+                </a:solidFill>
+                <a:ea typeface="굴림" panose="020B0600000101010101" pitchFamily="50" charset="-127"/>
+              </a:rPr>
+              <a:t/>
+            </a:r>
+            <a:br>
+              <a:rPr lang="en-US" altLang="ko-KR" sz="1600" dirty="0" smtClean="0">
+                <a:solidFill>
+                  <a:srgbClr val="FF0000"/>
+                </a:solidFill>
+                <a:ea typeface="굴림" panose="020B0600000101010101" pitchFamily="50" charset="-127"/>
+              </a:rPr>
+            </a:br>
+            <a:r>
+              <a:rPr lang="ko-KR" altLang="en-US" sz="1600" dirty="0" err="1" smtClean="0">
+                <a:solidFill>
+                  <a:srgbClr val="FF0000"/>
+                </a:solidFill>
+                <a:ea typeface="굴림" panose="020B0600000101010101" pitchFamily="50" charset="-127"/>
+              </a:rPr>
+              <a:t>이론임</a:t>
+            </a:r>
+            <a:r>
+              <a:rPr lang="ko-KR" altLang="en-US" sz="1600" dirty="0" smtClean="0">
+                <a:solidFill>
+                  <a:srgbClr val="FF0000"/>
+                </a:solidFill>
+                <a:ea typeface="굴림" panose="020B0600000101010101" pitchFamily="50" charset="-127"/>
+              </a:rPr>
+              <a:t> </a:t>
+            </a:r>
+            <a:r>
+              <a:rPr lang="en-US" altLang="ko-KR" sz="1600" dirty="0" smtClean="0">
+                <a:solidFill>
+                  <a:srgbClr val="FF0000"/>
+                </a:solidFill>
+                <a:ea typeface="굴림" panose="020B0600000101010101" pitchFamily="50" charset="-127"/>
+              </a:rPr>
+              <a:t>(</a:t>
+            </a:r>
+            <a:r>
+              <a:rPr lang="ko-KR" altLang="en-US" sz="1600" dirty="0" smtClean="0">
+                <a:solidFill>
+                  <a:srgbClr val="FF0000"/>
+                </a:solidFill>
+                <a:ea typeface="굴림" panose="020B0600000101010101" pitchFamily="50" charset="-127"/>
+              </a:rPr>
+              <a:t>최신의 </a:t>
+            </a:r>
+            <a:r>
+              <a:rPr lang="en-US" altLang="ko-KR" sz="1600" dirty="0" smtClean="0">
+                <a:solidFill>
+                  <a:srgbClr val="FF0000"/>
+                </a:solidFill>
+                <a:ea typeface="굴림" panose="020B0600000101010101" pitchFamily="50" charset="-127"/>
+              </a:rPr>
+              <a:t>ECMS </a:t>
+            </a:r>
+            <a:r>
+              <a:rPr lang="ko-KR" altLang="en-US" sz="1600" dirty="0" smtClean="0">
+                <a:solidFill>
+                  <a:srgbClr val="FF0000"/>
+                </a:solidFill>
+                <a:ea typeface="굴림" panose="020B0600000101010101" pitchFamily="50" charset="-127"/>
+              </a:rPr>
+              <a:t>논문을 강조</a:t>
+            </a:r>
+            <a:r>
+              <a:rPr lang="en-US" altLang="ko-KR" sz="1600" dirty="0" smtClean="0">
+                <a:solidFill>
+                  <a:srgbClr val="FF0000"/>
+                </a:solidFill>
+                <a:ea typeface="굴림" panose="020B0600000101010101" pitchFamily="50" charset="-127"/>
+              </a:rPr>
+              <a:t>)</a:t>
+            </a:r>
             <a:endParaRPr lang="en-US" altLang="ko-KR" sz="1600" dirty="0" smtClean="0">
               <a:ea typeface="굴림" panose="020B0600000101010101" pitchFamily="50" charset="-127"/>
             </a:endParaRPr>
@@ -23119,14 +23026,14 @@
       </p:sp>
       <p:sp>
         <p:nvSpPr>
-          <p:cNvPr id="10" name="TextBox 9"/>
+          <p:cNvPr id="13" name="TextBox 12"/>
           <p:cNvSpPr txBox="1"/>
           <p:nvPr/>
         </p:nvSpPr>
         <p:spPr>
           <a:xfrm>
-            <a:off x="155505" y="4877762"/>
-            <a:ext cx="5342832" cy="1477328"/>
+            <a:off x="6010968" y="2433507"/>
+            <a:ext cx="5342832" cy="646331"/>
           </a:xfrm>
           <a:prstGeom prst="rect">
             <a:avLst/>
@@ -23146,6 +23053,869 @@
           <a:p>
             <a:pPr algn="ctr"/>
             <a:r>
+              <a:rPr lang="en-US" altLang="ko-KR" b="1" dirty="0" smtClean="0">
+                <a:solidFill>
+                  <a:schemeClr val="accent2"/>
+                </a:solidFill>
+              </a:rPr>
+              <a:t>ECMS / PMP </a:t>
+            </a:r>
+            <a:r>
+              <a:rPr lang="ko-KR" altLang="en-US" b="1" dirty="0" smtClean="0">
+                <a:solidFill>
+                  <a:schemeClr val="accent2"/>
+                </a:solidFill>
+              </a:rPr>
+              <a:t>이론적 수식 도출 및 관련 최신 논문 수치화  </a:t>
+            </a:r>
+            <a:endParaRPr lang="en-US" altLang="ko-KR" b="1" dirty="0">
+              <a:solidFill>
+                <a:schemeClr val="accent2"/>
+              </a:solidFill>
+            </a:endParaRPr>
+          </a:p>
+        </p:txBody>
+      </p:sp>
+    </p:spTree>
+    <p:extLst>
+      <p:ext uri="{BB962C8B-B14F-4D97-AF65-F5344CB8AC3E}">
+        <p14:creationId xmlns:p14="http://schemas.microsoft.com/office/powerpoint/2010/main" val="4111675462"/>
+      </p:ext>
+    </p:extLst>
+  </p:cSld>
+  <p:clrMapOvr>
+    <a:masterClrMapping/>
+  </p:clrMapOvr>
+  <p:timing>
+    <p:tnLst>
+      <p:par>
+        <p:cTn id="1" dur="indefinite" restart="never" nodeType="tmRoot"/>
+      </p:par>
+    </p:tnLst>
+  </p:timing>
+</p:sld>
+</file>
+
+<file path=ppt/slides/slide28.xml><?xml version="1.0" encoding="utf-8"?>
+<p:sld xmlns:a="http://schemas.openxmlformats.org/drawingml/2006/main" xmlns:r="http://schemas.openxmlformats.org/officeDocument/2006/relationships" xmlns:p="http://schemas.openxmlformats.org/presentationml/2006/main">
+  <p:cSld>
+    <p:spTree>
+      <p:nvGrpSpPr>
+        <p:cNvPr id="1" name=""/>
+        <p:cNvGrpSpPr/>
+        <p:nvPr/>
+      </p:nvGrpSpPr>
+      <p:grpSpPr>
+        <a:xfrm>
+          <a:off x="0" y="0"/>
+          <a:ext cx="0" cy="0"/>
+          <a:chOff x="0" y="0"/>
+          <a:chExt cx="0" cy="0"/>
+        </a:xfrm>
+      </p:grpSpPr>
+      <p:sp>
+        <p:nvSpPr>
+          <p:cNvPr id="4" name="제목 3"/>
+          <p:cNvSpPr>
+            <a:spLocks noGrp="1"/>
+          </p:cNvSpPr>
+          <p:nvPr>
+            <p:ph type="title"/>
+          </p:nvPr>
+        </p:nvSpPr>
+        <p:spPr/>
+        <p:txBody>
+          <a:bodyPr>
+            <a:normAutofit/>
+          </a:bodyPr>
+          <a:lstStyle/>
+          <a:p>
+            <a:r>
+              <a:rPr lang="en-US" altLang="ko-KR" sz="2800" dirty="0" smtClean="0"/>
+              <a:t>Research</a:t>
+            </a:r>
+            <a:endParaRPr lang="ko-KR" altLang="en-US" sz="2800" dirty="0"/>
+          </a:p>
+        </p:txBody>
+      </p:sp>
+      <p:sp>
+        <p:nvSpPr>
+          <p:cNvPr id="15" name="TextBox 14"/>
+          <p:cNvSpPr txBox="1"/>
+          <p:nvPr/>
+        </p:nvSpPr>
+        <p:spPr>
+          <a:xfrm>
+            <a:off x="10285110" y="6234545"/>
+            <a:ext cx="2728086" cy="523220"/>
+          </a:xfrm>
+          <a:prstGeom prst="rect">
+            <a:avLst/>
+          </a:prstGeom>
+          <a:noFill/>
+        </p:spPr>
+        <p:txBody>
+          <a:bodyPr wrap="square" rtlCol="0">
+            <a:spAutoFit/>
+          </a:bodyPr>
+          <a:lstStyle/>
+          <a:p>
+            <a:r>
+              <a:rPr lang="en-US" altLang="ko-KR" sz="2800" b="1" i="1" dirty="0">
+                <a:solidFill>
+                  <a:srgbClr val="002060"/>
+                </a:solidFill>
+                <a:latin typeface="Cambria Math" panose="02040503050406030204" pitchFamily="18" charset="0"/>
+                <a:ea typeface="Cambria Math" panose="02040503050406030204" pitchFamily="18" charset="0"/>
+              </a:rPr>
+              <a:t>RECL</a:t>
+            </a:r>
+            <a:endParaRPr lang="ko-KR" altLang="en-US" sz="2800" b="1" i="1" dirty="0">
+              <a:solidFill>
+                <a:srgbClr val="002060"/>
+              </a:solidFill>
+              <a:latin typeface="Cambria Math" panose="02040503050406030204" pitchFamily="18" charset="0"/>
+            </a:endParaRPr>
+          </a:p>
+        </p:txBody>
+      </p:sp>
+      <p:sp>
+        <p:nvSpPr>
+          <p:cNvPr id="14" name="Text Box 339"/>
+          <p:cNvSpPr txBox="1">
+            <a:spLocks noChangeArrowheads="1"/>
+          </p:cNvSpPr>
+          <p:nvPr/>
+        </p:nvSpPr>
+        <p:spPr bwMode="auto">
+          <a:xfrm>
+            <a:off x="323850" y="1341438"/>
+            <a:ext cx="184150" cy="366712"/>
+          </a:xfrm>
+          <a:prstGeom prst="rect">
+            <a:avLst/>
+          </a:prstGeom>
+          <a:noFill/>
+          <a:ln>
+            <a:noFill/>
+          </a:ln>
+          <a:effectLst/>
+          <a:extLst>
+            <a:ext uri="{909E8E84-426E-40DD-AFC4-6F175D3DCCD1}">
+              <a14:hiddenFill xmlns:a14="http://schemas.microsoft.com/office/drawing/2010/main">
+                <a:solidFill>
+                  <a:schemeClr val="accent1"/>
+                </a:solidFill>
+              </a14:hiddenFill>
+            </a:ext>
+            <a:ext uri="{91240B29-F687-4F45-9708-019B960494DF}">
+              <a14:hiddenLine xmlns:a14="http://schemas.microsoft.com/office/drawing/2010/main" w="9525">
+                <a:solidFill>
+                  <a:schemeClr val="tx1"/>
+                </a:solidFill>
+                <a:miter lim="800000"/>
+                <a:headEnd/>
+                <a:tailEnd/>
+              </a14:hiddenLine>
+            </a:ext>
+            <a:ext uri="{AF507438-7753-43E0-B8FC-AC1667EBCBE1}">
+              <a14:hiddenEffects xmlns:a14="http://schemas.microsoft.com/office/drawing/2010/main">
+                <a:effectLst>
+                  <a:outerShdw dist="35921" dir="2700000" algn="ctr" rotWithShape="0">
+                    <a:schemeClr val="bg2"/>
+                  </a:outerShdw>
+                </a:effectLst>
+              </a14:hiddenEffects>
+            </a:ext>
+          </a:extLst>
+        </p:spPr>
+        <p:txBody>
+          <a:bodyPr wrap="none">
+            <a:spAutoFit/>
+          </a:bodyPr>
+          <a:lstStyle>
+            <a:lvl1pPr>
+              <a:defRPr>
+                <a:solidFill>
+                  <a:schemeClr val="tx1"/>
+                </a:solidFill>
+                <a:latin typeface="Arial" panose="020B0604020202020204" pitchFamily="34" charset="0"/>
+              </a:defRPr>
+            </a:lvl1pPr>
+            <a:lvl2pPr marL="742950" indent="-285750">
+              <a:defRPr>
+                <a:solidFill>
+                  <a:schemeClr val="tx1"/>
+                </a:solidFill>
+                <a:latin typeface="Arial" panose="020B0604020202020204" pitchFamily="34" charset="0"/>
+              </a:defRPr>
+            </a:lvl2pPr>
+            <a:lvl3pPr marL="1143000" indent="-228600">
+              <a:defRPr>
+                <a:solidFill>
+                  <a:schemeClr val="tx1"/>
+                </a:solidFill>
+                <a:latin typeface="Arial" panose="020B0604020202020204" pitchFamily="34" charset="0"/>
+              </a:defRPr>
+            </a:lvl3pPr>
+            <a:lvl4pPr marL="1600200" indent="-228600">
+              <a:defRPr>
+                <a:solidFill>
+                  <a:schemeClr val="tx1"/>
+                </a:solidFill>
+                <a:latin typeface="Arial" panose="020B0604020202020204" pitchFamily="34" charset="0"/>
+              </a:defRPr>
+            </a:lvl4pPr>
+            <a:lvl5pPr marL="2057400" indent="-228600">
+              <a:defRPr>
+                <a:solidFill>
+                  <a:schemeClr val="tx1"/>
+                </a:solidFill>
+                <a:latin typeface="Arial" panose="020B0604020202020204" pitchFamily="34" charset="0"/>
+              </a:defRPr>
+            </a:lvl5pPr>
+            <a:lvl6pPr marL="2514600" indent="-228600" eaLnBrk="0" fontAlgn="base" hangingPunct="0">
+              <a:spcBef>
+                <a:spcPct val="0"/>
+              </a:spcBef>
+              <a:spcAft>
+                <a:spcPct val="0"/>
+              </a:spcAft>
+              <a:defRPr>
+                <a:solidFill>
+                  <a:schemeClr val="tx1"/>
+                </a:solidFill>
+                <a:latin typeface="Arial" panose="020B0604020202020204" pitchFamily="34" charset="0"/>
+              </a:defRPr>
+            </a:lvl6pPr>
+            <a:lvl7pPr marL="2971800" indent="-228600" eaLnBrk="0" fontAlgn="base" hangingPunct="0">
+              <a:spcBef>
+                <a:spcPct val="0"/>
+              </a:spcBef>
+              <a:spcAft>
+                <a:spcPct val="0"/>
+              </a:spcAft>
+              <a:defRPr>
+                <a:solidFill>
+                  <a:schemeClr val="tx1"/>
+                </a:solidFill>
+                <a:latin typeface="Arial" panose="020B0604020202020204" pitchFamily="34" charset="0"/>
+              </a:defRPr>
+            </a:lvl7pPr>
+            <a:lvl8pPr marL="3429000" indent="-228600" eaLnBrk="0" fontAlgn="base" hangingPunct="0">
+              <a:spcBef>
+                <a:spcPct val="0"/>
+              </a:spcBef>
+              <a:spcAft>
+                <a:spcPct val="0"/>
+              </a:spcAft>
+              <a:defRPr>
+                <a:solidFill>
+                  <a:schemeClr val="tx1"/>
+                </a:solidFill>
+                <a:latin typeface="Arial" panose="020B0604020202020204" pitchFamily="34" charset="0"/>
+              </a:defRPr>
+            </a:lvl8pPr>
+            <a:lvl9pPr marL="3886200" indent="-228600" eaLnBrk="0" fontAlgn="base" hangingPunct="0">
+              <a:spcBef>
+                <a:spcPct val="0"/>
+              </a:spcBef>
+              <a:spcAft>
+                <a:spcPct val="0"/>
+              </a:spcAft>
+              <a:defRPr>
+                <a:solidFill>
+                  <a:schemeClr val="tx1"/>
+                </a:solidFill>
+                <a:latin typeface="Arial" panose="020B0604020202020204" pitchFamily="34" charset="0"/>
+              </a:defRPr>
+            </a:lvl9pPr>
+          </a:lstStyle>
+          <a:p>
+            <a:pPr eaLnBrk="1" hangingPunct="1"/>
+            <a:endParaRPr lang="pt-PT" altLang="pt-PT"/>
+          </a:p>
+        </p:txBody>
+      </p:sp>
+      <p:sp>
+        <p:nvSpPr>
+          <p:cNvPr id="16" name="TextBox 54"/>
+          <p:cNvSpPr txBox="1">
+            <a:spLocks noChangeArrowheads="1"/>
+          </p:cNvSpPr>
+          <p:nvPr/>
+        </p:nvSpPr>
+        <p:spPr bwMode="auto">
+          <a:xfrm>
+            <a:off x="838199" y="1156803"/>
+            <a:ext cx="8571807" cy="400110"/>
+          </a:xfrm>
+          <a:prstGeom prst="rect">
+            <a:avLst/>
+          </a:prstGeom>
+          <a:noFill/>
+          <a:ln>
+            <a:noFill/>
+          </a:ln>
+          <a:extLst>
+            <a:ext uri="{909E8E84-426E-40DD-AFC4-6F175D3DCCD1}">
+              <a14:hiddenFill xmlns:a14="http://schemas.microsoft.com/office/drawing/2010/main">
+                <a:solidFill>
+                  <a:srgbClr val="FFFFFF"/>
+                </a:solidFill>
+              </a14:hiddenFill>
+            </a:ext>
+            <a:ext uri="{91240B29-F687-4F45-9708-019B960494DF}">
+              <a14:hiddenLine xmlns:a14="http://schemas.microsoft.com/office/drawing/2010/main" w="9525">
+                <a:solidFill>
+                  <a:srgbClr val="000000"/>
+                </a:solidFill>
+                <a:miter lim="800000"/>
+                <a:headEnd/>
+                <a:tailEnd/>
+              </a14:hiddenLine>
+            </a:ext>
+          </a:extLst>
+        </p:spPr>
+        <p:txBody>
+          <a:bodyPr wrap="square">
+            <a:spAutoFit/>
+          </a:bodyPr>
+          <a:lstStyle>
+            <a:lvl1pPr>
+              <a:defRPr>
+                <a:solidFill>
+                  <a:schemeClr val="tx1"/>
+                </a:solidFill>
+                <a:latin typeface="Arial" panose="020B0604020202020204" pitchFamily="34" charset="0"/>
+              </a:defRPr>
+            </a:lvl1pPr>
+            <a:lvl2pPr marL="742950" indent="-285750">
+              <a:defRPr>
+                <a:solidFill>
+                  <a:schemeClr val="tx1"/>
+                </a:solidFill>
+                <a:latin typeface="Arial" panose="020B0604020202020204" pitchFamily="34" charset="0"/>
+              </a:defRPr>
+            </a:lvl2pPr>
+            <a:lvl3pPr marL="1143000" indent="-228600">
+              <a:defRPr>
+                <a:solidFill>
+                  <a:schemeClr val="tx1"/>
+                </a:solidFill>
+                <a:latin typeface="Arial" panose="020B0604020202020204" pitchFamily="34" charset="0"/>
+              </a:defRPr>
+            </a:lvl3pPr>
+            <a:lvl4pPr marL="1600200" indent="-228600">
+              <a:defRPr>
+                <a:solidFill>
+                  <a:schemeClr val="tx1"/>
+                </a:solidFill>
+                <a:latin typeface="Arial" panose="020B0604020202020204" pitchFamily="34" charset="0"/>
+              </a:defRPr>
+            </a:lvl4pPr>
+            <a:lvl5pPr marL="2057400" indent="-228600">
+              <a:defRPr>
+                <a:solidFill>
+                  <a:schemeClr val="tx1"/>
+                </a:solidFill>
+                <a:latin typeface="Arial" panose="020B0604020202020204" pitchFamily="34" charset="0"/>
+              </a:defRPr>
+            </a:lvl5pPr>
+            <a:lvl6pPr marL="2514600" indent="-228600" eaLnBrk="0" fontAlgn="base" hangingPunct="0">
+              <a:spcBef>
+                <a:spcPct val="0"/>
+              </a:spcBef>
+              <a:spcAft>
+                <a:spcPct val="0"/>
+              </a:spcAft>
+              <a:defRPr>
+                <a:solidFill>
+                  <a:schemeClr val="tx1"/>
+                </a:solidFill>
+                <a:latin typeface="Arial" panose="020B0604020202020204" pitchFamily="34" charset="0"/>
+              </a:defRPr>
+            </a:lvl6pPr>
+            <a:lvl7pPr marL="2971800" indent="-228600" eaLnBrk="0" fontAlgn="base" hangingPunct="0">
+              <a:spcBef>
+                <a:spcPct val="0"/>
+              </a:spcBef>
+              <a:spcAft>
+                <a:spcPct val="0"/>
+              </a:spcAft>
+              <a:defRPr>
+                <a:solidFill>
+                  <a:schemeClr val="tx1"/>
+                </a:solidFill>
+                <a:latin typeface="Arial" panose="020B0604020202020204" pitchFamily="34" charset="0"/>
+              </a:defRPr>
+            </a:lvl7pPr>
+            <a:lvl8pPr marL="3429000" indent="-228600" eaLnBrk="0" fontAlgn="base" hangingPunct="0">
+              <a:spcBef>
+                <a:spcPct val="0"/>
+              </a:spcBef>
+              <a:spcAft>
+                <a:spcPct val="0"/>
+              </a:spcAft>
+              <a:defRPr>
+                <a:solidFill>
+                  <a:schemeClr val="tx1"/>
+                </a:solidFill>
+                <a:latin typeface="Arial" panose="020B0604020202020204" pitchFamily="34" charset="0"/>
+              </a:defRPr>
+            </a:lvl8pPr>
+            <a:lvl9pPr marL="3886200" indent="-228600" eaLnBrk="0" fontAlgn="base" hangingPunct="0">
+              <a:spcBef>
+                <a:spcPct val="0"/>
+              </a:spcBef>
+              <a:spcAft>
+                <a:spcPct val="0"/>
+              </a:spcAft>
+              <a:defRPr>
+                <a:solidFill>
+                  <a:schemeClr val="tx1"/>
+                </a:solidFill>
+                <a:latin typeface="Arial" panose="020B0604020202020204" pitchFamily="34" charset="0"/>
+              </a:defRPr>
+            </a:lvl9pPr>
+          </a:lstStyle>
+          <a:p>
+            <a:r>
+              <a:rPr lang="en-US" altLang="ko-KR" sz="2000" b="1" dirty="0">
+                <a:ea typeface="굴림" panose="020B0600000101010101" pitchFamily="50" charset="-127"/>
+              </a:rPr>
+              <a:t>Generalized and scalable Power management</a:t>
+            </a:r>
+            <a:endParaRPr lang="ko-KR" altLang="en-US" sz="2000" b="1" dirty="0">
+              <a:ea typeface="굴림" panose="020B0600000101010101" pitchFamily="50" charset="-127"/>
+            </a:endParaRPr>
+          </a:p>
+        </p:txBody>
+      </p:sp>
+      <p:sp>
+        <p:nvSpPr>
+          <p:cNvPr id="17" name="Text Box 340"/>
+          <p:cNvSpPr txBox="1">
+            <a:spLocks noChangeArrowheads="1"/>
+          </p:cNvSpPr>
+          <p:nvPr/>
+        </p:nvSpPr>
+        <p:spPr bwMode="auto">
+          <a:xfrm>
+            <a:off x="1115616" y="1556853"/>
+            <a:ext cx="10306072" cy="1815882"/>
+          </a:xfrm>
+          <a:prstGeom prst="rect">
+            <a:avLst/>
+          </a:prstGeom>
+          <a:noFill/>
+          <a:ln>
+            <a:noFill/>
+          </a:ln>
+          <a:effectLst/>
+          <a:extLst>
+            <a:ext uri="{909E8E84-426E-40DD-AFC4-6F175D3DCCD1}">
+              <a14:hiddenFill xmlns:a14="http://schemas.microsoft.com/office/drawing/2010/main">
+                <a:solidFill>
+                  <a:schemeClr val="accent1"/>
+                </a:solidFill>
+              </a14:hiddenFill>
+            </a:ext>
+            <a:ext uri="{91240B29-F687-4F45-9708-019B960494DF}">
+              <a14:hiddenLine xmlns:a14="http://schemas.microsoft.com/office/drawing/2010/main" w="9525">
+                <a:solidFill>
+                  <a:schemeClr val="tx1"/>
+                </a:solidFill>
+                <a:miter lim="800000"/>
+                <a:headEnd/>
+                <a:tailEnd/>
+              </a14:hiddenLine>
+            </a:ext>
+            <a:ext uri="{AF507438-7753-43E0-B8FC-AC1667EBCBE1}">
+              <a14:hiddenEffects xmlns:a14="http://schemas.microsoft.com/office/drawing/2010/main">
+                <a:effectLst>
+                  <a:outerShdw dist="35921" dir="2700000" algn="ctr" rotWithShape="0">
+                    <a:schemeClr val="bg2"/>
+                  </a:outerShdw>
+                </a:effectLst>
+              </a14:hiddenEffects>
+            </a:ext>
+          </a:extLst>
+        </p:spPr>
+        <p:txBody>
+          <a:bodyPr wrap="square">
+            <a:spAutoFit/>
+          </a:bodyPr>
+          <a:lstStyle>
+            <a:lvl1pPr>
+              <a:defRPr>
+                <a:solidFill>
+                  <a:schemeClr val="tx1"/>
+                </a:solidFill>
+                <a:latin typeface="Arial" panose="020B0604020202020204" pitchFamily="34" charset="0"/>
+              </a:defRPr>
+            </a:lvl1pPr>
+            <a:lvl2pPr marL="742950" indent="-285750">
+              <a:defRPr>
+                <a:solidFill>
+                  <a:schemeClr val="tx1"/>
+                </a:solidFill>
+                <a:latin typeface="Arial" panose="020B0604020202020204" pitchFamily="34" charset="0"/>
+              </a:defRPr>
+            </a:lvl2pPr>
+            <a:lvl3pPr marL="1143000" indent="-228600">
+              <a:defRPr>
+                <a:solidFill>
+                  <a:schemeClr val="tx1"/>
+                </a:solidFill>
+                <a:latin typeface="Arial" panose="020B0604020202020204" pitchFamily="34" charset="0"/>
+              </a:defRPr>
+            </a:lvl3pPr>
+            <a:lvl4pPr marL="1600200" indent="-228600">
+              <a:defRPr>
+                <a:solidFill>
+                  <a:schemeClr val="tx1"/>
+                </a:solidFill>
+                <a:latin typeface="Arial" panose="020B0604020202020204" pitchFamily="34" charset="0"/>
+              </a:defRPr>
+            </a:lvl4pPr>
+            <a:lvl5pPr marL="2057400" indent="-228600">
+              <a:defRPr>
+                <a:solidFill>
+                  <a:schemeClr val="tx1"/>
+                </a:solidFill>
+                <a:latin typeface="Arial" panose="020B0604020202020204" pitchFamily="34" charset="0"/>
+              </a:defRPr>
+            </a:lvl5pPr>
+            <a:lvl6pPr marL="2514600" indent="-228600" eaLnBrk="0" fontAlgn="base" hangingPunct="0">
+              <a:spcBef>
+                <a:spcPct val="0"/>
+              </a:spcBef>
+              <a:spcAft>
+                <a:spcPct val="0"/>
+              </a:spcAft>
+              <a:defRPr>
+                <a:solidFill>
+                  <a:schemeClr val="tx1"/>
+                </a:solidFill>
+                <a:latin typeface="Arial" panose="020B0604020202020204" pitchFamily="34" charset="0"/>
+              </a:defRPr>
+            </a:lvl6pPr>
+            <a:lvl7pPr marL="2971800" indent="-228600" eaLnBrk="0" fontAlgn="base" hangingPunct="0">
+              <a:spcBef>
+                <a:spcPct val="0"/>
+              </a:spcBef>
+              <a:spcAft>
+                <a:spcPct val="0"/>
+              </a:spcAft>
+              <a:defRPr>
+                <a:solidFill>
+                  <a:schemeClr val="tx1"/>
+                </a:solidFill>
+                <a:latin typeface="Arial" panose="020B0604020202020204" pitchFamily="34" charset="0"/>
+              </a:defRPr>
+            </a:lvl7pPr>
+            <a:lvl8pPr marL="3429000" indent="-228600" eaLnBrk="0" fontAlgn="base" hangingPunct="0">
+              <a:spcBef>
+                <a:spcPct val="0"/>
+              </a:spcBef>
+              <a:spcAft>
+                <a:spcPct val="0"/>
+              </a:spcAft>
+              <a:defRPr>
+                <a:solidFill>
+                  <a:schemeClr val="tx1"/>
+                </a:solidFill>
+                <a:latin typeface="Arial" panose="020B0604020202020204" pitchFamily="34" charset="0"/>
+              </a:defRPr>
+            </a:lvl8pPr>
+            <a:lvl9pPr marL="3886200" indent="-228600" eaLnBrk="0" fontAlgn="base" hangingPunct="0">
+              <a:spcBef>
+                <a:spcPct val="0"/>
+              </a:spcBef>
+              <a:spcAft>
+                <a:spcPct val="0"/>
+              </a:spcAft>
+              <a:defRPr>
+                <a:solidFill>
+                  <a:schemeClr val="tx1"/>
+                </a:solidFill>
+                <a:latin typeface="Arial" panose="020B0604020202020204" pitchFamily="34" charset="0"/>
+              </a:defRPr>
+            </a:lvl9pPr>
+          </a:lstStyle>
+          <a:p>
+            <a:pPr marL="342900" indent="-342900">
+              <a:buFont typeface="Arial" panose="020B0604020202020204" pitchFamily="34" charset="0"/>
+              <a:buChar char="•"/>
+              <a:defRPr/>
+            </a:pPr>
+            <a:r>
+              <a:rPr lang="en-US" altLang="ko-KR" sz="1600" dirty="0" smtClean="0">
+                <a:solidFill>
+                  <a:srgbClr val="FF0000"/>
+                </a:solidFill>
+                <a:ea typeface="굴림" panose="020B0600000101010101" pitchFamily="50" charset="-127"/>
+              </a:rPr>
+              <a:t>Optimal</a:t>
+            </a:r>
+            <a:r>
+              <a:rPr lang="ko-KR" altLang="en-US" sz="1600" dirty="0" smtClean="0">
+                <a:solidFill>
+                  <a:srgbClr val="FF0000"/>
+                </a:solidFill>
+                <a:ea typeface="굴림" panose="020B0600000101010101" pitchFamily="50" charset="-127"/>
+              </a:rPr>
+              <a:t>이 보장된 </a:t>
+            </a:r>
+            <a:r>
+              <a:rPr lang="en-US" altLang="ko-KR" sz="1600" dirty="0" smtClean="0">
+                <a:solidFill>
+                  <a:srgbClr val="FF0000"/>
+                </a:solidFill>
+                <a:ea typeface="굴림" panose="020B0600000101010101" pitchFamily="50" charset="-127"/>
+              </a:rPr>
+              <a:t>PMP</a:t>
+            </a:r>
+            <a:r>
+              <a:rPr lang="ko-KR" altLang="en-US" sz="1600" dirty="0" smtClean="0">
+                <a:solidFill>
+                  <a:srgbClr val="FF0000"/>
+                </a:solidFill>
+                <a:ea typeface="굴림" panose="020B0600000101010101" pitchFamily="50" charset="-127"/>
+              </a:rPr>
+              <a:t>의 </a:t>
+            </a:r>
+            <a:r>
+              <a:rPr lang="en-US" altLang="ko-KR" sz="1600" dirty="0" smtClean="0">
+                <a:solidFill>
+                  <a:srgbClr val="FF0000"/>
+                </a:solidFill>
+                <a:ea typeface="굴림" panose="020B0600000101010101" pitchFamily="50" charset="-127"/>
+              </a:rPr>
+              <a:t>co-state</a:t>
+            </a:r>
+            <a:r>
+              <a:rPr lang="ko-KR" altLang="en-US" sz="1600" dirty="0" smtClean="0">
+                <a:solidFill>
+                  <a:srgbClr val="FF0000"/>
+                </a:solidFill>
+                <a:ea typeface="굴림" panose="020B0600000101010101" pitchFamily="50" charset="-127"/>
+              </a:rPr>
+              <a:t>를 도출된 </a:t>
+            </a:r>
+            <a:r>
+              <a:rPr lang="en-US" altLang="ko-KR" sz="1600" dirty="0" smtClean="0">
+                <a:solidFill>
+                  <a:srgbClr val="FF0000"/>
+                </a:solidFill>
+                <a:ea typeface="굴림" panose="020B0600000101010101" pitchFamily="50" charset="-127"/>
+              </a:rPr>
+              <a:t/>
+            </a:r>
+            <a:br>
+              <a:rPr lang="en-US" altLang="ko-KR" sz="1600" dirty="0" smtClean="0">
+                <a:solidFill>
+                  <a:srgbClr val="FF0000"/>
+                </a:solidFill>
+                <a:ea typeface="굴림" panose="020B0600000101010101" pitchFamily="50" charset="-127"/>
+              </a:rPr>
+            </a:br>
+            <a:r>
+              <a:rPr lang="ko-KR" altLang="en-US" sz="1600" dirty="0" smtClean="0">
+                <a:solidFill>
+                  <a:srgbClr val="FF0000"/>
+                </a:solidFill>
+                <a:ea typeface="굴림" panose="020B0600000101010101" pitchFamily="50" charset="-127"/>
+              </a:rPr>
+              <a:t>문제상황에서 </a:t>
+            </a:r>
+            <a:r>
+              <a:rPr lang="en-US" altLang="ko-KR" sz="1600" dirty="0" smtClean="0">
+                <a:solidFill>
+                  <a:srgbClr val="FF0000"/>
+                </a:solidFill>
+                <a:ea typeface="굴림" panose="020B0600000101010101" pitchFamily="50" charset="-127"/>
+              </a:rPr>
+              <a:t>DDPG</a:t>
+            </a:r>
+            <a:r>
+              <a:rPr lang="ko-KR" altLang="en-US" sz="1600" dirty="0" smtClean="0">
+                <a:solidFill>
+                  <a:srgbClr val="FF0000"/>
+                </a:solidFill>
+                <a:ea typeface="굴림" panose="020B0600000101010101" pitchFamily="50" charset="-127"/>
+              </a:rPr>
+              <a:t>와 </a:t>
+            </a:r>
+            <a:r>
+              <a:rPr lang="en-US" altLang="ko-KR" sz="1600" dirty="0" smtClean="0">
+                <a:solidFill>
+                  <a:srgbClr val="FF0000"/>
+                </a:solidFill>
+                <a:ea typeface="굴림" panose="020B0600000101010101" pitchFamily="50" charset="-127"/>
+              </a:rPr>
+              <a:t>PMP</a:t>
+            </a:r>
+            <a:r>
+              <a:rPr lang="ko-KR" altLang="en-US" sz="1600" dirty="0" smtClean="0">
+                <a:solidFill>
+                  <a:srgbClr val="FF0000"/>
+                </a:solidFill>
+                <a:ea typeface="굴림" panose="020B0600000101010101" pitchFamily="50" charset="-127"/>
+              </a:rPr>
+              <a:t>의 비교를 진행함</a:t>
+            </a:r>
+            <a:endParaRPr lang="en-US" altLang="ko-KR" sz="1600" dirty="0" smtClean="0">
+              <a:solidFill>
+                <a:srgbClr val="FF0000"/>
+              </a:solidFill>
+              <a:ea typeface="굴림" panose="020B0600000101010101" pitchFamily="50" charset="-127"/>
+            </a:endParaRPr>
+          </a:p>
+          <a:p>
+            <a:pPr>
+              <a:defRPr/>
+            </a:pPr>
+            <a:endParaRPr lang="en-US" altLang="ko-KR" sz="1600" dirty="0" smtClean="0">
+              <a:solidFill>
+                <a:srgbClr val="FF0000"/>
+              </a:solidFill>
+              <a:ea typeface="굴림" panose="020B0600000101010101" pitchFamily="50" charset="-127"/>
+            </a:endParaRPr>
+          </a:p>
+          <a:p>
+            <a:pPr marL="342900" indent="-342900">
+              <a:buFont typeface="Arial" panose="020B0604020202020204" pitchFamily="34" charset="0"/>
+              <a:buChar char="•"/>
+              <a:defRPr/>
+            </a:pPr>
+            <a:r>
+              <a:rPr lang="en-US" altLang="ko-KR" sz="1600" dirty="0">
+                <a:solidFill>
+                  <a:srgbClr val="FF0000"/>
+                </a:solidFill>
+                <a:ea typeface="굴림" panose="020B0600000101010101" pitchFamily="50" charset="-127"/>
+              </a:rPr>
+              <a:t>DDPG</a:t>
+            </a:r>
+            <a:r>
+              <a:rPr lang="ko-KR" altLang="en-US" sz="1600" dirty="0">
+                <a:solidFill>
+                  <a:srgbClr val="FF0000"/>
+                </a:solidFill>
+                <a:ea typeface="굴림" panose="020B0600000101010101" pitchFamily="50" charset="-127"/>
+              </a:rPr>
+              <a:t>는 </a:t>
+            </a:r>
+            <a:r>
+              <a:rPr lang="en-US" altLang="ko-KR" sz="1600" dirty="0">
+                <a:solidFill>
+                  <a:srgbClr val="FF0000"/>
+                </a:solidFill>
+                <a:ea typeface="굴림" panose="020B0600000101010101" pitchFamily="50" charset="-127"/>
+              </a:rPr>
+              <a:t>PMP</a:t>
+            </a:r>
+            <a:r>
+              <a:rPr lang="ko-KR" altLang="en-US" sz="1600" dirty="0">
+                <a:solidFill>
+                  <a:srgbClr val="FF0000"/>
+                </a:solidFill>
+                <a:ea typeface="굴림" panose="020B0600000101010101" pitchFamily="50" charset="-127"/>
+              </a:rPr>
+              <a:t>에 대해 결코 떨어지는 성능을 </a:t>
+            </a:r>
+            <a:r>
+              <a:rPr lang="en-US" altLang="ko-KR" sz="1600" dirty="0">
+                <a:solidFill>
+                  <a:srgbClr val="FF0000"/>
+                </a:solidFill>
+                <a:ea typeface="굴림" panose="020B0600000101010101" pitchFamily="50" charset="-127"/>
+              </a:rPr>
+              <a:t/>
+            </a:r>
+            <a:br>
+              <a:rPr lang="en-US" altLang="ko-KR" sz="1600" dirty="0">
+                <a:solidFill>
+                  <a:srgbClr val="FF0000"/>
+                </a:solidFill>
+                <a:ea typeface="굴림" panose="020B0600000101010101" pitchFamily="50" charset="-127"/>
+              </a:rPr>
+            </a:br>
+            <a:r>
+              <a:rPr lang="ko-KR" altLang="en-US" sz="1600" dirty="0">
+                <a:solidFill>
+                  <a:srgbClr val="FF0000"/>
+                </a:solidFill>
+                <a:ea typeface="굴림" panose="020B0600000101010101" pitchFamily="50" charset="-127"/>
+              </a:rPr>
+              <a:t>보이지 않음 </a:t>
+            </a:r>
+            <a:endParaRPr lang="en-US" altLang="ko-KR" sz="1600" dirty="0">
+              <a:solidFill>
+                <a:srgbClr val="FF0000"/>
+              </a:solidFill>
+              <a:ea typeface="굴림" panose="020B0600000101010101" pitchFamily="50" charset="-127"/>
+            </a:endParaRPr>
+          </a:p>
+          <a:p>
+            <a:pPr marL="342900" indent="-342900">
+              <a:buFont typeface="Arial" panose="020B0604020202020204" pitchFamily="34" charset="0"/>
+              <a:buChar char="•"/>
+              <a:defRPr/>
+            </a:pPr>
+            <a:endParaRPr lang="en-US" altLang="ko-KR" sz="1600" dirty="0" smtClean="0">
+              <a:solidFill>
+                <a:srgbClr val="FF0000"/>
+              </a:solidFill>
+              <a:ea typeface="굴림" panose="020B0600000101010101" pitchFamily="50" charset="-127"/>
+            </a:endParaRPr>
+          </a:p>
+          <a:p>
+            <a:pPr marL="342900" indent="-342900">
+              <a:buFont typeface="Arial" panose="020B0604020202020204" pitchFamily="34" charset="0"/>
+              <a:buChar char="•"/>
+              <a:defRPr/>
+            </a:pPr>
+            <a:endParaRPr lang="en-US" altLang="ko-KR" sz="1600" dirty="0">
+              <a:solidFill>
+                <a:srgbClr val="FF0000"/>
+              </a:solidFill>
+              <a:ea typeface="굴림" panose="020B0600000101010101" pitchFamily="50" charset="-127"/>
+            </a:endParaRPr>
+          </a:p>
+        </p:txBody>
+      </p:sp>
+      <p:sp>
+        <p:nvSpPr>
+          <p:cNvPr id="10" name="TextBox 9"/>
+          <p:cNvSpPr txBox="1"/>
+          <p:nvPr/>
+        </p:nvSpPr>
+        <p:spPr>
+          <a:xfrm>
+            <a:off x="155505" y="3530757"/>
+            <a:ext cx="5342832" cy="1200329"/>
+          </a:xfrm>
+          <a:prstGeom prst="rect">
+            <a:avLst/>
+          </a:prstGeom>
+          <a:noFill/>
+          <a:ln w="28575">
+            <a:solidFill>
+              <a:srgbClr val="92D050"/>
+            </a:solidFill>
+          </a:ln>
+        </p:spPr>
+        <p:txBody>
+          <a:bodyPr wrap="square" rtlCol="0">
+            <a:spAutoFit/>
+          </a:bodyPr>
+          <a:lstStyle/>
+          <a:p>
+            <a:pPr algn="ctr"/>
+            <a:r>
               <a:rPr lang="ko-KR" altLang="en-US" b="1" dirty="0" smtClean="0">
                 <a:solidFill>
                   <a:srgbClr val="00B050"/>
@@ -23287,7 +24057,39 @@
                   <a:srgbClr val="00B050"/>
                 </a:solidFill>
               </a:rPr>
-              <a:t>다시 해야함</a:t>
+              <a:t>다시 </a:t>
+            </a:r>
+            <a:r>
+              <a:rPr lang="ko-KR" altLang="en-US" b="1" dirty="0" smtClean="0">
+                <a:solidFill>
+                  <a:srgbClr val="00B050"/>
+                </a:solidFill>
+              </a:rPr>
+              <a:t>해야함 </a:t>
+            </a:r>
+            <a:r>
+              <a:rPr lang="en-US" altLang="ko-KR" b="1" dirty="0" smtClean="0">
+                <a:solidFill>
+                  <a:srgbClr val="00B050"/>
+                </a:solidFill>
+              </a:rPr>
+              <a:t>(</a:t>
+            </a:r>
+            <a:r>
+              <a:rPr lang="ko-KR" altLang="en-US" b="1" dirty="0" smtClean="0">
+                <a:solidFill>
+                  <a:srgbClr val="00B050"/>
+                </a:solidFill>
+              </a:rPr>
+              <a:t>완료</a:t>
+            </a:r>
+            <a:r>
+              <a:rPr lang="en-US" altLang="ko-KR" b="1" dirty="0" smtClean="0">
+                <a:solidFill>
+                  <a:srgbClr val="00B050"/>
+                </a:solidFill>
+              </a:rPr>
+              <a:t>)</a:t>
             </a:r>
             <a:endParaRPr lang="en-US" altLang="ko-KR" b="1" dirty="0">
               <a:solidFill>
@@ -23295,42 +24097,10 @@
               </a:solidFill>
             </a:endParaRPr>
           </a:p>
-          <a:p>
-            <a:pPr algn="ctr"/>
-            <a:r>
-              <a:rPr lang="en-US" altLang="ko-KR" b="1" dirty="0" smtClean="0">
-                <a:solidFill>
-                  <a:schemeClr val="accent2"/>
-                </a:solidFill>
-              </a:rPr>
-              <a:t>All</a:t>
-            </a:r>
-            <a:r>
-              <a:rPr lang="ko-KR" altLang="en-US" b="1" dirty="0">
-                <a:solidFill>
-                  <a:schemeClr val="accent2"/>
-                </a:solidFill>
-              </a:rPr>
-              <a:t> </a:t>
-            </a:r>
-            <a:r>
-              <a:rPr lang="en-US" altLang="ko-KR" b="1" dirty="0" smtClean="0">
-                <a:solidFill>
-                  <a:schemeClr val="accent2"/>
-                </a:solidFill>
-              </a:rPr>
-              <a:t>cycles model </a:t>
-            </a:r>
-            <a:endParaRPr lang="en-US" altLang="ko-KR" b="1" dirty="0">
-              <a:solidFill>
-                <a:schemeClr val="accent2"/>
-              </a:solidFill>
-            </a:endParaRPr>
-          </a:p>
         </p:txBody>
       </p:sp>
-      <mc:AlternateContent xmlns:mc="http://schemas.openxmlformats.org/markup-compatibility/2006" xmlns:a14="http://schemas.microsoft.com/office/drawing/2010/main">
-        <mc:Choice Requires="a14">
+      <mc:AlternateContent xmlns:mc="http://schemas.openxmlformats.org/markup-compatibility/2006">
+        <mc:Choice xmlns:a14="http://schemas.microsoft.com/office/drawing/2010/main" Requires="a14">
           <p:graphicFrame>
             <p:nvGraphicFramePr>
               <p:cNvPr id="18" name="표 17"/>
@@ -23340,14 +24110,14 @@
               <p:nvPr>
                 <p:extLst>
                   <p:ext uri="{D42A27DB-BD31-4B8C-83A1-F6EECF244321}">
-                    <p14:modId xmlns:p14="http://schemas.microsoft.com/office/powerpoint/2010/main" val="825293038"/>
+                    <p14:modId xmlns:p14="http://schemas.microsoft.com/office/powerpoint/2010/main" val="1353467960"/>
                   </p:ext>
                 </p:extLst>
               </p:nvPr>
             </p:nvGraphicFramePr>
             <p:xfrm>
-              <a:off x="9151954" y="4054476"/>
-              <a:ext cx="3229845" cy="1561950"/>
+              <a:off x="9118704" y="4061269"/>
+              <a:ext cx="3040046" cy="1596270"/>
             </p:xfrm>
             <a:graphic>
               <a:graphicData uri="http://schemas.openxmlformats.org/drawingml/2006/table">
@@ -23356,21 +24126,21 @@
                     <a:tableStyleId>{5C22544A-7EE6-4342-B048-85BDC9FD1C3A}</a:tableStyleId>
                   </a:tblPr>
                   <a:tblGrid>
-                    <a:gridCol w="1702313">
+                    <a:gridCol w="1385226">
                       <a:extLst>
                         <a:ext uri="{9D8B030D-6E8A-4147-A177-3AD203B41FA5}">
                           <a16:colId xmlns:a16="http://schemas.microsoft.com/office/drawing/2014/main" val="3726243108"/>
                         </a:ext>
                       </a:extLst>
                     </a:gridCol>
-                    <a:gridCol w="814566">
+                    <a:gridCol w="827410">
                       <a:extLst>
                         <a:ext uri="{9D8B030D-6E8A-4147-A177-3AD203B41FA5}">
                           <a16:colId xmlns:a16="http://schemas.microsoft.com/office/drawing/2014/main" val="472462486"/>
                         </a:ext>
                       </a:extLst>
                     </a:gridCol>
-                    <a:gridCol w="712966">
+                    <a:gridCol w="827410">
                       <a:extLst>
                         <a:ext uri="{9D8B030D-6E8A-4147-A177-3AD203B41FA5}">
                           <a16:colId xmlns:a16="http://schemas.microsoft.com/office/drawing/2014/main" val="4076666659"/>
@@ -23413,7 +24183,7 @@
                           <a:pPr algn="ctr" latinLnBrk="1"/>
                           <a:r>
                             <a:rPr lang="en-US" altLang="ko-KR" sz="1400" dirty="0" smtClean="0"/>
-                            <a:t>PMP</a:t>
+                            <a:t>ECMS</a:t>
                           </a:r>
                           <a:endParaRPr lang="ko-KR" altLang="en-US" sz="1400" dirty="0"/>
                         </a:p>
@@ -23458,7 +24228,7 @@
                           <a:pPr algn="ctr" latinLnBrk="1"/>
                           <a:r>
                             <a:rPr lang="en-US" altLang="ko-KR" sz="1400" dirty="0" smtClean="0"/>
-                            <a:t>0.592</a:t>
+                            <a:t>0.601</a:t>
                           </a:r>
                           <a:endParaRPr lang="ko-KR" altLang="en-US" sz="1400" dirty="0"/>
                         </a:p>
@@ -23473,7 +24243,7 @@
                           <a:pPr algn="ctr" latinLnBrk="1"/>
                           <a:r>
                             <a:rPr lang="en-US" altLang="ko-KR" sz="1400" dirty="0" smtClean="0"/>
-                            <a:t>0.596</a:t>
+                            <a:t>0.592</a:t>
                           </a:r>
                           <a:endParaRPr lang="ko-KR" altLang="en-US" sz="1400" dirty="0"/>
                         </a:p>
@@ -23514,7 +24284,7 @@
                           <a:pPr algn="ctr" latinLnBrk="1"/>
                           <a:r>
                             <a:rPr lang="en-US" altLang="ko-KR" sz="1400" dirty="0" smtClean="0"/>
-                            <a:t>38.53 </a:t>
+                            <a:t>44.96</a:t>
                           </a:r>
                           <a:endParaRPr lang="ko-KR" altLang="en-US" sz="1400" dirty="0"/>
                         </a:p>
@@ -23529,7 +24299,7 @@
                           <a:pPr algn="ctr" latinLnBrk="1"/>
                           <a:r>
                             <a:rPr lang="en-US" altLang="ko-KR" sz="1400" dirty="0" smtClean="0"/>
-                            <a:t>38.39</a:t>
+                            <a:t>43.65 </a:t>
                           </a:r>
                           <a:endParaRPr lang="ko-KR" altLang="en-US" sz="1400" dirty="0"/>
                         </a:p>
@@ -23549,13 +24319,74 @@
                         <a:lstStyle/>
                         <a:p>
                           <a:pPr algn="ctr" latinLnBrk="1"/>
+                          <a14:m>
+                            <m:oMath xmlns:m="http://schemas.openxmlformats.org/officeDocument/2006/math">
+                              <m:sSub>
+                                <m:sSubPr>
+                                  <m:ctrlPr>
+                                    <a:rPr lang="en-US" altLang="ko-KR" sz="1400" b="1" i="1" baseline="0" smtClean="0">
+                                      <a:latin typeface="Cambria Math" panose="02040503050406030204" pitchFamily="18" charset="0"/>
+                                    </a:rPr>
+                                  </m:ctrlPr>
+                                </m:sSubPr>
+                                <m:e>
+                                  <m:r>
+                                    <m:rPr>
+                                      <m:nor/>
+                                    </m:rPr>
+                                    <a:rPr lang="en-US" altLang="ko-KR" sz="1400" b="1" i="0" dirty="0" smtClean="0"/>
+                                    <m:t>FC</m:t>
+                                  </m:r>
+                                </m:e>
+                                <m:sub>
+                                  <m:r>
+                                    <a:rPr lang="en-US" altLang="ko-KR" sz="1400" b="1" i="1" baseline="0" smtClean="0">
+                                      <a:latin typeface="Cambria Math" panose="02040503050406030204" pitchFamily="18" charset="0"/>
+                                    </a:rPr>
+                                    <m:t>@</m:t>
+                                  </m:r>
+                                  <m:r>
+                                    <a:rPr lang="en-US" altLang="ko-KR" sz="1400" b="1" i="1" baseline="0" smtClean="0">
+                                      <a:latin typeface="Cambria Math" panose="02040503050406030204" pitchFamily="18" charset="0"/>
+                                    </a:rPr>
+                                    <m:t>𝑺𝑶</m:t>
+                                  </m:r>
+                                  <m:sSub>
+                                    <m:sSubPr>
+                                      <m:ctrlPr>
+                                        <a:rPr lang="en-US" altLang="ko-KR" sz="1400" b="1" i="1" baseline="0" smtClean="0">
+                                          <a:latin typeface="Cambria Math" panose="02040503050406030204" pitchFamily="18" charset="0"/>
+                                        </a:rPr>
+                                      </m:ctrlPr>
+                                    </m:sSubPr>
+                                    <m:e>
+                                      <m:r>
+                                        <a:rPr lang="en-US" altLang="ko-KR" sz="1400" b="1" i="1" baseline="0" smtClean="0">
+                                          <a:latin typeface="Cambria Math" panose="02040503050406030204" pitchFamily="18" charset="0"/>
+                                        </a:rPr>
+                                        <m:t>𝑪</m:t>
+                                      </m:r>
+                                    </m:e>
+                                    <m:sub>
+                                      <m:r>
+                                        <a:rPr lang="en-US" altLang="ko-KR" sz="1400" b="1" i="1" baseline="0" smtClean="0">
+                                          <a:latin typeface="Cambria Math" panose="02040503050406030204" pitchFamily="18" charset="0"/>
+                                        </a:rPr>
+                                        <m:t>𝒓𝒆𝒇</m:t>
+                                      </m:r>
+                                    </m:sub>
+                                  </m:sSub>
+                                </m:sub>
+                              </m:sSub>
+                            </m:oMath>
+                          </a14:m>
                           <a:r>
-                            <a:rPr lang="en-US" altLang="ko-KR" sz="1400" b="1" i="0" dirty="0" smtClean="0"/>
-                            <a:t>Equivalent</a:t>
+                            <a:rPr lang="en-US" altLang="ko-KR" sz="1400" b="1" i="0" baseline="0" dirty="0" smtClean="0"/>
+                            <a:t> </a:t>
                           </a:r>
                           <a:r>
                             <a:rPr lang="en-US" altLang="ko-KR" sz="1400" b="1" i="0" baseline="0" dirty="0" smtClean="0"/>
-                            <a:t> FC [g]</a:t>
+                            <a:t>[g]</a:t>
                           </a:r>
                           <a:endParaRPr lang="ko-KR" altLang="en-US" sz="1400" b="1" i="0" dirty="0"/>
                         </a:p>
@@ -23568,6 +24399,10 @@
                         <a:lstStyle/>
                         <a:p>
                           <a:pPr algn="ctr" latinLnBrk="1"/>
+                          <a:r>
+                            <a:rPr lang="en-US" altLang="ko-KR" sz="1400" dirty="0" smtClean="0"/>
+                            <a:t>44.89</a:t>
+                          </a:r>
                           <a:endParaRPr lang="ko-KR" altLang="en-US" sz="1400" dirty="0"/>
                         </a:p>
                       </a:txBody>
@@ -23579,6 +24414,10 @@
                         <a:lstStyle/>
                         <a:p>
                           <a:pPr algn="ctr" latinLnBrk="1"/>
+                          <a:r>
+                            <a:rPr lang="en-US" altLang="ko-KR" sz="1400" dirty="0" smtClean="0"/>
+                            <a:t>44.18</a:t>
+                          </a:r>
                           <a:endParaRPr lang="ko-KR" altLang="en-US" sz="1400" dirty="0"/>
                         </a:p>
                       </a:txBody>
@@ -23622,7 +24461,19 @@
                         <a:lstStyle/>
                         <a:p>
                           <a:pPr algn="ctr" latinLnBrk="1"/>
-                          <a:endParaRPr lang="ko-KR" altLang="en-US" sz="1400" dirty="0"/>
+                          <a:r>
+                            <a:rPr lang="en-US" altLang="ko-KR" sz="1400" dirty="0" smtClean="0">
+                              <a:solidFill>
+                                <a:schemeClr val="accent2"/>
+                              </a:solidFill>
+                            </a:rPr>
+                            <a:t>+1.6%</a:t>
+                          </a:r>
+                          <a:endParaRPr lang="ko-KR" altLang="en-US" sz="1400" dirty="0">
+                            <a:solidFill>
+                              <a:schemeClr val="accent2"/>
+                            </a:solidFill>
+                          </a:endParaRPr>
                         </a:p>
                       </a:txBody>
                       <a:tcPr/>
@@ -23633,6 +24484,10 @@
                         <a:lstStyle/>
                         <a:p>
                           <a:pPr algn="ctr" latinLnBrk="1"/>
+                          <a:r>
+                            <a:rPr lang="en-US" altLang="ko-KR" sz="1400" dirty="0" smtClean="0"/>
+                            <a:t>-</a:t>
+                          </a:r>
                           <a:endParaRPr lang="ko-KR" altLang="en-US" sz="1400" dirty="0"/>
                         </a:p>
                       </a:txBody>
@@ -23649,7 +24504,7 @@
             </a:graphic>
           </p:graphicFrame>
         </mc:Choice>
-        <mc:Fallback xmlns="">
+        <mc:Fallback>
           <p:graphicFrame>
             <p:nvGraphicFramePr>
               <p:cNvPr id="18" name="표 17"/>
@@ -23659,14 +24514,14 @@
               <p:nvPr>
                 <p:extLst>
                   <p:ext uri="{D42A27DB-BD31-4B8C-83A1-F6EECF244321}">
-                    <p14:modId xmlns:p14="http://schemas.microsoft.com/office/powerpoint/2010/main" val="825293038"/>
+                    <p14:modId xmlns:p14="http://schemas.microsoft.com/office/powerpoint/2010/main" val="1353467960"/>
                   </p:ext>
                 </p:extLst>
               </p:nvPr>
             </p:nvGraphicFramePr>
             <p:xfrm>
-              <a:off x="9151954" y="4054476"/>
-              <a:ext cx="3229845" cy="1561950"/>
+              <a:off x="9118704" y="4061269"/>
+              <a:ext cx="3040046" cy="1596270"/>
             </p:xfrm>
             <a:graphic>
               <a:graphicData uri="http://schemas.openxmlformats.org/drawingml/2006/table">
@@ -23675,21 +24530,21 @@
                     <a:tableStyleId>{5C22544A-7EE6-4342-B048-85BDC9FD1C3A}</a:tableStyleId>
                   </a:tblPr>
                   <a:tblGrid>
-                    <a:gridCol w="1702313">
+                    <a:gridCol w="1385226">
                       <a:extLst>
                         <a:ext uri="{9D8B030D-6E8A-4147-A177-3AD203B41FA5}">
                           <a16:colId xmlns:a16="http://schemas.microsoft.com/office/drawing/2014/main" val="3726243108"/>
                         </a:ext>
                       </a:extLst>
                     </a:gridCol>
-                    <a:gridCol w="814566">
+                    <a:gridCol w="827410">
                       <a:extLst>
                         <a:ext uri="{9D8B030D-6E8A-4147-A177-3AD203B41FA5}">
                           <a16:colId xmlns:a16="http://schemas.microsoft.com/office/drawing/2014/main" val="472462486"/>
                         </a:ext>
                       </a:extLst>
                     </a:gridCol>
-                    <a:gridCol w="712966">
+                    <a:gridCol w="827410">
                       <a:extLst>
                         <a:ext uri="{9D8B030D-6E8A-4147-A177-3AD203B41FA5}">
                           <a16:colId xmlns:a16="http://schemas.microsoft.com/office/drawing/2014/main" val="4076666659"/>
@@ -23732,7 +24587,7 @@
                           <a:pPr algn="ctr" latinLnBrk="1"/>
                           <a:r>
                             <a:rPr lang="en-US" altLang="ko-KR" sz="1400" dirty="0" smtClean="0"/>
-                            <a:t>PMP</a:t>
+                            <a:t>ECMS</a:t>
                           </a:r>
                           <a:endParaRPr lang="ko-KR" altLang="en-US" sz="1400" dirty="0"/>
                         </a:p>
@@ -23777,7 +24632,7 @@
                           <a:pPr algn="ctr" latinLnBrk="1"/>
                           <a:r>
                             <a:rPr lang="en-US" altLang="ko-KR" sz="1400" dirty="0" smtClean="0"/>
-                            <a:t>0.592</a:t>
+                            <a:t>0.601</a:t>
                           </a:r>
                           <a:endParaRPr lang="ko-KR" altLang="en-US" sz="1400" dirty="0"/>
                         </a:p>
@@ -23792,7 +24647,7 @@
                           <a:pPr algn="ctr" latinLnBrk="1"/>
                           <a:r>
                             <a:rPr lang="en-US" altLang="ko-KR" sz="1400" dirty="0" smtClean="0"/>
-                            <a:t>0.596</a:t>
+                            <a:t>0.592</a:t>
                           </a:r>
                           <a:endParaRPr lang="ko-KR" altLang="en-US" sz="1400" dirty="0"/>
                         </a:p>
@@ -23833,7 +24688,7 @@
                           <a:pPr algn="ctr" latinLnBrk="1"/>
                           <a:r>
                             <a:rPr lang="en-US" altLang="ko-KR" sz="1400" dirty="0" smtClean="0"/>
-                            <a:t>38.53 </a:t>
+                            <a:t>44.96</a:t>
                           </a:r>
                           <a:endParaRPr lang="ko-KR" altLang="en-US" sz="1400" dirty="0"/>
                         </a:p>
@@ -23848,7 +24703,7 @@
                           <a:pPr algn="ctr" latinLnBrk="1"/>
                           <a:r>
                             <a:rPr lang="en-US" altLang="ko-KR" sz="1400" dirty="0" smtClean="0"/>
-                            <a:t>38.39</a:t>
+                            <a:t>43.65 </a:t>
                           </a:r>
                           <a:endParaRPr lang="ko-KR" altLang="en-US" sz="1400" dirty="0"/>
                         </a:p>
@@ -23861,7 +24716,24 @@
                       </a:ext>
                     </a:extLst>
                   </a:tr>
-                  <a:tr h="312390">
+                  <a:tr h="346710">
+                    <a:tc>
+                      <a:txBody>
+                        <a:bodyPr/>
+                        <a:lstStyle/>
+                        <a:p>
+                          <a:endParaRPr lang="ko-KR"/>
+                        </a:p>
+                      </a:txBody>
+                      <a:tcPr>
+                        <a:blipFill>
+                          <a:blip r:embed="rId2"/>
+                          <a:stretch>
+                            <a:fillRect l="-439" t="-268966" r="-121053" b="-101724"/>
+                          </a:stretch>
+                        </a:blipFill>
+                      </a:tcPr>
+                    </a:tc>
                     <a:tc>
                       <a:txBody>
                         <a:bodyPr/>
@@ -23869,24 +24741,9 @@
                         <a:p>
                           <a:pPr algn="ctr" latinLnBrk="1"/>
                           <a:r>
-                            <a:rPr lang="en-US" altLang="ko-KR" sz="1400" b="1" i="0" dirty="0" smtClean="0"/>
-                            <a:t>Equivalent</a:t>
+                            <a:rPr lang="en-US" altLang="ko-KR" sz="1400" dirty="0" smtClean="0"/>
+                            <a:t>44.89</a:t>
                           </a:r>
-                          <a:r>
-                            <a:rPr lang="en-US" altLang="ko-KR" sz="1400" b="1" i="0" baseline="0" dirty="0" smtClean="0"/>
-                            <a:t> FC [g]</a:t>
-                          </a:r>
-                          <a:endParaRPr lang="ko-KR" altLang="en-US" sz="1400" b="1" i="0" dirty="0"/>
-                        </a:p>
-                      </a:txBody>
-                      <a:tcPr/>
-                    </a:tc>
-                    <a:tc>
-                      <a:txBody>
-                        <a:bodyPr/>
-                        <a:lstStyle/>
-                        <a:p>
-                          <a:pPr algn="ctr" latinLnBrk="1"/>
                           <a:endParaRPr lang="ko-KR" altLang="en-US" sz="1400" dirty="0"/>
                         </a:p>
                       </a:txBody>
@@ -23898,6 +24755,10 @@
                         <a:lstStyle/>
                         <a:p>
                           <a:pPr algn="ctr" latinLnBrk="1"/>
+                          <a:r>
+                            <a:rPr lang="en-US" altLang="ko-KR" sz="1400" dirty="0" smtClean="0"/>
+                            <a:t>44.18</a:t>
+                          </a:r>
                           <a:endParaRPr lang="ko-KR" altLang="en-US" sz="1400" dirty="0"/>
                         </a:p>
                       </a:txBody>
@@ -23920,9 +24781,9 @@
                       </a:txBody>
                       <a:tcPr>
                         <a:blipFill>
-                          <a:blip r:embed="rId4"/>
+                          <a:blip r:embed="rId2"/>
                           <a:stretch>
-                            <a:fillRect l="-357" t="-407843" r="-91071" b="-17647"/>
+                            <a:fillRect l="-439" t="-419608" r="-121053" b="-15686"/>
                           </a:stretch>
                         </a:blipFill>
                       </a:tcPr>
@@ -23933,7 +24794,19 @@
                         <a:lstStyle/>
                         <a:p>
                           <a:pPr algn="ctr" latinLnBrk="1"/>
-                          <a:endParaRPr lang="ko-KR" altLang="en-US" sz="1400" dirty="0"/>
+                          <a:r>
+                            <a:rPr lang="en-US" altLang="ko-KR" sz="1400" dirty="0" smtClean="0">
+                              <a:solidFill>
+                                <a:schemeClr val="accent2"/>
+                              </a:solidFill>
+                            </a:rPr>
+                            <a:t>+1.6%</a:t>
+                          </a:r>
+                          <a:endParaRPr lang="ko-KR" altLang="en-US" sz="1400" dirty="0">
+                            <a:solidFill>
+                              <a:schemeClr val="accent2"/>
+                            </a:solidFill>
+                          </a:endParaRPr>
                         </a:p>
                       </a:txBody>
                       <a:tcPr/>
@@ -23944,6 +24817,10 @@
                         <a:lstStyle/>
                         <a:p>
                           <a:pPr algn="ctr" latinLnBrk="1"/>
+                          <a:r>
+                            <a:rPr lang="en-US" altLang="ko-KR" sz="1400" dirty="0" smtClean="0"/>
+                            <a:t>-</a:t>
+                          </a:r>
                           <a:endParaRPr lang="ko-KR" altLang="en-US" sz="1400" dirty="0"/>
                         </a:p>
                       </a:txBody>
@@ -23961,10 +24838,134 @@
           </p:graphicFrame>
         </mc:Fallback>
       </mc:AlternateContent>
+      <p:sp>
+        <p:nvSpPr>
+          <p:cNvPr id="11" name="TextBox 10"/>
+          <p:cNvSpPr txBox="1"/>
+          <p:nvPr/>
+        </p:nvSpPr>
+        <p:spPr>
+          <a:xfrm>
+            <a:off x="155505" y="5507312"/>
+            <a:ext cx="5342832" cy="338554"/>
+          </a:xfrm>
+          <a:prstGeom prst="rect">
+            <a:avLst/>
+          </a:prstGeom>
+          <a:noFill/>
+          <a:ln w="28575">
+            <a:solidFill>
+              <a:srgbClr val="92D050"/>
+            </a:solidFill>
+          </a:ln>
+        </p:spPr>
+        <p:txBody>
+          <a:bodyPr wrap="square" rtlCol="0">
+            <a:spAutoFit/>
+          </a:bodyPr>
+          <a:lstStyle/>
+          <a:p>
+            <a:pPr algn="ctr"/>
+            <a:r>
+              <a:rPr lang="en-US" altLang="ko-KR" sz="1600" b="1" dirty="0" smtClean="0">
+                <a:solidFill>
+                  <a:schemeClr val="accent2"/>
+                </a:solidFill>
+              </a:rPr>
+              <a:t>Equivalent FC</a:t>
+            </a:r>
+            <a:r>
+              <a:rPr lang="ko-KR" altLang="en-US" sz="1600" b="1" dirty="0" smtClean="0">
+                <a:solidFill>
+                  <a:schemeClr val="accent2"/>
+                </a:solidFill>
+              </a:rPr>
+              <a:t>를 위한 보정 </a:t>
+            </a:r>
+            <a:r>
+              <a:rPr lang="en-US" altLang="ko-KR" sz="1600" b="1" dirty="0" smtClean="0">
+                <a:solidFill>
+                  <a:schemeClr val="accent2"/>
+                </a:solidFill>
+              </a:rPr>
+              <a:t>factor = </a:t>
+            </a:r>
+            <a:r>
+              <a:rPr lang="en-US" altLang="ko-KR" sz="1600" b="1" dirty="0" smtClean="0">
+                <a:solidFill>
+                  <a:schemeClr val="accent2"/>
+                </a:solidFill>
+              </a:rPr>
+              <a:t>66.67</a:t>
+            </a:r>
+            <a:r>
+              <a:rPr lang="en-US" altLang="ko-KR" sz="1600" b="1" dirty="0" smtClean="0">
+                <a:solidFill>
+                  <a:schemeClr val="accent2"/>
+                </a:solidFill>
+              </a:rPr>
+              <a:t>g / SOC </a:t>
+            </a:r>
+            <a:endParaRPr lang="en-US" altLang="ko-KR" sz="1600" b="1" dirty="0">
+              <a:solidFill>
+                <a:schemeClr val="accent2"/>
+              </a:solidFill>
+            </a:endParaRPr>
+          </a:p>
+        </p:txBody>
+      </p:sp>
+      <p:pic>
+        <p:nvPicPr>
+          <p:cNvPr id="6" name="그림 5"/>
+          <p:cNvPicPr>
+            <a:picLocks noChangeAspect="1"/>
+          </p:cNvPicPr>
+          <p:nvPr/>
+        </p:nvPicPr>
+        <p:blipFill>
+          <a:blip r:embed="rId3"/>
+          <a:stretch>
+            <a:fillRect/>
+          </a:stretch>
+        </p:blipFill>
+        <p:spPr>
+          <a:xfrm>
+            <a:off x="5689392" y="1524794"/>
+            <a:ext cx="6502608" cy="2389002"/>
+          </a:xfrm>
+          <a:prstGeom prst="rect">
+            <a:avLst/>
+          </a:prstGeom>
+        </p:spPr>
+      </p:pic>
+      <p:pic>
+        <p:nvPicPr>
+          <p:cNvPr id="8" name="그림 7"/>
+          <p:cNvPicPr>
+            <a:picLocks noChangeAspect="1"/>
+          </p:cNvPicPr>
+          <p:nvPr/>
+        </p:nvPicPr>
+        <p:blipFill>
+          <a:blip r:embed="rId4"/>
+          <a:stretch>
+            <a:fillRect/>
+          </a:stretch>
+        </p:blipFill>
+        <p:spPr>
+          <a:xfrm>
+            <a:off x="5689392" y="3772785"/>
+            <a:ext cx="3462562" cy="2208876"/>
+          </a:xfrm>
+          <a:prstGeom prst="rect">
+            <a:avLst/>
+          </a:prstGeom>
+        </p:spPr>
+      </p:pic>
     </p:spTree>
     <p:extLst>
       <p:ext uri="{BB962C8B-B14F-4D97-AF65-F5344CB8AC3E}">
-        <p14:creationId xmlns:p14="http://schemas.microsoft.com/office/powerpoint/2010/main" val="2738497720"/>
+        <p14:creationId xmlns:p14="http://schemas.microsoft.com/office/powerpoint/2010/main" val="2982090844"/>
       </p:ext>
     </p:extLst>
   </p:cSld>
@@ -23981,7 +24982,7 @@
 </p:sld>
 </file>
 
-<file path=ppt/slides/slide28.xml><?xml version="1.0" encoding="utf-8"?>
+<file path=ppt/slides/slide29.xml><?xml version="1.0" encoding="utf-8"?>
 <p:sld xmlns:a="http://schemas.openxmlformats.org/drawingml/2006/main" xmlns:r="http://schemas.openxmlformats.org/officeDocument/2006/relationships" xmlns:p="http://schemas.openxmlformats.org/presentationml/2006/main">
   <p:cSld>
     <p:spTree>
@@ -24000,22 +25001,28 @@
       </p:grpSpPr>
       <p:pic>
         <p:nvPicPr>
-          <p:cNvPr id="3" name="그림 2"/>
+          <p:cNvPr id="9" name="그림 8"/>
           <p:cNvPicPr>
             <a:picLocks noChangeAspect="1"/>
           </p:cNvPicPr>
           <p:nvPr/>
         </p:nvPicPr>
         <p:blipFill>
-          <a:blip r:embed="rId2"/>
+          <a:blip r:embed="rId2">
+            <a:extLst>
+              <a:ext uri="{28A0092B-C50C-407E-A947-70E740481C1C}">
+                <a14:useLocalDpi xmlns:a14="http://schemas.microsoft.com/office/drawing/2010/main" val="0"/>
+              </a:ext>
+            </a:extLst>
+          </a:blip>
           <a:stretch>
             <a:fillRect/>
           </a:stretch>
         </p:blipFill>
         <p:spPr>
           <a:xfrm>
-            <a:off x="5498337" y="3779890"/>
-            <a:ext cx="3712093" cy="2433020"/>
+            <a:off x="5955268" y="3935330"/>
+            <a:ext cx="3245266" cy="1947159"/>
           </a:xfrm>
           <a:prstGeom prst="rect">
             <a:avLst/>
@@ -24024,7 +25031,7 @@
       </p:pic>
       <p:pic>
         <p:nvPicPr>
-          <p:cNvPr id="5" name="그림 4"/>
+          <p:cNvPr id="3" name="그림 2"/>
           <p:cNvPicPr>
             <a:picLocks noChangeAspect="1"/>
           </p:cNvPicPr>
@@ -24044,8 +25051,38 @@
         </p:blipFill>
         <p:spPr>
           <a:xfrm>
-            <a:off x="5366993" y="1484932"/>
-            <a:ext cx="6358503" cy="2384439"/>
+            <a:off x="67626" y="3936640"/>
+            <a:ext cx="3186396" cy="1911837"/>
+          </a:xfrm>
+          <a:prstGeom prst="rect">
+            <a:avLst/>
+          </a:prstGeom>
+        </p:spPr>
+      </p:pic>
+      <p:pic>
+        <p:nvPicPr>
+          <p:cNvPr id="2" name="그림 1"/>
+          <p:cNvPicPr>
+            <a:picLocks noChangeAspect="1"/>
+          </p:cNvPicPr>
+          <p:nvPr/>
+        </p:nvPicPr>
+        <p:blipFill>
+          <a:blip r:embed="rId4">
+            <a:extLst>
+              <a:ext uri="{28A0092B-C50C-407E-A947-70E740481C1C}">
+                <a14:useLocalDpi xmlns:a14="http://schemas.microsoft.com/office/drawing/2010/main" val="0"/>
+              </a:ext>
+            </a:extLst>
+          </a:blip>
+          <a:stretch>
+            <a:fillRect/>
+          </a:stretch>
+        </p:blipFill>
+        <p:spPr>
+          <a:xfrm>
+            <a:off x="0" y="2066930"/>
+            <a:ext cx="6232366" cy="1869710"/>
           </a:xfrm>
           <a:prstGeom prst="rect">
             <a:avLst/>
@@ -24442,7 +25479,7 @@
         <p:spPr bwMode="auto">
           <a:xfrm>
             <a:off x="1115616" y="1556853"/>
-            <a:ext cx="10306072" cy="3785652"/>
+            <a:ext cx="10306072" cy="830997"/>
           </a:xfrm>
           <a:prstGeom prst="rect">
             <a:avLst/>
@@ -24596,7 +25633,7 @@
                 </a:solidFill>
                 <a:ea typeface="굴림" panose="020B0600000101010101" pitchFamily="50" charset="-127"/>
               </a:rPr>
-              <a:t>Reference model</a:t>
+              <a:t>Optimal</a:t>
             </a:r>
             <a:r>
               <a:rPr lang="ko-KR" altLang="en-US" sz="1600" dirty="0" smtClean="0">
@@ -24605,7 +25642,7 @@
                 </a:solidFill>
                 <a:ea typeface="굴림" panose="020B0600000101010101" pitchFamily="50" charset="-127"/>
               </a:rPr>
-              <a:t>에 대한 설명 </a:t>
+              <a:t>이 보장된 </a:t>
             </a:r>
             <a:r>
               <a:rPr lang="en-US" altLang="ko-KR" sz="1600" dirty="0" smtClean="0">
@@ -24614,8 +25651,77 @@
                 </a:solidFill>
                 <a:ea typeface="굴림" panose="020B0600000101010101" pitchFamily="50" charset="-127"/>
               </a:rPr>
-              <a:t>(PMP, ECMS)</a:t>
-            </a:r>
+              <a:t>PMP</a:t>
+            </a:r>
+            <a:r>
+              <a:rPr lang="ko-KR" altLang="en-US" sz="1600" dirty="0" smtClean="0">
+                <a:solidFill>
+                  <a:srgbClr val="FF0000"/>
+                </a:solidFill>
+                <a:ea typeface="굴림" panose="020B0600000101010101" pitchFamily="50" charset="-127"/>
+              </a:rPr>
+              <a:t>의 </a:t>
+            </a:r>
+            <a:r>
+              <a:rPr lang="en-US" altLang="ko-KR" sz="1600" dirty="0" smtClean="0">
+                <a:solidFill>
+                  <a:srgbClr val="FF0000"/>
+                </a:solidFill>
+                <a:ea typeface="굴림" panose="020B0600000101010101" pitchFamily="50" charset="-127"/>
+              </a:rPr>
+              <a:t>co-state</a:t>
+            </a:r>
+            <a:r>
+              <a:rPr lang="ko-KR" altLang="en-US" sz="1600" dirty="0" smtClean="0">
+                <a:solidFill>
+                  <a:srgbClr val="FF0000"/>
+                </a:solidFill>
+                <a:ea typeface="굴림" panose="020B0600000101010101" pitchFamily="50" charset="-127"/>
+              </a:rPr>
+              <a:t>를 도출된 문제상황에서 </a:t>
+            </a:r>
+            <a:r>
+              <a:rPr lang="en-US" altLang="ko-KR" sz="1600" dirty="0" smtClean="0">
+                <a:solidFill>
+                  <a:srgbClr val="FF0000"/>
+                </a:solidFill>
+                <a:ea typeface="굴림" panose="020B0600000101010101" pitchFamily="50" charset="-127"/>
+              </a:rPr>
+              <a:t>DDPG</a:t>
+            </a:r>
+            <a:r>
+              <a:rPr lang="ko-KR" altLang="en-US" sz="1600" dirty="0" smtClean="0">
+                <a:solidFill>
+                  <a:srgbClr val="FF0000"/>
+                </a:solidFill>
+                <a:ea typeface="굴림" panose="020B0600000101010101" pitchFamily="50" charset="-127"/>
+              </a:rPr>
+              <a:t>와 </a:t>
+            </a:r>
+            <a:r>
+              <a:rPr lang="en-US" altLang="ko-KR" sz="1600" dirty="0" smtClean="0">
+                <a:solidFill>
+                  <a:srgbClr val="FF0000"/>
+                </a:solidFill>
+                <a:ea typeface="굴림" panose="020B0600000101010101" pitchFamily="50" charset="-127"/>
+              </a:rPr>
+              <a:t>PMP</a:t>
+            </a:r>
+            <a:r>
+              <a:rPr lang="ko-KR" altLang="en-US" sz="1600" dirty="0" smtClean="0">
+                <a:solidFill>
+                  <a:srgbClr val="FF0000"/>
+                </a:solidFill>
+                <a:ea typeface="굴림" panose="020B0600000101010101" pitchFamily="50" charset="-127"/>
+              </a:rPr>
+              <a:t>의 비교를 진행</a:t>
+            </a:r>
+            <a:endParaRPr lang="en-US" altLang="ko-KR" sz="1600" dirty="0" smtClean="0">
+              <a:solidFill>
+                <a:srgbClr val="FF0000"/>
+              </a:solidFill>
+              <a:ea typeface="굴림" panose="020B0600000101010101" pitchFamily="50" charset="-127"/>
+            </a:endParaRPr>
           </a:p>
           <a:p>
             <a:pPr marL="342900" indent="-342900">
@@ -24636,103 +25742,6 @@
               <a:buChar char="•"/>
               <a:defRPr/>
             </a:pPr>
-            <a:r>
-              <a:rPr lang="en-US" altLang="ko-KR" sz="1600" dirty="0" smtClean="0">
-                <a:solidFill>
-                  <a:srgbClr val="FF0000"/>
-                </a:solidFill>
-                <a:ea typeface="굴림" panose="020B0600000101010101" pitchFamily="50" charset="-127"/>
-              </a:rPr>
-              <a:t>Driving cycle</a:t>
-            </a:r>
-            <a:r>
-              <a:rPr lang="ko-KR" altLang="en-US" sz="1600" dirty="0" smtClean="0">
-                <a:solidFill>
-                  <a:srgbClr val="FF0000"/>
-                </a:solidFill>
-                <a:ea typeface="굴림" panose="020B0600000101010101" pitchFamily="50" charset="-127"/>
-              </a:rPr>
-              <a:t>에 대해 완벽히 조정된 </a:t>
-            </a:r>
-            <a:r>
-              <a:rPr lang="en-US" altLang="ko-KR" sz="1600" dirty="0" smtClean="0">
-                <a:solidFill>
-                  <a:srgbClr val="FF0000"/>
-                </a:solidFill>
-                <a:ea typeface="굴림" panose="020B0600000101010101" pitchFamily="50" charset="-127"/>
-              </a:rPr>
-              <a:t>EF</a:t>
-            </a:r>
-            <a:r>
-              <a:rPr lang="ko-KR" altLang="en-US" sz="1600" dirty="0" smtClean="0">
-                <a:solidFill>
-                  <a:srgbClr val="FF0000"/>
-                </a:solidFill>
-                <a:ea typeface="굴림" panose="020B0600000101010101" pitchFamily="50" charset="-127"/>
-              </a:rPr>
-              <a:t>는 </a:t>
-            </a:r>
-            <a:r>
-              <a:rPr lang="en-US" altLang="ko-KR" sz="1600" dirty="0">
-                <a:solidFill>
-                  <a:srgbClr val="FF0000"/>
-                </a:solidFill>
-                <a:ea typeface="굴림" panose="020B0600000101010101" pitchFamily="50" charset="-127"/>
-              </a:rPr>
-              <a:t/>
-            </a:r>
-            <a:br>
-              <a:rPr lang="en-US" altLang="ko-KR" sz="1600" dirty="0">
-                <a:solidFill>
-                  <a:srgbClr val="FF0000"/>
-                </a:solidFill>
-                <a:ea typeface="굴림" panose="020B0600000101010101" pitchFamily="50" charset="-127"/>
-              </a:rPr>
-            </a:br>
-            <a:r>
-              <a:rPr lang="en-US" altLang="ko-KR" sz="1600" dirty="0" smtClean="0">
-                <a:solidFill>
-                  <a:srgbClr val="FF0000"/>
-                </a:solidFill>
-                <a:ea typeface="굴림" panose="020B0600000101010101" pitchFamily="50" charset="-127"/>
-              </a:rPr>
-              <a:t>global optimum solution</a:t>
-            </a:r>
-            <a:r>
-              <a:rPr lang="ko-KR" altLang="en-US" sz="1600" dirty="0" smtClean="0">
-                <a:solidFill>
-                  <a:srgbClr val="FF0000"/>
-                </a:solidFill>
-                <a:ea typeface="굴림" panose="020B0600000101010101" pitchFamily="50" charset="-127"/>
-              </a:rPr>
-              <a:t>에 준하는 결과를 </a:t>
-            </a:r>
-            <a:r>
-              <a:rPr lang="en-US" altLang="ko-KR" sz="1600" dirty="0">
-                <a:solidFill>
-                  <a:srgbClr val="FF0000"/>
-                </a:solidFill>
-                <a:ea typeface="굴림" panose="020B0600000101010101" pitchFamily="50" charset="-127"/>
-              </a:rPr>
-              <a:t/>
-            </a:r>
-            <a:br>
-              <a:rPr lang="en-US" altLang="ko-KR" sz="1600" dirty="0">
-                <a:solidFill>
-                  <a:srgbClr val="FF0000"/>
-                </a:solidFill>
-                <a:ea typeface="굴림" panose="020B0600000101010101" pitchFamily="50" charset="-127"/>
-              </a:rPr>
-            </a:br>
-            <a:r>
-              <a:rPr lang="ko-KR" altLang="en-US" sz="1600" dirty="0" smtClean="0">
-                <a:solidFill>
-                  <a:srgbClr val="FF0000"/>
-                </a:solidFill>
-                <a:ea typeface="굴림" panose="020B0600000101010101" pitchFamily="50" charset="-127"/>
-              </a:rPr>
-              <a:t>나타냄 </a:t>
-            </a:r>
             <a:endParaRPr lang="en-US" altLang="ko-KR" sz="1600" dirty="0">
               <a:solidFill>
                 <a:srgbClr val="FF0000"/>
@@ -24740,537 +25749,10 @@
               <a:ea typeface="굴림" panose="020B0600000101010101" pitchFamily="50" charset="-127"/>
             </a:endParaRPr>
           </a:p>
-          <a:p>
-            <a:pPr marL="342900" indent="-342900">
-              <a:buFont typeface="Arial" panose="020B0604020202020204" pitchFamily="34" charset="0"/>
-              <a:buChar char="•"/>
-              <a:defRPr/>
-            </a:pPr>
-            <a:endParaRPr lang="en-US" altLang="ko-KR" sz="1600" dirty="0" smtClean="0">
-              <a:solidFill>
-                <a:srgbClr val="FF0000"/>
-              </a:solidFill>
-              <a:ea typeface="굴림" panose="020B0600000101010101" pitchFamily="50" charset="-127"/>
-            </a:endParaRPr>
-          </a:p>
-          <a:p>
-            <a:pPr marL="342900" indent="-342900">
-              <a:buFont typeface="Arial" panose="020B0604020202020204" pitchFamily="34" charset="0"/>
-              <a:buChar char="•"/>
-              <a:defRPr/>
-            </a:pPr>
-            <a:r>
-              <a:rPr lang="en-US" altLang="ko-KR" sz="1600" dirty="0" smtClean="0">
-                <a:solidFill>
-                  <a:srgbClr val="FF0000"/>
-                </a:solidFill>
-                <a:ea typeface="굴림" panose="020B0600000101010101" pitchFamily="50" charset="-127"/>
-              </a:rPr>
-              <a:t>Shooting method</a:t>
-            </a:r>
-            <a:r>
-              <a:rPr lang="ko-KR" altLang="en-US" sz="1600" dirty="0" smtClean="0">
-                <a:solidFill>
-                  <a:srgbClr val="FF0000"/>
-                </a:solidFill>
-                <a:ea typeface="굴림" panose="020B0600000101010101" pitchFamily="50" charset="-127"/>
-              </a:rPr>
-              <a:t>를 통해 </a:t>
-            </a:r>
-            <a:r>
-              <a:rPr lang="en-US" altLang="ko-KR" sz="1600" dirty="0" smtClean="0">
-                <a:solidFill>
-                  <a:srgbClr val="FF0000"/>
-                </a:solidFill>
-                <a:ea typeface="굴림" panose="020B0600000101010101" pitchFamily="50" charset="-127"/>
-              </a:rPr>
-              <a:t>constraint </a:t>
-            </a:r>
-            <a:r>
-              <a:rPr lang="ko-KR" altLang="en-US" sz="1600" dirty="0" smtClean="0">
-                <a:solidFill>
-                  <a:srgbClr val="FF0000"/>
-                </a:solidFill>
-                <a:ea typeface="굴림" panose="020B0600000101010101" pitchFamily="50" charset="-127"/>
-              </a:rPr>
-              <a:t>조건을 </a:t>
-            </a:r>
-            <a:r>
-              <a:rPr lang="en-US" altLang="ko-KR" sz="1600" dirty="0">
-                <a:solidFill>
-                  <a:srgbClr val="FF0000"/>
-                </a:solidFill>
-                <a:ea typeface="굴림" panose="020B0600000101010101" pitchFamily="50" charset="-127"/>
-              </a:rPr>
-              <a:t/>
-            </a:r>
-            <a:br>
-              <a:rPr lang="en-US" altLang="ko-KR" sz="1600" dirty="0">
-                <a:solidFill>
-                  <a:srgbClr val="FF0000"/>
-                </a:solidFill>
-                <a:ea typeface="굴림" panose="020B0600000101010101" pitchFamily="50" charset="-127"/>
-              </a:rPr>
-            </a:br>
-            <a:r>
-              <a:rPr lang="ko-KR" altLang="en-US" sz="1600" dirty="0" smtClean="0">
-                <a:solidFill>
-                  <a:srgbClr val="FF0000"/>
-                </a:solidFill>
-                <a:ea typeface="굴림" panose="020B0600000101010101" pitchFamily="50" charset="-127"/>
-              </a:rPr>
-              <a:t>만족하도록 </a:t>
-            </a:r>
-            <a:r>
-              <a:rPr lang="en-US" altLang="ko-KR" sz="1600" dirty="0" smtClean="0">
-                <a:solidFill>
-                  <a:srgbClr val="FF0000"/>
-                </a:solidFill>
-                <a:ea typeface="굴림" panose="020B0600000101010101" pitchFamily="50" charset="-127"/>
-              </a:rPr>
-              <a:t>EF</a:t>
-            </a:r>
-            <a:r>
-              <a:rPr lang="ko-KR" altLang="en-US" sz="1600" dirty="0" smtClean="0">
-                <a:solidFill>
-                  <a:srgbClr val="FF0000"/>
-                </a:solidFill>
-                <a:ea typeface="굴림" panose="020B0600000101010101" pitchFamily="50" charset="-127"/>
-              </a:rPr>
-              <a:t>를 도출하여 해당 사이클에 </a:t>
-            </a:r>
-            <a:r>
-              <a:rPr lang="en-US" altLang="ko-KR" sz="1600" dirty="0">
-                <a:solidFill>
-                  <a:srgbClr val="FF0000"/>
-                </a:solidFill>
-                <a:ea typeface="굴림" panose="020B0600000101010101" pitchFamily="50" charset="-127"/>
-              </a:rPr>
-              <a:t/>
-            </a:r>
-            <a:br>
-              <a:rPr lang="en-US" altLang="ko-KR" sz="1600" dirty="0">
-                <a:solidFill>
-                  <a:srgbClr val="FF0000"/>
-                </a:solidFill>
-                <a:ea typeface="굴림" panose="020B0600000101010101" pitchFamily="50" charset="-127"/>
-              </a:rPr>
-            </a:br>
-            <a:r>
-              <a:rPr lang="ko-KR" altLang="en-US" sz="1600" dirty="0" smtClean="0">
-                <a:solidFill>
-                  <a:srgbClr val="FF0000"/>
-                </a:solidFill>
-                <a:ea typeface="굴림" panose="020B0600000101010101" pitchFamily="50" charset="-127"/>
-              </a:rPr>
-              <a:t>대해 </a:t>
-            </a:r>
-            <a:r>
-              <a:rPr lang="en-US" altLang="ko-KR" sz="1600" dirty="0" smtClean="0">
-                <a:solidFill>
-                  <a:srgbClr val="FF0000"/>
-                </a:solidFill>
-                <a:ea typeface="굴림" panose="020B0600000101010101" pitchFamily="50" charset="-127"/>
-              </a:rPr>
-              <a:t>H</a:t>
-            </a:r>
-            <a:r>
-              <a:rPr lang="ko-KR" altLang="en-US" sz="1600" dirty="0" smtClean="0">
-                <a:solidFill>
-                  <a:srgbClr val="FF0000"/>
-                </a:solidFill>
-                <a:ea typeface="굴림" panose="020B0600000101010101" pitchFamily="50" charset="-127"/>
-              </a:rPr>
-              <a:t>를 최소화하도록 </a:t>
-            </a:r>
-            <a:r>
-              <a:rPr lang="en-US" altLang="ko-KR" sz="1600" dirty="0" smtClean="0">
-                <a:solidFill>
-                  <a:srgbClr val="FF0000"/>
-                </a:solidFill>
-                <a:ea typeface="굴림" panose="020B0600000101010101" pitchFamily="50" charset="-127"/>
-              </a:rPr>
-              <a:t>act</a:t>
-            </a:r>
-            <a:r>
-              <a:rPr lang="en-US" altLang="ko-KR" sz="1600" dirty="0">
-                <a:solidFill>
-                  <a:srgbClr val="FF0000"/>
-                </a:solidFill>
-                <a:ea typeface="굴림" panose="020B0600000101010101" pitchFamily="50" charset="-127"/>
-              </a:rPr>
-              <a:t>i</a:t>
-            </a:r>
-            <a:r>
-              <a:rPr lang="en-US" altLang="ko-KR" sz="1600" dirty="0" smtClean="0">
-                <a:solidFill>
-                  <a:srgbClr val="FF0000"/>
-                </a:solidFill>
-                <a:ea typeface="굴림" panose="020B0600000101010101" pitchFamily="50" charset="-127"/>
-              </a:rPr>
-              <a:t>on</a:t>
-            </a:r>
-            <a:r>
-              <a:rPr lang="ko-KR" altLang="en-US" sz="1600" dirty="0" smtClean="0">
-                <a:solidFill>
-                  <a:srgbClr val="FF0000"/>
-                </a:solidFill>
-                <a:ea typeface="굴림" panose="020B0600000101010101" pitchFamily="50" charset="-127"/>
-              </a:rPr>
-              <a:t>을 취하는 경우 </a:t>
-            </a:r>
-            <a:r>
-              <a:rPr lang="en-US" altLang="ko-KR" sz="1600" dirty="0">
-                <a:solidFill>
-                  <a:srgbClr val="FF0000"/>
-                </a:solidFill>
-                <a:ea typeface="굴림" panose="020B0600000101010101" pitchFamily="50" charset="-127"/>
-              </a:rPr>
-              <a:t/>
-            </a:r>
-            <a:br>
-              <a:rPr lang="en-US" altLang="ko-KR" sz="1600" dirty="0">
-                <a:solidFill>
-                  <a:srgbClr val="FF0000"/>
-                </a:solidFill>
-                <a:ea typeface="굴림" panose="020B0600000101010101" pitchFamily="50" charset="-127"/>
-              </a:rPr>
-            </a:br>
-            <a:r>
-              <a:rPr lang="ko-KR" altLang="en-US" sz="1600" dirty="0" smtClean="0">
-                <a:solidFill>
-                  <a:srgbClr val="FF0000"/>
-                </a:solidFill>
-                <a:ea typeface="굴림" panose="020B0600000101010101" pitchFamily="50" charset="-127"/>
-              </a:rPr>
-              <a:t>최적에 가까운 결과를 도출할 수 있음 </a:t>
-            </a:r>
-            <a:endParaRPr lang="en-US" altLang="ko-KR" sz="1600" dirty="0" smtClean="0">
-              <a:solidFill>
-                <a:srgbClr val="FF0000"/>
-              </a:solidFill>
-              <a:ea typeface="굴림" panose="020B0600000101010101" pitchFamily="50" charset="-127"/>
-            </a:endParaRPr>
-          </a:p>
-          <a:p>
-            <a:pPr marL="342900" indent="-342900">
-              <a:buFont typeface="Arial" panose="020B0604020202020204" pitchFamily="34" charset="0"/>
-              <a:buChar char="•"/>
-              <a:defRPr/>
-            </a:pPr>
-            <a:endParaRPr lang="en-US" altLang="ko-KR" sz="1600" dirty="0">
-              <a:solidFill>
-                <a:srgbClr val="FF0000"/>
-              </a:solidFill>
-              <a:ea typeface="굴림" panose="020B0600000101010101" pitchFamily="50" charset="-127"/>
-            </a:endParaRPr>
-          </a:p>
-          <a:p>
-            <a:pPr marL="342900" indent="-342900">
-              <a:buFont typeface="Arial" panose="020B0604020202020204" pitchFamily="34" charset="0"/>
-              <a:buChar char="•"/>
-              <a:defRPr/>
-            </a:pPr>
-            <a:r>
-              <a:rPr lang="en-US" altLang="ko-KR" sz="1600" dirty="0" smtClean="0">
-                <a:solidFill>
-                  <a:srgbClr val="FF0000"/>
-                </a:solidFill>
-                <a:ea typeface="굴림" panose="020B0600000101010101" pitchFamily="50" charset="-127"/>
-              </a:rPr>
-              <a:t>DDPG</a:t>
-            </a:r>
-            <a:r>
-              <a:rPr lang="ko-KR" altLang="en-US" sz="1600" dirty="0" smtClean="0">
-                <a:solidFill>
-                  <a:srgbClr val="FF0000"/>
-                </a:solidFill>
-                <a:ea typeface="굴림" panose="020B0600000101010101" pitchFamily="50" charset="-127"/>
-              </a:rPr>
-              <a:t>는 </a:t>
-            </a:r>
-            <a:r>
-              <a:rPr lang="en-US" altLang="ko-KR" sz="1600" dirty="0" smtClean="0">
-                <a:solidFill>
-                  <a:srgbClr val="FF0000"/>
-                </a:solidFill>
-                <a:ea typeface="굴림" panose="020B0600000101010101" pitchFamily="50" charset="-127"/>
-              </a:rPr>
-              <a:t>PMP</a:t>
-            </a:r>
-            <a:r>
-              <a:rPr lang="ko-KR" altLang="en-US" sz="1600" dirty="0" smtClean="0">
-                <a:solidFill>
-                  <a:srgbClr val="FF0000"/>
-                </a:solidFill>
-                <a:ea typeface="굴림" panose="020B0600000101010101" pitchFamily="50" charset="-127"/>
-              </a:rPr>
-              <a:t>에 대해 결코 떨어지는 성능을 </a:t>
-            </a:r>
-            <a:r>
-              <a:rPr lang="en-US" altLang="ko-KR" sz="1600" dirty="0" smtClean="0">
-                <a:solidFill>
-                  <a:srgbClr val="FF0000"/>
-                </a:solidFill>
-                <a:ea typeface="굴림" panose="020B0600000101010101" pitchFamily="50" charset="-127"/>
-              </a:rPr>
-              <a:t/>
-            </a:r>
-            <a:br>
-              <a:rPr lang="en-US" altLang="ko-KR" sz="1600" dirty="0" smtClean="0">
-                <a:solidFill>
-                  <a:srgbClr val="FF0000"/>
-                </a:solidFill>
-                <a:ea typeface="굴림" panose="020B0600000101010101" pitchFamily="50" charset="-127"/>
-              </a:rPr>
-            </a:br>
-            <a:r>
-              <a:rPr lang="ko-KR" altLang="en-US" sz="1600" dirty="0" smtClean="0">
-                <a:solidFill>
-                  <a:srgbClr val="FF0000"/>
-                </a:solidFill>
-                <a:ea typeface="굴림" panose="020B0600000101010101" pitchFamily="50" charset="-127"/>
-              </a:rPr>
-              <a:t>보이지 않음 </a:t>
-            </a:r>
-            <a:endParaRPr lang="en-US" altLang="ko-KR" sz="1600" dirty="0">
-              <a:solidFill>
-                <a:srgbClr val="FF0000"/>
-              </a:solidFill>
-              <a:ea typeface="굴림" panose="020B0600000101010101" pitchFamily="50" charset="-127"/>
-            </a:endParaRPr>
-          </a:p>
-          <a:p>
-            <a:pPr marL="342900" indent="-342900">
-              <a:buFont typeface="Arial" panose="020B0604020202020204" pitchFamily="34" charset="0"/>
-              <a:buChar char="•"/>
-              <a:defRPr/>
-            </a:pPr>
-            <a:endParaRPr lang="en-US" altLang="ko-KR" sz="1600" dirty="0" smtClean="0">
-              <a:ea typeface="굴림" panose="020B0600000101010101" pitchFamily="50" charset="-127"/>
-            </a:endParaRPr>
-          </a:p>
-          <a:p>
-            <a:pPr marL="342900" indent="-342900">
-              <a:buFont typeface="Arial" panose="020B0604020202020204" pitchFamily="34" charset="0"/>
-              <a:buChar char="•"/>
-              <a:defRPr/>
-            </a:pPr>
-            <a:endParaRPr lang="en-US" altLang="ko-KR" sz="1600" dirty="0">
-              <a:solidFill>
-                <a:srgbClr val="FF0000"/>
-              </a:solidFill>
-              <a:ea typeface="굴림" panose="020B0600000101010101" pitchFamily="50" charset="-127"/>
-            </a:endParaRPr>
-          </a:p>
         </p:txBody>
       </p:sp>
-      <p:sp>
-        <p:nvSpPr>
-          <p:cNvPr id="10" name="TextBox 9"/>
-          <p:cNvSpPr txBox="1"/>
-          <p:nvPr/>
-        </p:nvSpPr>
-        <p:spPr>
-          <a:xfrm>
-            <a:off x="155505" y="4877762"/>
-            <a:ext cx="5342832" cy="1477328"/>
-          </a:xfrm>
-          <a:prstGeom prst="rect">
-            <a:avLst/>
-          </a:prstGeom>
-          <a:noFill/>
-          <a:ln w="28575">
-            <a:solidFill>
-              <a:srgbClr val="92D050"/>
-            </a:solidFill>
-          </a:ln>
-        </p:spPr>
-        <p:txBody>
-          <a:bodyPr wrap="square" rtlCol="0">
-            <a:spAutoFit/>
-          </a:bodyPr>
-          <a:lstStyle/>
-          <a:p>
-            <a:pPr algn="ctr"/>
-            <a:r>
-              <a:rPr lang="ko-KR" altLang="en-US" b="1" dirty="0" smtClean="0">
-                <a:solidFill>
-                  <a:srgbClr val="00B050"/>
-                </a:solidFill>
-              </a:rPr>
-              <a:t>동일한 주행사이클에서의 </a:t>
-            </a:r>
-            <a:r>
-              <a:rPr lang="en-US" altLang="ko-KR" b="1" dirty="0" smtClean="0">
-                <a:solidFill>
-                  <a:srgbClr val="00B050"/>
-                </a:solidFill>
-              </a:rPr>
-              <a:t>DDPG</a:t>
-            </a:r>
-            <a:r>
-              <a:rPr lang="ko-KR" altLang="en-US" b="1" dirty="0" smtClean="0">
-                <a:solidFill>
-                  <a:srgbClr val="00B050"/>
-                </a:solidFill>
-              </a:rPr>
-              <a:t>와 </a:t>
-            </a:r>
-            <a:r>
-              <a:rPr lang="en-US" altLang="ko-KR" b="1" dirty="0" smtClean="0">
-                <a:solidFill>
-                  <a:srgbClr val="00B050"/>
-                </a:solidFill>
-              </a:rPr>
-              <a:t>PMP</a:t>
-            </a:r>
-            <a:r>
-              <a:rPr lang="ko-KR" altLang="en-US" b="1" dirty="0" smtClean="0">
-                <a:solidFill>
-                  <a:srgbClr val="00B050"/>
-                </a:solidFill>
-              </a:rPr>
-              <a:t>의 비교</a:t>
-            </a:r>
-            <a:endParaRPr lang="en-US" altLang="ko-KR" b="1" dirty="0" smtClean="0">
-              <a:solidFill>
-                <a:srgbClr val="00B050"/>
-              </a:solidFill>
-            </a:endParaRPr>
-          </a:p>
-          <a:p>
-            <a:pPr algn="ctr"/>
-            <a:r>
-              <a:rPr lang="en-US" altLang="ko-KR" b="1" dirty="0" smtClean="0">
-                <a:solidFill>
-                  <a:srgbClr val="00B050"/>
-                </a:solidFill>
-              </a:rPr>
-              <a:t>(</a:t>
-            </a:r>
-            <a:r>
-              <a:rPr lang="en-US" altLang="ko-KR" b="1" dirty="0" err="1">
-                <a:solidFill>
-                  <a:srgbClr val="00B050"/>
-                </a:solidFill>
-              </a:rPr>
-              <a:t>model_validation</a:t>
-            </a:r>
-            <a:r>
-              <a:rPr lang="en-US" altLang="ko-KR" b="1" dirty="0">
-                <a:solidFill>
-                  <a:srgbClr val="00B050"/>
-                </a:solidFill>
-              </a:rPr>
-              <a:t>/</a:t>
-            </a:r>
-            <a:r>
-              <a:rPr lang="en-US" altLang="ko-KR" b="1" dirty="0" err="1">
-                <a:solidFill>
-                  <a:srgbClr val="00B050"/>
-                </a:solidFill>
-              </a:rPr>
-              <a:t>test_model_with_ECMS</a:t>
-            </a:r>
-            <a:r>
-              <a:rPr lang="en-US" altLang="ko-KR" b="1" dirty="0">
-                <a:solidFill>
-                  <a:srgbClr val="00B050"/>
-                </a:solidFill>
-              </a:rPr>
-              <a:t>)</a:t>
-            </a:r>
-            <a:r>
-              <a:rPr lang="ko-KR" altLang="en-US" b="1" dirty="0" smtClean="0">
-                <a:solidFill>
-                  <a:srgbClr val="00B050"/>
-                </a:solidFill>
-              </a:rPr>
-              <a:t> </a:t>
-            </a:r>
-            <a:endParaRPr lang="en-US" altLang="ko-KR" b="1" dirty="0" smtClean="0">
-              <a:solidFill>
-                <a:srgbClr val="00B050"/>
-              </a:solidFill>
-            </a:endParaRPr>
-          </a:p>
-          <a:p>
-            <a:pPr algn="ctr"/>
-            <a:endParaRPr lang="en-US" altLang="ko-KR" b="1" dirty="0" smtClean="0">
-              <a:solidFill>
-                <a:srgbClr val="00B050"/>
-              </a:solidFill>
-            </a:endParaRPr>
-          </a:p>
-          <a:p>
-            <a:pPr algn="ctr"/>
-            <a:r>
-              <a:rPr lang="ko-KR" altLang="en-US" b="1" dirty="0" err="1">
-                <a:solidFill>
-                  <a:srgbClr val="00B050"/>
-                </a:solidFill>
-              </a:rPr>
-              <a:t>차중</a:t>
-            </a:r>
-            <a:r>
-              <a:rPr lang="ko-KR" altLang="en-US" b="1" dirty="0">
-                <a:solidFill>
-                  <a:srgbClr val="00B050"/>
-                </a:solidFill>
-              </a:rPr>
-              <a:t> </a:t>
-            </a:r>
-            <a:r>
-              <a:rPr lang="en-US" altLang="ko-KR" b="1" dirty="0">
-                <a:solidFill>
-                  <a:srgbClr val="00B050"/>
-                </a:solidFill>
-              </a:rPr>
-              <a:t>1200 </a:t>
-            </a:r>
-            <a:r>
-              <a:rPr lang="ko-KR" altLang="en-US" b="1" dirty="0">
-                <a:solidFill>
-                  <a:srgbClr val="00B050"/>
-                </a:solidFill>
-              </a:rPr>
-              <a:t>다시 해야함</a:t>
-            </a:r>
-            <a:endParaRPr lang="en-US" altLang="ko-KR" b="1" dirty="0">
-              <a:solidFill>
-                <a:srgbClr val="00B050"/>
-              </a:solidFill>
-            </a:endParaRPr>
-          </a:p>
-          <a:p>
-            <a:pPr algn="ctr"/>
-            <a:r>
-              <a:rPr lang="en-US" altLang="ko-KR" b="1" dirty="0" smtClean="0">
-                <a:solidFill>
-                  <a:schemeClr val="accent2"/>
-                </a:solidFill>
-              </a:rPr>
-              <a:t>MDP </a:t>
-            </a:r>
-            <a:r>
-              <a:rPr lang="ko-KR" altLang="en-US" b="1" dirty="0" smtClean="0">
-                <a:solidFill>
-                  <a:schemeClr val="accent2"/>
-                </a:solidFill>
-              </a:rPr>
-              <a:t>모델</a:t>
-            </a:r>
-            <a:endParaRPr lang="en-US" altLang="ko-KR" b="1" dirty="0">
-              <a:solidFill>
-                <a:schemeClr val="accent2"/>
-              </a:solidFill>
-            </a:endParaRPr>
-          </a:p>
-        </p:txBody>
-      </p:sp>
-      <mc:AlternateContent xmlns:mc="http://schemas.openxmlformats.org/markup-compatibility/2006" xmlns:a14="http://schemas.microsoft.com/office/drawing/2010/main">
-        <mc:Choice Requires="a14">
+      <mc:AlternateContent xmlns:mc="http://schemas.openxmlformats.org/markup-compatibility/2006">
+        <mc:Choice xmlns:a14="http://schemas.microsoft.com/office/drawing/2010/main" Requires="a14">
           <p:graphicFrame>
             <p:nvGraphicFramePr>
               <p:cNvPr id="18" name="표 17"/>
@@ -25280,14 +25762,14 @@
               <p:nvPr>
                 <p:extLst>
                   <p:ext uri="{D42A27DB-BD31-4B8C-83A1-F6EECF244321}">
-                    <p14:modId xmlns:p14="http://schemas.microsoft.com/office/powerpoint/2010/main" val="1908872248"/>
+                    <p14:modId xmlns:p14="http://schemas.microsoft.com/office/powerpoint/2010/main" val="3754291170"/>
                   </p:ext>
                 </p:extLst>
               </p:nvPr>
             </p:nvGraphicFramePr>
             <p:xfrm>
-              <a:off x="9143946" y="4148348"/>
-              <a:ext cx="2954923" cy="1561950"/>
+              <a:off x="3026576" y="4124086"/>
+              <a:ext cx="3040046" cy="1596270"/>
             </p:xfrm>
             <a:graphic>
               <a:graphicData uri="http://schemas.openxmlformats.org/drawingml/2006/table">
@@ -25296,21 +25778,21 @@
                     <a:tableStyleId>{5C22544A-7EE6-4342-B048-85BDC9FD1C3A}</a:tableStyleId>
                   </a:tblPr>
                   <a:tblGrid>
-                    <a:gridCol w="1420032">
+                    <a:gridCol w="1385226">
                       <a:extLst>
                         <a:ext uri="{9D8B030D-6E8A-4147-A177-3AD203B41FA5}">
                           <a16:colId xmlns:a16="http://schemas.microsoft.com/office/drawing/2014/main" val="3726243108"/>
                         </a:ext>
                       </a:extLst>
                     </a:gridCol>
-                    <a:gridCol w="882612">
+                    <a:gridCol w="827410">
                       <a:extLst>
                         <a:ext uri="{9D8B030D-6E8A-4147-A177-3AD203B41FA5}">
                           <a16:colId xmlns:a16="http://schemas.microsoft.com/office/drawing/2014/main" val="472462486"/>
                         </a:ext>
                       </a:extLst>
                     </a:gridCol>
-                    <a:gridCol w="652279">
+                    <a:gridCol w="827410">
                       <a:extLst>
                         <a:ext uri="{9D8B030D-6E8A-4147-A177-3AD203B41FA5}">
                           <a16:colId xmlns:a16="http://schemas.microsoft.com/office/drawing/2014/main" val="4076666659"/>
@@ -25353,7 +25835,7 @@
                           <a:pPr algn="ctr" latinLnBrk="1"/>
                           <a:r>
                             <a:rPr lang="en-US" altLang="ko-KR" sz="1400" dirty="0" smtClean="0"/>
-                            <a:t>PMP</a:t>
+                            <a:t>ECMS</a:t>
                           </a:r>
                           <a:endParaRPr lang="ko-KR" altLang="en-US" sz="1400" dirty="0"/>
                         </a:p>
@@ -25374,18 +25856,18 @@
                         <a:p>
                           <a:pPr algn="ctr" latinLnBrk="1"/>
                           <a:r>
-                            <a:rPr lang="en-US" altLang="ko-KR" sz="1200" b="1" i="0" dirty="0" smtClean="0"/>
+                            <a:rPr lang="en-US" altLang="ko-KR" sz="1400" b="1" i="0" dirty="0" smtClean="0"/>
                             <a:t>Final</a:t>
                           </a:r>
                           <a:r>
-                            <a:rPr lang="en-US" altLang="ko-KR" sz="1200" b="1" i="0" baseline="0" dirty="0" smtClean="0"/>
+                            <a:rPr lang="en-US" altLang="ko-KR" sz="1400" b="1" i="0" baseline="0" dirty="0" smtClean="0"/>
                             <a:t> </a:t>
                           </a:r>
                           <a:r>
-                            <a:rPr lang="en-US" altLang="ko-KR" sz="1200" b="1" i="0" dirty="0" smtClean="0"/>
+                            <a:rPr lang="en-US" altLang="ko-KR" sz="1400" b="1" i="0" dirty="0" smtClean="0"/>
                             <a:t>SOC</a:t>
                           </a:r>
-                          <a:endParaRPr lang="ko-KR" altLang="en-US" sz="1200" b="1" i="0" dirty="0"/>
+                          <a:endParaRPr lang="ko-KR" altLang="en-US" sz="1400" b="1" i="0" dirty="0"/>
                         </a:p>
                       </a:txBody>
                       <a:tcPr/>
@@ -25398,7 +25880,7 @@
                           <a:pPr algn="ctr" latinLnBrk="1"/>
                           <a:r>
                             <a:rPr lang="en-US" altLang="ko-KR" sz="1400" dirty="0" smtClean="0"/>
-                            <a:t>0.601</a:t>
+                            <a:t>0.627</a:t>
                           </a:r>
                           <a:endParaRPr lang="ko-KR" altLang="en-US" sz="1400" dirty="0"/>
                         </a:p>
@@ -25413,7 +25895,7 @@
                           <a:pPr algn="ctr" latinLnBrk="1"/>
                           <a:r>
                             <a:rPr lang="en-US" altLang="ko-KR" sz="1400" dirty="0" smtClean="0"/>
-                            <a:t>0.596</a:t>
+                            <a:t>0.609</a:t>
                           </a:r>
                           <a:endParaRPr lang="ko-KR" altLang="en-US" sz="1400" dirty="0"/>
                         </a:p>
@@ -25434,14 +25916,14 @@
                         <a:p>
                           <a:pPr algn="ctr" latinLnBrk="1"/>
                           <a:r>
-                            <a:rPr lang="en-US" altLang="ko-KR" sz="1200" b="1" i="0" dirty="0" smtClean="0"/>
+                            <a:rPr lang="en-US" altLang="ko-KR" sz="1400" b="1" i="0" dirty="0" smtClean="0"/>
                             <a:t>FC </a:t>
                           </a:r>
                           <a:r>
-                            <a:rPr lang="en-US" altLang="ko-KR" sz="1200" b="1" i="0" baseline="0" dirty="0" smtClean="0"/>
+                            <a:rPr lang="en-US" altLang="ko-KR" sz="1400" b="1" i="0" baseline="0" dirty="0" smtClean="0"/>
                             <a:t>[g]</a:t>
                           </a:r>
-                          <a:endParaRPr lang="ko-KR" altLang="en-US" sz="1200" b="1" i="0" dirty="0"/>
+                          <a:endParaRPr lang="ko-KR" altLang="en-US" sz="1400" b="1" i="0" dirty="0"/>
                         </a:p>
                       </a:txBody>
                       <a:tcPr/>
@@ -25454,7 +25936,7 @@
                           <a:pPr algn="ctr" latinLnBrk="1"/>
                           <a:r>
                             <a:rPr lang="en-US" altLang="ko-KR" sz="1400" dirty="0" smtClean="0"/>
-                            <a:t>40.01 </a:t>
+                            <a:t>52.74</a:t>
                           </a:r>
                           <a:endParaRPr lang="ko-KR" altLang="en-US" sz="1400" dirty="0"/>
                         </a:p>
@@ -25469,7 +25951,7 @@
                           <a:pPr algn="ctr" latinLnBrk="1"/>
                           <a:r>
                             <a:rPr lang="en-US" altLang="ko-KR" sz="1400" dirty="0" smtClean="0"/>
-                            <a:t>38.39</a:t>
+                            <a:t>51.04 </a:t>
                           </a:r>
                           <a:endParaRPr lang="ko-KR" altLang="en-US" sz="1400" dirty="0"/>
                         </a:p>
@@ -25489,15 +25971,76 @@
                         <a:lstStyle/>
                         <a:p>
                           <a:pPr algn="ctr" latinLnBrk="1"/>
+                          <a14:m>
+                            <m:oMath xmlns:m="http://schemas.openxmlformats.org/officeDocument/2006/math">
+                              <m:sSub>
+                                <m:sSubPr>
+                                  <m:ctrlPr>
+                                    <a:rPr lang="en-US" altLang="ko-KR" sz="1400" b="1" i="1" baseline="0" smtClean="0">
+                                      <a:latin typeface="Cambria Math" panose="02040503050406030204" pitchFamily="18" charset="0"/>
+                                    </a:rPr>
+                                  </m:ctrlPr>
+                                </m:sSubPr>
+                                <m:e>
+                                  <m:r>
+                                    <m:rPr>
+                                      <m:nor/>
+                                    </m:rPr>
+                                    <a:rPr lang="en-US" altLang="ko-KR" sz="1400" b="1" i="0" dirty="0" smtClean="0"/>
+                                    <m:t>FC</m:t>
+                                  </m:r>
+                                </m:e>
+                                <m:sub>
+                                  <m:r>
+                                    <a:rPr lang="en-US" altLang="ko-KR" sz="1400" b="1" i="1" baseline="0" smtClean="0">
+                                      <a:latin typeface="Cambria Math" panose="02040503050406030204" pitchFamily="18" charset="0"/>
+                                    </a:rPr>
+                                    <m:t>@</m:t>
+                                  </m:r>
+                                  <m:r>
+                                    <a:rPr lang="en-US" altLang="ko-KR" sz="1400" b="1" i="1" baseline="0" smtClean="0">
+                                      <a:latin typeface="Cambria Math" panose="02040503050406030204" pitchFamily="18" charset="0"/>
+                                    </a:rPr>
+                                    <m:t>𝑺𝑶</m:t>
+                                  </m:r>
+                                  <m:sSub>
+                                    <m:sSubPr>
+                                      <m:ctrlPr>
+                                        <a:rPr lang="en-US" altLang="ko-KR" sz="1400" b="1" i="1" baseline="0" smtClean="0">
+                                          <a:latin typeface="Cambria Math" panose="02040503050406030204" pitchFamily="18" charset="0"/>
+                                        </a:rPr>
+                                      </m:ctrlPr>
+                                    </m:sSubPr>
+                                    <m:e>
+                                      <m:r>
+                                        <a:rPr lang="en-US" altLang="ko-KR" sz="1400" b="1" i="1" baseline="0" smtClean="0">
+                                          <a:latin typeface="Cambria Math" panose="02040503050406030204" pitchFamily="18" charset="0"/>
+                                        </a:rPr>
+                                        <m:t>𝑪</m:t>
+                                      </m:r>
+                                    </m:e>
+                                    <m:sub>
+                                      <m:r>
+                                        <a:rPr lang="en-US" altLang="ko-KR" sz="1400" b="1" i="1" baseline="0" smtClean="0">
+                                          <a:latin typeface="Cambria Math" panose="02040503050406030204" pitchFamily="18" charset="0"/>
+                                        </a:rPr>
+                                        <m:t>𝒓𝒆𝒇</m:t>
+                                      </m:r>
+                                    </m:sub>
+                                  </m:sSub>
+                                </m:sub>
+                              </m:sSub>
+                            </m:oMath>
+                          </a14:m>
                           <a:r>
-                            <a:rPr lang="en-US" altLang="ko-KR" sz="1200" b="1" i="0" dirty="0" smtClean="0"/>
-                            <a:t>Equivalent</a:t>
+                            <a:rPr lang="en-US" altLang="ko-KR" sz="1400" b="1" i="0" baseline="0" dirty="0" smtClean="0"/>
+                            <a:t> </a:t>
                           </a:r>
                           <a:r>
-                            <a:rPr lang="en-US" altLang="ko-KR" sz="1200" b="1" i="0" baseline="0" dirty="0" smtClean="0"/>
-                            <a:t> FC [g]</a:t>
+                            <a:rPr lang="en-US" altLang="ko-KR" sz="1400" b="1" i="0" baseline="0" dirty="0" smtClean="0"/>
+                            <a:t>[g]</a:t>
                           </a:r>
-                          <a:endParaRPr lang="ko-KR" altLang="en-US" sz="1200" b="1" i="0" dirty="0"/>
+                          <a:endParaRPr lang="ko-KR" altLang="en-US" sz="1400" b="1" i="0" dirty="0"/>
                         </a:p>
                       </a:txBody>
                       <a:tcPr/>
@@ -25508,6 +26051,10 @@
                         <a:lstStyle/>
                         <a:p>
                           <a:pPr algn="ctr" latinLnBrk="1"/>
+                          <a:r>
+                            <a:rPr lang="en-US" altLang="ko-KR" sz="1400" dirty="0" smtClean="0"/>
+                            <a:t>50.93</a:t>
+                          </a:r>
                           <a:endParaRPr lang="ko-KR" altLang="en-US" sz="1400" dirty="0"/>
                         </a:p>
                       </a:txBody>
@@ -25519,6 +26066,10 @@
                         <a:lstStyle/>
                         <a:p>
                           <a:pPr algn="ctr" latinLnBrk="1"/>
+                          <a:r>
+                            <a:rPr lang="en-US" altLang="ko-KR" sz="1400" dirty="0" smtClean="0"/>
+                            <a:t>50.44</a:t>
+                          </a:r>
                           <a:endParaRPr lang="ko-KR" altLang="en-US" sz="1400" dirty="0"/>
                         </a:p>
                       </a:txBody>
@@ -25540,7 +26091,7 @@
                           <a14:m>
                             <m:oMath xmlns:m="http://schemas.openxmlformats.org/officeDocument/2006/math">
                               <m:r>
-                                <a:rPr lang="ko-KR" altLang="en-US" sz="1200" b="1" i="1" smtClean="0">
+                                <a:rPr lang="ko-KR" altLang="en-US" sz="1400" b="1" i="1" smtClean="0">
                                   <a:latin typeface="Cambria Math" panose="02040503050406030204" pitchFamily="18" charset="0"/>
                                 </a:rPr>
                                 <m:t>∆</m:t>
@@ -25548,10 +26099,10 @@
                             </m:oMath>
                           </a14:m>
                           <a:r>
-                            <a:rPr lang="en-US" altLang="ko-KR" sz="1200" b="1" i="0" dirty="0" smtClean="0"/>
+                            <a:rPr lang="en-US" altLang="ko-KR" sz="1400" b="1" i="0" dirty="0" smtClean="0"/>
                             <a:t>FC [%]</a:t>
                           </a:r>
-                          <a:endParaRPr lang="ko-KR" altLang="en-US" sz="1200" b="1" i="0" dirty="0"/>
+                          <a:endParaRPr lang="ko-KR" altLang="en-US" sz="1400" b="1" i="0" dirty="0"/>
                         </a:p>
                       </a:txBody>
                       <a:tcPr/>
@@ -25562,7 +26113,19 @@
                         <a:lstStyle/>
                         <a:p>
                           <a:pPr algn="ctr" latinLnBrk="1"/>
-                          <a:endParaRPr lang="ko-KR" altLang="en-US" sz="1400" dirty="0"/>
+                          <a:r>
+                            <a:rPr lang="en-US" altLang="ko-KR" sz="1400" dirty="0" smtClean="0">
+                              <a:solidFill>
+                                <a:schemeClr val="accent2"/>
+                              </a:solidFill>
+                            </a:rPr>
+                            <a:t>+0.97%</a:t>
+                          </a:r>
+                          <a:endParaRPr lang="ko-KR" altLang="en-US" sz="1400" dirty="0">
+                            <a:solidFill>
+                              <a:schemeClr val="accent2"/>
+                            </a:solidFill>
+                          </a:endParaRPr>
                         </a:p>
                       </a:txBody>
                       <a:tcPr/>
@@ -25573,6 +26136,10 @@
                         <a:lstStyle/>
                         <a:p>
                           <a:pPr algn="ctr" latinLnBrk="1"/>
+                          <a:r>
+                            <a:rPr lang="en-US" altLang="ko-KR" sz="1400" dirty="0" smtClean="0"/>
+                            <a:t>-</a:t>
+                          </a:r>
                           <a:endParaRPr lang="ko-KR" altLang="en-US" sz="1400" dirty="0"/>
                         </a:p>
                       </a:txBody>
@@ -25589,7 +26156,7 @@
             </a:graphic>
           </p:graphicFrame>
         </mc:Choice>
-        <mc:Fallback xmlns="">
+        <mc:Fallback>
           <p:graphicFrame>
             <p:nvGraphicFramePr>
               <p:cNvPr id="18" name="표 17"/>
@@ -25599,14 +26166,14 @@
               <p:nvPr>
                 <p:extLst>
                   <p:ext uri="{D42A27DB-BD31-4B8C-83A1-F6EECF244321}">
-                    <p14:modId xmlns:p14="http://schemas.microsoft.com/office/powerpoint/2010/main" val="1908872248"/>
+                    <p14:modId xmlns:p14="http://schemas.microsoft.com/office/powerpoint/2010/main" val="3754291170"/>
                   </p:ext>
                 </p:extLst>
               </p:nvPr>
             </p:nvGraphicFramePr>
             <p:xfrm>
-              <a:off x="9143946" y="4148348"/>
-              <a:ext cx="2954923" cy="1561950"/>
+              <a:off x="3026576" y="4124086"/>
+              <a:ext cx="3040046" cy="1596270"/>
             </p:xfrm>
             <a:graphic>
               <a:graphicData uri="http://schemas.openxmlformats.org/drawingml/2006/table">
@@ -25615,21 +26182,21 @@
                     <a:tableStyleId>{5C22544A-7EE6-4342-B048-85BDC9FD1C3A}</a:tableStyleId>
                   </a:tblPr>
                   <a:tblGrid>
-                    <a:gridCol w="1420032">
+                    <a:gridCol w="1385226">
                       <a:extLst>
                         <a:ext uri="{9D8B030D-6E8A-4147-A177-3AD203B41FA5}">
                           <a16:colId xmlns:a16="http://schemas.microsoft.com/office/drawing/2014/main" val="3726243108"/>
                         </a:ext>
                       </a:extLst>
                     </a:gridCol>
-                    <a:gridCol w="882612">
+                    <a:gridCol w="827410">
                       <a:extLst>
                         <a:ext uri="{9D8B030D-6E8A-4147-A177-3AD203B41FA5}">
                           <a16:colId xmlns:a16="http://schemas.microsoft.com/office/drawing/2014/main" val="472462486"/>
                         </a:ext>
                       </a:extLst>
                     </a:gridCol>
-                    <a:gridCol w="652279">
+                    <a:gridCol w="827410">
                       <a:extLst>
                         <a:ext uri="{9D8B030D-6E8A-4147-A177-3AD203B41FA5}">
                           <a16:colId xmlns:a16="http://schemas.microsoft.com/office/drawing/2014/main" val="4076666659"/>
@@ -25672,7 +26239,7 @@
                           <a:pPr algn="ctr" latinLnBrk="1"/>
                           <a:r>
                             <a:rPr lang="en-US" altLang="ko-KR" sz="1400" dirty="0" smtClean="0"/>
-                            <a:t>PMP</a:t>
+                            <a:t>ECMS</a:t>
                           </a:r>
                           <a:endParaRPr lang="ko-KR" altLang="en-US" sz="1400" dirty="0"/>
                         </a:p>
@@ -25693,18 +26260,18 @@
                         <a:p>
                           <a:pPr algn="ctr" latinLnBrk="1"/>
                           <a:r>
-                            <a:rPr lang="en-US" altLang="ko-KR" sz="1200" b="1" i="0" dirty="0" smtClean="0"/>
+                            <a:rPr lang="en-US" altLang="ko-KR" sz="1400" b="1" i="0" dirty="0" smtClean="0"/>
                             <a:t>Final</a:t>
                           </a:r>
                           <a:r>
-                            <a:rPr lang="en-US" altLang="ko-KR" sz="1200" b="1" i="0" baseline="0" dirty="0" smtClean="0"/>
+                            <a:rPr lang="en-US" altLang="ko-KR" sz="1400" b="1" i="0" baseline="0" dirty="0" smtClean="0"/>
                             <a:t> </a:t>
                           </a:r>
                           <a:r>
-                            <a:rPr lang="en-US" altLang="ko-KR" sz="1200" b="1" i="0" dirty="0" smtClean="0"/>
+                            <a:rPr lang="en-US" altLang="ko-KR" sz="1400" b="1" i="0" dirty="0" smtClean="0"/>
                             <a:t>SOC</a:t>
                           </a:r>
-                          <a:endParaRPr lang="ko-KR" altLang="en-US" sz="1200" b="1" i="0" dirty="0"/>
+                          <a:endParaRPr lang="ko-KR" altLang="en-US" sz="1400" b="1" i="0" dirty="0"/>
                         </a:p>
                       </a:txBody>
                       <a:tcPr/>
@@ -25717,7 +26284,7 @@
                           <a:pPr algn="ctr" latinLnBrk="1"/>
                           <a:r>
                             <a:rPr lang="en-US" altLang="ko-KR" sz="1400" dirty="0" smtClean="0"/>
-                            <a:t>0.601</a:t>
+                            <a:t>0.627</a:t>
                           </a:r>
                           <a:endParaRPr lang="ko-KR" altLang="en-US" sz="1400" dirty="0"/>
                         </a:p>
@@ -25732,7 +26299,7 @@
                           <a:pPr algn="ctr" latinLnBrk="1"/>
                           <a:r>
                             <a:rPr lang="en-US" altLang="ko-KR" sz="1400" dirty="0" smtClean="0"/>
-                            <a:t>0.596</a:t>
+                            <a:t>0.609</a:t>
                           </a:r>
                           <a:endParaRPr lang="ko-KR" altLang="en-US" sz="1400" dirty="0"/>
                         </a:p>
@@ -25753,14 +26320,14 @@
                         <a:p>
                           <a:pPr algn="ctr" latinLnBrk="1"/>
                           <a:r>
-                            <a:rPr lang="en-US" altLang="ko-KR" sz="1200" b="1" i="0" dirty="0" smtClean="0"/>
+                            <a:rPr lang="en-US" altLang="ko-KR" sz="1400" b="1" i="0" dirty="0" smtClean="0"/>
                             <a:t>FC </a:t>
                           </a:r>
                           <a:r>
-                            <a:rPr lang="en-US" altLang="ko-KR" sz="1200" b="1" i="0" baseline="0" dirty="0" smtClean="0"/>
+                            <a:rPr lang="en-US" altLang="ko-KR" sz="1400" b="1" i="0" baseline="0" dirty="0" smtClean="0"/>
                             <a:t>[g]</a:t>
                           </a:r>
-                          <a:endParaRPr lang="ko-KR" altLang="en-US" sz="1200" b="1" i="0" dirty="0"/>
+                          <a:endParaRPr lang="ko-KR" altLang="en-US" sz="1400" b="1" i="0" dirty="0"/>
                         </a:p>
                       </a:txBody>
                       <a:tcPr/>
@@ -25773,7 +26340,7 @@
                           <a:pPr algn="ctr" latinLnBrk="1"/>
                           <a:r>
                             <a:rPr lang="en-US" altLang="ko-KR" sz="1400" dirty="0" smtClean="0"/>
-                            <a:t>40.01 </a:t>
+                            <a:t>52.74</a:t>
                           </a:r>
                           <a:endParaRPr lang="ko-KR" altLang="en-US" sz="1400" dirty="0"/>
                         </a:p>
@@ -25788,7 +26355,7 @@
                           <a:pPr algn="ctr" latinLnBrk="1"/>
                           <a:r>
                             <a:rPr lang="en-US" altLang="ko-KR" sz="1400" dirty="0" smtClean="0"/>
-                            <a:t>38.39</a:t>
+                            <a:t>51.04 </a:t>
                           </a:r>
                           <a:endParaRPr lang="ko-KR" altLang="en-US" sz="1400" dirty="0"/>
                         </a:p>
@@ -25801,7 +26368,24 @@
                       </a:ext>
                     </a:extLst>
                   </a:tr>
-                  <a:tr h="312390">
+                  <a:tr h="346710">
+                    <a:tc>
+                      <a:txBody>
+                        <a:bodyPr/>
+                        <a:lstStyle/>
+                        <a:p>
+                          <a:endParaRPr lang="ko-KR"/>
+                        </a:p>
+                      </a:txBody>
+                      <a:tcPr>
+                        <a:blipFill>
+                          <a:blip r:embed="rId5"/>
+                          <a:stretch>
+                            <a:fillRect l="-439" t="-267241" r="-121053" b="-103448"/>
+                          </a:stretch>
+                        </a:blipFill>
+                      </a:tcPr>
+                    </a:tc>
                     <a:tc>
                       <a:txBody>
                         <a:bodyPr/>
@@ -25809,24 +26393,9 @@
                         <a:p>
                           <a:pPr algn="ctr" latinLnBrk="1"/>
                           <a:r>
-                            <a:rPr lang="en-US" altLang="ko-KR" sz="1200" b="1" i="0" dirty="0" smtClean="0"/>
-                            <a:t>Equivalent</a:t>
+                            <a:rPr lang="en-US" altLang="ko-KR" sz="1400" dirty="0" smtClean="0"/>
+                            <a:t>50.93</a:t>
                           </a:r>
-                          <a:r>
-                            <a:rPr lang="en-US" altLang="ko-KR" sz="1200" b="1" i="0" baseline="0" dirty="0" smtClean="0"/>
-                            <a:t> FC [g]</a:t>
-                          </a:r>
-                          <a:endParaRPr lang="ko-KR" altLang="en-US" sz="1200" b="1" i="0" dirty="0"/>
-                        </a:p>
-                      </a:txBody>
-                      <a:tcPr/>
-                    </a:tc>
-                    <a:tc>
-                      <a:txBody>
-                        <a:bodyPr/>
-                        <a:lstStyle/>
-                        <a:p>
-                          <a:pPr algn="ctr" latinLnBrk="1"/>
                           <a:endParaRPr lang="ko-KR" altLang="en-US" sz="1400" dirty="0"/>
                         </a:p>
                       </a:txBody>
@@ -25838,6 +26407,10 @@
                         <a:lstStyle/>
                         <a:p>
                           <a:pPr algn="ctr" latinLnBrk="1"/>
+                          <a:r>
+                            <a:rPr lang="en-US" altLang="ko-KR" sz="1400" dirty="0" smtClean="0"/>
+                            <a:t>50.44</a:t>
+                          </a:r>
                           <a:endParaRPr lang="ko-KR" altLang="en-US" sz="1400" dirty="0"/>
                         </a:p>
                       </a:txBody>
@@ -25860,9 +26433,9 @@
                       </a:txBody>
                       <a:tcPr>
                         <a:blipFill>
-                          <a:blip r:embed="rId4"/>
+                          <a:blip r:embed="rId5"/>
                           <a:stretch>
-                            <a:fillRect l="-427" t="-405882" r="-109402" b="-3922"/>
+                            <a:fillRect l="-439" t="-417647" r="-121053" b="-17647"/>
                           </a:stretch>
                         </a:blipFill>
                       </a:tcPr>
@@ -25873,7 +26446,19 @@
                         <a:lstStyle/>
                         <a:p>
                           <a:pPr algn="ctr" latinLnBrk="1"/>
-                          <a:endParaRPr lang="ko-KR" altLang="en-US" sz="1400" dirty="0"/>
+                          <a:r>
+                            <a:rPr lang="en-US" altLang="ko-KR" sz="1400" dirty="0" smtClean="0">
+                              <a:solidFill>
+                                <a:schemeClr val="accent2"/>
+                              </a:solidFill>
+                            </a:rPr>
+                            <a:t>+0.97%</a:t>
+                          </a:r>
+                          <a:endParaRPr lang="ko-KR" altLang="en-US" sz="1400" dirty="0">
+                            <a:solidFill>
+                              <a:schemeClr val="accent2"/>
+                            </a:solidFill>
+                          </a:endParaRPr>
                         </a:p>
                       </a:txBody>
                       <a:tcPr/>
@@ -25884,6 +26469,10 @@
                         <a:lstStyle/>
                         <a:p>
                           <a:pPr algn="ctr" latinLnBrk="1"/>
+                          <a:r>
+                            <a:rPr lang="en-US" altLang="ko-KR" sz="1400" dirty="0" smtClean="0"/>
+                            <a:t>-</a:t>
+                          </a:r>
                           <a:endParaRPr lang="ko-KR" altLang="en-US" sz="1400" dirty="0"/>
                         </a:p>
                       </a:txBody>
@@ -25901,53 +26490,16 @@
           </p:graphicFrame>
         </mc:Fallback>
       </mc:AlternateContent>
-    </p:spTree>
-    <p:extLst>
-      <p:ext uri="{BB962C8B-B14F-4D97-AF65-F5344CB8AC3E}">
-        <p14:creationId xmlns:p14="http://schemas.microsoft.com/office/powerpoint/2010/main" val="1101877345"/>
-      </p:ext>
-    </p:extLst>
-  </p:cSld>
-  <p:clrMapOvr>
-    <a:masterClrMapping/>
-  </p:clrMapOvr>
-  <p:timing>
-    <p:tnLst>
-      <p:par>
-        <p:cTn id="1" dur="indefinite" restart="never" nodeType="tmRoot"/>
-      </p:par>
-    </p:tnLst>
-  </p:timing>
-</p:sld>
-</file>
-
-<file path=ppt/slides/slide29.xml><?xml version="1.0" encoding="utf-8"?>
-<p:sld xmlns:a="http://schemas.openxmlformats.org/drawingml/2006/main" xmlns:r="http://schemas.openxmlformats.org/officeDocument/2006/relationships" xmlns:p="http://schemas.openxmlformats.org/presentationml/2006/main">
-  <p:cSld>
-    <p:spTree>
-      <p:nvGrpSpPr>
-        <p:cNvPr id="1" name=""/>
-        <p:cNvGrpSpPr/>
-        <p:nvPr/>
-      </p:nvGrpSpPr>
-      <p:grpSpPr>
-        <a:xfrm>
-          <a:off x="0" y="0"/>
-          <a:ext cx="0" cy="0"/>
-          <a:chOff x="0" y="0"/>
-          <a:chExt cx="0" cy="0"/>
-        </a:xfrm>
-      </p:grpSpPr>
       <p:pic>
         <p:nvPicPr>
-          <p:cNvPr id="8" name="그림 7"/>
+          <p:cNvPr id="27" name="그림 26"/>
           <p:cNvPicPr>
             <a:picLocks noChangeAspect="1"/>
           </p:cNvPicPr>
           <p:nvPr/>
         </p:nvPicPr>
         <p:blipFill>
-          <a:blip r:embed="rId2">
+          <a:blip r:embed="rId4">
             <a:extLst>
               <a:ext uri="{28A0092B-C50C-407E-A947-70E740481C1C}">
                 <a14:useLocalDpi xmlns:a14="http://schemas.microsoft.com/office/drawing/2010/main" val="0"/>
@@ -25960,984 +26512,33 @@
         </p:blipFill>
         <p:spPr>
           <a:xfrm>
-            <a:off x="6052872" y="1764031"/>
-            <a:ext cx="3193143" cy="4470400"/>
+            <a:off x="5959634" y="2066930"/>
+            <a:ext cx="6232366" cy="1869710"/>
           </a:xfrm>
           <a:prstGeom prst="rect">
             <a:avLst/>
           </a:prstGeom>
         </p:spPr>
       </p:pic>
-      <p:pic>
-        <p:nvPicPr>
-          <p:cNvPr id="6" name="그림 5"/>
-          <p:cNvPicPr>
-            <a:picLocks noChangeAspect="1"/>
-          </p:cNvPicPr>
-          <p:nvPr/>
-        </p:nvPicPr>
-        <p:blipFill>
-          <a:blip r:embed="rId3">
-            <a:extLst>
-              <a:ext uri="{28A0092B-C50C-407E-A947-70E740481C1C}">
-                <a14:useLocalDpi xmlns:a14="http://schemas.microsoft.com/office/drawing/2010/main" val="0"/>
-              </a:ext>
-            </a:extLst>
-          </a:blip>
-          <a:stretch>
-            <a:fillRect/>
-          </a:stretch>
-        </p:blipFill>
-        <p:spPr>
-          <a:xfrm>
-            <a:off x="36784" y="1764031"/>
-            <a:ext cx="3193224" cy="4470514"/>
-          </a:xfrm>
-          <a:prstGeom prst="rect">
-            <a:avLst/>
-          </a:prstGeom>
-        </p:spPr>
-      </p:pic>
-      <p:sp>
-        <p:nvSpPr>
-          <p:cNvPr id="4" name="제목 3"/>
-          <p:cNvSpPr>
-            <a:spLocks noGrp="1"/>
-          </p:cNvSpPr>
-          <p:nvPr>
-            <p:ph type="title"/>
-          </p:nvPr>
-        </p:nvSpPr>
-        <p:spPr/>
-        <p:txBody>
-          <a:bodyPr>
-            <a:normAutofit/>
-          </a:bodyPr>
-          <a:lstStyle/>
-          <a:p>
-            <a:r>
-              <a:rPr lang="en-US" altLang="ko-KR" sz="2800" dirty="0" smtClean="0"/>
-              <a:t>Research</a:t>
-            </a:r>
-            <a:endParaRPr lang="ko-KR" altLang="en-US" sz="2800" dirty="0"/>
-          </a:p>
-        </p:txBody>
-      </p:sp>
-      <p:sp>
-        <p:nvSpPr>
-          <p:cNvPr id="15" name="TextBox 14"/>
-          <p:cNvSpPr txBox="1"/>
-          <p:nvPr/>
-        </p:nvSpPr>
-        <p:spPr>
-          <a:xfrm>
-            <a:off x="10285110" y="6234545"/>
-            <a:ext cx="2728086" cy="523220"/>
-          </a:xfrm>
-          <a:prstGeom prst="rect">
-            <a:avLst/>
-          </a:prstGeom>
-          <a:noFill/>
-        </p:spPr>
-        <p:txBody>
-          <a:bodyPr wrap="square" rtlCol="0">
-            <a:spAutoFit/>
-          </a:bodyPr>
-          <a:lstStyle/>
-          <a:p>
-            <a:r>
-              <a:rPr lang="en-US" altLang="ko-KR" sz="2800" b="1" i="1" dirty="0">
-                <a:solidFill>
-                  <a:srgbClr val="002060"/>
-                </a:solidFill>
-                <a:latin typeface="Cambria Math" panose="02040503050406030204" pitchFamily="18" charset="0"/>
-                <a:ea typeface="Cambria Math" panose="02040503050406030204" pitchFamily="18" charset="0"/>
-              </a:rPr>
-              <a:t>RECL</a:t>
-            </a:r>
-            <a:endParaRPr lang="ko-KR" altLang="en-US" sz="2800" b="1" i="1" dirty="0">
-              <a:solidFill>
-                <a:srgbClr val="002060"/>
-              </a:solidFill>
-              <a:latin typeface="Cambria Math" panose="02040503050406030204" pitchFamily="18" charset="0"/>
-            </a:endParaRPr>
-          </a:p>
-        </p:txBody>
-      </p:sp>
-      <p:sp>
-        <p:nvSpPr>
-          <p:cNvPr id="14" name="Text Box 339"/>
-          <p:cNvSpPr txBox="1">
-            <a:spLocks noChangeArrowheads="1"/>
-          </p:cNvSpPr>
-          <p:nvPr/>
-        </p:nvSpPr>
-        <p:spPr bwMode="auto">
-          <a:xfrm>
-            <a:off x="323850" y="1341438"/>
-            <a:ext cx="184150" cy="366712"/>
-          </a:xfrm>
-          <a:prstGeom prst="rect">
-            <a:avLst/>
-          </a:prstGeom>
-          <a:noFill/>
-          <a:ln>
-            <a:noFill/>
-          </a:ln>
-          <a:effectLst/>
-          <a:extLst>
-            <a:ext uri="{909E8E84-426E-40DD-AFC4-6F175D3DCCD1}">
-              <a14:hiddenFill xmlns:a14="http://schemas.microsoft.com/office/drawing/2010/main">
-                <a:solidFill>
-                  <a:schemeClr val="accent1"/>
-                </a:solidFill>
-              </a14:hiddenFill>
-            </a:ext>
-            <a:ext uri="{91240B29-F687-4F45-9708-019B960494DF}">
-              <a14:hiddenLine xmlns:a14="http://schemas.microsoft.com/office/drawing/2010/main" w="9525">
-                <a:solidFill>
-                  <a:schemeClr val="tx1"/>
-                </a:solidFill>
-                <a:miter lim="800000"/>
-                <a:headEnd/>
-                <a:tailEnd/>
-              </a14:hiddenLine>
-            </a:ext>
-            <a:ext uri="{AF507438-7753-43E0-B8FC-AC1667EBCBE1}">
-              <a14:hiddenEffects xmlns:a14="http://schemas.microsoft.com/office/drawing/2010/main">
-                <a:effectLst>
-                  <a:outerShdw dist="35921" dir="2700000" algn="ctr" rotWithShape="0">
-                    <a:schemeClr val="bg2"/>
-                  </a:outerShdw>
-                </a:effectLst>
-              </a14:hiddenEffects>
-            </a:ext>
-          </a:extLst>
-        </p:spPr>
-        <p:txBody>
-          <a:bodyPr wrap="none">
-            <a:spAutoFit/>
-          </a:bodyPr>
-          <a:lstStyle>
-            <a:lvl1pPr>
-              <a:defRPr>
-                <a:solidFill>
-                  <a:schemeClr val="tx1"/>
-                </a:solidFill>
-                <a:latin typeface="Arial" panose="020B0604020202020204" pitchFamily="34" charset="0"/>
-              </a:defRPr>
-            </a:lvl1pPr>
-            <a:lvl2pPr marL="742950" indent="-285750">
-              <a:defRPr>
-                <a:solidFill>
-                  <a:schemeClr val="tx1"/>
-                </a:solidFill>
-                <a:latin typeface="Arial" panose="020B0604020202020204" pitchFamily="34" charset="0"/>
-              </a:defRPr>
-            </a:lvl2pPr>
-            <a:lvl3pPr marL="1143000" indent="-228600">
-              <a:defRPr>
-                <a:solidFill>
-                  <a:schemeClr val="tx1"/>
-                </a:solidFill>
-                <a:latin typeface="Arial" panose="020B0604020202020204" pitchFamily="34" charset="0"/>
-              </a:defRPr>
-            </a:lvl3pPr>
-            <a:lvl4pPr marL="1600200" indent="-228600">
-              <a:defRPr>
-                <a:solidFill>
-                  <a:schemeClr val="tx1"/>
-                </a:solidFill>
-                <a:latin typeface="Arial" panose="020B0604020202020204" pitchFamily="34" charset="0"/>
-              </a:defRPr>
-            </a:lvl4pPr>
-            <a:lvl5pPr marL="2057400" indent="-228600">
-              <a:defRPr>
-                <a:solidFill>
-                  <a:schemeClr val="tx1"/>
-                </a:solidFill>
-                <a:latin typeface="Arial" panose="020B0604020202020204" pitchFamily="34" charset="0"/>
-              </a:defRPr>
-            </a:lvl5pPr>
-            <a:lvl6pPr marL="2514600" indent="-228600" eaLnBrk="0" fontAlgn="base" hangingPunct="0">
-              <a:spcBef>
-                <a:spcPct val="0"/>
-              </a:spcBef>
-              <a:spcAft>
-                <a:spcPct val="0"/>
-              </a:spcAft>
-              <a:defRPr>
-                <a:solidFill>
-                  <a:schemeClr val="tx1"/>
-                </a:solidFill>
-                <a:latin typeface="Arial" panose="020B0604020202020204" pitchFamily="34" charset="0"/>
-              </a:defRPr>
-            </a:lvl6pPr>
-            <a:lvl7pPr marL="2971800" indent="-228600" eaLnBrk="0" fontAlgn="base" hangingPunct="0">
-              <a:spcBef>
-                <a:spcPct val="0"/>
-              </a:spcBef>
-              <a:spcAft>
-                <a:spcPct val="0"/>
-              </a:spcAft>
-              <a:defRPr>
-                <a:solidFill>
-                  <a:schemeClr val="tx1"/>
-                </a:solidFill>
-                <a:latin typeface="Arial" panose="020B0604020202020204" pitchFamily="34" charset="0"/>
-              </a:defRPr>
-            </a:lvl7pPr>
-            <a:lvl8pPr marL="3429000" indent="-228600" eaLnBrk="0" fontAlgn="base" hangingPunct="0">
-              <a:spcBef>
-                <a:spcPct val="0"/>
-              </a:spcBef>
-              <a:spcAft>
-                <a:spcPct val="0"/>
-              </a:spcAft>
-              <a:defRPr>
-                <a:solidFill>
-                  <a:schemeClr val="tx1"/>
-                </a:solidFill>
-                <a:latin typeface="Arial" panose="020B0604020202020204" pitchFamily="34" charset="0"/>
-              </a:defRPr>
-            </a:lvl8pPr>
-            <a:lvl9pPr marL="3886200" indent="-228600" eaLnBrk="0" fontAlgn="base" hangingPunct="0">
-              <a:spcBef>
-                <a:spcPct val="0"/>
-              </a:spcBef>
-              <a:spcAft>
-                <a:spcPct val="0"/>
-              </a:spcAft>
-              <a:defRPr>
-                <a:solidFill>
-                  <a:schemeClr val="tx1"/>
-                </a:solidFill>
-                <a:latin typeface="Arial" panose="020B0604020202020204" pitchFamily="34" charset="0"/>
-              </a:defRPr>
-            </a:lvl9pPr>
-          </a:lstStyle>
-          <a:p>
-            <a:pPr eaLnBrk="1" hangingPunct="1"/>
-            <a:endParaRPr lang="pt-PT" altLang="pt-PT"/>
-          </a:p>
-        </p:txBody>
-      </p:sp>
-      <p:sp>
-        <p:nvSpPr>
-          <p:cNvPr id="16" name="TextBox 54"/>
-          <p:cNvSpPr txBox="1">
-            <a:spLocks noChangeArrowheads="1"/>
-          </p:cNvSpPr>
-          <p:nvPr/>
-        </p:nvSpPr>
-        <p:spPr bwMode="auto">
-          <a:xfrm>
-            <a:off x="838199" y="1156803"/>
-            <a:ext cx="8571807" cy="400110"/>
-          </a:xfrm>
-          <a:prstGeom prst="rect">
-            <a:avLst/>
-          </a:prstGeom>
-          <a:noFill/>
-          <a:ln>
-            <a:noFill/>
-          </a:ln>
-          <a:extLst>
-            <a:ext uri="{909E8E84-426E-40DD-AFC4-6F175D3DCCD1}">
-              <a14:hiddenFill xmlns:a14="http://schemas.microsoft.com/office/drawing/2010/main">
-                <a:solidFill>
-                  <a:srgbClr val="FFFFFF"/>
-                </a:solidFill>
-              </a14:hiddenFill>
-            </a:ext>
-            <a:ext uri="{91240B29-F687-4F45-9708-019B960494DF}">
-              <a14:hiddenLine xmlns:a14="http://schemas.microsoft.com/office/drawing/2010/main" w="9525">
-                <a:solidFill>
-                  <a:srgbClr val="000000"/>
-                </a:solidFill>
-                <a:miter lim="800000"/>
-                <a:headEnd/>
-                <a:tailEnd/>
-              </a14:hiddenLine>
-            </a:ext>
-          </a:extLst>
-        </p:spPr>
-        <p:txBody>
-          <a:bodyPr wrap="square">
-            <a:spAutoFit/>
-          </a:bodyPr>
-          <a:lstStyle>
-            <a:lvl1pPr>
-              <a:defRPr>
-                <a:solidFill>
-                  <a:schemeClr val="tx1"/>
-                </a:solidFill>
-                <a:latin typeface="Arial" panose="020B0604020202020204" pitchFamily="34" charset="0"/>
-              </a:defRPr>
-            </a:lvl1pPr>
-            <a:lvl2pPr marL="742950" indent="-285750">
-              <a:defRPr>
-                <a:solidFill>
-                  <a:schemeClr val="tx1"/>
-                </a:solidFill>
-                <a:latin typeface="Arial" panose="020B0604020202020204" pitchFamily="34" charset="0"/>
-              </a:defRPr>
-            </a:lvl2pPr>
-            <a:lvl3pPr marL="1143000" indent="-228600">
-              <a:defRPr>
-                <a:solidFill>
-                  <a:schemeClr val="tx1"/>
-                </a:solidFill>
-                <a:latin typeface="Arial" panose="020B0604020202020204" pitchFamily="34" charset="0"/>
-              </a:defRPr>
-            </a:lvl3pPr>
-            <a:lvl4pPr marL="1600200" indent="-228600">
-              <a:defRPr>
-                <a:solidFill>
-                  <a:schemeClr val="tx1"/>
-                </a:solidFill>
-                <a:latin typeface="Arial" panose="020B0604020202020204" pitchFamily="34" charset="0"/>
-              </a:defRPr>
-            </a:lvl4pPr>
-            <a:lvl5pPr marL="2057400" indent="-228600">
-              <a:defRPr>
-                <a:solidFill>
-                  <a:schemeClr val="tx1"/>
-                </a:solidFill>
-                <a:latin typeface="Arial" panose="020B0604020202020204" pitchFamily="34" charset="0"/>
-              </a:defRPr>
-            </a:lvl5pPr>
-            <a:lvl6pPr marL="2514600" indent="-228600" eaLnBrk="0" fontAlgn="base" hangingPunct="0">
-              <a:spcBef>
-                <a:spcPct val="0"/>
-              </a:spcBef>
-              <a:spcAft>
-                <a:spcPct val="0"/>
-              </a:spcAft>
-              <a:defRPr>
-                <a:solidFill>
-                  <a:schemeClr val="tx1"/>
-                </a:solidFill>
-                <a:latin typeface="Arial" panose="020B0604020202020204" pitchFamily="34" charset="0"/>
-              </a:defRPr>
-            </a:lvl6pPr>
-            <a:lvl7pPr marL="2971800" indent="-228600" eaLnBrk="0" fontAlgn="base" hangingPunct="0">
-              <a:spcBef>
-                <a:spcPct val="0"/>
-              </a:spcBef>
-              <a:spcAft>
-                <a:spcPct val="0"/>
-              </a:spcAft>
-              <a:defRPr>
-                <a:solidFill>
-                  <a:schemeClr val="tx1"/>
-                </a:solidFill>
-                <a:latin typeface="Arial" panose="020B0604020202020204" pitchFamily="34" charset="0"/>
-              </a:defRPr>
-            </a:lvl7pPr>
-            <a:lvl8pPr marL="3429000" indent="-228600" eaLnBrk="0" fontAlgn="base" hangingPunct="0">
-              <a:spcBef>
-                <a:spcPct val="0"/>
-              </a:spcBef>
-              <a:spcAft>
-                <a:spcPct val="0"/>
-              </a:spcAft>
-              <a:defRPr>
-                <a:solidFill>
-                  <a:schemeClr val="tx1"/>
-                </a:solidFill>
-                <a:latin typeface="Arial" panose="020B0604020202020204" pitchFamily="34" charset="0"/>
-              </a:defRPr>
-            </a:lvl8pPr>
-            <a:lvl9pPr marL="3886200" indent="-228600" eaLnBrk="0" fontAlgn="base" hangingPunct="0">
-              <a:spcBef>
-                <a:spcPct val="0"/>
-              </a:spcBef>
-              <a:spcAft>
-                <a:spcPct val="0"/>
-              </a:spcAft>
-              <a:defRPr>
-                <a:solidFill>
-                  <a:schemeClr val="tx1"/>
-                </a:solidFill>
-                <a:latin typeface="Arial" panose="020B0604020202020204" pitchFamily="34" charset="0"/>
-              </a:defRPr>
-            </a:lvl9pPr>
-          </a:lstStyle>
-          <a:p>
-            <a:r>
-              <a:rPr lang="en-US" altLang="ko-KR" sz="2000" b="1" dirty="0">
-                <a:ea typeface="굴림" panose="020B0600000101010101" pitchFamily="50" charset="-127"/>
-              </a:rPr>
-              <a:t>Generalized and scalable Power management</a:t>
-            </a:r>
-            <a:endParaRPr lang="ko-KR" altLang="en-US" sz="2000" b="1" dirty="0">
-              <a:ea typeface="굴림" panose="020B0600000101010101" pitchFamily="50" charset="-127"/>
-            </a:endParaRPr>
-          </a:p>
-        </p:txBody>
-      </p:sp>
-      <p:sp>
-        <p:nvSpPr>
-          <p:cNvPr id="17" name="Text Box 340"/>
-          <p:cNvSpPr txBox="1">
-            <a:spLocks noChangeArrowheads="1"/>
-          </p:cNvSpPr>
-          <p:nvPr/>
-        </p:nvSpPr>
-        <p:spPr bwMode="auto">
-          <a:xfrm>
-            <a:off x="1115616" y="1556853"/>
-            <a:ext cx="10306072" cy="2062103"/>
-          </a:xfrm>
-          <a:prstGeom prst="rect">
-            <a:avLst/>
-          </a:prstGeom>
-          <a:noFill/>
-          <a:ln>
-            <a:noFill/>
-          </a:ln>
-          <a:effectLst/>
-          <a:extLst>
-            <a:ext uri="{909E8E84-426E-40DD-AFC4-6F175D3DCCD1}">
-              <a14:hiddenFill xmlns:a14="http://schemas.microsoft.com/office/drawing/2010/main">
-                <a:solidFill>
-                  <a:schemeClr val="accent1"/>
-                </a:solidFill>
-              </a14:hiddenFill>
-            </a:ext>
-            <a:ext uri="{91240B29-F687-4F45-9708-019B960494DF}">
-              <a14:hiddenLine xmlns:a14="http://schemas.microsoft.com/office/drawing/2010/main" w="9525">
-                <a:solidFill>
-                  <a:schemeClr val="tx1"/>
-                </a:solidFill>
-                <a:miter lim="800000"/>
-                <a:headEnd/>
-                <a:tailEnd/>
-              </a14:hiddenLine>
-            </a:ext>
-            <a:ext uri="{AF507438-7753-43E0-B8FC-AC1667EBCBE1}">
-              <a14:hiddenEffects xmlns:a14="http://schemas.microsoft.com/office/drawing/2010/main">
-                <a:effectLst>
-                  <a:outerShdw dist="35921" dir="2700000" algn="ctr" rotWithShape="0">
-                    <a:schemeClr val="bg2"/>
-                  </a:outerShdw>
-                </a:effectLst>
-              </a14:hiddenEffects>
-            </a:ext>
-          </a:extLst>
-        </p:spPr>
-        <p:txBody>
-          <a:bodyPr wrap="square">
-            <a:spAutoFit/>
-          </a:bodyPr>
-          <a:lstStyle>
-            <a:lvl1pPr>
-              <a:defRPr>
-                <a:solidFill>
-                  <a:schemeClr val="tx1"/>
-                </a:solidFill>
-                <a:latin typeface="Arial" panose="020B0604020202020204" pitchFamily="34" charset="0"/>
-              </a:defRPr>
-            </a:lvl1pPr>
-            <a:lvl2pPr marL="742950" indent="-285750">
-              <a:defRPr>
-                <a:solidFill>
-                  <a:schemeClr val="tx1"/>
-                </a:solidFill>
-                <a:latin typeface="Arial" panose="020B0604020202020204" pitchFamily="34" charset="0"/>
-              </a:defRPr>
-            </a:lvl2pPr>
-            <a:lvl3pPr marL="1143000" indent="-228600">
-              <a:defRPr>
-                <a:solidFill>
-                  <a:schemeClr val="tx1"/>
-                </a:solidFill>
-                <a:latin typeface="Arial" panose="020B0604020202020204" pitchFamily="34" charset="0"/>
-              </a:defRPr>
-            </a:lvl3pPr>
-            <a:lvl4pPr marL="1600200" indent="-228600">
-              <a:defRPr>
-                <a:solidFill>
-                  <a:schemeClr val="tx1"/>
-                </a:solidFill>
-                <a:latin typeface="Arial" panose="020B0604020202020204" pitchFamily="34" charset="0"/>
-              </a:defRPr>
-            </a:lvl4pPr>
-            <a:lvl5pPr marL="2057400" indent="-228600">
-              <a:defRPr>
-                <a:solidFill>
-                  <a:schemeClr val="tx1"/>
-                </a:solidFill>
-                <a:latin typeface="Arial" panose="020B0604020202020204" pitchFamily="34" charset="0"/>
-              </a:defRPr>
-            </a:lvl5pPr>
-            <a:lvl6pPr marL="2514600" indent="-228600" eaLnBrk="0" fontAlgn="base" hangingPunct="0">
-              <a:spcBef>
-                <a:spcPct val="0"/>
-              </a:spcBef>
-              <a:spcAft>
-                <a:spcPct val="0"/>
-              </a:spcAft>
-              <a:defRPr>
-                <a:solidFill>
-                  <a:schemeClr val="tx1"/>
-                </a:solidFill>
-                <a:latin typeface="Arial" panose="020B0604020202020204" pitchFamily="34" charset="0"/>
-              </a:defRPr>
-            </a:lvl6pPr>
-            <a:lvl7pPr marL="2971800" indent="-228600" eaLnBrk="0" fontAlgn="base" hangingPunct="0">
-              <a:spcBef>
-                <a:spcPct val="0"/>
-              </a:spcBef>
-              <a:spcAft>
-                <a:spcPct val="0"/>
-              </a:spcAft>
-              <a:defRPr>
-                <a:solidFill>
-                  <a:schemeClr val="tx1"/>
-                </a:solidFill>
-                <a:latin typeface="Arial" panose="020B0604020202020204" pitchFamily="34" charset="0"/>
-              </a:defRPr>
-            </a:lvl7pPr>
-            <a:lvl8pPr marL="3429000" indent="-228600" eaLnBrk="0" fontAlgn="base" hangingPunct="0">
-              <a:spcBef>
-                <a:spcPct val="0"/>
-              </a:spcBef>
-              <a:spcAft>
-                <a:spcPct val="0"/>
-              </a:spcAft>
-              <a:defRPr>
-                <a:solidFill>
-                  <a:schemeClr val="tx1"/>
-                </a:solidFill>
-                <a:latin typeface="Arial" panose="020B0604020202020204" pitchFamily="34" charset="0"/>
-              </a:defRPr>
-            </a:lvl8pPr>
-            <a:lvl9pPr marL="3886200" indent="-228600" eaLnBrk="0" fontAlgn="base" hangingPunct="0">
-              <a:spcBef>
-                <a:spcPct val="0"/>
-              </a:spcBef>
-              <a:spcAft>
-                <a:spcPct val="0"/>
-              </a:spcAft>
-              <a:defRPr>
-                <a:solidFill>
-                  <a:schemeClr val="tx1"/>
-                </a:solidFill>
-                <a:latin typeface="Arial" panose="020B0604020202020204" pitchFamily="34" charset="0"/>
-              </a:defRPr>
-            </a:lvl9pPr>
-          </a:lstStyle>
-          <a:p>
-            <a:pPr marL="342900" indent="-342900">
-              <a:buFont typeface="Arial" panose="020B0604020202020204" pitchFamily="34" charset="0"/>
-              <a:buChar char="•"/>
-              <a:defRPr/>
-            </a:pPr>
-            <a:r>
-              <a:rPr lang="en-US" altLang="ko-KR" sz="1600" dirty="0" smtClean="0">
-                <a:solidFill>
-                  <a:srgbClr val="FF0000"/>
-                </a:solidFill>
-                <a:ea typeface="굴림" panose="020B0600000101010101" pitchFamily="50" charset="-127"/>
-              </a:rPr>
-              <a:t>PMP</a:t>
-            </a:r>
-            <a:r>
-              <a:rPr lang="ko-KR" altLang="en-US" sz="1600" dirty="0" smtClean="0">
-                <a:solidFill>
-                  <a:srgbClr val="FF0000"/>
-                </a:solidFill>
-                <a:ea typeface="굴림" panose="020B0600000101010101" pitchFamily="50" charset="-127"/>
-              </a:rPr>
-              <a:t>는 </a:t>
-            </a:r>
-            <a:r>
-              <a:rPr lang="ko-KR" altLang="en-US" sz="1600" dirty="0" err="1" smtClean="0">
-                <a:solidFill>
-                  <a:srgbClr val="FF0000"/>
-                </a:solidFill>
-                <a:ea typeface="굴림" panose="020B0600000101010101" pitchFamily="50" charset="-127"/>
-              </a:rPr>
-              <a:t>미래주행</a:t>
-            </a:r>
-            <a:r>
-              <a:rPr lang="ko-KR" altLang="en-US" sz="1600" dirty="0" smtClean="0">
-                <a:solidFill>
-                  <a:srgbClr val="FF0000"/>
-                </a:solidFill>
-                <a:ea typeface="굴림" panose="020B0600000101010101" pitchFamily="50" charset="-127"/>
-              </a:rPr>
-              <a:t> 정보가 필요하므로 일반화 된 동력분배전략을 도출하기 어려움 </a:t>
-            </a:r>
-            <a:endParaRPr lang="en-US" altLang="ko-KR" sz="1600" dirty="0" smtClean="0">
-              <a:solidFill>
-                <a:srgbClr val="FF0000"/>
-              </a:solidFill>
-              <a:ea typeface="굴림" panose="020B0600000101010101" pitchFamily="50" charset="-127"/>
-            </a:endParaRPr>
-          </a:p>
-          <a:p>
-            <a:pPr marL="342900" indent="-342900">
-              <a:buFont typeface="Arial" panose="020B0604020202020204" pitchFamily="34" charset="0"/>
-              <a:buChar char="•"/>
-              <a:defRPr/>
-            </a:pPr>
-            <a:endParaRPr lang="en-US" altLang="ko-KR" sz="1600" dirty="0">
-              <a:solidFill>
-                <a:srgbClr val="FF0000"/>
-              </a:solidFill>
-              <a:ea typeface="굴림" panose="020B0600000101010101" pitchFamily="50" charset="-127"/>
-            </a:endParaRPr>
-          </a:p>
-          <a:p>
-            <a:pPr marL="342900" indent="-342900">
-              <a:buFont typeface="Arial" panose="020B0604020202020204" pitchFamily="34" charset="0"/>
-              <a:buChar char="•"/>
-              <a:defRPr/>
-            </a:pPr>
-            <a:r>
-              <a:rPr lang="en-US" altLang="ko-KR" sz="1600" dirty="0" smtClean="0">
-                <a:solidFill>
-                  <a:srgbClr val="FF0000"/>
-                </a:solidFill>
-                <a:ea typeface="굴림" panose="020B0600000101010101" pitchFamily="50" charset="-127"/>
-              </a:rPr>
-              <a:t>DDPG</a:t>
-            </a:r>
-            <a:r>
-              <a:rPr lang="ko-KR" altLang="en-US" sz="1600" dirty="0" smtClean="0">
-                <a:solidFill>
-                  <a:srgbClr val="FF0000"/>
-                </a:solidFill>
-                <a:ea typeface="굴림" panose="020B0600000101010101" pitchFamily="50" charset="-127"/>
-              </a:rPr>
-              <a:t>가 </a:t>
-            </a:r>
-            <a:r>
-              <a:rPr lang="en-US" altLang="ko-KR" sz="1600" dirty="0" smtClean="0">
-                <a:solidFill>
-                  <a:srgbClr val="FF0000"/>
-                </a:solidFill>
-                <a:ea typeface="굴림" panose="020B0600000101010101" pitchFamily="50" charset="-127"/>
-              </a:rPr>
-              <a:t>PMP</a:t>
-            </a:r>
-            <a:r>
-              <a:rPr lang="ko-KR" altLang="en-US" sz="1600" dirty="0" smtClean="0">
-                <a:solidFill>
-                  <a:srgbClr val="FF0000"/>
-                </a:solidFill>
-                <a:ea typeface="굴림" panose="020B0600000101010101" pitchFamily="50" charset="-127"/>
-              </a:rPr>
-              <a:t>에 비해 월등한 일반화 성능을 보임을 강조 </a:t>
-            </a:r>
-            <a:endParaRPr lang="en-US" altLang="ko-KR" sz="1600" dirty="0">
-              <a:solidFill>
-                <a:srgbClr val="FF0000"/>
-              </a:solidFill>
-              <a:ea typeface="굴림" panose="020B0600000101010101" pitchFamily="50" charset="-127"/>
-            </a:endParaRPr>
-          </a:p>
-          <a:p>
-            <a:pPr marL="342900" indent="-342900">
-              <a:buFont typeface="Arial" panose="020B0604020202020204" pitchFamily="34" charset="0"/>
-              <a:buChar char="•"/>
-              <a:defRPr/>
-            </a:pPr>
-            <a:endParaRPr lang="en-US" altLang="ko-KR" sz="1600" dirty="0" smtClean="0">
-              <a:solidFill>
-                <a:srgbClr val="FF0000"/>
-              </a:solidFill>
-              <a:ea typeface="굴림" panose="020B0600000101010101" pitchFamily="50" charset="-127"/>
-            </a:endParaRPr>
-          </a:p>
-          <a:p>
-            <a:pPr marL="342900" indent="-342900">
-              <a:buFont typeface="Arial" panose="020B0604020202020204" pitchFamily="34" charset="0"/>
-              <a:buChar char="•"/>
-              <a:defRPr/>
-            </a:pPr>
-            <a:endParaRPr lang="en-US" altLang="ko-KR" sz="1600" dirty="0" smtClean="0">
-              <a:solidFill>
-                <a:srgbClr val="FF0000"/>
-              </a:solidFill>
-              <a:ea typeface="굴림" panose="020B0600000101010101" pitchFamily="50" charset="-127"/>
-            </a:endParaRPr>
-          </a:p>
-          <a:p>
-            <a:pPr marL="342900" indent="-342900">
-              <a:buFont typeface="Arial" panose="020B0604020202020204" pitchFamily="34" charset="0"/>
-              <a:buChar char="•"/>
-              <a:defRPr/>
-            </a:pPr>
-            <a:endParaRPr lang="en-US" altLang="ko-KR" sz="1600" dirty="0">
-              <a:solidFill>
-                <a:srgbClr val="FF0000"/>
-              </a:solidFill>
-              <a:ea typeface="굴림" panose="020B0600000101010101" pitchFamily="50" charset="-127"/>
-            </a:endParaRPr>
-          </a:p>
-          <a:p>
-            <a:pPr marL="342900" indent="-342900">
-              <a:buFont typeface="Arial" panose="020B0604020202020204" pitchFamily="34" charset="0"/>
-              <a:buChar char="•"/>
-              <a:defRPr/>
-            </a:pPr>
-            <a:endParaRPr lang="en-US" altLang="ko-KR" sz="1600" dirty="0" smtClean="0">
-              <a:ea typeface="굴림" panose="020B0600000101010101" pitchFamily="50" charset="-127"/>
-            </a:endParaRPr>
-          </a:p>
-          <a:p>
-            <a:pPr marL="342900" indent="-342900">
-              <a:buFont typeface="Arial" panose="020B0604020202020204" pitchFamily="34" charset="0"/>
-              <a:buChar char="•"/>
-              <a:defRPr/>
-            </a:pPr>
-            <a:endParaRPr lang="en-US" altLang="ko-KR" sz="1600" dirty="0">
-              <a:solidFill>
-                <a:srgbClr val="FF0000"/>
-              </a:solidFill>
-              <a:ea typeface="굴림" panose="020B0600000101010101" pitchFamily="50" charset="-127"/>
-            </a:endParaRPr>
-          </a:p>
-        </p:txBody>
-      </p:sp>
-      <p:sp>
-        <p:nvSpPr>
-          <p:cNvPr id="7" name="TextBox 6"/>
-          <p:cNvSpPr txBox="1"/>
-          <p:nvPr/>
-        </p:nvSpPr>
-        <p:spPr>
-          <a:xfrm>
-            <a:off x="6738590" y="300263"/>
-            <a:ext cx="5342832" cy="1477328"/>
-          </a:xfrm>
-          <a:prstGeom prst="rect">
-            <a:avLst/>
-          </a:prstGeom>
-          <a:noFill/>
-          <a:ln w="28575">
-            <a:solidFill>
-              <a:srgbClr val="92D050"/>
-            </a:solidFill>
-          </a:ln>
-        </p:spPr>
-        <p:txBody>
-          <a:bodyPr wrap="square" rtlCol="0">
-            <a:spAutoFit/>
-          </a:bodyPr>
-          <a:lstStyle/>
-          <a:p>
-            <a:pPr algn="ctr"/>
-            <a:r>
-              <a:rPr lang="ko-KR" altLang="en-US" b="1" dirty="0" smtClean="0">
-                <a:solidFill>
-                  <a:srgbClr val="00B050"/>
-                </a:solidFill>
-              </a:rPr>
-              <a:t>동일한 주행사이클에서의 </a:t>
-            </a:r>
-            <a:r>
-              <a:rPr lang="en-US" altLang="ko-KR" b="1" dirty="0" smtClean="0">
-                <a:solidFill>
-                  <a:srgbClr val="00B050"/>
-                </a:solidFill>
-              </a:rPr>
-              <a:t>DDPG</a:t>
-            </a:r>
-            <a:r>
-              <a:rPr lang="ko-KR" altLang="en-US" b="1" dirty="0" smtClean="0">
-                <a:solidFill>
-                  <a:srgbClr val="00B050"/>
-                </a:solidFill>
-              </a:rPr>
-              <a:t>와 </a:t>
-            </a:r>
-            <a:r>
-              <a:rPr lang="en-US" altLang="ko-KR" b="1" dirty="0" smtClean="0">
-                <a:solidFill>
-                  <a:srgbClr val="00B050"/>
-                </a:solidFill>
-              </a:rPr>
-              <a:t>PMP</a:t>
-            </a:r>
-            <a:r>
-              <a:rPr lang="ko-KR" altLang="en-US" b="1" dirty="0" smtClean="0">
-                <a:solidFill>
-                  <a:srgbClr val="00B050"/>
-                </a:solidFill>
-              </a:rPr>
-              <a:t>의 비교</a:t>
-            </a:r>
-            <a:endParaRPr lang="en-US" altLang="ko-KR" b="1" dirty="0" smtClean="0">
-              <a:solidFill>
-                <a:srgbClr val="00B050"/>
-              </a:solidFill>
-            </a:endParaRPr>
-          </a:p>
-          <a:p>
-            <a:pPr algn="ctr"/>
-            <a:r>
-              <a:rPr lang="en-US" altLang="ko-KR" b="1" dirty="0" smtClean="0">
-                <a:solidFill>
-                  <a:srgbClr val="00B050"/>
-                </a:solidFill>
-              </a:rPr>
-              <a:t>(</a:t>
-            </a:r>
-            <a:r>
-              <a:rPr lang="en-US" altLang="ko-KR" b="1" dirty="0" err="1">
-                <a:solidFill>
-                  <a:srgbClr val="00B050"/>
-                </a:solidFill>
-              </a:rPr>
-              <a:t>model_validation</a:t>
-            </a:r>
-            <a:r>
-              <a:rPr lang="en-US" altLang="ko-KR" b="1" dirty="0">
-                <a:solidFill>
-                  <a:srgbClr val="00B050"/>
-                </a:solidFill>
-              </a:rPr>
-              <a:t>/</a:t>
-            </a:r>
-            <a:r>
-              <a:rPr lang="en-US" altLang="ko-KR" b="1" dirty="0" err="1">
-                <a:solidFill>
-                  <a:srgbClr val="00B050"/>
-                </a:solidFill>
-              </a:rPr>
-              <a:t>test_model_with_ECMS</a:t>
-            </a:r>
-            <a:r>
-              <a:rPr lang="en-US" altLang="ko-KR" b="1" dirty="0">
-                <a:solidFill>
-                  <a:srgbClr val="00B050"/>
-                </a:solidFill>
-              </a:rPr>
-              <a:t>)</a:t>
-            </a:r>
-            <a:endParaRPr lang="en-US" altLang="ko-KR" b="1" dirty="0" smtClean="0">
-              <a:solidFill>
-                <a:srgbClr val="00B050"/>
-              </a:solidFill>
-            </a:endParaRPr>
-          </a:p>
-          <a:p>
-            <a:pPr algn="ctr"/>
-            <a:endParaRPr lang="en-US" altLang="ko-KR" b="1" dirty="0" smtClean="0">
-              <a:solidFill>
-                <a:srgbClr val="00B050"/>
-              </a:solidFill>
-            </a:endParaRPr>
-          </a:p>
-          <a:p>
-            <a:pPr algn="ctr"/>
-            <a:r>
-              <a:rPr lang="ko-KR" altLang="en-US" b="1" dirty="0" err="1">
-                <a:solidFill>
-                  <a:srgbClr val="00B050"/>
-                </a:solidFill>
-              </a:rPr>
-              <a:t>차중</a:t>
-            </a:r>
-            <a:r>
-              <a:rPr lang="ko-KR" altLang="en-US" b="1" dirty="0">
-                <a:solidFill>
-                  <a:srgbClr val="00B050"/>
-                </a:solidFill>
-              </a:rPr>
-              <a:t> </a:t>
-            </a:r>
-            <a:r>
-              <a:rPr lang="en-US" altLang="ko-KR" b="1" dirty="0">
-                <a:solidFill>
-                  <a:srgbClr val="00B050"/>
-                </a:solidFill>
-              </a:rPr>
-              <a:t>1200 </a:t>
-            </a:r>
-            <a:r>
-              <a:rPr lang="ko-KR" altLang="en-US" b="1" dirty="0">
-                <a:solidFill>
-                  <a:srgbClr val="00B050"/>
-                </a:solidFill>
-              </a:rPr>
-              <a:t>다시 해야함</a:t>
-            </a:r>
-            <a:endParaRPr lang="en-US" altLang="ko-KR" b="1" dirty="0">
-              <a:solidFill>
-                <a:srgbClr val="00B050"/>
-              </a:solidFill>
-            </a:endParaRPr>
-          </a:p>
-          <a:p>
-            <a:pPr algn="ctr"/>
-            <a:r>
-              <a:rPr lang="en-US" altLang="ko-KR" b="1" dirty="0" smtClean="0">
-                <a:solidFill>
-                  <a:schemeClr val="accent2"/>
-                </a:solidFill>
-              </a:rPr>
-              <a:t>MDP </a:t>
-            </a:r>
-            <a:r>
-              <a:rPr lang="ko-KR" altLang="en-US" b="1" dirty="0" smtClean="0">
-                <a:solidFill>
-                  <a:schemeClr val="accent2"/>
-                </a:solidFill>
-              </a:rPr>
-              <a:t>모델 </a:t>
-            </a:r>
-            <a:r>
-              <a:rPr lang="en-US" altLang="ko-KR" b="1" dirty="0" smtClean="0">
-                <a:solidFill>
-                  <a:schemeClr val="accent2"/>
-                </a:solidFill>
-              </a:rPr>
-              <a:t>(all cycle</a:t>
-            </a:r>
-            <a:r>
-              <a:rPr lang="ko-KR" altLang="en-US" b="1" dirty="0" smtClean="0">
-                <a:solidFill>
-                  <a:schemeClr val="accent2"/>
-                </a:solidFill>
-              </a:rPr>
-              <a:t>은 삭제됨</a:t>
-            </a:r>
-            <a:r>
-              <a:rPr lang="en-US" altLang="ko-KR" b="1" dirty="0" smtClean="0">
-                <a:solidFill>
-                  <a:schemeClr val="accent2"/>
-                </a:solidFill>
-              </a:rPr>
-              <a:t>..)</a:t>
-            </a:r>
-          </a:p>
-        </p:txBody>
-      </p:sp>
-      <mc:AlternateContent xmlns:mc="http://schemas.openxmlformats.org/markup-compatibility/2006" xmlns:a14="http://schemas.microsoft.com/office/drawing/2010/main">
-        <mc:Choice Requires="a14">
+      <mc:AlternateContent xmlns:mc="http://schemas.openxmlformats.org/markup-compatibility/2006">
+        <mc:Choice xmlns:a14="http://schemas.microsoft.com/office/drawing/2010/main" Requires="a14">
           <p:graphicFrame>
             <p:nvGraphicFramePr>
-              <p:cNvPr id="10" name="표 9"/>
+              <p:cNvPr id="28" name="표 27"/>
               <p:cNvGraphicFramePr>
                 <a:graphicFrameLocks noGrp="1"/>
               </p:cNvGraphicFramePr>
               <p:nvPr>
                 <p:extLst>
                   <p:ext uri="{D42A27DB-BD31-4B8C-83A1-F6EECF244321}">
-                    <p14:modId xmlns:p14="http://schemas.microsoft.com/office/powerpoint/2010/main" val="1043106923"/>
+                    <p14:modId xmlns:p14="http://schemas.microsoft.com/office/powerpoint/2010/main" val="179198640"/>
                   </p:ext>
                 </p:extLst>
               </p:nvPr>
             </p:nvGraphicFramePr>
             <p:xfrm>
-              <a:off x="2987784" y="4145775"/>
-              <a:ext cx="2872845" cy="1561950"/>
+              <a:off x="8986210" y="4124086"/>
+              <a:ext cx="3040046" cy="1596270"/>
             </p:xfrm>
             <a:graphic>
               <a:graphicData uri="http://schemas.openxmlformats.org/drawingml/2006/table">
@@ -26946,21 +26547,21 @@
                     <a:tableStyleId>{5C22544A-7EE6-4342-B048-85BDC9FD1C3A}</a:tableStyleId>
                   </a:tblPr>
                   <a:tblGrid>
-                    <a:gridCol w="1514154">
+                    <a:gridCol w="1385226">
                       <a:extLst>
                         <a:ext uri="{9D8B030D-6E8A-4147-A177-3AD203B41FA5}">
                           <a16:colId xmlns:a16="http://schemas.microsoft.com/office/drawing/2014/main" val="3726243108"/>
                         </a:ext>
                       </a:extLst>
                     </a:gridCol>
-                    <a:gridCol w="724530">
+                    <a:gridCol w="827410">
                       <a:extLst>
                         <a:ext uri="{9D8B030D-6E8A-4147-A177-3AD203B41FA5}">
                           <a16:colId xmlns:a16="http://schemas.microsoft.com/office/drawing/2014/main" val="472462486"/>
                         </a:ext>
                       </a:extLst>
                     </a:gridCol>
-                    <a:gridCol w="634161">
+                    <a:gridCol w="827410">
                       <a:extLst>
                         <a:ext uri="{9D8B030D-6E8A-4147-A177-3AD203B41FA5}">
                           <a16:colId xmlns:a16="http://schemas.microsoft.com/office/drawing/2014/main" val="4076666659"/>
@@ -27003,7 +26604,7 @@
                           <a:pPr algn="ctr" latinLnBrk="1"/>
                           <a:r>
                             <a:rPr lang="en-US" altLang="ko-KR" sz="1400" dirty="0" smtClean="0"/>
-                            <a:t>PMP</a:t>
+                            <a:t>ECMS</a:t>
                           </a:r>
                           <a:endParaRPr lang="ko-KR" altLang="en-US" sz="1400" dirty="0"/>
                         </a:p>
@@ -27024,41 +26625,18 @@
                         <a:p>
                           <a:pPr algn="ctr" latinLnBrk="1"/>
                           <a:r>
-                            <a:rPr lang="en-US" altLang="ko-KR" sz="1200" b="1" i="0" dirty="0" smtClean="0"/>
+                            <a:rPr lang="en-US" altLang="ko-KR" sz="1400" b="1" i="0" dirty="0" smtClean="0"/>
                             <a:t>Final</a:t>
                           </a:r>
                           <a:r>
-                            <a:rPr lang="en-US" altLang="ko-KR" sz="1200" b="1" i="0" baseline="0" dirty="0" smtClean="0"/>
+                            <a:rPr lang="en-US" altLang="ko-KR" sz="1400" b="1" i="0" baseline="0" dirty="0" smtClean="0"/>
                             <a:t> </a:t>
                           </a:r>
                           <a:r>
-                            <a:rPr lang="en-US" altLang="ko-KR" sz="1200" b="1" i="0" dirty="0" smtClean="0"/>
+                            <a:rPr lang="en-US" altLang="ko-KR" sz="1400" b="1" i="0" dirty="0" smtClean="0"/>
                             <a:t>SOC</a:t>
                           </a:r>
-                          <a:endParaRPr lang="ko-KR" altLang="en-US" sz="1200" b="1" i="0" dirty="0"/>
-                        </a:p>
-                      </a:txBody>
-                      <a:tcPr/>
-                    </a:tc>
-                    <a:tc>
-                      <a:txBody>
-                        <a:bodyPr/>
-                        <a:lstStyle/>
-                        <a:p>
-                          <a:pPr algn="ctr" latinLnBrk="1"/>
-                          <a:r>
-                            <a:rPr lang="en-US" altLang="ko-KR" sz="1400" dirty="0" smtClean="0">
-                              <a:solidFill>
-                                <a:schemeClr val="accent2"/>
-                              </a:solidFill>
-                            </a:rPr>
-                            <a:t>0.601</a:t>
-                          </a:r>
-                          <a:endParaRPr lang="ko-KR" altLang="en-US" sz="1400" dirty="0">
-                            <a:solidFill>
-                              <a:schemeClr val="accent2"/>
-                            </a:solidFill>
-                          </a:endParaRPr>
+                          <a:endParaRPr lang="ko-KR" altLang="en-US" sz="1400" b="1" i="0" dirty="0"/>
                         </a:p>
                       </a:txBody>
                       <a:tcPr/>
@@ -27071,7 +26649,22 @@
                           <a:pPr algn="ctr" latinLnBrk="1"/>
                           <a:r>
                             <a:rPr lang="en-US" altLang="ko-KR" sz="1400" dirty="0" smtClean="0"/>
-                            <a:t>0.519</a:t>
+                            <a:t>0.605</a:t>
+                          </a:r>
+                          <a:endParaRPr lang="ko-KR" altLang="en-US" sz="1400" dirty="0"/>
+                        </a:p>
+                      </a:txBody>
+                      <a:tcPr/>
+                    </a:tc>
+                    <a:tc>
+                      <a:txBody>
+                        <a:bodyPr/>
+                        <a:lstStyle/>
+                        <a:p>
+                          <a:pPr algn="ctr" latinLnBrk="1"/>
+                          <a:r>
+                            <a:rPr lang="en-US" altLang="ko-KR" sz="1400" dirty="0" smtClean="0"/>
+                            <a:t>0.593</a:t>
                           </a:r>
                           <a:endParaRPr lang="ko-KR" altLang="en-US" sz="1400" dirty="0"/>
                         </a:p>
@@ -27092,14 +26685,14 @@
                         <a:p>
                           <a:pPr algn="ctr" latinLnBrk="1"/>
                           <a:r>
-                            <a:rPr lang="en-US" altLang="ko-KR" sz="1200" b="1" i="0" dirty="0" smtClean="0"/>
+                            <a:rPr lang="en-US" altLang="ko-KR" sz="1400" b="1" i="0" dirty="0" smtClean="0"/>
                             <a:t>FC </a:t>
                           </a:r>
                           <a:r>
-                            <a:rPr lang="en-US" altLang="ko-KR" sz="1200" b="1" i="0" baseline="0" dirty="0" smtClean="0"/>
+                            <a:rPr lang="en-US" altLang="ko-KR" sz="1400" b="1" i="0" baseline="0" dirty="0" smtClean="0"/>
                             <a:t>[g]</a:t>
                           </a:r>
-                          <a:endParaRPr lang="ko-KR" altLang="en-US" sz="1200" b="1" i="0" dirty="0"/>
+                          <a:endParaRPr lang="ko-KR" altLang="en-US" sz="1400" b="1" i="0" dirty="0"/>
                         </a:p>
                       </a:txBody>
                       <a:tcPr/>
@@ -27112,7 +26705,7 @@
                           <a:pPr algn="ctr" latinLnBrk="1"/>
                           <a:r>
                             <a:rPr lang="en-US" altLang="ko-KR" sz="1400" dirty="0" smtClean="0"/>
-                            <a:t>46.77 </a:t>
+                            <a:t>58.05</a:t>
                           </a:r>
                           <a:endParaRPr lang="ko-KR" altLang="en-US" sz="1400" dirty="0"/>
                         </a:p>
@@ -27127,7 +26720,7 @@
                           <a:pPr algn="ctr" latinLnBrk="1"/>
                           <a:r>
                             <a:rPr lang="en-US" altLang="ko-KR" sz="1400" dirty="0" smtClean="0"/>
-                            <a:t>40.43</a:t>
+                            <a:t>56.31 </a:t>
                           </a:r>
                           <a:endParaRPr lang="ko-KR" altLang="en-US" sz="1400" dirty="0"/>
                         </a:p>
@@ -27147,15 +26740,76 @@
                         <a:lstStyle/>
                         <a:p>
                           <a:pPr algn="ctr" latinLnBrk="1"/>
+                          <a14:m>
+                            <m:oMath xmlns:m="http://schemas.openxmlformats.org/officeDocument/2006/math">
+                              <m:sSub>
+                                <m:sSubPr>
+                                  <m:ctrlPr>
+                                    <a:rPr lang="en-US" altLang="ko-KR" sz="1400" b="1" i="1" baseline="0" smtClean="0">
+                                      <a:latin typeface="Cambria Math" panose="02040503050406030204" pitchFamily="18" charset="0"/>
+                                    </a:rPr>
+                                  </m:ctrlPr>
+                                </m:sSubPr>
+                                <m:e>
+                                  <m:r>
+                                    <m:rPr>
+                                      <m:nor/>
+                                    </m:rPr>
+                                    <a:rPr lang="en-US" altLang="ko-KR" sz="1400" b="1" i="0" dirty="0" smtClean="0"/>
+                                    <m:t>FC</m:t>
+                                  </m:r>
+                                </m:e>
+                                <m:sub>
+                                  <m:r>
+                                    <a:rPr lang="en-US" altLang="ko-KR" sz="1400" b="1" i="1" baseline="0" smtClean="0">
+                                      <a:latin typeface="Cambria Math" panose="02040503050406030204" pitchFamily="18" charset="0"/>
+                                    </a:rPr>
+                                    <m:t>@</m:t>
+                                  </m:r>
+                                  <m:r>
+                                    <a:rPr lang="en-US" altLang="ko-KR" sz="1400" b="1" i="1" baseline="0" smtClean="0">
+                                      <a:latin typeface="Cambria Math" panose="02040503050406030204" pitchFamily="18" charset="0"/>
+                                    </a:rPr>
+                                    <m:t>𝑺𝑶</m:t>
+                                  </m:r>
+                                  <m:sSub>
+                                    <m:sSubPr>
+                                      <m:ctrlPr>
+                                        <a:rPr lang="en-US" altLang="ko-KR" sz="1400" b="1" i="1" baseline="0" smtClean="0">
+                                          <a:latin typeface="Cambria Math" panose="02040503050406030204" pitchFamily="18" charset="0"/>
+                                        </a:rPr>
+                                      </m:ctrlPr>
+                                    </m:sSubPr>
+                                    <m:e>
+                                      <m:r>
+                                        <a:rPr lang="en-US" altLang="ko-KR" sz="1400" b="1" i="1" baseline="0" smtClean="0">
+                                          <a:latin typeface="Cambria Math" panose="02040503050406030204" pitchFamily="18" charset="0"/>
+                                        </a:rPr>
+                                        <m:t>𝑪</m:t>
+                                      </m:r>
+                                    </m:e>
+                                    <m:sub>
+                                      <m:r>
+                                        <a:rPr lang="en-US" altLang="ko-KR" sz="1400" b="1" i="1" baseline="0" smtClean="0">
+                                          <a:latin typeface="Cambria Math" panose="02040503050406030204" pitchFamily="18" charset="0"/>
+                                        </a:rPr>
+                                        <m:t>𝒓𝒆𝒇</m:t>
+                                      </m:r>
+                                    </m:sub>
+                                  </m:sSub>
+                                </m:sub>
+                              </m:sSub>
+                            </m:oMath>
+                          </a14:m>
                           <a:r>
-                            <a:rPr lang="en-US" altLang="ko-KR" sz="1200" b="1" i="0" dirty="0" smtClean="0"/>
-                            <a:t>Equivalent</a:t>
+                            <a:rPr lang="en-US" altLang="ko-KR" sz="1400" b="1" i="0" baseline="0" dirty="0" smtClean="0"/>
+                            <a:t> </a:t>
                           </a:r>
                           <a:r>
-                            <a:rPr lang="en-US" altLang="ko-KR" sz="1200" b="1" i="0" baseline="0" dirty="0" smtClean="0"/>
-                            <a:t> FC [g]</a:t>
+                            <a:rPr lang="en-US" altLang="ko-KR" sz="1400" b="1" i="0" baseline="0" dirty="0" smtClean="0"/>
+                            <a:t>[g]</a:t>
                           </a:r>
-                          <a:endParaRPr lang="ko-KR" altLang="en-US" sz="1200" b="1" i="0" dirty="0"/>
+                          <a:endParaRPr lang="ko-KR" altLang="en-US" sz="1400" b="1" i="0" dirty="0"/>
                         </a:p>
                       </a:txBody>
                       <a:tcPr/>
@@ -27166,6 +26820,10 @@
                         <a:lstStyle/>
                         <a:p>
                           <a:pPr algn="ctr" latinLnBrk="1"/>
+                          <a:r>
+                            <a:rPr lang="en-US" altLang="ko-KR" sz="1400" dirty="0" smtClean="0"/>
+                            <a:t>57.69</a:t>
+                          </a:r>
                           <a:endParaRPr lang="ko-KR" altLang="en-US" sz="1400" dirty="0"/>
                         </a:p>
                       </a:txBody>
@@ -27177,6 +26835,10 @@
                         <a:lstStyle/>
                         <a:p>
                           <a:pPr algn="ctr" latinLnBrk="1"/>
+                          <a:r>
+                            <a:rPr lang="en-US" altLang="ko-KR" sz="1400" dirty="0" smtClean="0"/>
+                            <a:t>56.80</a:t>
+                          </a:r>
                           <a:endParaRPr lang="ko-KR" altLang="en-US" sz="1400" dirty="0"/>
                         </a:p>
                       </a:txBody>
@@ -27198,7 +26860,7 @@
                           <a14:m>
                             <m:oMath xmlns:m="http://schemas.openxmlformats.org/officeDocument/2006/math">
                               <m:r>
-                                <a:rPr lang="ko-KR" altLang="en-US" sz="1200" b="1" i="1" smtClean="0">
+                                <a:rPr lang="ko-KR" altLang="en-US" sz="1400" b="1" i="1" smtClean="0">
                                   <a:latin typeface="Cambria Math" panose="02040503050406030204" pitchFamily="18" charset="0"/>
                                 </a:rPr>
                                 <m:t>∆</m:t>
@@ -27206,10 +26868,10 @@
                             </m:oMath>
                           </a14:m>
                           <a:r>
-                            <a:rPr lang="en-US" altLang="ko-KR" sz="1200" b="1" i="0" dirty="0" smtClean="0"/>
+                            <a:rPr lang="en-US" altLang="ko-KR" sz="1400" b="1" i="0" dirty="0" smtClean="0"/>
                             <a:t>FC [%]</a:t>
                           </a:r>
-                          <a:endParaRPr lang="ko-KR" altLang="en-US" sz="1200" b="1" i="0" dirty="0"/>
+                          <a:endParaRPr lang="ko-KR" altLang="en-US" sz="1400" b="1" i="0" dirty="0"/>
                         </a:p>
                       </a:txBody>
                       <a:tcPr/>
@@ -27220,7 +26882,19 @@
                         <a:lstStyle/>
                         <a:p>
                           <a:pPr algn="ctr" latinLnBrk="1"/>
-                          <a:endParaRPr lang="ko-KR" altLang="en-US" sz="1400" dirty="0"/>
+                          <a:r>
+                            <a:rPr lang="en-US" altLang="ko-KR" sz="1400" dirty="0" smtClean="0">
+                              <a:solidFill>
+                                <a:schemeClr val="accent2"/>
+                              </a:solidFill>
+                            </a:rPr>
+                            <a:t>+1.57%</a:t>
+                          </a:r>
+                          <a:endParaRPr lang="ko-KR" altLang="en-US" sz="1400" dirty="0">
+                            <a:solidFill>
+                              <a:schemeClr val="accent2"/>
+                            </a:solidFill>
+                          </a:endParaRPr>
                         </a:p>
                       </a:txBody>
                       <a:tcPr/>
@@ -27231,6 +26905,10 @@
                         <a:lstStyle/>
                         <a:p>
                           <a:pPr algn="ctr" latinLnBrk="1"/>
+                          <a:r>
+                            <a:rPr lang="en-US" altLang="ko-KR" sz="1400" dirty="0" smtClean="0"/>
+                            <a:t>-</a:t>
+                          </a:r>
                           <a:endParaRPr lang="ko-KR" altLang="en-US" sz="1400" dirty="0"/>
                         </a:p>
                       </a:txBody>
@@ -27247,24 +26925,24 @@
             </a:graphic>
           </p:graphicFrame>
         </mc:Choice>
-        <mc:Fallback xmlns="">
+        <mc:Fallback>
           <p:graphicFrame>
             <p:nvGraphicFramePr>
-              <p:cNvPr id="10" name="표 9"/>
+              <p:cNvPr id="28" name="표 27"/>
               <p:cNvGraphicFramePr>
                 <a:graphicFrameLocks noGrp="1"/>
               </p:cNvGraphicFramePr>
               <p:nvPr>
                 <p:extLst>
                   <p:ext uri="{D42A27DB-BD31-4B8C-83A1-F6EECF244321}">
-                    <p14:modId xmlns:p14="http://schemas.microsoft.com/office/powerpoint/2010/main" val="1043106923"/>
+                    <p14:modId xmlns:p14="http://schemas.microsoft.com/office/powerpoint/2010/main" val="179198640"/>
                   </p:ext>
                 </p:extLst>
               </p:nvPr>
             </p:nvGraphicFramePr>
             <p:xfrm>
-              <a:off x="2987784" y="4145775"/>
-              <a:ext cx="2872845" cy="1561950"/>
+              <a:off x="8986210" y="4124086"/>
+              <a:ext cx="3040046" cy="1596270"/>
             </p:xfrm>
             <a:graphic>
               <a:graphicData uri="http://schemas.openxmlformats.org/drawingml/2006/table">
@@ -27273,21 +26951,21 @@
                     <a:tableStyleId>{5C22544A-7EE6-4342-B048-85BDC9FD1C3A}</a:tableStyleId>
                   </a:tblPr>
                   <a:tblGrid>
-                    <a:gridCol w="1514154">
+                    <a:gridCol w="1385226">
                       <a:extLst>
                         <a:ext uri="{9D8B030D-6E8A-4147-A177-3AD203B41FA5}">
                           <a16:colId xmlns:a16="http://schemas.microsoft.com/office/drawing/2014/main" val="3726243108"/>
                         </a:ext>
                       </a:extLst>
                     </a:gridCol>
-                    <a:gridCol w="724530">
+                    <a:gridCol w="827410">
                       <a:extLst>
                         <a:ext uri="{9D8B030D-6E8A-4147-A177-3AD203B41FA5}">
                           <a16:colId xmlns:a16="http://schemas.microsoft.com/office/drawing/2014/main" val="472462486"/>
                         </a:ext>
                       </a:extLst>
                     </a:gridCol>
-                    <a:gridCol w="634161">
+                    <a:gridCol w="827410">
                       <a:extLst>
                         <a:ext uri="{9D8B030D-6E8A-4147-A177-3AD203B41FA5}">
                           <a16:colId xmlns:a16="http://schemas.microsoft.com/office/drawing/2014/main" val="4076666659"/>
@@ -27330,7 +27008,7 @@
                           <a:pPr algn="ctr" latinLnBrk="1"/>
                           <a:r>
                             <a:rPr lang="en-US" altLang="ko-KR" sz="1400" dirty="0" smtClean="0"/>
-                            <a:t>PMP</a:t>
+                            <a:t>ECMS</a:t>
                           </a:r>
                           <a:endParaRPr lang="ko-KR" altLang="en-US" sz="1400" dirty="0"/>
                         </a:p>
@@ -27351,41 +27029,18 @@
                         <a:p>
                           <a:pPr algn="ctr" latinLnBrk="1"/>
                           <a:r>
-                            <a:rPr lang="en-US" altLang="ko-KR" sz="1200" b="1" i="0" dirty="0" smtClean="0"/>
+                            <a:rPr lang="en-US" altLang="ko-KR" sz="1400" b="1" i="0" dirty="0" smtClean="0"/>
                             <a:t>Final</a:t>
                           </a:r>
                           <a:r>
-                            <a:rPr lang="en-US" altLang="ko-KR" sz="1200" b="1" i="0" baseline="0" dirty="0" smtClean="0"/>
+                            <a:rPr lang="en-US" altLang="ko-KR" sz="1400" b="1" i="0" baseline="0" dirty="0" smtClean="0"/>
                             <a:t> </a:t>
                           </a:r>
                           <a:r>
-                            <a:rPr lang="en-US" altLang="ko-KR" sz="1200" b="1" i="0" dirty="0" smtClean="0"/>
+                            <a:rPr lang="en-US" altLang="ko-KR" sz="1400" b="1" i="0" dirty="0" smtClean="0"/>
                             <a:t>SOC</a:t>
                           </a:r>
-                          <a:endParaRPr lang="ko-KR" altLang="en-US" sz="1200" b="1" i="0" dirty="0"/>
-                        </a:p>
-                      </a:txBody>
-                      <a:tcPr/>
-                    </a:tc>
-                    <a:tc>
-                      <a:txBody>
-                        <a:bodyPr/>
-                        <a:lstStyle/>
-                        <a:p>
-                          <a:pPr algn="ctr" latinLnBrk="1"/>
-                          <a:r>
-                            <a:rPr lang="en-US" altLang="ko-KR" sz="1400" dirty="0" smtClean="0">
-                              <a:solidFill>
-                                <a:schemeClr val="accent2"/>
-                              </a:solidFill>
-                            </a:rPr>
-                            <a:t>0.601</a:t>
-                          </a:r>
-                          <a:endParaRPr lang="ko-KR" altLang="en-US" sz="1400" dirty="0">
-                            <a:solidFill>
-                              <a:schemeClr val="accent2"/>
-                            </a:solidFill>
-                          </a:endParaRPr>
+                          <a:endParaRPr lang="ko-KR" altLang="en-US" sz="1400" b="1" i="0" dirty="0"/>
                         </a:p>
                       </a:txBody>
                       <a:tcPr/>
@@ -27398,7 +27053,22 @@
                           <a:pPr algn="ctr" latinLnBrk="1"/>
                           <a:r>
                             <a:rPr lang="en-US" altLang="ko-KR" sz="1400" dirty="0" smtClean="0"/>
-                            <a:t>0.519</a:t>
+                            <a:t>0.605</a:t>
+                          </a:r>
+                          <a:endParaRPr lang="ko-KR" altLang="en-US" sz="1400" dirty="0"/>
+                        </a:p>
+                      </a:txBody>
+                      <a:tcPr/>
+                    </a:tc>
+                    <a:tc>
+                      <a:txBody>
+                        <a:bodyPr/>
+                        <a:lstStyle/>
+                        <a:p>
+                          <a:pPr algn="ctr" latinLnBrk="1"/>
+                          <a:r>
+                            <a:rPr lang="en-US" altLang="ko-KR" sz="1400" dirty="0" smtClean="0"/>
+                            <a:t>0.593</a:t>
                           </a:r>
                           <a:endParaRPr lang="ko-KR" altLang="en-US" sz="1400" dirty="0"/>
                         </a:p>
@@ -27419,14 +27089,14 @@
                         <a:p>
                           <a:pPr algn="ctr" latinLnBrk="1"/>
                           <a:r>
-                            <a:rPr lang="en-US" altLang="ko-KR" sz="1200" b="1" i="0" dirty="0" smtClean="0"/>
+                            <a:rPr lang="en-US" altLang="ko-KR" sz="1400" b="1" i="0" dirty="0" smtClean="0"/>
                             <a:t>FC </a:t>
                           </a:r>
                           <a:r>
-                            <a:rPr lang="en-US" altLang="ko-KR" sz="1200" b="1" i="0" baseline="0" dirty="0" smtClean="0"/>
+                            <a:rPr lang="en-US" altLang="ko-KR" sz="1400" b="1" i="0" baseline="0" dirty="0" smtClean="0"/>
                             <a:t>[g]</a:t>
                           </a:r>
-                          <a:endParaRPr lang="ko-KR" altLang="en-US" sz="1200" b="1" i="0" dirty="0"/>
+                          <a:endParaRPr lang="ko-KR" altLang="en-US" sz="1400" b="1" i="0" dirty="0"/>
                         </a:p>
                       </a:txBody>
                       <a:tcPr/>
@@ -27439,7 +27109,7 @@
                           <a:pPr algn="ctr" latinLnBrk="1"/>
                           <a:r>
                             <a:rPr lang="en-US" altLang="ko-KR" sz="1400" dirty="0" smtClean="0"/>
-                            <a:t>46.77 </a:t>
+                            <a:t>58.05</a:t>
                           </a:r>
                           <a:endParaRPr lang="ko-KR" altLang="en-US" sz="1400" dirty="0"/>
                         </a:p>
@@ -27454,7 +27124,7 @@
                           <a:pPr algn="ctr" latinLnBrk="1"/>
                           <a:r>
                             <a:rPr lang="en-US" altLang="ko-KR" sz="1400" dirty="0" smtClean="0"/>
-                            <a:t>40.43</a:t>
+                            <a:t>56.31 </a:t>
                           </a:r>
                           <a:endParaRPr lang="ko-KR" altLang="en-US" sz="1400" dirty="0"/>
                         </a:p>
@@ -27467,7 +27137,24 @@
                       </a:ext>
                     </a:extLst>
                   </a:tr>
-                  <a:tr h="312390">
+                  <a:tr h="346710">
+                    <a:tc>
+                      <a:txBody>
+                        <a:bodyPr/>
+                        <a:lstStyle/>
+                        <a:p>
+                          <a:endParaRPr lang="ko-KR"/>
+                        </a:p>
+                      </a:txBody>
+                      <a:tcPr>
+                        <a:blipFill>
+                          <a:blip r:embed="rId6"/>
+                          <a:stretch>
+                            <a:fillRect l="-441" t="-267241" r="-121586" b="-103448"/>
+                          </a:stretch>
+                        </a:blipFill>
+                      </a:tcPr>
+                    </a:tc>
                     <a:tc>
                       <a:txBody>
                         <a:bodyPr/>
@@ -27475,24 +27162,9 @@
                         <a:p>
                           <a:pPr algn="ctr" latinLnBrk="1"/>
                           <a:r>
-                            <a:rPr lang="en-US" altLang="ko-KR" sz="1200" b="1" i="0" dirty="0" smtClean="0"/>
-                            <a:t>Equivalent</a:t>
+                            <a:rPr lang="en-US" altLang="ko-KR" sz="1400" dirty="0" smtClean="0"/>
+                            <a:t>57.69</a:t>
                           </a:r>
-                          <a:r>
-                            <a:rPr lang="en-US" altLang="ko-KR" sz="1200" b="1" i="0" baseline="0" dirty="0" smtClean="0"/>
-                            <a:t> FC [g]</a:t>
-                          </a:r>
-                          <a:endParaRPr lang="ko-KR" altLang="en-US" sz="1200" b="1" i="0" dirty="0"/>
-                        </a:p>
-                      </a:txBody>
-                      <a:tcPr/>
-                    </a:tc>
-                    <a:tc>
-                      <a:txBody>
-                        <a:bodyPr/>
-                        <a:lstStyle/>
-                        <a:p>
-                          <a:pPr algn="ctr" latinLnBrk="1"/>
                           <a:endParaRPr lang="ko-KR" altLang="en-US" sz="1400" dirty="0"/>
                         </a:p>
                       </a:txBody>
@@ -27504,6 +27176,10 @@
                         <a:lstStyle/>
                         <a:p>
                           <a:pPr algn="ctr" latinLnBrk="1"/>
+                          <a:r>
+                            <a:rPr lang="en-US" altLang="ko-KR" sz="1400" dirty="0" smtClean="0"/>
+                            <a:t>56.80</a:t>
+                          </a:r>
                           <a:endParaRPr lang="ko-KR" altLang="en-US" sz="1400" dirty="0"/>
                         </a:p>
                       </a:txBody>
@@ -27526,167 +27202,12 @@
                       </a:txBody>
                       <a:tcPr>
                         <a:blipFill>
-                          <a:blip r:embed="rId4"/>
+                          <a:blip r:embed="rId6"/>
                           <a:stretch>
-                            <a:fillRect l="-402" t="-407843" r="-91165" b="-3922"/>
+                            <a:fillRect l="-441" t="-417647" r="-121586" b="-17647"/>
                           </a:stretch>
                         </a:blipFill>
                       </a:tcPr>
-                    </a:tc>
-                    <a:tc>
-                      <a:txBody>
-                        <a:bodyPr/>
-                        <a:lstStyle/>
-                        <a:p>
-                          <a:pPr algn="ctr" latinLnBrk="1"/>
-                          <a:endParaRPr lang="ko-KR" altLang="en-US" sz="1400" dirty="0"/>
-                        </a:p>
-                      </a:txBody>
-                      <a:tcPr/>
-                    </a:tc>
-                    <a:tc>
-                      <a:txBody>
-                        <a:bodyPr/>
-                        <a:lstStyle/>
-                        <a:p>
-                          <a:pPr algn="ctr" latinLnBrk="1"/>
-                          <a:endParaRPr lang="ko-KR" altLang="en-US" sz="1400" dirty="0"/>
-                        </a:p>
-                      </a:txBody>
-                      <a:tcPr/>
-                    </a:tc>
-                    <a:extLst>
-                      <a:ext uri="{0D108BD9-81ED-4DB2-BD59-A6C34878D82A}">
-                        <a16:rowId xmlns:a16="http://schemas.microsoft.com/office/drawing/2014/main" val="287615037"/>
-                      </a:ext>
-                    </a:extLst>
-                  </a:tr>
-                </a:tbl>
-              </a:graphicData>
-            </a:graphic>
-          </p:graphicFrame>
-        </mc:Fallback>
-      </mc:AlternateContent>
-      <mc:AlternateContent xmlns:mc="http://schemas.openxmlformats.org/markup-compatibility/2006" xmlns:a14="http://schemas.microsoft.com/office/drawing/2010/main">
-        <mc:Choice Requires="a14">
-          <p:graphicFrame>
-            <p:nvGraphicFramePr>
-              <p:cNvPr id="18" name="표 17"/>
-              <p:cNvGraphicFramePr>
-                <a:graphicFrameLocks noGrp="1"/>
-              </p:cNvGraphicFramePr>
-              <p:nvPr>
-                <p:extLst>
-                  <p:ext uri="{D42A27DB-BD31-4B8C-83A1-F6EECF244321}">
-                    <p14:modId xmlns:p14="http://schemas.microsoft.com/office/powerpoint/2010/main" val="861191311"/>
-                  </p:ext>
-                </p:extLst>
-              </p:nvPr>
-            </p:nvGraphicFramePr>
-            <p:xfrm>
-              <a:off x="9112581" y="4145718"/>
-              <a:ext cx="2872845" cy="1561950"/>
-            </p:xfrm>
-            <a:graphic>
-              <a:graphicData uri="http://schemas.openxmlformats.org/drawingml/2006/table">
-                <a:tbl>
-                  <a:tblPr firstRow="1" bandRow="1">
-                    <a:tableStyleId>{5C22544A-7EE6-4342-B048-85BDC9FD1C3A}</a:tableStyleId>
-                  </a:tblPr>
-                  <a:tblGrid>
-                    <a:gridCol w="1514154">
-                      <a:extLst>
-                        <a:ext uri="{9D8B030D-6E8A-4147-A177-3AD203B41FA5}">
-                          <a16:colId xmlns:a16="http://schemas.microsoft.com/office/drawing/2014/main" val="3726243108"/>
-                        </a:ext>
-                      </a:extLst>
-                    </a:gridCol>
-                    <a:gridCol w="724530">
-                      <a:extLst>
-                        <a:ext uri="{9D8B030D-6E8A-4147-A177-3AD203B41FA5}">
-                          <a16:colId xmlns:a16="http://schemas.microsoft.com/office/drawing/2014/main" val="472462486"/>
-                        </a:ext>
-                      </a:extLst>
-                    </a:gridCol>
-                    <a:gridCol w="634161">
-                      <a:extLst>
-                        <a:ext uri="{9D8B030D-6E8A-4147-A177-3AD203B41FA5}">
-                          <a16:colId xmlns:a16="http://schemas.microsoft.com/office/drawing/2014/main" val="4076666659"/>
-                        </a:ext>
-                      </a:extLst>
-                    </a:gridCol>
-                  </a:tblGrid>
-                  <a:tr h="312390">
-                    <a:tc>
-                      <a:txBody>
-                        <a:bodyPr/>
-                        <a:lstStyle/>
-                        <a:p>
-                          <a:pPr algn="ctr" latinLnBrk="1"/>
-                          <a:endParaRPr lang="ko-KR" altLang="en-US" sz="1400" dirty="0"/>
-                        </a:p>
-                      </a:txBody>
-                      <a:tcPr/>
-                    </a:tc>
-                    <a:tc>
-                      <a:txBody>
-                        <a:bodyPr/>
-                        <a:lstStyle/>
-                        <a:p>
-                          <a:pPr algn="ctr" latinLnBrk="1"/>
-                          <a:r>
-                            <a:rPr lang="en-US" altLang="ko-KR" sz="1400" dirty="0" smtClean="0"/>
-                            <a:t>DDPG</a:t>
-                          </a:r>
-                          <a:endParaRPr lang="ko-KR" altLang="en-US" sz="1400" dirty="0"/>
-                        </a:p>
-                      </a:txBody>
-                      <a:tcPr/>
-                    </a:tc>
-                    <a:tc>
-                      <a:txBody>
-                        <a:bodyPr/>
-                        <a:lstStyle/>
-                        <a:p>
-                          <a:pPr algn="ctr" latinLnBrk="1"/>
-                          <a:r>
-                            <a:rPr lang="en-US" altLang="ko-KR" sz="1400" dirty="0" smtClean="0"/>
-                            <a:t>PMP</a:t>
-                          </a:r>
-                          <a:endParaRPr lang="ko-KR" altLang="en-US" sz="1400" dirty="0"/>
-                        </a:p>
-                      </a:txBody>
-                      <a:tcPr/>
-                    </a:tc>
-                    <a:extLst>
-                      <a:ext uri="{0D108BD9-81ED-4DB2-BD59-A6C34878D82A}">
-                        <a16:rowId xmlns:a16="http://schemas.microsoft.com/office/drawing/2014/main" val="1506054158"/>
-                      </a:ext>
-                    </a:extLst>
-                  </a:tr>
-                  <a:tr h="312390">
-                    <a:tc>
-                      <a:txBody>
-                        <a:bodyPr/>
-                        <a:lstStyle/>
-                        <a:p>
-                          <a:pPr algn="ctr" latinLnBrk="1"/>
-                          <a:r>
-                            <a:rPr lang="en-US" altLang="ko-KR" sz="1200" b="1" i="0" dirty="0" smtClean="0"/>
-                            <a:t>Final</a:t>
-                          </a:r>
-                          <a:r>
-                            <a:rPr lang="en-US" altLang="ko-KR" sz="1200" b="1" i="0" baseline="0" dirty="0" smtClean="0"/>
-                            <a:t> </a:t>
-                          </a:r>
-                          <a:r>
-                            <a:rPr lang="en-US" altLang="ko-KR" sz="1200" b="1" i="0" dirty="0" smtClean="0"/>
-                            <a:t>SOC</a:t>
-                          </a:r>
-                          <a:endParaRPr lang="ko-KR" altLang="en-US" sz="1200" b="1" i="0" dirty="0"/>
-                        </a:p>
-                      </a:txBody>
-                      <a:tcPr/>
                     </a:tc>
                     <a:tc>
                       <a:txBody>
@@ -27700,7 +27221,7 @@
                                 <a:schemeClr val="accent2"/>
                               </a:solidFill>
                             </a:rPr>
-                            <a:t>0.606</a:t>
+                            <a:t>+1.57%</a:t>
                           </a:r>
                           <a:endParaRPr lang="ko-KR" altLang="en-US" sz="1400" dirty="0">
                             <a:solidFill>
@@ -27719,485 +27240,8 @@
                           <a:pPr algn="ctr" latinLnBrk="1"/>
                           <a:r>
                             <a:rPr lang="en-US" altLang="ko-KR" sz="1400" dirty="0" smtClean="0"/>
-                            <a:t>0.461</a:t>
+                            <a:t>-</a:t>
                           </a:r>
-                          <a:endParaRPr lang="ko-KR" altLang="en-US" sz="1400" dirty="0"/>
-                        </a:p>
-                      </a:txBody>
-                      <a:tcPr/>
-                    </a:tc>
-                    <a:extLst>
-                      <a:ext uri="{0D108BD9-81ED-4DB2-BD59-A6C34878D82A}">
-                        <a16:rowId xmlns:a16="http://schemas.microsoft.com/office/drawing/2014/main" val="3431661599"/>
-                      </a:ext>
-                    </a:extLst>
-                  </a:tr>
-                  <a:tr h="312390">
-                    <a:tc>
-                      <a:txBody>
-                        <a:bodyPr/>
-                        <a:lstStyle/>
-                        <a:p>
-                          <a:pPr algn="ctr" latinLnBrk="1"/>
-                          <a:r>
-                            <a:rPr lang="en-US" altLang="ko-KR" sz="1200" b="1" i="0" dirty="0" smtClean="0"/>
-                            <a:t>FC </a:t>
-                          </a:r>
-                          <a:r>
-                            <a:rPr lang="en-US" altLang="ko-KR" sz="1200" b="1" i="0" baseline="0" dirty="0" smtClean="0"/>
-                            <a:t>[g]</a:t>
-                          </a:r>
-                          <a:endParaRPr lang="ko-KR" altLang="en-US" sz="1200" b="1" i="0" dirty="0"/>
-                        </a:p>
-                      </a:txBody>
-                      <a:tcPr/>
-                    </a:tc>
-                    <a:tc>
-                      <a:txBody>
-                        <a:bodyPr/>
-                        <a:lstStyle/>
-                        <a:p>
-                          <a:pPr algn="ctr" latinLnBrk="1"/>
-                          <a:r>
-                            <a:rPr lang="en-US" altLang="ko-KR" sz="1400" dirty="0" smtClean="0"/>
-                            <a:t>55.81 </a:t>
-                          </a:r>
-                          <a:endParaRPr lang="ko-KR" altLang="en-US" sz="1400" dirty="0"/>
-                        </a:p>
-                      </a:txBody>
-                      <a:tcPr/>
-                    </a:tc>
-                    <a:tc>
-                      <a:txBody>
-                        <a:bodyPr/>
-                        <a:lstStyle/>
-                        <a:p>
-                          <a:pPr algn="ctr" latinLnBrk="1"/>
-                          <a:r>
-                            <a:rPr lang="en-US" altLang="ko-KR" sz="1400" dirty="0" smtClean="0"/>
-                            <a:t>43.50</a:t>
-                          </a:r>
-                          <a:endParaRPr lang="ko-KR" altLang="en-US" sz="1400" dirty="0"/>
-                        </a:p>
-                      </a:txBody>
-                      <a:tcPr/>
-                    </a:tc>
-                    <a:extLst>
-                      <a:ext uri="{0D108BD9-81ED-4DB2-BD59-A6C34878D82A}">
-                        <a16:rowId xmlns:a16="http://schemas.microsoft.com/office/drawing/2014/main" val="1659154260"/>
-                      </a:ext>
-                    </a:extLst>
-                  </a:tr>
-                  <a:tr h="312390">
-                    <a:tc>
-                      <a:txBody>
-                        <a:bodyPr/>
-                        <a:lstStyle/>
-                        <a:p>
-                          <a:pPr algn="ctr" latinLnBrk="1"/>
-                          <a:r>
-                            <a:rPr lang="en-US" altLang="ko-KR" sz="1200" b="1" i="0" dirty="0" smtClean="0"/>
-                            <a:t>Equivalent</a:t>
-                          </a:r>
-                          <a:r>
-                            <a:rPr lang="en-US" altLang="ko-KR" sz="1200" b="1" i="0" baseline="0" dirty="0" smtClean="0"/>
-                            <a:t> FC [g]</a:t>
-                          </a:r>
-                          <a:endParaRPr lang="ko-KR" altLang="en-US" sz="1200" b="1" i="0" dirty="0"/>
-                        </a:p>
-                      </a:txBody>
-                      <a:tcPr/>
-                    </a:tc>
-                    <a:tc>
-                      <a:txBody>
-                        <a:bodyPr/>
-                        <a:lstStyle/>
-                        <a:p>
-                          <a:pPr algn="ctr" latinLnBrk="1"/>
-                          <a:endParaRPr lang="ko-KR" altLang="en-US" sz="1400" dirty="0"/>
-                        </a:p>
-                      </a:txBody>
-                      <a:tcPr/>
-                    </a:tc>
-                    <a:tc>
-                      <a:txBody>
-                        <a:bodyPr/>
-                        <a:lstStyle/>
-                        <a:p>
-                          <a:pPr algn="ctr" latinLnBrk="1"/>
-                          <a:endParaRPr lang="ko-KR" altLang="en-US" sz="1400" dirty="0"/>
-                        </a:p>
-                      </a:txBody>
-                      <a:tcPr/>
-                    </a:tc>
-                    <a:extLst>
-                      <a:ext uri="{0D108BD9-81ED-4DB2-BD59-A6C34878D82A}">
-                        <a16:rowId xmlns:a16="http://schemas.microsoft.com/office/drawing/2014/main" val="2613242488"/>
-                      </a:ext>
-                    </a:extLst>
-                  </a:tr>
-                  <a:tr h="312390">
-                    <a:tc>
-                      <a:txBody>
-                        <a:bodyPr/>
-                        <a:lstStyle/>
-                        <a:p>
-                          <a:pPr algn="ctr" latinLnBrk="1"/>
-                          <a14:m>
-                            <m:oMath xmlns:m="http://schemas.openxmlformats.org/officeDocument/2006/math">
-                              <m:r>
-                                <a:rPr lang="ko-KR" altLang="en-US" sz="1200" b="1" i="1" smtClean="0">
-                                  <a:latin typeface="Cambria Math" panose="02040503050406030204" pitchFamily="18" charset="0"/>
-                                </a:rPr>
-                                <m:t>∆</m:t>
-                              </m:r>
-                            </m:oMath>
-                          </a14:m>
-                          <a:r>
-                            <a:rPr lang="en-US" altLang="ko-KR" sz="1200" b="1" i="0" dirty="0" smtClean="0"/>
-                            <a:t>FC [%]</a:t>
-                          </a:r>
-                          <a:endParaRPr lang="ko-KR" altLang="en-US" sz="1200" b="1" i="0" dirty="0"/>
-                        </a:p>
-                      </a:txBody>
-                      <a:tcPr/>
-                    </a:tc>
-                    <a:tc>
-                      <a:txBody>
-                        <a:bodyPr/>
-                        <a:lstStyle/>
-                        <a:p>
-                          <a:pPr algn="ctr" latinLnBrk="1"/>
-                          <a:endParaRPr lang="ko-KR" altLang="en-US" sz="1400" dirty="0"/>
-                        </a:p>
-                      </a:txBody>
-                      <a:tcPr/>
-                    </a:tc>
-                    <a:tc>
-                      <a:txBody>
-                        <a:bodyPr/>
-                        <a:lstStyle/>
-                        <a:p>
-                          <a:pPr algn="ctr" latinLnBrk="1"/>
-                          <a:endParaRPr lang="ko-KR" altLang="en-US" sz="1400" dirty="0"/>
-                        </a:p>
-                      </a:txBody>
-                      <a:tcPr/>
-                    </a:tc>
-                    <a:extLst>
-                      <a:ext uri="{0D108BD9-81ED-4DB2-BD59-A6C34878D82A}">
-                        <a16:rowId xmlns:a16="http://schemas.microsoft.com/office/drawing/2014/main" val="287615037"/>
-                      </a:ext>
-                    </a:extLst>
-                  </a:tr>
-                </a:tbl>
-              </a:graphicData>
-            </a:graphic>
-          </p:graphicFrame>
-        </mc:Choice>
-        <mc:Fallback xmlns="">
-          <p:graphicFrame>
-            <p:nvGraphicFramePr>
-              <p:cNvPr id="18" name="표 17"/>
-              <p:cNvGraphicFramePr>
-                <a:graphicFrameLocks noGrp="1"/>
-              </p:cNvGraphicFramePr>
-              <p:nvPr>
-                <p:extLst>
-                  <p:ext uri="{D42A27DB-BD31-4B8C-83A1-F6EECF244321}">
-                    <p14:modId xmlns:p14="http://schemas.microsoft.com/office/powerpoint/2010/main" val="861191311"/>
-                  </p:ext>
-                </p:extLst>
-              </p:nvPr>
-            </p:nvGraphicFramePr>
-            <p:xfrm>
-              <a:off x="9112581" y="4145718"/>
-              <a:ext cx="2872845" cy="1561950"/>
-            </p:xfrm>
-            <a:graphic>
-              <a:graphicData uri="http://schemas.openxmlformats.org/drawingml/2006/table">
-                <a:tbl>
-                  <a:tblPr firstRow="1" bandRow="1">
-                    <a:tableStyleId>{5C22544A-7EE6-4342-B048-85BDC9FD1C3A}</a:tableStyleId>
-                  </a:tblPr>
-                  <a:tblGrid>
-                    <a:gridCol w="1514154">
-                      <a:extLst>
-                        <a:ext uri="{9D8B030D-6E8A-4147-A177-3AD203B41FA5}">
-                          <a16:colId xmlns:a16="http://schemas.microsoft.com/office/drawing/2014/main" val="3726243108"/>
-                        </a:ext>
-                      </a:extLst>
-                    </a:gridCol>
-                    <a:gridCol w="724530">
-                      <a:extLst>
-                        <a:ext uri="{9D8B030D-6E8A-4147-A177-3AD203B41FA5}">
-                          <a16:colId xmlns:a16="http://schemas.microsoft.com/office/drawing/2014/main" val="472462486"/>
-                        </a:ext>
-                      </a:extLst>
-                    </a:gridCol>
-                    <a:gridCol w="634161">
-                      <a:extLst>
-                        <a:ext uri="{9D8B030D-6E8A-4147-A177-3AD203B41FA5}">
-                          <a16:colId xmlns:a16="http://schemas.microsoft.com/office/drawing/2014/main" val="4076666659"/>
-                        </a:ext>
-                      </a:extLst>
-                    </a:gridCol>
-                  </a:tblGrid>
-                  <a:tr h="312390">
-                    <a:tc>
-                      <a:txBody>
-                        <a:bodyPr/>
-                        <a:lstStyle/>
-                        <a:p>
-                          <a:pPr algn="ctr" latinLnBrk="1"/>
-                          <a:endParaRPr lang="ko-KR" altLang="en-US" sz="1400" dirty="0"/>
-                        </a:p>
-                      </a:txBody>
-                      <a:tcPr/>
-                    </a:tc>
-                    <a:tc>
-                      <a:txBody>
-                        <a:bodyPr/>
-                        <a:lstStyle/>
-                        <a:p>
-                          <a:pPr algn="ctr" latinLnBrk="1"/>
-                          <a:r>
-                            <a:rPr lang="en-US" altLang="ko-KR" sz="1400" dirty="0" smtClean="0"/>
-                            <a:t>DDPG</a:t>
-                          </a:r>
-                          <a:endParaRPr lang="ko-KR" altLang="en-US" sz="1400" dirty="0"/>
-                        </a:p>
-                      </a:txBody>
-                      <a:tcPr/>
-                    </a:tc>
-                    <a:tc>
-                      <a:txBody>
-                        <a:bodyPr/>
-                        <a:lstStyle/>
-                        <a:p>
-                          <a:pPr algn="ctr" latinLnBrk="1"/>
-                          <a:r>
-                            <a:rPr lang="en-US" altLang="ko-KR" sz="1400" dirty="0" smtClean="0"/>
-                            <a:t>PMP</a:t>
-                          </a:r>
-                          <a:endParaRPr lang="ko-KR" altLang="en-US" sz="1400" dirty="0"/>
-                        </a:p>
-                      </a:txBody>
-                      <a:tcPr/>
-                    </a:tc>
-                    <a:extLst>
-                      <a:ext uri="{0D108BD9-81ED-4DB2-BD59-A6C34878D82A}">
-                        <a16:rowId xmlns:a16="http://schemas.microsoft.com/office/drawing/2014/main" val="1506054158"/>
-                      </a:ext>
-                    </a:extLst>
-                  </a:tr>
-                  <a:tr h="312390">
-                    <a:tc>
-                      <a:txBody>
-                        <a:bodyPr/>
-                        <a:lstStyle/>
-                        <a:p>
-                          <a:pPr algn="ctr" latinLnBrk="1"/>
-                          <a:r>
-                            <a:rPr lang="en-US" altLang="ko-KR" sz="1200" b="1" i="0" dirty="0" smtClean="0"/>
-                            <a:t>Final</a:t>
-                          </a:r>
-                          <a:r>
-                            <a:rPr lang="en-US" altLang="ko-KR" sz="1200" b="1" i="0" baseline="0" dirty="0" smtClean="0"/>
-                            <a:t> </a:t>
-                          </a:r>
-                          <a:r>
-                            <a:rPr lang="en-US" altLang="ko-KR" sz="1200" b="1" i="0" dirty="0" smtClean="0"/>
-                            <a:t>SOC</a:t>
-                          </a:r>
-                          <a:endParaRPr lang="ko-KR" altLang="en-US" sz="1200" b="1" i="0" dirty="0"/>
-                        </a:p>
-                      </a:txBody>
-                      <a:tcPr/>
-                    </a:tc>
-                    <a:tc>
-                      <a:txBody>
-                        <a:bodyPr/>
-                        <a:lstStyle/>
-                        <a:p>
-                          <a:pPr algn="ctr" latinLnBrk="1"/>
-                          <a:r>
-                            <a:rPr lang="en-US" altLang="ko-KR" sz="1400" dirty="0" smtClean="0">
-                              <a:solidFill>
-                                <a:schemeClr val="accent2"/>
-                              </a:solidFill>
-                            </a:rPr>
-                            <a:t>0.606</a:t>
-                          </a:r>
-                          <a:endParaRPr lang="ko-KR" altLang="en-US" sz="1400" dirty="0">
-                            <a:solidFill>
-                              <a:schemeClr val="accent2"/>
-                            </a:solidFill>
-                          </a:endParaRPr>
-                        </a:p>
-                      </a:txBody>
-                      <a:tcPr/>
-                    </a:tc>
-                    <a:tc>
-                      <a:txBody>
-                        <a:bodyPr/>
-                        <a:lstStyle/>
-                        <a:p>
-                          <a:pPr algn="ctr" latinLnBrk="1"/>
-                          <a:r>
-                            <a:rPr lang="en-US" altLang="ko-KR" sz="1400" dirty="0" smtClean="0"/>
-                            <a:t>0.461</a:t>
-                          </a:r>
-                          <a:endParaRPr lang="ko-KR" altLang="en-US" sz="1400" dirty="0"/>
-                        </a:p>
-                      </a:txBody>
-                      <a:tcPr/>
-                    </a:tc>
-                    <a:extLst>
-                      <a:ext uri="{0D108BD9-81ED-4DB2-BD59-A6C34878D82A}">
-                        <a16:rowId xmlns:a16="http://schemas.microsoft.com/office/drawing/2014/main" val="3431661599"/>
-                      </a:ext>
-                    </a:extLst>
-                  </a:tr>
-                  <a:tr h="312390">
-                    <a:tc>
-                      <a:txBody>
-                        <a:bodyPr/>
-                        <a:lstStyle/>
-                        <a:p>
-                          <a:pPr algn="ctr" latinLnBrk="1"/>
-                          <a:r>
-                            <a:rPr lang="en-US" altLang="ko-KR" sz="1200" b="1" i="0" dirty="0" smtClean="0"/>
-                            <a:t>FC </a:t>
-                          </a:r>
-                          <a:r>
-                            <a:rPr lang="en-US" altLang="ko-KR" sz="1200" b="1" i="0" baseline="0" dirty="0" smtClean="0"/>
-                            <a:t>[g]</a:t>
-                          </a:r>
-                          <a:endParaRPr lang="ko-KR" altLang="en-US" sz="1200" b="1" i="0" dirty="0"/>
-                        </a:p>
-                      </a:txBody>
-                      <a:tcPr/>
-                    </a:tc>
-                    <a:tc>
-                      <a:txBody>
-                        <a:bodyPr/>
-                        <a:lstStyle/>
-                        <a:p>
-                          <a:pPr algn="ctr" latinLnBrk="1"/>
-                          <a:r>
-                            <a:rPr lang="en-US" altLang="ko-KR" sz="1400" dirty="0" smtClean="0"/>
-                            <a:t>55.81 </a:t>
-                          </a:r>
-                          <a:endParaRPr lang="ko-KR" altLang="en-US" sz="1400" dirty="0"/>
-                        </a:p>
-                      </a:txBody>
-                      <a:tcPr/>
-                    </a:tc>
-                    <a:tc>
-                      <a:txBody>
-                        <a:bodyPr/>
-                        <a:lstStyle/>
-                        <a:p>
-                          <a:pPr algn="ctr" latinLnBrk="1"/>
-                          <a:r>
-                            <a:rPr lang="en-US" altLang="ko-KR" sz="1400" dirty="0" smtClean="0"/>
-                            <a:t>43.50</a:t>
-                          </a:r>
-                          <a:endParaRPr lang="ko-KR" altLang="en-US" sz="1400" dirty="0"/>
-                        </a:p>
-                      </a:txBody>
-                      <a:tcPr/>
-                    </a:tc>
-                    <a:extLst>
-                      <a:ext uri="{0D108BD9-81ED-4DB2-BD59-A6C34878D82A}">
-                        <a16:rowId xmlns:a16="http://schemas.microsoft.com/office/drawing/2014/main" val="1659154260"/>
-                      </a:ext>
-                    </a:extLst>
-                  </a:tr>
-                  <a:tr h="312390">
-                    <a:tc>
-                      <a:txBody>
-                        <a:bodyPr/>
-                        <a:lstStyle/>
-                        <a:p>
-                          <a:pPr algn="ctr" latinLnBrk="1"/>
-                          <a:r>
-                            <a:rPr lang="en-US" altLang="ko-KR" sz="1200" b="1" i="0" dirty="0" smtClean="0"/>
-                            <a:t>Equivalent</a:t>
-                          </a:r>
-                          <a:r>
-                            <a:rPr lang="en-US" altLang="ko-KR" sz="1200" b="1" i="0" baseline="0" dirty="0" smtClean="0"/>
-                            <a:t> FC [g]</a:t>
-                          </a:r>
-                          <a:endParaRPr lang="ko-KR" altLang="en-US" sz="1200" b="1" i="0" dirty="0"/>
-                        </a:p>
-                      </a:txBody>
-                      <a:tcPr/>
-                    </a:tc>
-                    <a:tc>
-                      <a:txBody>
-                        <a:bodyPr/>
-                        <a:lstStyle/>
-                        <a:p>
-                          <a:pPr algn="ctr" latinLnBrk="1"/>
-                          <a:endParaRPr lang="ko-KR" altLang="en-US" sz="1400" dirty="0"/>
-                        </a:p>
-                      </a:txBody>
-                      <a:tcPr/>
-                    </a:tc>
-                    <a:tc>
-                      <a:txBody>
-                        <a:bodyPr/>
-                        <a:lstStyle/>
-                        <a:p>
-                          <a:pPr algn="ctr" latinLnBrk="1"/>
-                          <a:endParaRPr lang="ko-KR" altLang="en-US" sz="1400" dirty="0"/>
-                        </a:p>
-                      </a:txBody>
-                      <a:tcPr/>
-                    </a:tc>
-                    <a:extLst>
-                      <a:ext uri="{0D108BD9-81ED-4DB2-BD59-A6C34878D82A}">
-                        <a16:rowId xmlns:a16="http://schemas.microsoft.com/office/drawing/2014/main" val="2613242488"/>
-                      </a:ext>
-                    </a:extLst>
-                  </a:tr>
-                  <a:tr h="312390">
-                    <a:tc>
-                      <a:txBody>
-                        <a:bodyPr/>
-                        <a:lstStyle/>
-                        <a:p>
-                          <a:endParaRPr lang="ko-KR"/>
-                        </a:p>
-                      </a:txBody>
-                      <a:tcPr>
-                        <a:blipFill>
-                          <a:blip r:embed="rId5"/>
-                          <a:stretch>
-                            <a:fillRect l="-402" t="-407843" r="-91566" b="-3922"/>
-                          </a:stretch>
-                        </a:blipFill>
-                      </a:tcPr>
-                    </a:tc>
-                    <a:tc>
-                      <a:txBody>
-                        <a:bodyPr/>
-                        <a:lstStyle/>
-                        <a:p>
-                          <a:pPr algn="ctr" latinLnBrk="1"/>
-                          <a:endParaRPr lang="ko-KR" altLang="en-US" sz="1400" dirty="0"/>
-                        </a:p>
-                      </a:txBody>
-                      <a:tcPr/>
-                    </a:tc>
-                    <a:tc>
-                      <a:txBody>
-                        <a:bodyPr/>
-                        <a:lstStyle/>
-                        <a:p>
-                          <a:pPr algn="ctr" latinLnBrk="1"/>
                           <a:endParaRPr lang="ko-KR" altLang="en-US" sz="1400" dirty="0"/>
                         </a:p>
                       </a:txBody>
@@ -28215,10 +27259,318 @@
           </p:graphicFrame>
         </mc:Fallback>
       </mc:AlternateContent>
+      <p:pic>
+        <p:nvPicPr>
+          <p:cNvPr id="5" name="그림 4"/>
+          <p:cNvPicPr>
+            <a:picLocks noChangeAspect="1"/>
+          </p:cNvPicPr>
+          <p:nvPr/>
+        </p:nvPicPr>
+        <p:blipFill>
+          <a:blip r:embed="rId7">
+            <a:extLst>
+              <a:ext uri="{28A0092B-C50C-407E-A947-70E740481C1C}">
+                <a14:useLocalDpi xmlns:a14="http://schemas.microsoft.com/office/drawing/2010/main" val="0"/>
+              </a:ext>
+            </a:extLst>
+          </a:blip>
+          <a:stretch>
+            <a:fillRect/>
+          </a:stretch>
+        </p:blipFill>
+        <p:spPr>
+          <a:xfrm>
+            <a:off x="0" y="2066930"/>
+            <a:ext cx="6232366" cy="1869710"/>
+          </a:xfrm>
+          <a:prstGeom prst="rect">
+            <a:avLst/>
+          </a:prstGeom>
+        </p:spPr>
+      </p:pic>
+      <p:pic>
+        <p:nvPicPr>
+          <p:cNvPr id="7" name="그림 6"/>
+          <p:cNvPicPr>
+            <a:picLocks noChangeAspect="1"/>
+          </p:cNvPicPr>
+          <p:nvPr/>
+        </p:nvPicPr>
+        <p:blipFill>
+          <a:blip r:embed="rId8">
+            <a:extLst>
+              <a:ext uri="{28A0092B-C50C-407E-A947-70E740481C1C}">
+                <a14:useLocalDpi xmlns:a14="http://schemas.microsoft.com/office/drawing/2010/main" val="0"/>
+              </a:ext>
+            </a:extLst>
+          </a:blip>
+          <a:stretch>
+            <a:fillRect/>
+          </a:stretch>
+        </p:blipFill>
+        <p:spPr>
+          <a:xfrm>
+            <a:off x="5959634" y="2066930"/>
+            <a:ext cx="6228000" cy="1868400"/>
+          </a:xfrm>
+          <a:prstGeom prst="rect">
+            <a:avLst/>
+          </a:prstGeom>
+        </p:spPr>
+      </p:pic>
+      <p:sp>
+        <p:nvSpPr>
+          <p:cNvPr id="10" name="TextBox 9"/>
+          <p:cNvSpPr txBox="1"/>
+          <p:nvPr/>
+        </p:nvSpPr>
+        <p:spPr>
+          <a:xfrm>
+            <a:off x="6582213" y="419581"/>
+            <a:ext cx="5342832" cy="1200329"/>
+          </a:xfrm>
+          <a:prstGeom prst="rect">
+            <a:avLst/>
+          </a:prstGeom>
+          <a:noFill/>
+          <a:ln w="28575">
+            <a:solidFill>
+              <a:srgbClr val="92D050"/>
+            </a:solidFill>
+          </a:ln>
+        </p:spPr>
+        <p:txBody>
+          <a:bodyPr wrap="square" rtlCol="0">
+            <a:spAutoFit/>
+          </a:bodyPr>
+          <a:lstStyle/>
+          <a:p>
+            <a:pPr algn="ctr"/>
+            <a:r>
+              <a:rPr lang="en-US" altLang="ko-KR" b="1" dirty="0" err="1" smtClean="0">
+                <a:solidFill>
+                  <a:srgbClr val="00B050"/>
+                </a:solidFill>
+              </a:rPr>
+              <a:t>model_validation</a:t>
+            </a:r>
+            <a:r>
+              <a:rPr lang="en-US" altLang="ko-KR" b="1" dirty="0" smtClean="0">
+                <a:solidFill>
+                  <a:srgbClr val="00B050"/>
+                </a:solidFill>
+              </a:rPr>
+              <a:t>/</a:t>
+            </a:r>
+            <a:r>
+              <a:rPr lang="en-US" altLang="ko-KR" b="1" dirty="0" err="1" smtClean="0">
+                <a:solidFill>
+                  <a:srgbClr val="00B050"/>
+                </a:solidFill>
+              </a:rPr>
+              <a:t>test_model_with_ECMS</a:t>
+            </a:r>
+            <a:endParaRPr lang="en-US" altLang="ko-KR" b="1" dirty="0">
+              <a:solidFill>
+                <a:srgbClr val="00B050"/>
+              </a:solidFill>
+            </a:endParaRPr>
+          </a:p>
+          <a:p>
+            <a:pPr algn="ctr"/>
+            <a:r>
+              <a:rPr lang="ko-KR" altLang="en-US" b="1" dirty="0" smtClean="0">
+                <a:solidFill>
+                  <a:srgbClr val="00B050"/>
+                </a:solidFill>
+              </a:rPr>
+              <a:t>다양한 사이클에서 </a:t>
+            </a:r>
+            <a:r>
+              <a:rPr lang="en-US" altLang="ko-KR" b="1" dirty="0" smtClean="0">
+                <a:solidFill>
+                  <a:srgbClr val="00B050"/>
+                </a:solidFill>
+              </a:rPr>
+              <a:t>co-state </a:t>
+            </a:r>
+            <a:r>
+              <a:rPr lang="ko-KR" altLang="en-US" b="1" dirty="0" smtClean="0">
+                <a:solidFill>
+                  <a:srgbClr val="00B050"/>
+                </a:solidFill>
+              </a:rPr>
+              <a:t>최적 값을 찾고 그에 대한 비교 결과로 유효성 입증 </a:t>
+            </a:r>
+            <a:r>
+              <a:rPr lang="en-US" altLang="ko-KR" b="1" dirty="0" smtClean="0">
+                <a:solidFill>
+                  <a:srgbClr val="00B050"/>
+                </a:solidFill>
+              </a:rPr>
+              <a:t>!! </a:t>
+            </a:r>
+            <a:r>
+              <a:rPr lang="ko-KR" altLang="en-US" b="1" dirty="0" smtClean="0">
+                <a:solidFill>
+                  <a:srgbClr val="00B050"/>
+                </a:solidFill>
+              </a:rPr>
+              <a:t> </a:t>
+            </a:r>
+            <a:r>
+              <a:rPr lang="en-US" altLang="ko-KR" b="1" dirty="0" smtClean="0">
+                <a:solidFill>
+                  <a:srgbClr val="00B050"/>
+                </a:solidFill>
+              </a:rPr>
+              <a:t>(</a:t>
+            </a:r>
+            <a:r>
+              <a:rPr lang="ko-KR" altLang="en-US" b="1" dirty="0" smtClean="0">
+                <a:solidFill>
+                  <a:srgbClr val="00B050"/>
+                </a:solidFill>
+              </a:rPr>
+              <a:t>완료</a:t>
+            </a:r>
+            <a:r>
+              <a:rPr lang="en-US" altLang="ko-KR" b="1" dirty="0" smtClean="0">
+                <a:solidFill>
+                  <a:srgbClr val="00B050"/>
+                </a:solidFill>
+              </a:rPr>
+              <a:t>)</a:t>
+            </a:r>
+            <a:endParaRPr lang="en-US" altLang="ko-KR" b="1" dirty="0">
+              <a:solidFill>
+                <a:srgbClr val="00B050"/>
+              </a:solidFill>
+            </a:endParaRPr>
+          </a:p>
+          <a:p>
+            <a:pPr algn="ctr"/>
+            <a:r>
+              <a:rPr lang="en-US" altLang="ko-KR" b="1" dirty="0" err="1" smtClean="0">
+                <a:solidFill>
+                  <a:schemeClr val="accent2"/>
+                </a:solidFill>
+              </a:rPr>
+              <a:t>Cudec</a:t>
+            </a:r>
+            <a:r>
+              <a:rPr lang="en-US" altLang="ko-KR" b="1" dirty="0" smtClean="0">
+                <a:solidFill>
+                  <a:schemeClr val="accent2"/>
+                </a:solidFill>
+              </a:rPr>
+              <a:t> </a:t>
+            </a:r>
+            <a:r>
+              <a:rPr lang="ko-KR" altLang="en-US" b="1" dirty="0" smtClean="0">
+                <a:solidFill>
+                  <a:schemeClr val="accent2"/>
+                </a:solidFill>
+              </a:rPr>
+              <a:t>대신 하나 더 넣을까</a:t>
+            </a:r>
+            <a:r>
+              <a:rPr lang="en-US" altLang="ko-KR" b="1" dirty="0" smtClean="0">
+                <a:solidFill>
+                  <a:schemeClr val="accent2"/>
+                </a:solidFill>
+              </a:rPr>
+              <a:t>? </a:t>
+            </a:r>
+            <a:endParaRPr lang="en-US" altLang="ko-KR" b="1" dirty="0">
+              <a:solidFill>
+                <a:schemeClr val="accent2"/>
+              </a:solidFill>
+            </a:endParaRPr>
+          </a:p>
+        </p:txBody>
+      </p:sp>
+      <p:sp>
+        <p:nvSpPr>
+          <p:cNvPr id="11" name="TextBox 10"/>
+          <p:cNvSpPr txBox="1"/>
+          <p:nvPr/>
+        </p:nvSpPr>
+        <p:spPr>
+          <a:xfrm>
+            <a:off x="6582213" y="1728927"/>
+            <a:ext cx="5342832" cy="338554"/>
+          </a:xfrm>
+          <a:prstGeom prst="rect">
+            <a:avLst/>
+          </a:prstGeom>
+          <a:noFill/>
+          <a:ln w="28575">
+            <a:solidFill>
+              <a:srgbClr val="92D050"/>
+            </a:solidFill>
+          </a:ln>
+        </p:spPr>
+        <p:txBody>
+          <a:bodyPr wrap="square" rtlCol="0">
+            <a:spAutoFit/>
+          </a:bodyPr>
+          <a:lstStyle/>
+          <a:p>
+            <a:pPr algn="ctr"/>
+            <a:r>
+              <a:rPr lang="en-US" altLang="ko-KR" sz="1600" b="1" dirty="0" smtClean="0">
+                <a:solidFill>
+                  <a:schemeClr val="accent2"/>
+                </a:solidFill>
+              </a:rPr>
+              <a:t>Equivalent FC</a:t>
+            </a:r>
+            <a:r>
+              <a:rPr lang="ko-KR" altLang="en-US" sz="1600" b="1" dirty="0" smtClean="0">
+                <a:solidFill>
+                  <a:schemeClr val="accent2"/>
+                </a:solidFill>
+              </a:rPr>
+              <a:t>를 위한 보정 </a:t>
+            </a:r>
+            <a:r>
+              <a:rPr lang="en-US" altLang="ko-KR" sz="1600" b="1" dirty="0" smtClean="0">
+                <a:solidFill>
+                  <a:schemeClr val="accent2"/>
+                </a:solidFill>
+              </a:rPr>
+              <a:t>factor = </a:t>
+            </a:r>
+            <a:r>
+              <a:rPr lang="en-US" altLang="ko-KR" sz="1600" b="1" dirty="0" smtClean="0">
+                <a:solidFill>
+                  <a:schemeClr val="accent2"/>
+                </a:solidFill>
+              </a:rPr>
+              <a:t>66.67</a:t>
+            </a:r>
+            <a:r>
+              <a:rPr lang="en-US" altLang="ko-KR" sz="1600" b="1" dirty="0" smtClean="0">
+                <a:solidFill>
+                  <a:schemeClr val="accent2"/>
+                </a:solidFill>
+              </a:rPr>
+              <a:t>g / SOC </a:t>
+            </a:r>
+            <a:endParaRPr lang="en-US" altLang="ko-KR" sz="1600" b="1" dirty="0">
+              <a:solidFill>
+                <a:schemeClr val="accent2"/>
+              </a:solidFill>
+            </a:endParaRPr>
+          </a:p>
+        </p:txBody>
+      </p:sp>
     </p:spTree>
     <p:extLst>
       <p:ext uri="{BB962C8B-B14F-4D97-AF65-F5344CB8AC3E}">
-        <p14:creationId xmlns:p14="http://schemas.microsoft.com/office/powerpoint/2010/main" val="20863801"/>
+        <p14:creationId xmlns:p14="http://schemas.microsoft.com/office/powerpoint/2010/main" val="3709141851"/>
       </p:ext>
     </p:extLst>
   </p:cSld>
@@ -30806,7 +30158,7 @@
         <p:spPr>
           <a:xfrm>
             <a:off x="6738590" y="4220016"/>
-            <a:ext cx="5342832" cy="2031325"/>
+            <a:ext cx="5342832" cy="1477328"/>
           </a:xfrm>
           <a:prstGeom prst="rect">
             <a:avLst/>
@@ -30826,12 +30178,20 @@
           <a:p>
             <a:pPr algn="ctr"/>
             <a:r>
+              <a:rPr lang="en-US" altLang="ko-KR" b="1" dirty="0" err="1" smtClean="0">
+                <a:solidFill>
+                  <a:srgbClr val="00B050"/>
+                </a:solidFill>
+              </a:rPr>
+              <a:t>DDPG_rewardfactor_final</a:t>
+            </a:r>
+            <a:r>
               <a:rPr lang="en-US" altLang="ko-KR" b="1" dirty="0" smtClean="0">
                 <a:solidFill>
                   <a:srgbClr val="00B050"/>
                 </a:solidFill>
               </a:rPr>
-              <a:t>DDPG_rewardfactor_comparison2/</a:t>
+              <a:t>/</a:t>
             </a:r>
             <a:r>
               <a:rPr lang="en-US" altLang="ko-KR" b="1" dirty="0" err="1" smtClean="0">
@@ -30894,6 +30254,37 @@
                   <a:srgbClr val="00B050"/>
                 </a:solidFill>
               </a:rPr>
+              <a:t>/ </a:t>
+            </a:r>
+            <a:r>
+              <a:rPr lang="ko-KR" altLang="en-US" b="1" dirty="0" smtClean="0">
+                <a:solidFill>
+                  <a:srgbClr val="00B050"/>
+                </a:solidFill>
+              </a:rPr>
+              <a:t>학습도 하나의 사이클에 대해서 실험 </a:t>
+            </a:r>
+            <a:r>
+              <a:rPr lang="en-US" altLang="ko-KR" b="1" dirty="0" smtClean="0">
+                <a:solidFill>
+                  <a:srgbClr val="00B050"/>
+                </a:solidFill>
+              </a:rPr>
+              <a:t/>
+            </a:r>
+            <a:br>
+              <a:rPr lang="en-US" altLang="ko-KR" b="1" dirty="0" smtClean="0">
+                <a:solidFill>
+                  <a:srgbClr val="00B050"/>
+                </a:solidFill>
+              </a:rPr>
+            </a:br>
+            <a:r>
+              <a:rPr lang="en-US" altLang="ko-KR" b="1" dirty="0" smtClean="0">
+                <a:solidFill>
+                  <a:srgbClr val="00B050"/>
+                </a:solidFill>
+              </a:rPr>
               <a:t>(</a:t>
             </a:r>
             <a:r>
@@ -30926,124 +30317,9 @@
                   <a:srgbClr val="00B050"/>
                 </a:solidFill>
               </a:rPr>
-              <a:t>2</a:t>
-            </a:r>
-            <a:r>
-              <a:rPr lang="en-US" altLang="ko-KR" b="1" dirty="0" smtClean="0">
-                <a:solidFill>
-                  <a:srgbClr val="00B050"/>
-                </a:solidFill>
-              </a:rPr>
-              <a:t>)</a:t>
-            </a:r>
-          </a:p>
-          <a:p>
-            <a:pPr algn="ctr"/>
-            <a:endParaRPr lang="en-US" altLang="ko-KR" b="1" dirty="0">
-              <a:solidFill>
-                <a:srgbClr val="00B050"/>
-              </a:solidFill>
-            </a:endParaRPr>
-          </a:p>
-          <a:p>
-            <a:pPr algn="ctr"/>
-            <a:r>
-              <a:rPr lang="ko-KR" altLang="en-US" b="1" dirty="0" err="1">
-                <a:solidFill>
-                  <a:srgbClr val="00B050"/>
-                </a:solidFill>
-              </a:rPr>
-              <a:t>차중</a:t>
-            </a:r>
-            <a:r>
-              <a:rPr lang="ko-KR" altLang="en-US" b="1" dirty="0">
-                <a:solidFill>
-                  <a:srgbClr val="00B050"/>
-                </a:solidFill>
-              </a:rPr>
-              <a:t> </a:t>
-            </a:r>
-            <a:r>
-              <a:rPr lang="en-US" altLang="ko-KR" b="1" dirty="0">
-                <a:solidFill>
-                  <a:srgbClr val="00B050"/>
-                </a:solidFill>
-              </a:rPr>
-              <a:t>1200 </a:t>
-            </a:r>
-            <a:r>
-              <a:rPr lang="ko-KR" altLang="en-US" b="1" dirty="0">
-                <a:solidFill>
-                  <a:srgbClr val="00B050"/>
-                </a:solidFill>
-              </a:rPr>
-              <a:t>다시 </a:t>
-            </a:r>
-            <a:r>
-              <a:rPr lang="ko-KR" altLang="en-US" b="1" dirty="0" smtClean="0">
-                <a:solidFill>
-                  <a:srgbClr val="00B050"/>
-                </a:solidFill>
-              </a:rPr>
-              <a:t>해야함</a:t>
+              <a:t>1, 2 [1200kg])</a:t>
             </a:r>
             <a:endParaRPr lang="en-US" altLang="ko-KR" b="1" dirty="0" smtClean="0">
-              <a:solidFill>
-                <a:srgbClr val="00B050"/>
-              </a:solidFill>
-            </a:endParaRPr>
-          </a:p>
-          <a:p>
-            <a:pPr algn="ctr"/>
-            <a:r>
-              <a:rPr lang="en-US" altLang="ko-KR" b="1" dirty="0" smtClean="0">
-                <a:solidFill>
-                  <a:srgbClr val="00B050"/>
-                </a:solidFill>
-              </a:rPr>
-              <a:t>(</a:t>
-            </a:r>
-            <a:r>
-              <a:rPr lang="ko-KR" altLang="en-US" b="1" dirty="0" smtClean="0">
-                <a:solidFill>
-                  <a:srgbClr val="00B050"/>
-                </a:solidFill>
-              </a:rPr>
-              <a:t>노트북 </a:t>
-            </a:r>
-            <a:r>
-              <a:rPr lang="en-US" altLang="ko-KR" b="1" dirty="0" smtClean="0">
-                <a:solidFill>
-                  <a:srgbClr val="00B050"/>
-                </a:solidFill>
-              </a:rPr>
-              <a:t>1, </a:t>
-            </a:r>
-            <a:r>
-              <a:rPr lang="ko-KR" altLang="en-US" b="1" dirty="0" smtClean="0">
-                <a:solidFill>
-                  <a:srgbClr val="00B050"/>
-                </a:solidFill>
-              </a:rPr>
-              <a:t>실행 중</a:t>
-            </a:r>
-            <a:r>
-              <a:rPr lang="en-US" altLang="ko-KR" b="1" dirty="0" smtClean="0">
-                <a:solidFill>
-                  <a:srgbClr val="00B050"/>
-                </a:solidFill>
-              </a:rPr>
-              <a:t>) </a:t>
-            </a:r>
-            <a:r>
-              <a:rPr lang="en-US" altLang="ko-KR" b="1" dirty="0" smtClean="0">
-                <a:solidFill>
-                  <a:srgbClr val="00B050"/>
-                </a:solidFill>
-              </a:rPr>
-              <a:t> </a:t>
-            </a:r>
-            <a:endParaRPr lang="en-US" altLang="ko-KR" b="1" dirty="0">
               <a:solidFill>
                 <a:srgbClr val="00B050"/>
               </a:solidFill>
@@ -31815,225 +31091,6 @@
                 <a:srgbClr val="FF0000"/>
               </a:solidFill>
               <a:ea typeface="굴림" panose="020B0600000101010101" pitchFamily="50" charset="-127"/>
-            </a:endParaRPr>
-          </a:p>
-        </p:txBody>
-      </p:sp>
-      <p:sp>
-        <p:nvSpPr>
-          <p:cNvPr id="7" name="TextBox 6"/>
-          <p:cNvSpPr txBox="1"/>
-          <p:nvPr/>
-        </p:nvSpPr>
-        <p:spPr>
-          <a:xfrm>
-            <a:off x="7138610" y="3577826"/>
-            <a:ext cx="5342832" cy="1754326"/>
-          </a:xfrm>
-          <a:prstGeom prst="rect">
-            <a:avLst/>
-          </a:prstGeom>
-          <a:noFill/>
-          <a:ln w="28575">
-            <a:solidFill>
-              <a:srgbClr val="92D050"/>
-            </a:solidFill>
-          </a:ln>
-        </p:spPr>
-        <p:txBody>
-          <a:bodyPr wrap="square" rtlCol="0">
-            <a:spAutoFit/>
-          </a:bodyPr>
-          <a:lstStyle/>
-          <a:p>
-            <a:pPr algn="ctr"/>
-            <a:r>
-              <a:rPr lang="en-US" altLang="ko-KR" b="1" dirty="0" err="1" smtClean="0">
-                <a:solidFill>
-                  <a:srgbClr val="00B050"/>
-                </a:solidFill>
-              </a:rPr>
-              <a:t>DDPG_adaptive_rewardfactor</a:t>
-            </a:r>
-            <a:r>
-              <a:rPr lang="en-US" altLang="ko-KR" b="1" dirty="0" smtClean="0">
-                <a:solidFill>
-                  <a:srgbClr val="00B050"/>
-                </a:solidFill>
-              </a:rPr>
-              <a:t>/</a:t>
-            </a:r>
-            <a:r>
-              <a:rPr lang="en-US" altLang="ko-KR" b="1" dirty="0" err="1" smtClean="0">
-                <a:solidFill>
-                  <a:srgbClr val="00B050"/>
-                </a:solidFill>
-              </a:rPr>
-              <a:t>post_process</a:t>
-            </a:r>
-            <a:endParaRPr lang="en-US" altLang="ko-KR" b="1" dirty="0">
-              <a:solidFill>
-                <a:srgbClr val="00B050"/>
-              </a:solidFill>
-            </a:endParaRPr>
-          </a:p>
-          <a:p>
-            <a:pPr algn="ctr"/>
-            <a:r>
-              <a:rPr lang="en-US" altLang="ko-KR" b="1" dirty="0" smtClean="0">
-                <a:solidFill>
-                  <a:srgbClr val="00B050"/>
-                </a:solidFill>
-              </a:rPr>
-              <a:t/>
-            </a:r>
-            <a:br>
-              <a:rPr lang="en-US" altLang="ko-KR" b="1" dirty="0" smtClean="0">
-                <a:solidFill>
-                  <a:srgbClr val="00B050"/>
-                </a:solidFill>
-              </a:rPr>
-            </a:br>
-            <a:r>
-              <a:rPr lang="en-US" altLang="ko-KR" b="1" dirty="0" smtClean="0">
-                <a:solidFill>
-                  <a:srgbClr val="00B050"/>
-                </a:solidFill>
-              </a:rPr>
-              <a:t>(</a:t>
-            </a:r>
-            <a:r>
-              <a:rPr lang="ko-KR" altLang="en-US" b="1" dirty="0" smtClean="0">
-                <a:solidFill>
-                  <a:srgbClr val="00B050"/>
-                </a:solidFill>
-              </a:rPr>
-              <a:t>린스타트업과 같은 피드백 루프로 설명</a:t>
-            </a:r>
-            <a:r>
-              <a:rPr lang="en-US" altLang="ko-KR" b="1" dirty="0" smtClean="0">
-                <a:solidFill>
-                  <a:srgbClr val="00B050"/>
-                </a:solidFill>
-              </a:rPr>
-              <a:t>) </a:t>
-            </a:r>
-            <a:endParaRPr lang="en-US" altLang="ko-KR" b="1" dirty="0" smtClean="0">
-              <a:solidFill>
-                <a:srgbClr val="00B050"/>
-              </a:solidFill>
-            </a:endParaRPr>
-          </a:p>
-          <a:p>
-            <a:pPr algn="ctr"/>
-            <a:endParaRPr lang="en-US" altLang="ko-KR" b="1" dirty="0" smtClean="0">
-              <a:solidFill>
-                <a:srgbClr val="00B050"/>
-              </a:solidFill>
-            </a:endParaRPr>
-          </a:p>
-          <a:p>
-            <a:pPr algn="ctr"/>
-            <a:r>
-              <a:rPr lang="ko-KR" altLang="en-US" b="1" dirty="0" err="1">
-                <a:solidFill>
-                  <a:srgbClr val="00B050"/>
-                </a:solidFill>
-              </a:rPr>
-              <a:t>차중</a:t>
-            </a:r>
-            <a:r>
-              <a:rPr lang="ko-KR" altLang="en-US" b="1" dirty="0">
-                <a:solidFill>
-                  <a:srgbClr val="00B050"/>
-                </a:solidFill>
-              </a:rPr>
-              <a:t> </a:t>
-            </a:r>
-            <a:r>
-              <a:rPr lang="en-US" altLang="ko-KR" b="1" dirty="0">
-                <a:solidFill>
-                  <a:srgbClr val="00B050"/>
-                </a:solidFill>
-              </a:rPr>
-              <a:t>1200 </a:t>
-            </a:r>
-            <a:r>
-              <a:rPr lang="ko-KR" altLang="en-US" b="1" dirty="0">
-                <a:solidFill>
-                  <a:srgbClr val="00B050"/>
-                </a:solidFill>
-              </a:rPr>
-              <a:t>다시 해야함</a:t>
-            </a:r>
-            <a:endParaRPr lang="en-US" altLang="ko-KR" b="1" dirty="0">
-              <a:solidFill>
-                <a:srgbClr val="00B050"/>
-              </a:solidFill>
-            </a:endParaRPr>
-          </a:p>
-          <a:p>
-            <a:pPr algn="ctr"/>
-            <a:r>
-              <a:rPr lang="en-US" altLang="ko-KR" b="1" dirty="0">
-                <a:solidFill>
-                  <a:srgbClr val="00B050"/>
-                </a:solidFill>
-              </a:rPr>
-              <a:t>(</a:t>
-            </a:r>
-            <a:r>
-              <a:rPr lang="ko-KR" altLang="en-US" b="1" dirty="0">
-                <a:solidFill>
-                  <a:srgbClr val="00B050"/>
-                </a:solidFill>
-              </a:rPr>
-              <a:t>노트북 </a:t>
-            </a:r>
-            <a:r>
-              <a:rPr lang="en-US" altLang="ko-KR" b="1" dirty="0">
-                <a:solidFill>
-                  <a:srgbClr val="00B050"/>
-                </a:solidFill>
-              </a:rPr>
-              <a:t>1, </a:t>
-            </a:r>
-            <a:r>
-              <a:rPr lang="ko-KR" altLang="en-US" b="1" dirty="0" smtClean="0">
-                <a:solidFill>
-                  <a:srgbClr val="00B050"/>
-                </a:solidFill>
-              </a:rPr>
-              <a:t>실행 </a:t>
-            </a:r>
-            <a:r>
-              <a:rPr lang="ko-KR" altLang="en-US" b="1" dirty="0">
-                <a:solidFill>
-                  <a:srgbClr val="00B050"/>
-                </a:solidFill>
-              </a:rPr>
-              <a:t>중</a:t>
-            </a:r>
-            <a:r>
-              <a:rPr lang="en-US" altLang="ko-KR" b="1" dirty="0" smtClean="0">
-                <a:solidFill>
-                  <a:srgbClr val="00B050"/>
-                </a:solidFill>
-              </a:rPr>
-              <a:t>) </a:t>
-            </a:r>
-            <a:r>
-              <a:rPr lang="ko-KR" altLang="en-US" b="1" dirty="0" smtClean="0">
-                <a:solidFill>
-                  <a:srgbClr val="00B050"/>
-                </a:solidFill>
-              </a:rPr>
-              <a:t>  </a:t>
-            </a:r>
-            <a:endParaRPr lang="en-US" altLang="ko-KR" b="1" dirty="0" smtClean="0">
-              <a:solidFill>
-                <a:srgbClr val="00B050"/>
-              </a:solidFill>
             </a:endParaRPr>
           </a:p>
         </p:txBody>
@@ -32682,8 +31739,8 @@
           </a:p>
         </p:txBody>
       </p:sp>
-      <mc:AlternateContent xmlns:mc="http://schemas.openxmlformats.org/markup-compatibility/2006">
-        <mc:Choice xmlns:a14="http://schemas.microsoft.com/office/drawing/2010/main" Requires="a14">
+      <mc:AlternateContent xmlns:mc="http://schemas.openxmlformats.org/markup-compatibility/2006" xmlns:a14="http://schemas.microsoft.com/office/drawing/2010/main">
+        <mc:Choice Requires="a14">
           <p:sp>
             <p:nvSpPr>
               <p:cNvPr id="42" name="TextBox 41"/>
@@ -32819,7 +31876,7 @@
             </p:txBody>
           </p:sp>
         </mc:Choice>
-        <mc:Fallback>
+        <mc:Fallback xmlns="">
           <p:sp>
             <p:nvSpPr>
               <p:cNvPr id="42" name="TextBox 41"/>
@@ -33108,8 +32165,8 @@
           </a:fontRef>
         </p:style>
       </p:cxnSp>
-      <mc:AlternateContent xmlns:mc="http://schemas.openxmlformats.org/markup-compatibility/2006">
-        <mc:Choice xmlns:a14="http://schemas.microsoft.com/office/drawing/2010/main" Requires="a14">
+      <mc:AlternateContent xmlns:mc="http://schemas.openxmlformats.org/markup-compatibility/2006" xmlns:a14="http://schemas.microsoft.com/office/drawing/2010/main">
+        <mc:Choice Requires="a14">
           <p:sp>
             <p:nvSpPr>
               <p:cNvPr id="60" name="TextBox 59"/>
@@ -33132,6 +32189,7 @@
               </a:bodyPr>
               <a:lstStyle/>
               <a:p>
+                <a:pPr/>
                 <a14:m>
                   <m:oMathPara xmlns:m="http://schemas.openxmlformats.org/officeDocument/2006/math">
                     <m:oMathParaPr>
@@ -33225,7 +32283,7 @@
             </p:txBody>
           </p:sp>
         </mc:Choice>
-        <mc:Fallback>
+        <mc:Fallback xmlns="">
           <p:sp>
             <p:nvSpPr>
               <p:cNvPr id="60" name="TextBox 59"/>
@@ -33264,8 +32322,8 @@
           </p:sp>
         </mc:Fallback>
       </mc:AlternateContent>
-      <mc:AlternateContent xmlns:mc="http://schemas.openxmlformats.org/markup-compatibility/2006">
-        <mc:Choice xmlns:a14="http://schemas.microsoft.com/office/drawing/2010/main" Requires="a14">
+      <mc:AlternateContent xmlns:mc="http://schemas.openxmlformats.org/markup-compatibility/2006" xmlns:a14="http://schemas.microsoft.com/office/drawing/2010/main">
+        <mc:Choice Requires="a14">
           <p:sp>
             <p:nvSpPr>
               <p:cNvPr id="61" name="TextBox 60"/>
@@ -33288,6 +32346,7 @@
               </a:bodyPr>
               <a:lstStyle/>
               <a:p>
+                <a:pPr/>
                 <a14:m>
                   <m:oMathPara xmlns:m="http://schemas.openxmlformats.org/officeDocument/2006/math">
                     <m:oMathParaPr>
@@ -33349,7 +32408,7 @@
             </p:txBody>
           </p:sp>
         </mc:Choice>
-        <mc:Fallback>
+        <mc:Fallback xmlns="">
           <p:sp>
             <p:nvSpPr>
               <p:cNvPr id="61" name="TextBox 60"/>
@@ -33425,8 +32484,8 @@
           </a:fontRef>
         </p:style>
       </p:cxnSp>
-      <mc:AlternateContent xmlns:mc="http://schemas.openxmlformats.org/markup-compatibility/2006">
-        <mc:Choice xmlns:a14="http://schemas.microsoft.com/office/drawing/2010/main" Requires="a14">
+      <mc:AlternateContent xmlns:mc="http://schemas.openxmlformats.org/markup-compatibility/2006" xmlns:a14="http://schemas.microsoft.com/office/drawing/2010/main">
+        <mc:Choice Requires="a14">
           <p:sp>
             <p:nvSpPr>
               <p:cNvPr id="64" name="TextBox 63"/>
@@ -33449,6 +32508,7 @@
               </a:bodyPr>
               <a:lstStyle/>
               <a:p>
+                <a:pPr/>
                 <a14:m>
                   <m:oMathPara xmlns:m="http://schemas.openxmlformats.org/officeDocument/2006/math">
                     <m:oMathParaPr>
@@ -33469,7 +32529,7 @@
             </p:txBody>
           </p:sp>
         </mc:Choice>
-        <mc:Fallback>
+        <mc:Fallback xmlns="">
           <p:sp>
             <p:nvSpPr>
               <p:cNvPr id="64" name="TextBox 63"/>
@@ -33547,8 +32607,8 @@
           </a:p>
         </p:txBody>
       </p:sp>
-      <mc:AlternateContent xmlns:mc="http://schemas.openxmlformats.org/markup-compatibility/2006">
-        <mc:Choice xmlns:a14="http://schemas.microsoft.com/office/drawing/2010/main" Requires="a14">
+      <mc:AlternateContent xmlns:mc="http://schemas.openxmlformats.org/markup-compatibility/2006" xmlns:a14="http://schemas.microsoft.com/office/drawing/2010/main">
+        <mc:Choice Requires="a14">
           <p:sp>
             <p:nvSpPr>
               <p:cNvPr id="66" name="TextBox 65"/>
@@ -33644,7 +32704,7 @@
             </p:txBody>
           </p:sp>
         </mc:Choice>
-        <mc:Fallback>
+        <mc:Fallback xmlns="">
           <p:sp>
             <p:nvSpPr>
               <p:cNvPr id="66" name="TextBox 65"/>
@@ -33683,8 +32743,8 @@
           </p:sp>
         </mc:Fallback>
       </mc:AlternateContent>
-      <mc:AlternateContent xmlns:mc="http://schemas.openxmlformats.org/markup-compatibility/2006">
-        <mc:Choice xmlns:a14="http://schemas.microsoft.com/office/drawing/2010/main" Requires="a14">
+      <mc:AlternateContent xmlns:mc="http://schemas.openxmlformats.org/markup-compatibility/2006" xmlns:a14="http://schemas.microsoft.com/office/drawing/2010/main">
+        <mc:Choice Requires="a14">
           <p:sp>
             <p:nvSpPr>
               <p:cNvPr id="67" name="TextBox 66"/>
@@ -33744,7 +32804,7 @@
             </p:txBody>
           </p:sp>
         </mc:Choice>
-        <mc:Fallback>
+        <mc:Fallback xmlns="">
           <p:sp>
             <p:nvSpPr>
               <p:cNvPr id="67" name="TextBox 66"/>
@@ -33783,8 +32843,8 @@
           </p:sp>
         </mc:Fallback>
       </mc:AlternateContent>
-      <mc:AlternateContent xmlns:mc="http://schemas.openxmlformats.org/markup-compatibility/2006">
-        <mc:Choice xmlns:a14="http://schemas.microsoft.com/office/drawing/2010/main" Requires="a14">
+      <mc:AlternateContent xmlns:mc="http://schemas.openxmlformats.org/markup-compatibility/2006" xmlns:a14="http://schemas.microsoft.com/office/drawing/2010/main">
+        <mc:Choice Requires="a14">
           <p:sp>
             <p:nvSpPr>
               <p:cNvPr id="68" name="TextBox 67"/>
@@ -33887,7 +32947,7 @@
             </p:txBody>
           </p:sp>
         </mc:Choice>
-        <mc:Fallback>
+        <mc:Fallback xmlns="">
           <p:sp>
             <p:nvSpPr>
               <p:cNvPr id="68" name="TextBox 67"/>
@@ -33926,6 +32986,192 @@
           </p:sp>
         </mc:Fallback>
       </mc:AlternateContent>
+      <p:sp>
+        <p:nvSpPr>
+          <p:cNvPr id="36" name="TextBox 35"/>
+          <p:cNvSpPr txBox="1"/>
+          <p:nvPr/>
+        </p:nvSpPr>
+        <p:spPr>
+          <a:xfrm>
+            <a:off x="7264778" y="3360964"/>
+            <a:ext cx="5342832" cy="1477328"/>
+          </a:xfrm>
+          <a:prstGeom prst="rect">
+            <a:avLst/>
+          </a:prstGeom>
+          <a:noFill/>
+          <a:ln w="28575">
+            <a:solidFill>
+              <a:srgbClr val="92D050"/>
+            </a:solidFill>
+          </a:ln>
+        </p:spPr>
+        <p:txBody>
+          <a:bodyPr wrap="square" rtlCol="0">
+            <a:spAutoFit/>
+          </a:bodyPr>
+          <a:lstStyle/>
+          <a:p>
+            <a:pPr algn="ctr"/>
+            <a:r>
+              <a:rPr lang="en-US" altLang="ko-KR" b="1" dirty="0" err="1" smtClean="0">
+                <a:solidFill>
+                  <a:srgbClr val="00B050"/>
+                </a:solidFill>
+              </a:rPr>
+              <a:t>DDPG_rewardfactor_</a:t>
+            </a:r>
+            <a:r>
+              <a:rPr lang="en-US" altLang="ko-KR" b="1" dirty="0" err="1" smtClean="0">
+                <a:solidFill>
+                  <a:srgbClr val="00B050"/>
+                </a:solidFill>
+              </a:rPr>
+              <a:t>final</a:t>
+            </a:r>
+            <a:r>
+              <a:rPr lang="en-US" altLang="ko-KR" b="1" dirty="0" smtClean="0">
+                <a:solidFill>
+                  <a:srgbClr val="00B050"/>
+                </a:solidFill>
+              </a:rPr>
+              <a:t>/</a:t>
+            </a:r>
+            <a:r>
+              <a:rPr lang="en-US" altLang="ko-KR" b="1" dirty="0" err="1" smtClean="0">
+                <a:solidFill>
+                  <a:srgbClr val="00B050"/>
+                </a:solidFill>
+              </a:rPr>
+              <a:t>post_process</a:t>
+            </a:r>
+            <a:endParaRPr lang="en-US" altLang="ko-KR" b="1" dirty="0" smtClean="0">
+              <a:solidFill>
+                <a:srgbClr val="00B050"/>
+              </a:solidFill>
+            </a:endParaRPr>
+          </a:p>
+          <a:p>
+            <a:pPr algn="ctr"/>
+            <a:endParaRPr lang="en-US" altLang="ko-KR" b="1" dirty="0">
+              <a:solidFill>
+                <a:srgbClr val="00B050"/>
+              </a:solidFill>
+            </a:endParaRPr>
+          </a:p>
+          <a:p>
+            <a:pPr algn="ctr"/>
+            <a:r>
+              <a:rPr lang="ko-KR" altLang="en-US" b="1" dirty="0" smtClean="0">
+                <a:solidFill>
+                  <a:srgbClr val="00B050"/>
+                </a:solidFill>
+              </a:rPr>
+              <a:t>동일한 테스트 사이클에서 연비 평가를 할 필요 </a:t>
+            </a:r>
+            <a:r>
+              <a:rPr lang="en-US" altLang="ko-KR" b="1" dirty="0" smtClean="0">
+                <a:solidFill>
+                  <a:srgbClr val="00B050"/>
+                </a:solidFill>
+              </a:rPr>
+              <a:t/>
+            </a:r>
+            <a:br>
+              <a:rPr lang="en-US" altLang="ko-KR" b="1" dirty="0" smtClean="0">
+                <a:solidFill>
+                  <a:srgbClr val="00B050"/>
+                </a:solidFill>
+              </a:rPr>
+            </a:br>
+            <a:r>
+              <a:rPr lang="ko-KR" altLang="en-US" b="1" dirty="0" smtClean="0">
+                <a:solidFill>
+                  <a:srgbClr val="00B050"/>
+                </a:solidFill>
+              </a:rPr>
+              <a:t>있음 </a:t>
+            </a:r>
+            <a:r>
+              <a:rPr lang="en-US" altLang="ko-KR" b="1" dirty="0" smtClean="0">
+                <a:solidFill>
+                  <a:srgbClr val="00B050"/>
+                </a:solidFill>
+              </a:rPr>
+              <a:t>/ </a:t>
+            </a:r>
+            <a:r>
+              <a:rPr lang="ko-KR" altLang="en-US" b="1" dirty="0" smtClean="0">
+                <a:solidFill>
+                  <a:srgbClr val="00B050"/>
+                </a:solidFill>
+              </a:rPr>
+              <a:t>학습도 하나의 사이클에 대해서 실험 </a:t>
+            </a:r>
+            <a:r>
+              <a:rPr lang="en-US" altLang="ko-KR" b="1" dirty="0" smtClean="0">
+                <a:solidFill>
+                  <a:srgbClr val="00B050"/>
+                </a:solidFill>
+              </a:rPr>
+              <a:t/>
+            </a:r>
+            <a:br>
+              <a:rPr lang="en-US" altLang="ko-KR" b="1" dirty="0" smtClean="0">
+                <a:solidFill>
+                  <a:srgbClr val="00B050"/>
+                </a:solidFill>
+              </a:rPr>
+            </a:br>
+            <a:r>
+              <a:rPr lang="en-US" altLang="ko-KR" b="1" dirty="0" smtClean="0">
+                <a:solidFill>
+                  <a:srgbClr val="00B050"/>
+                </a:solidFill>
+              </a:rPr>
+              <a:t>(</a:t>
+            </a:r>
+            <a:r>
+              <a:rPr lang="ko-KR" altLang="en-US" b="1" dirty="0" smtClean="0">
+                <a:solidFill>
+                  <a:srgbClr val="00B050"/>
+                </a:solidFill>
+              </a:rPr>
+              <a:t>실행 중</a:t>
+            </a:r>
+            <a:r>
+              <a:rPr lang="en-US" altLang="ko-KR" b="1" dirty="0" smtClean="0">
+                <a:solidFill>
+                  <a:srgbClr val="00B050"/>
+                </a:solidFill>
+              </a:rPr>
+              <a:t>, </a:t>
+            </a:r>
+            <a:r>
+              <a:rPr lang="ko-KR" altLang="en-US" b="1" dirty="0" smtClean="0">
+                <a:solidFill>
+                  <a:srgbClr val="00B050"/>
+                </a:solidFill>
+              </a:rPr>
+              <a:t>노트북 </a:t>
+            </a:r>
+            <a:r>
+              <a:rPr lang="en-US" altLang="ko-KR" b="1" dirty="0" smtClean="0">
+                <a:solidFill>
+                  <a:srgbClr val="00B050"/>
+                </a:solidFill>
+              </a:rPr>
+              <a:t>1, 2 [1200kg])</a:t>
+            </a:r>
+            <a:endParaRPr lang="en-US" altLang="ko-KR" b="1" dirty="0" smtClean="0">
+              <a:solidFill>
+                <a:srgbClr val="00B050"/>
+              </a:solidFill>
+            </a:endParaRPr>
+          </a:p>
+        </p:txBody>
+      </p:sp>
     </p:spTree>
     <p:extLst>
       <p:ext uri="{BB962C8B-B14F-4D97-AF65-F5344CB8AC3E}">
@@ -35763,15 +35009,7 @@
                   <a:srgbClr val="00B050"/>
                 </a:solidFill>
               </a:rPr>
-              <a:t>문제</a:t>
-            </a:r>
-            <a:r>
-              <a:rPr lang="ko-KR" altLang="en-US" b="1" dirty="0" smtClean="0">
-                <a:solidFill>
-                  <a:srgbClr val="00B050"/>
-                </a:solidFill>
-              </a:rPr>
-              <a:t>로 문제</a:t>
+              <a:t>문제로 문제</a:t>
             </a:r>
             <a:r>
               <a:rPr lang="en-US" altLang="ko-KR" b="1" dirty="0" smtClean="0">
@@ -36449,6 +35687,15 @@
                 </a:solidFill>
                 <a:ea typeface="굴림" panose="020B0600000101010101" pitchFamily="50" charset="-127"/>
               </a:rPr>
+              <a:t> 크기와</a:t>
+            </a:r>
+            <a:r>
+              <a:rPr lang="en-US" altLang="ko-KR" sz="1600" dirty="0" smtClean="0">
+                <a:solidFill>
+                  <a:srgbClr val="FF0000"/>
+                </a:solidFill>
+                <a:ea typeface="굴림" panose="020B0600000101010101" pitchFamily="50" charset="-127"/>
+              </a:rPr>
               <a:t> </a:t>
             </a:r>
             <a:r>
@@ -36458,34 +35705,7 @@
                 </a:solidFill>
                 <a:ea typeface="굴림" panose="020B0600000101010101" pitchFamily="50" charset="-127"/>
               </a:rPr>
-              <a:t>크기와</a:t>
-            </a:r>
-            <a:r>
-              <a:rPr lang="en-US" altLang="ko-KR" sz="1600" dirty="0" smtClean="0">
-                <a:solidFill>
-                  <a:srgbClr val="FF0000"/>
-                </a:solidFill>
-                <a:ea typeface="굴림" panose="020B0600000101010101" pitchFamily="50" charset="-127"/>
-              </a:rPr>
-              <a:t> </a:t>
-            </a:r>
-            <a:r>
-              <a:rPr lang="ko-KR" altLang="en-US" sz="1600" dirty="0" smtClean="0">
-                <a:solidFill>
-                  <a:srgbClr val="FF0000"/>
-                </a:solidFill>
-                <a:ea typeface="굴림" panose="020B0600000101010101" pitchFamily="50" charset="-127"/>
-              </a:rPr>
-              <a:t>구조를 직렬로 변경하고 </a:t>
-            </a:r>
-            <a:r>
-              <a:rPr lang="ko-KR" altLang="en-US" sz="1600" dirty="0" smtClean="0">
-                <a:solidFill>
-                  <a:srgbClr val="FF0000"/>
-                </a:solidFill>
-                <a:ea typeface="굴림" panose="020B0600000101010101" pitchFamily="50" charset="-127"/>
-              </a:rPr>
-              <a:t>동일한 학습프레임워크상에서 </a:t>
+              <a:t>구조를 직렬로 변경하고 동일한 학습프레임워크상에서 </a:t>
             </a:r>
             <a:r>
               <a:rPr lang="en-US" altLang="ko-KR" sz="1600" dirty="0" smtClean="0">
